--- a/SE305 Presentation.pptx
+++ b/SE305 Presentation.pptx
@@ -9,11 +9,15 @@
     <p:sldId id="257" r:id="rId3"/>
     <p:sldId id="258" r:id="rId4"/>
     <p:sldId id="264" r:id="rId5"/>
-    <p:sldId id="259" r:id="rId6"/>
-    <p:sldId id="260" r:id="rId7"/>
-    <p:sldId id="261" r:id="rId8"/>
-    <p:sldId id="262" r:id="rId9"/>
-    <p:sldId id="263" r:id="rId10"/>
+    <p:sldId id="265" r:id="rId6"/>
+    <p:sldId id="266" r:id="rId7"/>
+    <p:sldId id="259" r:id="rId8"/>
+    <p:sldId id="260" r:id="rId9"/>
+    <p:sldId id="267" r:id="rId10"/>
+    <p:sldId id="269" r:id="rId11"/>
+    <p:sldId id="261" r:id="rId12"/>
+    <p:sldId id="262" r:id="rId13"/>
+    <p:sldId id="263" r:id="rId14"/>
   </p:sldIdLst>
   <p:sldSz cx="12192000" cy="6858000"/>
   <p:notesSz cx="6858000" cy="9144000"/>
@@ -3034,6 +3038,788 @@
 </file>
 
 <file path=ppt/diagrams/colors3.xml><?xml version="1.0" encoding="utf-8"?>
+<dgm:colorsDef xmlns:dgm="http://schemas.openxmlformats.org/drawingml/2006/diagram" xmlns:a="http://schemas.openxmlformats.org/drawingml/2006/main" uniqueId="urn:microsoft.com/office/officeart/2005/8/colors/colorful4">
+  <dgm:title val=""/>
+  <dgm:desc val=""/>
+  <dgm:catLst>
+    <dgm:cat type="colorful" pri="10400"/>
+  </dgm:catLst>
+  <dgm:styleLbl name="node0">
+    <dgm:fillClrLst meth="repeat">
+      <a:schemeClr val="accent3"/>
+    </dgm:fillClrLst>
+    <dgm:linClrLst meth="repeat">
+      <a:schemeClr val="lt1"/>
+    </dgm:linClrLst>
+    <dgm:effectClrLst/>
+    <dgm:txLinClrLst/>
+    <dgm:txFillClrLst/>
+    <dgm:txEffectClrLst/>
+  </dgm:styleLbl>
+  <dgm:styleLbl name="node1">
+    <dgm:fillClrLst>
+      <a:schemeClr val="accent4"/>
+      <a:schemeClr val="accent5"/>
+    </dgm:fillClrLst>
+    <dgm:linClrLst meth="repeat">
+      <a:schemeClr val="lt1"/>
+    </dgm:linClrLst>
+    <dgm:effectClrLst/>
+    <dgm:txLinClrLst/>
+    <dgm:txFillClrLst/>
+    <dgm:txEffectClrLst/>
+  </dgm:styleLbl>
+  <dgm:styleLbl name="alignNode1">
+    <dgm:fillClrLst>
+      <a:schemeClr val="accent4"/>
+      <a:schemeClr val="accent5"/>
+    </dgm:fillClrLst>
+    <dgm:linClrLst>
+      <a:schemeClr val="accent4"/>
+      <a:schemeClr val="accent5"/>
+    </dgm:linClrLst>
+    <dgm:effectClrLst/>
+    <dgm:txLinClrLst/>
+    <dgm:txFillClrLst/>
+    <dgm:txEffectClrLst/>
+  </dgm:styleLbl>
+  <dgm:styleLbl name="lnNode1">
+    <dgm:fillClrLst>
+      <a:schemeClr val="accent4"/>
+      <a:schemeClr val="accent5"/>
+    </dgm:fillClrLst>
+    <dgm:linClrLst meth="repeat">
+      <a:schemeClr val="lt1"/>
+    </dgm:linClrLst>
+    <dgm:effectClrLst/>
+    <dgm:txLinClrLst/>
+    <dgm:txFillClrLst/>
+    <dgm:txEffectClrLst/>
+  </dgm:styleLbl>
+  <dgm:styleLbl name="vennNode1">
+    <dgm:fillClrLst>
+      <a:schemeClr val="accent4">
+        <a:alpha val="50000"/>
+      </a:schemeClr>
+      <a:schemeClr val="accent5">
+        <a:alpha val="50000"/>
+      </a:schemeClr>
+    </dgm:fillClrLst>
+    <dgm:linClrLst meth="repeat">
+      <a:schemeClr val="lt1"/>
+    </dgm:linClrLst>
+    <dgm:effectClrLst/>
+    <dgm:txLinClrLst/>
+    <dgm:txFillClrLst/>
+    <dgm:txEffectClrLst/>
+  </dgm:styleLbl>
+  <dgm:styleLbl name="node2">
+    <dgm:fillClrLst>
+      <a:schemeClr val="accent5"/>
+    </dgm:fillClrLst>
+    <dgm:linClrLst meth="repeat">
+      <a:schemeClr val="lt1"/>
+    </dgm:linClrLst>
+    <dgm:effectClrLst/>
+    <dgm:txLinClrLst/>
+    <dgm:txFillClrLst/>
+    <dgm:txEffectClrLst/>
+  </dgm:styleLbl>
+  <dgm:styleLbl name="node3">
+    <dgm:fillClrLst>
+      <a:schemeClr val="accent6"/>
+    </dgm:fillClrLst>
+    <dgm:linClrLst meth="repeat">
+      <a:schemeClr val="lt1"/>
+    </dgm:linClrLst>
+    <dgm:effectClrLst/>
+    <dgm:txLinClrLst/>
+    <dgm:txFillClrLst/>
+    <dgm:txEffectClrLst/>
+  </dgm:styleLbl>
+  <dgm:styleLbl name="node4">
+    <dgm:fillClrLst>
+      <a:schemeClr val="accent1"/>
+    </dgm:fillClrLst>
+    <dgm:linClrLst meth="repeat">
+      <a:schemeClr val="lt1"/>
+    </dgm:linClrLst>
+    <dgm:effectClrLst/>
+    <dgm:txLinClrLst/>
+    <dgm:txFillClrLst/>
+    <dgm:txEffectClrLst/>
+  </dgm:styleLbl>
+  <dgm:styleLbl name="fgImgPlace1">
+    <dgm:fillClrLst>
+      <a:schemeClr val="accent4">
+        <a:tint val="50000"/>
+      </a:schemeClr>
+      <a:schemeClr val="accent5">
+        <a:tint val="50000"/>
+      </a:schemeClr>
+    </dgm:fillClrLst>
+    <dgm:linClrLst meth="repeat">
+      <a:schemeClr val="lt1"/>
+    </dgm:linClrLst>
+    <dgm:effectClrLst/>
+    <dgm:txLinClrLst/>
+    <dgm:txFillClrLst meth="repeat">
+      <a:schemeClr val="lt1"/>
+    </dgm:txFillClrLst>
+    <dgm:txEffectClrLst/>
+  </dgm:styleLbl>
+  <dgm:styleLbl name="alignImgPlace1">
+    <dgm:fillClrLst>
+      <a:schemeClr val="accent4">
+        <a:tint val="50000"/>
+      </a:schemeClr>
+      <a:schemeClr val="accent5">
+        <a:tint val="20000"/>
+      </a:schemeClr>
+    </dgm:fillClrLst>
+    <dgm:linClrLst meth="repeat">
+      <a:schemeClr val="lt1"/>
+    </dgm:linClrLst>
+    <dgm:effectClrLst/>
+    <dgm:txLinClrLst/>
+    <dgm:txFillClrLst meth="repeat">
+      <a:schemeClr val="lt1"/>
+    </dgm:txFillClrLst>
+    <dgm:txEffectClrLst/>
+  </dgm:styleLbl>
+  <dgm:styleLbl name="bgImgPlace1">
+    <dgm:fillClrLst>
+      <a:schemeClr val="accent4">
+        <a:tint val="50000"/>
+      </a:schemeClr>
+      <a:schemeClr val="accent5">
+        <a:tint val="20000"/>
+      </a:schemeClr>
+    </dgm:fillClrLst>
+    <dgm:linClrLst meth="repeat">
+      <a:schemeClr val="lt1"/>
+    </dgm:linClrLst>
+    <dgm:effectClrLst/>
+    <dgm:txLinClrLst/>
+    <dgm:txFillClrLst meth="repeat">
+      <a:schemeClr val="lt1"/>
+    </dgm:txFillClrLst>
+    <dgm:txEffectClrLst/>
+  </dgm:styleLbl>
+  <dgm:styleLbl name="sibTrans2D1">
+    <dgm:fillClrLst>
+      <a:schemeClr val="accent4"/>
+      <a:schemeClr val="accent5"/>
+    </dgm:fillClrLst>
+    <dgm:linClrLst meth="repeat">
+      <a:schemeClr val="lt1"/>
+    </dgm:linClrLst>
+    <dgm:effectClrLst/>
+    <dgm:txLinClrLst/>
+    <dgm:txFillClrLst/>
+    <dgm:txEffectClrLst/>
+  </dgm:styleLbl>
+  <dgm:styleLbl name="fgSibTrans2D1">
+    <dgm:fillClrLst>
+      <a:schemeClr val="accent4"/>
+      <a:schemeClr val="accent5"/>
+    </dgm:fillClrLst>
+    <dgm:linClrLst meth="repeat">
+      <a:schemeClr val="lt1"/>
+    </dgm:linClrLst>
+    <dgm:effectClrLst/>
+    <dgm:txLinClrLst/>
+    <dgm:txFillClrLst meth="repeat">
+      <a:schemeClr val="lt1"/>
+    </dgm:txFillClrLst>
+    <dgm:txEffectClrLst/>
+  </dgm:styleLbl>
+  <dgm:styleLbl name="bgSibTrans2D1">
+    <dgm:fillClrLst>
+      <a:schemeClr val="accent4"/>
+      <a:schemeClr val="accent5"/>
+    </dgm:fillClrLst>
+    <dgm:linClrLst meth="repeat">
+      <a:schemeClr val="lt1"/>
+    </dgm:linClrLst>
+    <dgm:effectClrLst/>
+    <dgm:txLinClrLst/>
+    <dgm:txFillClrLst meth="repeat">
+      <a:schemeClr val="lt1"/>
+    </dgm:txFillClrLst>
+    <dgm:txEffectClrLst/>
+  </dgm:styleLbl>
+  <dgm:styleLbl name="sibTrans1D1">
+    <dgm:fillClrLst/>
+    <dgm:linClrLst>
+      <a:schemeClr val="accent4"/>
+      <a:schemeClr val="accent5"/>
+    </dgm:linClrLst>
+    <dgm:effectClrLst/>
+    <dgm:txLinClrLst/>
+    <dgm:txFillClrLst meth="repeat">
+      <a:schemeClr val="tx1"/>
+    </dgm:txFillClrLst>
+    <dgm:txEffectClrLst/>
+  </dgm:styleLbl>
+  <dgm:styleLbl name="callout">
+    <dgm:fillClrLst meth="repeat">
+      <a:schemeClr val="accent4"/>
+    </dgm:fillClrLst>
+    <dgm:linClrLst meth="repeat">
+      <a:schemeClr val="accent4">
+        <a:tint val="50000"/>
+      </a:schemeClr>
+    </dgm:linClrLst>
+    <dgm:effectClrLst/>
+    <dgm:txLinClrLst/>
+    <dgm:txFillClrLst meth="repeat">
+      <a:schemeClr val="tx1"/>
+    </dgm:txFillClrLst>
+    <dgm:txEffectClrLst/>
+  </dgm:styleLbl>
+  <dgm:styleLbl name="asst0">
+    <dgm:fillClrLst meth="repeat">
+      <a:schemeClr val="accent4"/>
+    </dgm:fillClrLst>
+    <dgm:linClrLst meth="repeat">
+      <a:schemeClr val="lt1">
+        <a:shade val="80000"/>
+      </a:schemeClr>
+    </dgm:linClrLst>
+    <dgm:effectClrLst/>
+    <dgm:txLinClrLst/>
+    <dgm:txFillClrLst/>
+    <dgm:txEffectClrLst/>
+  </dgm:styleLbl>
+  <dgm:styleLbl name="asst1">
+    <dgm:fillClrLst meth="repeat">
+      <a:schemeClr val="accent5"/>
+    </dgm:fillClrLst>
+    <dgm:linClrLst meth="repeat">
+      <a:schemeClr val="lt1">
+        <a:shade val="80000"/>
+      </a:schemeClr>
+    </dgm:linClrLst>
+    <dgm:effectClrLst/>
+    <dgm:txLinClrLst/>
+    <dgm:txFillClrLst/>
+    <dgm:txEffectClrLst/>
+  </dgm:styleLbl>
+  <dgm:styleLbl name="asst2">
+    <dgm:fillClrLst>
+      <a:schemeClr val="accent6"/>
+    </dgm:fillClrLst>
+    <dgm:linClrLst meth="repeat">
+      <a:schemeClr val="lt1"/>
+    </dgm:linClrLst>
+    <dgm:effectClrLst/>
+    <dgm:txLinClrLst/>
+    <dgm:txFillClrLst/>
+    <dgm:txEffectClrLst/>
+  </dgm:styleLbl>
+  <dgm:styleLbl name="asst3">
+    <dgm:fillClrLst>
+      <a:schemeClr val="accent1"/>
+    </dgm:fillClrLst>
+    <dgm:linClrLst meth="repeat">
+      <a:schemeClr val="lt1"/>
+    </dgm:linClrLst>
+    <dgm:effectClrLst/>
+    <dgm:txLinClrLst/>
+    <dgm:txFillClrLst/>
+    <dgm:txEffectClrLst/>
+  </dgm:styleLbl>
+  <dgm:styleLbl name="asst4">
+    <dgm:fillClrLst>
+      <a:schemeClr val="accent2"/>
+    </dgm:fillClrLst>
+    <dgm:linClrLst meth="repeat">
+      <a:schemeClr val="lt1"/>
+    </dgm:linClrLst>
+    <dgm:effectClrLst/>
+    <dgm:txLinClrLst/>
+    <dgm:txFillClrLst/>
+    <dgm:txEffectClrLst/>
+  </dgm:styleLbl>
+  <dgm:styleLbl name="parChTrans2D1">
+    <dgm:fillClrLst meth="repeat">
+      <a:schemeClr val="accent4"/>
+    </dgm:fillClrLst>
+    <dgm:linClrLst meth="repeat">
+      <a:schemeClr val="lt1"/>
+    </dgm:linClrLst>
+    <dgm:effectClrLst/>
+    <dgm:txLinClrLst/>
+    <dgm:txFillClrLst meth="repeat">
+      <a:schemeClr val="lt1"/>
+    </dgm:txFillClrLst>
+    <dgm:txEffectClrLst/>
+  </dgm:styleLbl>
+  <dgm:styleLbl name="parChTrans2D2">
+    <dgm:fillClrLst meth="repeat">
+      <a:schemeClr val="accent5"/>
+    </dgm:fillClrLst>
+    <dgm:linClrLst meth="repeat">
+      <a:schemeClr val="lt1"/>
+    </dgm:linClrLst>
+    <dgm:effectClrLst/>
+    <dgm:txLinClrLst/>
+    <dgm:txFillClrLst/>
+    <dgm:txEffectClrLst/>
+  </dgm:styleLbl>
+  <dgm:styleLbl name="parChTrans2D3">
+    <dgm:fillClrLst meth="repeat">
+      <a:schemeClr val="accent5"/>
+    </dgm:fillClrLst>
+    <dgm:linClrLst meth="repeat">
+      <a:schemeClr val="lt1"/>
+    </dgm:linClrLst>
+    <dgm:effectClrLst/>
+    <dgm:txLinClrLst/>
+    <dgm:txFillClrLst/>
+    <dgm:txEffectClrLst/>
+  </dgm:styleLbl>
+  <dgm:styleLbl name="parChTrans2D4">
+    <dgm:fillClrLst meth="repeat">
+      <a:schemeClr val="accent6"/>
+    </dgm:fillClrLst>
+    <dgm:linClrLst meth="repeat">
+      <a:schemeClr val="lt1"/>
+    </dgm:linClrLst>
+    <dgm:effectClrLst/>
+    <dgm:txLinClrLst/>
+    <dgm:txFillClrLst meth="repeat">
+      <a:schemeClr val="lt1"/>
+    </dgm:txFillClrLst>
+    <dgm:txEffectClrLst/>
+  </dgm:styleLbl>
+  <dgm:styleLbl name="parChTrans1D1">
+    <dgm:fillClrLst meth="repeat">
+      <a:schemeClr val="accent4"/>
+    </dgm:fillClrLst>
+    <dgm:linClrLst meth="repeat">
+      <a:schemeClr val="accent4"/>
+    </dgm:linClrLst>
+    <dgm:effectClrLst/>
+    <dgm:txLinClrLst/>
+    <dgm:txFillClrLst meth="repeat">
+      <a:schemeClr val="tx1"/>
+    </dgm:txFillClrLst>
+    <dgm:txEffectClrLst/>
+  </dgm:styleLbl>
+  <dgm:styleLbl name="parChTrans1D2">
+    <dgm:fillClrLst meth="repeat">
+      <a:schemeClr val="accent4">
+        <a:tint val="90000"/>
+      </a:schemeClr>
+    </dgm:fillClrLst>
+    <dgm:linClrLst meth="repeat">
+      <a:schemeClr val="accent5"/>
+    </dgm:linClrLst>
+    <dgm:effectClrLst/>
+    <dgm:txLinClrLst/>
+    <dgm:txFillClrLst meth="repeat">
+      <a:schemeClr val="tx1"/>
+    </dgm:txFillClrLst>
+    <dgm:txEffectClrLst/>
+  </dgm:styleLbl>
+  <dgm:styleLbl name="parChTrans1D3">
+    <dgm:fillClrLst meth="repeat">
+      <a:schemeClr val="accent4">
+        <a:tint val="70000"/>
+      </a:schemeClr>
+    </dgm:fillClrLst>
+    <dgm:linClrLst meth="repeat">
+      <a:schemeClr val="accent6"/>
+    </dgm:linClrLst>
+    <dgm:effectClrLst/>
+    <dgm:txLinClrLst/>
+    <dgm:txFillClrLst meth="repeat">
+      <a:schemeClr val="tx1"/>
+    </dgm:txFillClrLst>
+    <dgm:txEffectClrLst/>
+  </dgm:styleLbl>
+  <dgm:styleLbl name="parChTrans1D4">
+    <dgm:fillClrLst meth="repeat">
+      <a:schemeClr val="accent4">
+        <a:tint val="50000"/>
+      </a:schemeClr>
+    </dgm:fillClrLst>
+    <dgm:linClrLst meth="repeat">
+      <a:schemeClr val="accent1"/>
+    </dgm:linClrLst>
+    <dgm:effectClrLst/>
+    <dgm:txLinClrLst/>
+    <dgm:txFillClrLst meth="repeat">
+      <a:schemeClr val="tx1"/>
+    </dgm:txFillClrLst>
+    <dgm:txEffectClrLst/>
+  </dgm:styleLbl>
+  <dgm:styleLbl name="fgAcc1">
+    <dgm:fillClrLst meth="repeat">
+      <a:schemeClr val="lt1">
+        <a:alpha val="90000"/>
+      </a:schemeClr>
+    </dgm:fillClrLst>
+    <dgm:linClrLst>
+      <a:schemeClr val="accent4"/>
+      <a:schemeClr val="accent5"/>
+    </dgm:linClrLst>
+    <dgm:effectClrLst/>
+    <dgm:txLinClrLst/>
+    <dgm:txFillClrLst meth="repeat">
+      <a:schemeClr val="dk1"/>
+    </dgm:txFillClrLst>
+    <dgm:txEffectClrLst/>
+  </dgm:styleLbl>
+  <dgm:styleLbl name="conFgAcc1">
+    <dgm:fillClrLst meth="repeat">
+      <a:schemeClr val="lt1">
+        <a:alpha val="90000"/>
+      </a:schemeClr>
+    </dgm:fillClrLst>
+    <dgm:linClrLst>
+      <a:schemeClr val="accent4"/>
+      <a:schemeClr val="accent5"/>
+    </dgm:linClrLst>
+    <dgm:effectClrLst/>
+    <dgm:txLinClrLst/>
+    <dgm:txFillClrLst meth="repeat">
+      <a:schemeClr val="dk1"/>
+    </dgm:txFillClrLst>
+    <dgm:txEffectClrLst/>
+  </dgm:styleLbl>
+  <dgm:styleLbl name="alignAcc1">
+    <dgm:fillClrLst meth="repeat">
+      <a:schemeClr val="lt1">
+        <a:alpha val="90000"/>
+      </a:schemeClr>
+    </dgm:fillClrLst>
+    <dgm:linClrLst>
+      <a:schemeClr val="accent4"/>
+      <a:schemeClr val="accent5"/>
+    </dgm:linClrLst>
+    <dgm:effectClrLst/>
+    <dgm:txLinClrLst/>
+    <dgm:txFillClrLst meth="repeat">
+      <a:schemeClr val="dk1"/>
+    </dgm:txFillClrLst>
+    <dgm:txEffectClrLst/>
+  </dgm:styleLbl>
+  <dgm:styleLbl name="trAlignAcc1">
+    <dgm:fillClrLst meth="repeat">
+      <a:schemeClr val="lt1">
+        <a:alpha val="40000"/>
+      </a:schemeClr>
+    </dgm:fillClrLst>
+    <dgm:linClrLst meth="repeat">
+      <a:schemeClr val="accent4"/>
+    </dgm:linClrLst>
+    <dgm:effectClrLst/>
+    <dgm:txLinClrLst/>
+    <dgm:txFillClrLst meth="repeat">
+      <a:schemeClr val="dk1"/>
+    </dgm:txFillClrLst>
+    <dgm:txEffectClrLst/>
+  </dgm:styleLbl>
+  <dgm:styleLbl name="bgAcc1">
+    <dgm:fillClrLst meth="repeat">
+      <a:schemeClr val="lt1">
+        <a:alpha val="90000"/>
+      </a:schemeClr>
+    </dgm:fillClrLst>
+    <dgm:linClrLst>
+      <a:schemeClr val="accent4"/>
+      <a:schemeClr val="accent5"/>
+    </dgm:linClrLst>
+    <dgm:effectClrLst/>
+    <dgm:txLinClrLst/>
+    <dgm:txFillClrLst meth="repeat">
+      <a:schemeClr val="dk1"/>
+    </dgm:txFillClrLst>
+    <dgm:txEffectClrLst/>
+  </dgm:styleLbl>
+  <dgm:styleLbl name="solidFgAcc1">
+    <dgm:fillClrLst meth="repeat">
+      <a:schemeClr val="lt1"/>
+    </dgm:fillClrLst>
+    <dgm:linClrLst>
+      <a:schemeClr val="accent4"/>
+      <a:schemeClr val="accent5"/>
+    </dgm:linClrLst>
+    <dgm:effectClrLst/>
+    <dgm:txLinClrLst/>
+    <dgm:txFillClrLst meth="repeat">
+      <a:schemeClr val="dk1"/>
+    </dgm:txFillClrLst>
+    <dgm:txEffectClrLst/>
+  </dgm:styleLbl>
+  <dgm:styleLbl name="solidAlignAcc1">
+    <dgm:fillClrLst meth="repeat">
+      <a:schemeClr val="lt1"/>
+    </dgm:fillClrLst>
+    <dgm:linClrLst>
+      <a:schemeClr val="accent4"/>
+      <a:schemeClr val="accent5"/>
+    </dgm:linClrLst>
+    <dgm:effectClrLst/>
+    <dgm:txLinClrLst/>
+    <dgm:txFillClrLst meth="repeat">
+      <a:schemeClr val="dk1"/>
+    </dgm:txFillClrLst>
+    <dgm:txEffectClrLst/>
+  </dgm:styleLbl>
+  <dgm:styleLbl name="solidBgAcc1">
+    <dgm:fillClrLst meth="repeat">
+      <a:schemeClr val="lt1"/>
+    </dgm:fillClrLst>
+    <dgm:linClrLst>
+      <a:schemeClr val="accent4"/>
+      <a:schemeClr val="accent5"/>
+    </dgm:linClrLst>
+    <dgm:effectClrLst/>
+    <dgm:txLinClrLst/>
+    <dgm:txFillClrLst meth="repeat">
+      <a:schemeClr val="dk1"/>
+    </dgm:txFillClrLst>
+    <dgm:txEffectClrLst/>
+  </dgm:styleLbl>
+  <dgm:styleLbl name="fgAccFollowNode1">
+    <dgm:fillClrLst>
+      <a:schemeClr val="accent4">
+        <a:tint val="40000"/>
+        <a:alpha val="90000"/>
+      </a:schemeClr>
+      <a:schemeClr val="accent5">
+        <a:tint val="40000"/>
+        <a:alpha val="90000"/>
+      </a:schemeClr>
+    </dgm:fillClrLst>
+    <dgm:linClrLst>
+      <a:schemeClr val="accent4">
+        <a:tint val="40000"/>
+        <a:alpha val="90000"/>
+      </a:schemeClr>
+      <a:schemeClr val="accent5">
+        <a:tint val="40000"/>
+        <a:alpha val="90000"/>
+      </a:schemeClr>
+    </dgm:linClrLst>
+    <dgm:effectClrLst/>
+    <dgm:txLinClrLst/>
+    <dgm:txFillClrLst meth="repeat">
+      <a:schemeClr val="dk1"/>
+    </dgm:txFillClrLst>
+    <dgm:txEffectClrLst/>
+  </dgm:styleLbl>
+  <dgm:styleLbl name="alignAccFollowNode1">
+    <dgm:fillClrLst>
+      <a:schemeClr val="accent4">
+        <a:tint val="40000"/>
+        <a:alpha val="90000"/>
+      </a:schemeClr>
+      <a:schemeClr val="accent5">
+        <a:tint val="40000"/>
+        <a:alpha val="90000"/>
+      </a:schemeClr>
+    </dgm:fillClrLst>
+    <dgm:linClrLst>
+      <a:schemeClr val="accent4">
+        <a:tint val="40000"/>
+        <a:alpha val="90000"/>
+      </a:schemeClr>
+      <a:schemeClr val="accent5">
+        <a:tint val="40000"/>
+        <a:alpha val="90000"/>
+      </a:schemeClr>
+    </dgm:linClrLst>
+    <dgm:effectClrLst/>
+    <dgm:txLinClrLst/>
+    <dgm:txFillClrLst meth="repeat">
+      <a:schemeClr val="dk1"/>
+    </dgm:txFillClrLst>
+    <dgm:txEffectClrLst/>
+  </dgm:styleLbl>
+  <dgm:styleLbl name="bgAccFollowNode1">
+    <dgm:fillClrLst>
+      <a:schemeClr val="accent4">
+        <a:tint val="40000"/>
+        <a:alpha val="90000"/>
+      </a:schemeClr>
+      <a:schemeClr val="accent5">
+        <a:tint val="40000"/>
+        <a:alpha val="90000"/>
+      </a:schemeClr>
+    </dgm:fillClrLst>
+    <dgm:linClrLst>
+      <a:schemeClr val="accent4">
+        <a:tint val="40000"/>
+        <a:alpha val="90000"/>
+      </a:schemeClr>
+      <a:schemeClr val="accent5">
+        <a:tint val="40000"/>
+        <a:alpha val="90000"/>
+      </a:schemeClr>
+    </dgm:linClrLst>
+    <dgm:effectClrLst/>
+    <dgm:txLinClrLst/>
+    <dgm:txFillClrLst meth="repeat">
+      <a:schemeClr val="dk1"/>
+    </dgm:txFillClrLst>
+    <dgm:txEffectClrLst/>
+  </dgm:styleLbl>
+  <dgm:styleLbl name="fgAcc0">
+    <dgm:fillClrLst meth="repeat">
+      <a:schemeClr val="lt1">
+        <a:alpha val="90000"/>
+      </a:schemeClr>
+    </dgm:fillClrLst>
+    <dgm:linClrLst>
+      <a:schemeClr val="accent3"/>
+    </dgm:linClrLst>
+    <dgm:effectClrLst/>
+    <dgm:txLinClrLst/>
+    <dgm:txFillClrLst meth="repeat">
+      <a:schemeClr val="dk1"/>
+    </dgm:txFillClrLst>
+    <dgm:txEffectClrLst/>
+  </dgm:styleLbl>
+  <dgm:styleLbl name="fgAcc2">
+    <dgm:fillClrLst meth="repeat">
+      <a:schemeClr val="lt1">
+        <a:alpha val="90000"/>
+      </a:schemeClr>
+    </dgm:fillClrLst>
+    <dgm:linClrLst>
+      <a:schemeClr val="accent5"/>
+    </dgm:linClrLst>
+    <dgm:effectClrLst/>
+    <dgm:txLinClrLst/>
+    <dgm:txFillClrLst meth="repeat">
+      <a:schemeClr val="dk1"/>
+    </dgm:txFillClrLst>
+    <dgm:txEffectClrLst/>
+  </dgm:styleLbl>
+  <dgm:styleLbl name="fgAcc3">
+    <dgm:fillClrLst meth="repeat">
+      <a:schemeClr val="lt1">
+        <a:alpha val="90000"/>
+      </a:schemeClr>
+    </dgm:fillClrLst>
+    <dgm:linClrLst>
+      <a:schemeClr val="accent6"/>
+    </dgm:linClrLst>
+    <dgm:effectClrLst/>
+    <dgm:txLinClrLst/>
+    <dgm:txFillClrLst meth="repeat">
+      <a:schemeClr val="dk1"/>
+    </dgm:txFillClrLst>
+    <dgm:txEffectClrLst/>
+  </dgm:styleLbl>
+  <dgm:styleLbl name="fgAcc4">
+    <dgm:fillClrLst meth="repeat">
+      <a:schemeClr val="lt1">
+        <a:alpha val="90000"/>
+      </a:schemeClr>
+    </dgm:fillClrLst>
+    <dgm:linClrLst>
+      <a:schemeClr val="accent1"/>
+    </dgm:linClrLst>
+    <dgm:effectClrLst/>
+    <dgm:txLinClrLst/>
+    <dgm:txFillClrLst meth="repeat">
+      <a:schemeClr val="dk1"/>
+    </dgm:txFillClrLst>
+    <dgm:txEffectClrLst/>
+  </dgm:styleLbl>
+  <dgm:styleLbl name="bgShp">
+    <dgm:fillClrLst meth="repeat">
+      <a:schemeClr val="accent4">
+        <a:tint val="40000"/>
+      </a:schemeClr>
+    </dgm:fillClrLst>
+    <dgm:linClrLst meth="repeat">
+      <a:schemeClr val="dk1"/>
+    </dgm:linClrLst>
+    <dgm:effectClrLst/>
+    <dgm:txLinClrLst/>
+    <dgm:txFillClrLst meth="repeat">
+      <a:schemeClr val="dk1"/>
+    </dgm:txFillClrLst>
+    <dgm:txEffectClrLst/>
+  </dgm:styleLbl>
+  <dgm:styleLbl name="dkBgShp">
+    <dgm:fillClrLst meth="repeat">
+      <a:schemeClr val="accent4">
+        <a:shade val="90000"/>
+      </a:schemeClr>
+    </dgm:fillClrLst>
+    <dgm:linClrLst meth="repeat">
+      <a:schemeClr val="dk1"/>
+    </dgm:linClrLst>
+    <dgm:effectClrLst/>
+    <dgm:txLinClrLst/>
+    <dgm:txFillClrLst meth="repeat">
+      <a:schemeClr val="lt1"/>
+    </dgm:txFillClrLst>
+    <dgm:txEffectClrLst/>
+  </dgm:styleLbl>
+  <dgm:styleLbl name="trBgShp">
+    <dgm:fillClrLst meth="repeat">
+      <a:schemeClr val="accent4">
+        <a:tint val="50000"/>
+        <a:alpha val="40000"/>
+      </a:schemeClr>
+    </dgm:fillClrLst>
+    <dgm:linClrLst meth="repeat">
+      <a:schemeClr val="accent4"/>
+    </dgm:linClrLst>
+    <dgm:effectClrLst/>
+    <dgm:txLinClrLst/>
+    <dgm:txFillClrLst meth="repeat">
+      <a:schemeClr val="lt1"/>
+    </dgm:txFillClrLst>
+    <dgm:txEffectClrLst/>
+  </dgm:styleLbl>
+  <dgm:styleLbl name="fgShp">
+    <dgm:fillClrLst meth="repeat">
+      <a:schemeClr val="accent4">
+        <a:tint val="40000"/>
+      </a:schemeClr>
+    </dgm:fillClrLst>
+    <dgm:linClrLst meth="repeat">
+      <a:schemeClr val="lt1"/>
+    </dgm:linClrLst>
+    <dgm:effectClrLst/>
+    <dgm:txLinClrLst/>
+    <dgm:txFillClrLst meth="repeat">
+      <a:schemeClr val="dk1"/>
+    </dgm:txFillClrLst>
+    <dgm:txEffectClrLst/>
+  </dgm:styleLbl>
+  <dgm:styleLbl name="revTx">
+    <dgm:fillClrLst meth="repeat">
+      <a:schemeClr val="lt1">
+        <a:alpha val="0"/>
+      </a:schemeClr>
+    </dgm:fillClrLst>
+    <dgm:linClrLst meth="repeat">
+      <a:schemeClr val="dk1">
+        <a:alpha val="0"/>
+      </a:schemeClr>
+    </dgm:linClrLst>
+    <dgm:effectClrLst/>
+    <dgm:txLinClrLst/>
+    <dgm:txFillClrLst meth="repeat">
+      <a:schemeClr val="tx1"/>
+    </dgm:txFillClrLst>
+    <dgm:txEffectClrLst/>
+  </dgm:styleLbl>
+</dgm:colorsDef>
+</file>
+
+<file path=ppt/diagrams/colors4.xml><?xml version="1.0" encoding="utf-8"?>
 <dgm:colorsDef xmlns:dgm="http://schemas.openxmlformats.org/drawingml/2006/diagram" xmlns:a="http://schemas.openxmlformats.org/drawingml/2006/main" uniqueId="urn:microsoft.com/office/officeart/2018/5/colors/Iconchunking_neutralicon_colorful1">
   <dgm:title val=""/>
   <dgm:desc val=""/>
@@ -3954,7 +4740,7 @@
 </dgm:colorsDef>
 </file>
 
-<file path=ppt/diagrams/colors4.xml><?xml version="1.0" encoding="utf-8"?>
+<file path=ppt/diagrams/colors5.xml><?xml version="1.0" encoding="utf-8"?>
 <dgm:colorsDef xmlns:dgm="http://schemas.openxmlformats.org/drawingml/2006/diagram" xmlns:a="http://schemas.openxmlformats.org/drawingml/2006/main" uniqueId="urn:microsoft.com/office/officeart/2005/8/colors/accent0_3">
   <dgm:title val=""/>
   <dgm:desc val=""/>
@@ -4709,7 +5495,7 @@
 <dgm:dataModel xmlns:dgm="http://schemas.openxmlformats.org/drawingml/2006/diagram" xmlns:a="http://schemas.openxmlformats.org/drawingml/2006/main">
   <dgm:ptLst>
     <dgm:pt modelId="{BD50E4CF-14AD-428D-BCB5-B90EC2D332A5}" type="doc">
-      <dgm:prSet loTypeId="urn:microsoft.com/office/officeart/2016/7/layout/LinearBlockProcessNumbered" loCatId="process" qsTypeId="urn:microsoft.com/office/officeart/2005/8/quickstyle/simple4" qsCatId="simple" csTypeId="urn:microsoft.com/office/officeart/2005/8/colors/accent3_2" csCatId="accent3"/>
+      <dgm:prSet loTypeId="urn:microsoft.com/office/officeart/2016/7/layout/LinearBlockProcessNumbered" loCatId="process" qsTypeId="urn:microsoft.com/office/officeart/2005/8/quickstyle/simple4" qsCatId="simple" csTypeId="urn:microsoft.com/office/officeart/2005/8/colors/accent3_2" csCatId="accent3" phldr="1"/>
       <dgm:spPr/>
       <dgm:t>
         <a:bodyPr/>
@@ -4720,7 +5506,7 @@
       </dgm:t>
     </dgm:pt>
     <dgm:pt modelId="{C4DDABDB-A213-4A6D-87BE-7E5B8008C788}">
-      <dgm:prSet/>
+      <dgm:prSet custT="1"/>
       <dgm:spPr/>
       <dgm:t>
         <a:bodyPr/>
@@ -4728,36 +5514,27 @@
         <a:p>
           <a:pPr rtl="0"/>
           <a:r>
-            <a:rPr lang="en-US"/>
-            <a:t>Inefficient Financial Management</a:t>
+            <a:rPr lang="en-US" sz="1600" u="sng" dirty="0">
+              <a:solidFill>
+                <a:schemeClr val="bg1"/>
+              </a:solidFill>
+              <a:latin typeface="Times New Roman" panose="02020603050405020304" pitchFamily="18" charset="0"/>
+              <a:cs typeface="Times New Roman" panose="02020603050405020304" pitchFamily="18" charset="0"/>
+            </a:rPr>
+            <a:t>Inefficient Financial Management: </a:t>
           </a:r>
+        </a:p>
+        <a:p>
+          <a:pPr rtl="0"/>
           <a:r>
-            <a:rPr lang="en-US">
+            <a:rPr lang="en-US" sz="1600" dirty="0">
               <a:solidFill>
-                <a:srgbClr val="000000"/>
+                <a:schemeClr val="bg1"/>
               </a:solidFill>
-              <a:latin typeface="Times New Roman"/>
-              <a:cs typeface="Times New Roman"/>
+              <a:latin typeface="Times New Roman" panose="02020603050405020304" pitchFamily="18" charset="0"/>
+              <a:cs typeface="Times New Roman" panose="02020603050405020304" pitchFamily="18" charset="0"/>
             </a:rPr>
-            <a:t>: Many individuals lack access to </a:t>
-          </a:r>
-          <a:r>
-            <a:rPr lang="en-US">
-              <a:latin typeface="Calibri"/>
-              <a:ea typeface="Calibri"/>
-              <a:cs typeface="Calibri"/>
-            </a:rPr>
-            <a:t>          </a:t>
-          </a:r>
-          <a:r>
-            <a:rPr lang="en-US">
-              <a:solidFill>
-                <a:srgbClr val="000000"/>
-              </a:solidFill>
-              <a:latin typeface="Times New Roman"/>
-              <a:cs typeface="Times New Roman"/>
-            </a:rPr>
-            <a:t>personalized financial tools and professional advice, leading to poor decision-making.  </a:t>
+            <a:t>Many individuals lack access to personalized financial tools and professional advice, leading to poor decision-making.  </a:t>
           </a:r>
         </a:p>
       </dgm:t>
@@ -4788,15 +5565,32 @@
       </dgm:t>
     </dgm:pt>
     <dgm:pt modelId="{594E909E-F3A9-49D3-A46D-78DF34A1787D}">
-      <dgm:prSet/>
+      <dgm:prSet custT="1"/>
       <dgm:spPr/>
       <dgm:t>
         <a:bodyPr/>
         <a:lstStyle/>
         <a:p>
           <a:r>
-            <a:rPr lang="en-US"/>
-            <a:t>Making a comprehensive and effective means to navigate the website</a:t>
+            <a:rPr lang="en-US" sz="1600" i="1" u="sng" dirty="0">
+              <a:latin typeface="Times New Roman" panose="02020603050405020304" pitchFamily="18" charset="0"/>
+              <a:cs typeface="Times New Roman" panose="02020603050405020304" pitchFamily="18" charset="0"/>
+            </a:rPr>
+            <a:t>Fragmented Resources</a:t>
+          </a:r>
+          <a:r>
+            <a:rPr lang="en-US" sz="1600" u="sng" dirty="0">
+              <a:latin typeface="Times New Roman" panose="02020603050405020304" pitchFamily="18" charset="0"/>
+              <a:cs typeface="Times New Roman" panose="02020603050405020304" pitchFamily="18" charset="0"/>
+            </a:rPr>
+            <a:t>: </a:t>
+          </a:r>
+          <a:r>
+            <a:rPr lang="en-US" sz="1600" dirty="0">
+              <a:latin typeface="Times New Roman" panose="02020603050405020304" pitchFamily="18" charset="0"/>
+              <a:cs typeface="Times New Roman" panose="02020603050405020304" pitchFamily="18" charset="0"/>
+            </a:rPr>
+            <a:t>Users currently rely on multiple platforms for financial education, investment insights, and calculation tools, resulting in inefficiencies and inconsistencies. </a:t>
           </a:r>
         </a:p>
       </dgm:t>
@@ -4827,15 +5621,32 @@
       </dgm:t>
     </dgm:pt>
     <dgm:pt modelId="{219A830B-B776-40A0-A3CF-F1E053377DF2}">
-      <dgm:prSet/>
+      <dgm:prSet custT="1"/>
       <dgm:spPr/>
       <dgm:t>
         <a:bodyPr/>
         <a:lstStyle/>
         <a:p>
           <a:r>
-            <a:rPr lang="en-US"/>
-            <a:t>Ensuring easy user accessibility to different resources found on the website as well as any outsourced resources</a:t>
+            <a:rPr lang="en-US" sz="1700" i="1" u="sng" dirty="0">
+              <a:latin typeface="Times New Roman" panose="02020603050405020304" pitchFamily="18" charset="0"/>
+              <a:cs typeface="Times New Roman" panose="02020603050405020304" pitchFamily="18" charset="0"/>
+            </a:rPr>
+            <a:t>Limited Accessibility</a:t>
+          </a:r>
+          <a:r>
+            <a:rPr lang="en-US" sz="1700" u="sng" dirty="0">
+              <a:latin typeface="Times New Roman" panose="02020603050405020304" pitchFamily="18" charset="0"/>
+              <a:cs typeface="Times New Roman" panose="02020603050405020304" pitchFamily="18" charset="0"/>
+            </a:rPr>
+            <a:t>: </a:t>
+          </a:r>
+          <a:r>
+            <a:rPr lang="en-US" sz="1700" dirty="0">
+              <a:latin typeface="Times New Roman" panose="02020603050405020304" pitchFamily="18" charset="0"/>
+              <a:cs typeface="Times New Roman" panose="02020603050405020304" pitchFamily="18" charset="0"/>
+            </a:rPr>
+            <a:t>Traditional financial advisory services can be inaccessible due to cost, geographic barriers, and scheduling challenges. </a:t>
           </a:r>
         </a:p>
       </dgm:t>
@@ -4883,7 +5694,7 @@
       <dgm:spPr/>
     </dgm:pt>
     <dgm:pt modelId="{CF6DE0A4-7E65-4169-8E4A-D67505C56AD4}" type="pres">
-      <dgm:prSet presAssocID="{C4DDABDB-A213-4A6D-87BE-7E5B8008C788}" presName="bgRect" presStyleLbl="alignNode1" presStyleIdx="0" presStyleCnt="3"/>
+      <dgm:prSet presAssocID="{C4DDABDB-A213-4A6D-87BE-7E5B8008C788}" presName="bgRect" presStyleLbl="alignNode1" presStyleIdx="0" presStyleCnt="3" custLinFactNeighborX="-2860" custLinFactNeighborY="-5800"/>
       <dgm:spPr/>
     </dgm:pt>
     <dgm:pt modelId="{02272E36-8183-42F7-9F3B-5EBBFA89F901}" type="pres">
@@ -5013,7 +5824,7 @@
 <dgm:dataModel xmlns:dgm="http://schemas.openxmlformats.org/drawingml/2006/diagram" xmlns:a="http://schemas.openxmlformats.org/drawingml/2006/main">
   <dgm:ptLst>
     <dgm:pt modelId="{A15906F5-0DBA-40D9-BBB3-1235B270095F}" type="doc">
-      <dgm:prSet loTypeId="urn:microsoft.com/office/officeart/2016/7/layout/VerticalHollowActionList" loCatId="List" qsTypeId="urn:microsoft.com/office/officeart/2005/8/quickstyle/simple4" qsCatId="simple" csTypeId="urn:microsoft.com/office/officeart/2005/8/colors/colorful1" csCatId="colorful"/>
+      <dgm:prSet loTypeId="urn:microsoft.com/office/officeart/2016/7/layout/VerticalHollowActionList" loCatId="List" qsTypeId="urn:microsoft.com/office/officeart/2005/8/quickstyle/simple4" qsCatId="simple" csTypeId="urn:microsoft.com/office/officeart/2005/8/colors/colorful1" csCatId="colorful" phldr="1"/>
       <dgm:spPr/>
       <dgm:t>
         <a:bodyPr/>
@@ -5031,8 +5842,8 @@
         <a:lstStyle/>
         <a:p>
           <a:r>
-            <a:rPr lang="en-US"/>
-            <a:t>Provide</a:t>
+            <a:rPr lang="en-US" dirty="0"/>
+            <a:t>Goal 1</a:t>
           </a:r>
         </a:p>
       </dgm:t>
@@ -5067,14 +5878,8 @@
         <a:lstStyle/>
         <a:p>
           <a:r>
-            <a:rPr lang="en-US">
-              <a:latin typeface="Goudy Old Style"/>
-            </a:rPr>
-            <a:t>users</a:t>
-          </a:r>
-          <a:r>
-            <a:rPr lang="en-US"/>
-            <a:t> with tailored financial advice.</a:t>
+            <a:rPr lang="en-US" dirty="0"/>
+            <a:t>Develop a centralized platform that provides personalized financial advisory services through an integrated booking system. </a:t>
           </a:r>
         </a:p>
       </dgm:t>
@@ -5109,8 +5914,8 @@
         <a:lstStyle/>
         <a:p>
           <a:r>
-            <a:rPr lang="en-US"/>
-            <a:t>Offer</a:t>
+            <a:rPr lang="en-US" dirty="0"/>
+            <a:t>Goal 2</a:t>
           </a:r>
         </a:p>
       </dgm:t>
@@ -5145,8 +5950,8 @@
         <a:lstStyle/>
         <a:p>
           <a:r>
-            <a:rPr lang="en-US"/>
-            <a:t>tools for better financial management.</a:t>
+            <a:rPr lang="en-US" dirty="0"/>
+            <a:t>Offer comprehensive tools, such as financial calculators, market analysis, and educational resources, in a user-friendly interface. </a:t>
           </a:r>
         </a:p>
       </dgm:t>
@@ -5181,8 +5986,8 @@
         <a:lstStyle/>
         <a:p>
           <a:r>
-            <a:rPr lang="en-US"/>
-            <a:t>Equip</a:t>
+            <a:rPr lang="en-US" dirty="0"/>
+            <a:t>Goal 3</a:t>
           </a:r>
         </a:p>
       </dgm:t>
@@ -5217,8 +6022,8 @@
         <a:lstStyle/>
         <a:p>
           <a:r>
-            <a:rPr lang="en-US"/>
-            <a:t> users with education and insights for informed decisions.</a:t>
+            <a:rPr lang="en-US" dirty="0"/>
+            <a:t> Ensure the platform is scalable, secure, and accessible, catering to users with diverse financial needs. </a:t>
           </a:r>
         </a:p>
       </dgm:t>
@@ -5253,8 +6058,8 @@
         <a:lstStyle/>
         <a:p>
           <a:r>
-            <a:rPr lang="en-US"/>
-            <a:t>Ensure</a:t>
+            <a:rPr lang="en-US" dirty="0"/>
+            <a:t>Goal 4</a:t>
           </a:r>
         </a:p>
       </dgm:t>
@@ -5289,8 +6094,8 @@
         <a:lstStyle/>
         <a:p>
           <a:r>
-            <a:rPr lang="en-US"/>
-            <a:t> data is secure at all times</a:t>
+            <a:rPr lang="en-US" dirty="0"/>
+            <a:t> Create features such as exclusive financial events and subscription models to enhance user engagement and satisfaction. </a:t>
           </a:r>
         </a:p>
       </dgm:t>
@@ -5317,86 +6122,6 @@
         </a:p>
       </dgm:t>
     </dgm:pt>
-    <dgm:pt modelId="{C00204D5-8E99-4A6D-8D48-66F574C390CA}">
-      <dgm:prSet/>
-      <dgm:spPr/>
-      <dgm:t>
-        <a:bodyPr/>
-        <a:lstStyle/>
-        <a:p>
-          <a:r>
-            <a:rPr lang="en-US"/>
-            <a:t>Offer</a:t>
-          </a:r>
-        </a:p>
-      </dgm:t>
-    </dgm:pt>
-    <dgm:pt modelId="{BA66A8A4-D5AF-4EC2-B71A-1FC1BC156B16}" type="parTrans" cxnId="{017B39C2-3F22-4552-A16F-7C2B9A07CADA}">
-      <dgm:prSet/>
-      <dgm:spPr/>
-      <dgm:t>
-        <a:bodyPr/>
-        <a:lstStyle/>
-        <a:p>
-          <a:endParaRPr lang="en-US"/>
-        </a:p>
-      </dgm:t>
-    </dgm:pt>
-    <dgm:pt modelId="{23AC4C67-0EEB-4D24-BC6D-693F295E6556}" type="sibTrans" cxnId="{017B39C2-3F22-4552-A16F-7C2B9A07CADA}">
-      <dgm:prSet/>
-      <dgm:spPr/>
-      <dgm:t>
-        <a:bodyPr/>
-        <a:lstStyle/>
-        <a:p>
-          <a:endParaRPr lang="en-US"/>
-        </a:p>
-      </dgm:t>
-    </dgm:pt>
-    <dgm:pt modelId="{22C569D0-F448-4944-9697-BC22B6E7E052}">
-      <dgm:prSet/>
-      <dgm:spPr/>
-      <dgm:t>
-        <a:bodyPr/>
-        <a:lstStyle/>
-        <a:p>
-          <a:pPr rtl="0"/>
-          <a:r>
-            <a:rPr lang="en-US"/>
-            <a:t> a well-rounded and easy to use </a:t>
-          </a:r>
-          <a:r>
-            <a:rPr lang="en-US">
-              <a:latin typeface="Goudy Old Style"/>
-            </a:rPr>
-            <a:t>web app</a:t>
-          </a:r>
-          <a:endParaRPr lang="en-US"/>
-        </a:p>
-      </dgm:t>
-    </dgm:pt>
-    <dgm:pt modelId="{1BB6203F-BC47-4B25-BDAF-2C6E2B843C79}" type="parTrans" cxnId="{A0320041-14B9-42C4-9393-88B4C73514F7}">
-      <dgm:prSet/>
-      <dgm:spPr/>
-      <dgm:t>
-        <a:bodyPr/>
-        <a:lstStyle/>
-        <a:p>
-          <a:endParaRPr lang="en-US"/>
-        </a:p>
-      </dgm:t>
-    </dgm:pt>
-    <dgm:pt modelId="{F0C9D63E-A8F8-4511-BEDE-B598C7B4CE82}" type="sibTrans" cxnId="{A0320041-14B9-42C4-9393-88B4C73514F7}">
-      <dgm:prSet/>
-      <dgm:spPr/>
-      <dgm:t>
-        <a:bodyPr/>
-        <a:lstStyle/>
-        <a:p>
-          <a:endParaRPr lang="en-US"/>
-        </a:p>
-      </dgm:t>
-    </dgm:pt>
     <dgm:pt modelId="{93B4D91F-B4CB-4E6C-8023-509D2BE8273B}" type="pres">
       <dgm:prSet presAssocID="{A15906F5-0DBA-40D9-BBB3-1235B270095F}" presName="Name0" presStyleCnt="0">
         <dgm:presLayoutVars>
@@ -5412,7 +6137,7 @@
       <dgm:spPr/>
     </dgm:pt>
     <dgm:pt modelId="{9CB9132C-58DD-4316-9329-A95B0864C454}" type="pres">
-      <dgm:prSet presAssocID="{E6C6C920-149C-4A19-9A7E-C90480E93A32}" presName="parentText" presStyleLbl="solidFgAcc1" presStyleIdx="0" presStyleCnt="5">
+      <dgm:prSet presAssocID="{E6C6C920-149C-4A19-9A7E-C90480E93A32}" presName="parentText" presStyleLbl="solidFgAcc1" presStyleIdx="0" presStyleCnt="4">
         <dgm:presLayoutVars>
           <dgm:chMax val="1"/>
           <dgm:bulletEnabled/>
@@ -5421,7 +6146,7 @@
       <dgm:spPr/>
     </dgm:pt>
     <dgm:pt modelId="{A40EDA10-3AB1-4E7D-804E-C53DDCA6B4B4}" type="pres">
-      <dgm:prSet presAssocID="{E6C6C920-149C-4A19-9A7E-C90480E93A32}" presName="descendantText" presStyleLbl="alignNode1" presStyleIdx="0" presStyleCnt="5">
+      <dgm:prSet presAssocID="{E6C6C920-149C-4A19-9A7E-C90480E93A32}" presName="descendantText" presStyleLbl="alignNode1" presStyleIdx="0" presStyleCnt="4">
         <dgm:presLayoutVars>
           <dgm:bulletEnabled/>
         </dgm:presLayoutVars>
@@ -5437,7 +6162,7 @@
       <dgm:spPr/>
     </dgm:pt>
     <dgm:pt modelId="{84067DD7-F7A8-4037-A1DD-66DE83B86043}" type="pres">
-      <dgm:prSet presAssocID="{A98B44FE-FDA7-44B8-A15F-BC6E947550BF}" presName="parentText" presStyleLbl="solidFgAcc1" presStyleIdx="1" presStyleCnt="5">
+      <dgm:prSet presAssocID="{A98B44FE-FDA7-44B8-A15F-BC6E947550BF}" presName="parentText" presStyleLbl="solidFgAcc1" presStyleIdx="1" presStyleCnt="4">
         <dgm:presLayoutVars>
           <dgm:chMax val="1"/>
           <dgm:bulletEnabled/>
@@ -5446,7 +6171,7 @@
       <dgm:spPr/>
     </dgm:pt>
     <dgm:pt modelId="{B5515FF9-93A5-4189-9AEB-5B64D914E736}" type="pres">
-      <dgm:prSet presAssocID="{A98B44FE-FDA7-44B8-A15F-BC6E947550BF}" presName="descendantText" presStyleLbl="alignNode1" presStyleIdx="1" presStyleCnt="5">
+      <dgm:prSet presAssocID="{A98B44FE-FDA7-44B8-A15F-BC6E947550BF}" presName="descendantText" presStyleLbl="alignNode1" presStyleIdx="1" presStyleCnt="4">
         <dgm:presLayoutVars>
           <dgm:bulletEnabled/>
         </dgm:presLayoutVars>
@@ -5462,7 +6187,7 @@
       <dgm:spPr/>
     </dgm:pt>
     <dgm:pt modelId="{1F63251F-9021-4C60-AFD2-C42FA8EB335F}" type="pres">
-      <dgm:prSet presAssocID="{DB1C6978-FAD1-4412-B292-A7B4A2EE60E0}" presName="parentText" presStyleLbl="solidFgAcc1" presStyleIdx="2" presStyleCnt="5">
+      <dgm:prSet presAssocID="{DB1C6978-FAD1-4412-B292-A7B4A2EE60E0}" presName="parentText" presStyleLbl="solidFgAcc1" presStyleIdx="2" presStyleCnt="4">
         <dgm:presLayoutVars>
           <dgm:chMax val="1"/>
           <dgm:bulletEnabled/>
@@ -5471,7 +6196,7 @@
       <dgm:spPr/>
     </dgm:pt>
     <dgm:pt modelId="{196CF6EA-16F3-413F-B9DC-867037512545}" type="pres">
-      <dgm:prSet presAssocID="{DB1C6978-FAD1-4412-B292-A7B4A2EE60E0}" presName="descendantText" presStyleLbl="alignNode1" presStyleIdx="2" presStyleCnt="5">
+      <dgm:prSet presAssocID="{DB1C6978-FAD1-4412-B292-A7B4A2EE60E0}" presName="descendantText" presStyleLbl="alignNode1" presStyleIdx="2" presStyleCnt="4">
         <dgm:presLayoutVars>
           <dgm:bulletEnabled/>
         </dgm:presLayoutVars>
@@ -5487,7 +6212,7 @@
       <dgm:spPr/>
     </dgm:pt>
     <dgm:pt modelId="{1844505C-2F0D-4352-9B05-3E7D4A0A4146}" type="pres">
-      <dgm:prSet presAssocID="{AAD6E784-963E-42B7-8F36-2C3050B447FF}" presName="parentText" presStyleLbl="solidFgAcc1" presStyleIdx="3" presStyleCnt="5">
+      <dgm:prSet presAssocID="{AAD6E784-963E-42B7-8F36-2C3050B447FF}" presName="parentText" presStyleLbl="solidFgAcc1" presStyleIdx="3" presStyleCnt="4">
         <dgm:presLayoutVars>
           <dgm:chMax val="1"/>
           <dgm:bulletEnabled/>
@@ -5496,32 +6221,7 @@
       <dgm:spPr/>
     </dgm:pt>
     <dgm:pt modelId="{95F28856-7513-4E22-BE0A-9494E333C900}" type="pres">
-      <dgm:prSet presAssocID="{AAD6E784-963E-42B7-8F36-2C3050B447FF}" presName="descendantText" presStyleLbl="alignNode1" presStyleIdx="3" presStyleCnt="5">
-        <dgm:presLayoutVars>
-          <dgm:bulletEnabled/>
-        </dgm:presLayoutVars>
-      </dgm:prSet>
-      <dgm:spPr/>
-    </dgm:pt>
-    <dgm:pt modelId="{A6C048CD-A14F-427E-BEF6-D558696499B6}" type="pres">
-      <dgm:prSet presAssocID="{07C6C03F-6CA3-44B4-B788-458777B5171A}" presName="sp" presStyleCnt="0"/>
-      <dgm:spPr/>
-    </dgm:pt>
-    <dgm:pt modelId="{B646BC4E-74E0-4060-B9C0-3ACFD5260859}" type="pres">
-      <dgm:prSet presAssocID="{C00204D5-8E99-4A6D-8D48-66F574C390CA}" presName="linNode" presStyleCnt="0"/>
-      <dgm:spPr/>
-    </dgm:pt>
-    <dgm:pt modelId="{B07F4F77-8AA7-42B7-89BB-288A9A9EAC85}" type="pres">
-      <dgm:prSet presAssocID="{C00204D5-8E99-4A6D-8D48-66F574C390CA}" presName="parentText" presStyleLbl="solidFgAcc1" presStyleIdx="4" presStyleCnt="5">
-        <dgm:presLayoutVars>
-          <dgm:chMax val="1"/>
-          <dgm:bulletEnabled/>
-        </dgm:presLayoutVars>
-      </dgm:prSet>
-      <dgm:spPr/>
-    </dgm:pt>
-    <dgm:pt modelId="{0D2C99D6-DBED-47E2-BC3B-33BC2A23455E}" type="pres">
-      <dgm:prSet presAssocID="{C00204D5-8E99-4A6D-8D48-66F574C390CA}" presName="descendantText" presStyleLbl="alignNode1" presStyleIdx="4" presStyleCnt="5">
+      <dgm:prSet presAssocID="{AAD6E784-963E-42B7-8F36-2C3050B447FF}" presName="descendantText" presStyleLbl="alignNode1" presStyleIdx="3" presStyleCnt="4">
         <dgm:presLayoutVars>
           <dgm:bulletEnabled/>
         </dgm:presLayoutVars>
@@ -5534,10 +6234,8 @@
     <dgm:cxn modelId="{539AFA0B-C385-4BEE-9421-D11E86844BC9}" type="presOf" srcId="{E6C6C920-149C-4A19-9A7E-C90480E93A32}" destId="{9CB9132C-58DD-4316-9329-A95B0864C454}" srcOrd="0" destOrd="0" presId="urn:microsoft.com/office/officeart/2016/7/layout/VerticalHollowActionList"/>
     <dgm:cxn modelId="{518C8A13-4729-4E9D-AF8B-3605038C97B8}" type="presOf" srcId="{AAD6E784-963E-42B7-8F36-2C3050B447FF}" destId="{1844505C-2F0D-4352-9B05-3E7D4A0A4146}" srcOrd="0" destOrd="0" presId="urn:microsoft.com/office/officeart/2016/7/layout/VerticalHollowActionList"/>
     <dgm:cxn modelId="{7CE6FE14-98B7-4DED-B5F9-D86BE39DCE66}" srcId="{A15906F5-0DBA-40D9-BBB3-1235B270095F}" destId="{E6C6C920-149C-4A19-9A7E-C90480E93A32}" srcOrd="0" destOrd="0" parTransId="{F401D799-7508-44D0-8785-878BA22DB3A1}" sibTransId="{A4E4CFE2-8ED7-4C6A-A23A-9C8B0CCE8DF9}"/>
-    <dgm:cxn modelId="{ECC1B21B-4ECD-4A5D-80B8-FF38228B4191}" type="presOf" srcId="{22C569D0-F448-4944-9697-BC22B6E7E052}" destId="{0D2C99D6-DBED-47E2-BC3B-33BC2A23455E}" srcOrd="0" destOrd="0" presId="urn:microsoft.com/office/officeart/2016/7/layout/VerticalHollowActionList"/>
     <dgm:cxn modelId="{D7380C36-50CA-458D-A00F-A36EEA3E39E5}" type="presOf" srcId="{E2D6056A-ACF7-41C0-A3D0-0F038F2B1469}" destId="{95F28856-7513-4E22-BE0A-9494E333C900}" srcOrd="0" destOrd="0" presId="urn:microsoft.com/office/officeart/2016/7/layout/VerticalHollowActionList"/>
     <dgm:cxn modelId="{03D41F5E-4B51-4205-9E10-8F8900FC0F6F}" srcId="{DB1C6978-FAD1-4412-B292-A7B4A2EE60E0}" destId="{F6D20F8D-66D4-46C6-98EE-5CC17ED7E7AB}" srcOrd="0" destOrd="0" parTransId="{E08A44C7-D710-49A5-B17C-133031C5596A}" sibTransId="{4898F464-DDDB-4A83-BCA6-39A84CA413C7}"/>
-    <dgm:cxn modelId="{A0320041-14B9-42C4-9393-88B4C73514F7}" srcId="{C00204D5-8E99-4A6D-8D48-66F574C390CA}" destId="{22C569D0-F448-4944-9697-BC22B6E7E052}" srcOrd="0" destOrd="0" parTransId="{1BB6203F-BC47-4B25-BDAF-2C6E2B843C79}" sibTransId="{F0C9D63E-A8F8-4511-BEDE-B598C7B4CE82}"/>
     <dgm:cxn modelId="{83F0444A-FB8B-464F-B0AF-A8A2B6AD2A7D}" srcId="{AAD6E784-963E-42B7-8F36-2C3050B447FF}" destId="{E2D6056A-ACF7-41C0-A3D0-0F038F2B1469}" srcOrd="0" destOrd="0" parTransId="{E4F86CC3-F2EC-45B0-9650-CDA1359FAD4D}" sibTransId="{DB5A99B6-EDA9-4DA5-94C0-02251075DF55}"/>
     <dgm:cxn modelId="{92B3676E-BF17-4A07-A2C6-DE249AA887FB}" srcId="{A15906F5-0DBA-40D9-BBB3-1235B270095F}" destId="{AAD6E784-963E-42B7-8F36-2C3050B447FF}" srcOrd="3" destOrd="0" parTransId="{FC8FB946-F9C4-49BB-9DB7-92358D77AE64}" sibTransId="{07C6C03F-6CA3-44B4-B788-458777B5171A}"/>
     <dgm:cxn modelId="{DB750E56-3062-4D71-8BE5-7FB67B8AEAD0}" type="presOf" srcId="{DB1C6978-FAD1-4412-B292-A7B4A2EE60E0}" destId="{1F63251F-9021-4C60-AFD2-C42FA8EB335F}" srcOrd="0" destOrd="0" presId="urn:microsoft.com/office/officeart/2016/7/layout/VerticalHollowActionList"/>
@@ -5545,8 +6243,6 @@
     <dgm:cxn modelId="{2F06C28E-F877-48A7-ABC2-F552A45E5FF1}" type="presOf" srcId="{A98B44FE-FDA7-44B8-A15F-BC6E947550BF}" destId="{84067DD7-F7A8-4037-A1DD-66DE83B86043}" srcOrd="0" destOrd="0" presId="urn:microsoft.com/office/officeart/2016/7/layout/VerticalHollowActionList"/>
     <dgm:cxn modelId="{CCA9FEAD-5A77-4691-94DC-7FD83958CC4A}" type="presOf" srcId="{A15906F5-0DBA-40D9-BBB3-1235B270095F}" destId="{93B4D91F-B4CB-4E6C-8023-509D2BE8273B}" srcOrd="0" destOrd="0" presId="urn:microsoft.com/office/officeart/2016/7/layout/VerticalHollowActionList"/>
     <dgm:cxn modelId="{747D29BA-055D-4028-8B83-818A79F84ABC}" srcId="{A15906F5-0DBA-40D9-BBB3-1235B270095F}" destId="{A98B44FE-FDA7-44B8-A15F-BC6E947550BF}" srcOrd="1" destOrd="0" parTransId="{EB319288-1B3C-417D-B2AA-150520C4CF66}" sibTransId="{2FD7F3E3-4CEF-4713-AA1D-5EF88CF0B848}"/>
-    <dgm:cxn modelId="{017B39C2-3F22-4552-A16F-7C2B9A07CADA}" srcId="{A15906F5-0DBA-40D9-BBB3-1235B270095F}" destId="{C00204D5-8E99-4A6D-8D48-66F574C390CA}" srcOrd="4" destOrd="0" parTransId="{BA66A8A4-D5AF-4EC2-B71A-1FC1BC156B16}" sibTransId="{23AC4C67-0EEB-4D24-BC6D-693F295E6556}"/>
-    <dgm:cxn modelId="{DACAC4C4-5A08-4BF9-AC1B-C33F30A218D0}" type="presOf" srcId="{C00204D5-8E99-4A6D-8D48-66F574C390CA}" destId="{B07F4F77-8AA7-42B7-89BB-288A9A9EAC85}" srcOrd="0" destOrd="0" presId="urn:microsoft.com/office/officeart/2016/7/layout/VerticalHollowActionList"/>
     <dgm:cxn modelId="{033C15D6-2C09-496C-AB94-2EAD531C5B86}" srcId="{A98B44FE-FDA7-44B8-A15F-BC6E947550BF}" destId="{74E35AB2-ACDC-41FF-9618-4C0EA252663F}" srcOrd="0" destOrd="0" parTransId="{17C2E983-0DBC-405F-BB0F-90692C364CC3}" sibTransId="{52773B8B-E7F3-499A-A7DE-F23487663CD6}"/>
     <dgm:cxn modelId="{420BD5D9-FD91-4903-ADA2-E3775639B4F2}" type="presOf" srcId="{F899CEE8-88B8-4512-847E-9DD7DC033C89}" destId="{A40EDA10-3AB1-4E7D-804E-C53DDCA6B4B4}" srcOrd="0" destOrd="0" presId="urn:microsoft.com/office/officeart/2016/7/layout/VerticalHollowActionList"/>
     <dgm:cxn modelId="{FBEEEBE0-1487-493E-843A-CA106B92E0B4}" type="presOf" srcId="{74E35AB2-ACDC-41FF-9618-4C0EA252663F}" destId="{B5515FF9-93A5-4189-9AEB-5B64D914E736}" srcOrd="0" destOrd="0" presId="urn:microsoft.com/office/officeart/2016/7/layout/VerticalHollowActionList"/>
@@ -5566,10 +6262,6 @@
     <dgm:cxn modelId="{2025004D-0F5B-4362-AFEF-7635FF4FB886}" type="presParOf" srcId="{93B4D91F-B4CB-4E6C-8023-509D2BE8273B}" destId="{0E4B29E3-A29D-4500-B1D7-82755AB7C725}" srcOrd="6" destOrd="0" presId="urn:microsoft.com/office/officeart/2016/7/layout/VerticalHollowActionList"/>
     <dgm:cxn modelId="{2288565B-4D27-4752-BFD1-A9D998DB787F}" type="presParOf" srcId="{0E4B29E3-A29D-4500-B1D7-82755AB7C725}" destId="{1844505C-2F0D-4352-9B05-3E7D4A0A4146}" srcOrd="0" destOrd="0" presId="urn:microsoft.com/office/officeart/2016/7/layout/VerticalHollowActionList"/>
     <dgm:cxn modelId="{E01348A8-74EE-4526-8C1C-A525FD227921}" type="presParOf" srcId="{0E4B29E3-A29D-4500-B1D7-82755AB7C725}" destId="{95F28856-7513-4E22-BE0A-9494E333C900}" srcOrd="1" destOrd="0" presId="urn:microsoft.com/office/officeart/2016/7/layout/VerticalHollowActionList"/>
-    <dgm:cxn modelId="{5DE88380-E5D8-448F-8150-D1B46B0EB34C}" type="presParOf" srcId="{93B4D91F-B4CB-4E6C-8023-509D2BE8273B}" destId="{A6C048CD-A14F-427E-BEF6-D558696499B6}" srcOrd="7" destOrd="0" presId="urn:microsoft.com/office/officeart/2016/7/layout/VerticalHollowActionList"/>
-    <dgm:cxn modelId="{F8EBDBF8-2196-4638-8BF0-EA368F8E7015}" type="presParOf" srcId="{93B4D91F-B4CB-4E6C-8023-509D2BE8273B}" destId="{B646BC4E-74E0-4060-B9C0-3ACFD5260859}" srcOrd="8" destOrd="0" presId="urn:microsoft.com/office/officeart/2016/7/layout/VerticalHollowActionList"/>
-    <dgm:cxn modelId="{61802F62-7498-4F6F-8B08-0B04E0DD8F7B}" type="presParOf" srcId="{B646BC4E-74E0-4060-B9C0-3ACFD5260859}" destId="{B07F4F77-8AA7-42B7-89BB-288A9A9EAC85}" srcOrd="0" destOrd="0" presId="urn:microsoft.com/office/officeart/2016/7/layout/VerticalHollowActionList"/>
-    <dgm:cxn modelId="{180DB887-AF80-419D-831A-D427916DBF6B}" type="presParOf" srcId="{B646BC4E-74E0-4060-B9C0-3ACFD5260859}" destId="{0D2C99D6-DBED-47E2-BC3B-33BC2A23455E}" srcOrd="1" destOrd="0" presId="urn:microsoft.com/office/officeart/2016/7/layout/VerticalHollowActionList"/>
   </dgm:cxnLst>
   <dgm:bg/>
   <dgm:whole/>
@@ -5582,6 +6274,767 @@
 </file>
 
 <file path=ppt/diagrams/data3.xml><?xml version="1.0" encoding="utf-8"?>
+<dgm:dataModel xmlns:dgm="http://schemas.openxmlformats.org/drawingml/2006/diagram" xmlns:a="http://schemas.openxmlformats.org/drawingml/2006/main">
+  <dgm:ptLst>
+    <dgm:pt modelId="{45421D1F-31B0-4D99-B1CD-AAD64765F933}" type="doc">
+      <dgm:prSet loTypeId="urn:microsoft.com/office/officeart/2008/layout/PictureAccentList" loCatId="list" qsTypeId="urn:microsoft.com/office/officeart/2005/8/quickstyle/simple4" qsCatId="simple" csTypeId="urn:microsoft.com/office/officeart/2005/8/colors/colorful4" csCatId="colorful" phldr="1"/>
+      <dgm:spPr/>
+      <dgm:t>
+        <a:bodyPr/>
+        <a:lstStyle/>
+        <a:p>
+          <a:endParaRPr lang="en-US"/>
+        </a:p>
+      </dgm:t>
+    </dgm:pt>
+    <dgm:pt modelId="{36AD68FF-0BAE-4D06-8380-BC26916964E8}">
+      <dgm:prSet phldrT="[Text]"/>
+      <dgm:spPr/>
+      <dgm:t>
+        <a:bodyPr/>
+        <a:lstStyle/>
+        <a:p>
+          <a:r>
+            <a:rPr lang="en-US" dirty="0">
+              <a:solidFill>
+                <a:schemeClr val="tx1"/>
+              </a:solidFill>
+              <a:latin typeface="+mj-lt"/>
+            </a:rPr>
+            <a:t>System Overview</a:t>
+          </a:r>
+        </a:p>
+      </dgm:t>
+    </dgm:pt>
+    <dgm:pt modelId="{7D761E0F-2C70-4D64-B29C-A0CA53636DA9}" type="parTrans" cxnId="{7AC9D8CE-0893-49EC-9A59-E3EA623C2918}">
+      <dgm:prSet/>
+      <dgm:spPr/>
+      <dgm:t>
+        <a:bodyPr/>
+        <a:lstStyle/>
+        <a:p>
+          <a:endParaRPr lang="en-US"/>
+        </a:p>
+      </dgm:t>
+    </dgm:pt>
+    <dgm:pt modelId="{2691C506-DEEF-459F-BB23-621286751A44}" type="sibTrans" cxnId="{7AC9D8CE-0893-49EC-9A59-E3EA623C2918}">
+      <dgm:prSet/>
+      <dgm:spPr/>
+      <dgm:t>
+        <a:bodyPr/>
+        <a:lstStyle/>
+        <a:p>
+          <a:endParaRPr lang="en-US"/>
+        </a:p>
+      </dgm:t>
+    </dgm:pt>
+    <dgm:pt modelId="{33A23CB6-18D7-4C64-A121-118F9981105F}">
+      <dgm:prSet phldrT="[Text]" custT="1"/>
+      <dgm:spPr/>
+      <dgm:t>
+        <a:bodyPr/>
+        <a:lstStyle/>
+        <a:p>
+          <a:r>
+            <a:rPr lang="en-US" sz="1600" dirty="0">
+              <a:solidFill>
+                <a:schemeClr val="tx1"/>
+              </a:solidFill>
+              <a:latin typeface="Times New Roman" panose="02020603050405020304" pitchFamily="18" charset="0"/>
+              <a:cs typeface="Times New Roman" panose="02020603050405020304" pitchFamily="18" charset="0"/>
+            </a:rPr>
+            <a:t>User Management</a:t>
+          </a:r>
+        </a:p>
+      </dgm:t>
+    </dgm:pt>
+    <dgm:pt modelId="{40B3720B-CFF1-4B2E-B11D-B2F680A4F363}" type="parTrans" cxnId="{4B81D832-DA7E-42AC-86CF-AEA0F82CAC5B}">
+      <dgm:prSet/>
+      <dgm:spPr/>
+      <dgm:t>
+        <a:bodyPr/>
+        <a:lstStyle/>
+        <a:p>
+          <a:endParaRPr lang="en-US"/>
+        </a:p>
+      </dgm:t>
+    </dgm:pt>
+    <dgm:pt modelId="{86FB82CF-BBF7-40A8-B1AE-66542989CA47}" type="sibTrans" cxnId="{4B81D832-DA7E-42AC-86CF-AEA0F82CAC5B}">
+      <dgm:prSet/>
+      <dgm:spPr/>
+      <dgm:t>
+        <a:bodyPr/>
+        <a:lstStyle/>
+        <a:p>
+          <a:endParaRPr lang="en-US"/>
+        </a:p>
+      </dgm:t>
+    </dgm:pt>
+    <dgm:pt modelId="{D05A49DF-9E83-4DC0-A730-1CD03695E2BB}">
+      <dgm:prSet phldrT="[Text]" custT="1"/>
+      <dgm:spPr/>
+      <dgm:t>
+        <a:bodyPr/>
+        <a:lstStyle/>
+        <a:p>
+          <a:r>
+            <a:rPr lang="en-US" sz="1600" dirty="0">
+              <a:solidFill>
+                <a:schemeClr val="tx1"/>
+              </a:solidFill>
+              <a:latin typeface="Times New Roman" panose="02020603050405020304" pitchFamily="18" charset="0"/>
+              <a:cs typeface="Times New Roman" panose="02020603050405020304" pitchFamily="18" charset="0"/>
+            </a:rPr>
+            <a:t>Booking System</a:t>
+          </a:r>
+        </a:p>
+      </dgm:t>
+    </dgm:pt>
+    <dgm:pt modelId="{894577EF-1BD8-45F0-AE6B-FE02F9776E60}" type="parTrans" cxnId="{307F3C4E-72F1-4D31-A93E-F513E493A53A}">
+      <dgm:prSet/>
+      <dgm:spPr/>
+      <dgm:t>
+        <a:bodyPr/>
+        <a:lstStyle/>
+        <a:p>
+          <a:endParaRPr lang="en-US"/>
+        </a:p>
+      </dgm:t>
+    </dgm:pt>
+    <dgm:pt modelId="{6196F65C-7984-4A4F-BC8A-1CABD86B1D17}" type="sibTrans" cxnId="{307F3C4E-72F1-4D31-A93E-F513E493A53A}">
+      <dgm:prSet/>
+      <dgm:spPr/>
+      <dgm:t>
+        <a:bodyPr/>
+        <a:lstStyle/>
+        <a:p>
+          <a:endParaRPr lang="en-US"/>
+        </a:p>
+      </dgm:t>
+    </dgm:pt>
+    <dgm:pt modelId="{1F5A8E46-43F0-4C99-BB13-7B7D8B735DBF}">
+      <dgm:prSet phldrT="[Text]" custT="1"/>
+      <dgm:spPr/>
+      <dgm:t>
+        <a:bodyPr/>
+        <a:lstStyle/>
+        <a:p>
+          <a:r>
+            <a:rPr lang="en-US" sz="1400" dirty="0">
+              <a:solidFill>
+                <a:schemeClr val="tx1"/>
+              </a:solidFill>
+              <a:latin typeface="Times New Roman" panose="02020603050405020304" pitchFamily="18" charset="0"/>
+              <a:cs typeface="Times New Roman" panose="02020603050405020304" pitchFamily="18" charset="0"/>
+            </a:rPr>
+            <a:t>Secure registration, authentication, and subscription handling</a:t>
+          </a:r>
+          <a:r>
+            <a:rPr lang="en-US" sz="1100" dirty="0">
+              <a:solidFill>
+                <a:schemeClr val="tx1"/>
+              </a:solidFill>
+              <a:latin typeface="Times New Roman" panose="02020603050405020304" pitchFamily="18" charset="0"/>
+              <a:cs typeface="Times New Roman" panose="02020603050405020304" pitchFamily="18" charset="0"/>
+            </a:rPr>
+            <a:t>.</a:t>
+          </a:r>
+        </a:p>
+      </dgm:t>
+    </dgm:pt>
+    <dgm:pt modelId="{7F6197D9-D882-4717-86BA-C5BA90DBA5DD}" type="parTrans" cxnId="{54F654D3-7A51-4D0C-BE07-D3352D860B69}">
+      <dgm:prSet/>
+      <dgm:spPr/>
+      <dgm:t>
+        <a:bodyPr/>
+        <a:lstStyle/>
+        <a:p>
+          <a:endParaRPr lang="en-US"/>
+        </a:p>
+      </dgm:t>
+    </dgm:pt>
+    <dgm:pt modelId="{B787D55D-BE41-4EAD-AC89-292DF401DF61}" type="sibTrans" cxnId="{54F654D3-7A51-4D0C-BE07-D3352D860B69}">
+      <dgm:prSet/>
+      <dgm:spPr/>
+      <dgm:t>
+        <a:bodyPr/>
+        <a:lstStyle/>
+        <a:p>
+          <a:endParaRPr lang="en-US"/>
+        </a:p>
+      </dgm:t>
+    </dgm:pt>
+    <dgm:pt modelId="{30F1F725-8963-41F2-ABB1-D6A36C065936}">
+      <dgm:prSet phldrT="[Text]" custT="1"/>
+      <dgm:spPr/>
+      <dgm:t>
+        <a:bodyPr/>
+        <a:lstStyle/>
+        <a:p>
+          <a:r>
+            <a:rPr lang="en-US" sz="1600" dirty="0">
+              <a:solidFill>
+                <a:schemeClr val="tx1"/>
+              </a:solidFill>
+              <a:latin typeface="Times New Roman" panose="02020603050405020304" pitchFamily="18" charset="0"/>
+              <a:cs typeface="Times New Roman" panose="02020603050405020304" pitchFamily="18" charset="0"/>
+            </a:rPr>
+            <a:t>Financial Tools</a:t>
+          </a:r>
+        </a:p>
+      </dgm:t>
+    </dgm:pt>
+    <dgm:pt modelId="{70A9AD7B-1619-47BA-872A-F7BA62B06CEA}" type="parTrans" cxnId="{E01CCA16-57A8-4F01-AEDB-7A98A7DA098C}">
+      <dgm:prSet/>
+      <dgm:spPr/>
+      <dgm:t>
+        <a:bodyPr/>
+        <a:lstStyle/>
+        <a:p>
+          <a:endParaRPr lang="en-US"/>
+        </a:p>
+      </dgm:t>
+    </dgm:pt>
+    <dgm:pt modelId="{6B88D450-43A2-40E1-A53D-3D3363FAFAE8}" type="sibTrans" cxnId="{E01CCA16-57A8-4F01-AEDB-7A98A7DA098C}">
+      <dgm:prSet/>
+      <dgm:spPr/>
+      <dgm:t>
+        <a:bodyPr/>
+        <a:lstStyle/>
+        <a:p>
+          <a:endParaRPr lang="en-US"/>
+        </a:p>
+      </dgm:t>
+    </dgm:pt>
+    <dgm:pt modelId="{46016BD0-BDDE-447E-B55C-37CF5285EA59}">
+      <dgm:prSet phldrT="[Text]" custT="1"/>
+      <dgm:spPr/>
+      <dgm:t>
+        <a:bodyPr/>
+        <a:lstStyle/>
+        <a:p>
+          <a:r>
+            <a:rPr lang="en-US" sz="1400" dirty="0">
+              <a:solidFill>
+                <a:schemeClr val="tx1"/>
+              </a:solidFill>
+              <a:latin typeface="Times New Roman" panose="02020603050405020304" pitchFamily="18" charset="0"/>
+              <a:cs typeface="Times New Roman" panose="02020603050405020304" pitchFamily="18" charset="0"/>
+            </a:rPr>
+            <a:t>Scheduling one-on-one consultations with financial advisors</a:t>
+          </a:r>
+          <a:r>
+            <a:rPr lang="en-US" sz="1100" dirty="0">
+              <a:solidFill>
+                <a:schemeClr val="tx1"/>
+              </a:solidFill>
+              <a:latin typeface="Times New Roman" panose="02020603050405020304" pitchFamily="18" charset="0"/>
+              <a:cs typeface="Times New Roman" panose="02020603050405020304" pitchFamily="18" charset="0"/>
+            </a:rPr>
+            <a:t>. </a:t>
+          </a:r>
+        </a:p>
+      </dgm:t>
+    </dgm:pt>
+    <dgm:pt modelId="{CD7936D5-EC79-4E96-8D5F-84C5D3FE0990}" type="parTrans" cxnId="{E14A5990-48E3-492B-9E0A-2A04F5BF4BFD}">
+      <dgm:prSet/>
+      <dgm:spPr/>
+      <dgm:t>
+        <a:bodyPr/>
+        <a:lstStyle/>
+        <a:p>
+          <a:endParaRPr lang="en-US"/>
+        </a:p>
+      </dgm:t>
+    </dgm:pt>
+    <dgm:pt modelId="{C18895C0-1669-46D6-8CC5-137C9DE48590}" type="sibTrans" cxnId="{E14A5990-48E3-492B-9E0A-2A04F5BF4BFD}">
+      <dgm:prSet/>
+      <dgm:spPr/>
+      <dgm:t>
+        <a:bodyPr/>
+        <a:lstStyle/>
+        <a:p>
+          <a:endParaRPr lang="en-US"/>
+        </a:p>
+      </dgm:t>
+    </dgm:pt>
+    <dgm:pt modelId="{C2406497-D5D7-4196-B6A2-605793D8F1D6}">
+      <dgm:prSet phldrT="[Text]" custT="1"/>
+      <dgm:spPr/>
+      <dgm:t>
+        <a:bodyPr/>
+        <a:lstStyle/>
+        <a:p>
+          <a:r>
+            <a:rPr lang="en-US" sz="1600" dirty="0">
+              <a:solidFill>
+                <a:schemeClr val="tx1"/>
+              </a:solidFill>
+              <a:latin typeface="Times New Roman" panose="02020603050405020304" pitchFamily="18" charset="0"/>
+              <a:cs typeface="Times New Roman" panose="02020603050405020304" pitchFamily="18" charset="0"/>
+            </a:rPr>
+            <a:t>Educational Resources</a:t>
+          </a:r>
+        </a:p>
+      </dgm:t>
+    </dgm:pt>
+    <dgm:pt modelId="{8F878087-88BB-4F86-9A58-468F7155847C}" type="parTrans" cxnId="{E8E904C7-02D5-44F2-ADD6-CD2ED373EEEF}">
+      <dgm:prSet/>
+      <dgm:spPr/>
+      <dgm:t>
+        <a:bodyPr/>
+        <a:lstStyle/>
+        <a:p>
+          <a:endParaRPr lang="en-US"/>
+        </a:p>
+      </dgm:t>
+    </dgm:pt>
+    <dgm:pt modelId="{C8ECB7CE-2B3E-40F7-92D7-E744713BDD8A}" type="sibTrans" cxnId="{E8E904C7-02D5-44F2-ADD6-CD2ED373EEEF}">
+      <dgm:prSet/>
+      <dgm:spPr/>
+      <dgm:t>
+        <a:bodyPr/>
+        <a:lstStyle/>
+        <a:p>
+          <a:endParaRPr lang="en-US"/>
+        </a:p>
+      </dgm:t>
+    </dgm:pt>
+    <dgm:pt modelId="{F8C6C089-4F84-40E8-8867-4FA50B3B79AD}">
+      <dgm:prSet phldrT="[Text]" custT="1"/>
+      <dgm:spPr/>
+      <dgm:t>
+        <a:bodyPr/>
+        <a:lstStyle/>
+        <a:p>
+          <a:r>
+            <a:rPr lang="en-US" sz="1400" dirty="0">
+              <a:solidFill>
+                <a:schemeClr val="tx1"/>
+              </a:solidFill>
+              <a:latin typeface="Times New Roman" panose="02020603050405020304" pitchFamily="18" charset="0"/>
+              <a:cs typeface="Times New Roman" panose="02020603050405020304" pitchFamily="18" charset="0"/>
+            </a:rPr>
+            <a:t>A suite of calculators and analysis tools for budgeting, retirement planning, and investment tracking</a:t>
+          </a:r>
+        </a:p>
+      </dgm:t>
+    </dgm:pt>
+    <dgm:pt modelId="{291C264A-F9BA-44F4-9DD4-986DDDC65693}" type="parTrans" cxnId="{5F6AC536-1840-4195-8A94-1EBA6A1CF2E4}">
+      <dgm:prSet/>
+      <dgm:spPr/>
+      <dgm:t>
+        <a:bodyPr/>
+        <a:lstStyle/>
+        <a:p>
+          <a:endParaRPr lang="en-US"/>
+        </a:p>
+      </dgm:t>
+    </dgm:pt>
+    <dgm:pt modelId="{3BD2F1C3-56E6-4DED-AC1F-1EC9832D224F}" type="sibTrans" cxnId="{5F6AC536-1840-4195-8A94-1EBA6A1CF2E4}">
+      <dgm:prSet/>
+      <dgm:spPr/>
+      <dgm:t>
+        <a:bodyPr/>
+        <a:lstStyle/>
+        <a:p>
+          <a:endParaRPr lang="en-US"/>
+        </a:p>
+      </dgm:t>
+    </dgm:pt>
+    <dgm:pt modelId="{0DF3003D-BEB0-4017-900F-1D531B220ACE}">
+      <dgm:prSet phldrT="[Text]" custT="1"/>
+      <dgm:spPr/>
+      <dgm:t>
+        <a:bodyPr/>
+        <a:lstStyle/>
+        <a:p>
+          <a:r>
+            <a:rPr lang="en-US" sz="1600" dirty="0">
+              <a:solidFill>
+                <a:schemeClr val="tx1"/>
+              </a:solidFill>
+              <a:latin typeface="Times New Roman" panose="02020603050405020304" pitchFamily="18" charset="0"/>
+              <a:cs typeface="Times New Roman" panose="02020603050405020304" pitchFamily="18" charset="0"/>
+            </a:rPr>
+            <a:t>Event Management</a:t>
+          </a:r>
+        </a:p>
+      </dgm:t>
+    </dgm:pt>
+    <dgm:pt modelId="{5EA34549-7DB0-4853-BCE4-5797C8756AB2}" type="parTrans" cxnId="{FC474AA5-FA91-4868-9B4E-4AFD2515395F}">
+      <dgm:prSet/>
+      <dgm:spPr/>
+      <dgm:t>
+        <a:bodyPr/>
+        <a:lstStyle/>
+        <a:p>
+          <a:endParaRPr lang="en-US"/>
+        </a:p>
+      </dgm:t>
+    </dgm:pt>
+    <dgm:pt modelId="{D6BB274F-3941-4842-88C8-39D700CBDE2A}" type="sibTrans" cxnId="{FC474AA5-FA91-4868-9B4E-4AFD2515395F}">
+      <dgm:prSet/>
+      <dgm:spPr/>
+      <dgm:t>
+        <a:bodyPr/>
+        <a:lstStyle/>
+        <a:p>
+          <a:endParaRPr lang="en-US"/>
+        </a:p>
+      </dgm:t>
+    </dgm:pt>
+    <dgm:pt modelId="{925D6A82-838D-42CD-BBFD-4607CDFC222A}">
+      <dgm:prSet phldrT="[Text]" custT="1"/>
+      <dgm:spPr/>
+      <dgm:t>
+        <a:bodyPr/>
+        <a:lstStyle/>
+        <a:p>
+          <a:r>
+            <a:rPr lang="en-US" sz="1400" dirty="0">
+              <a:solidFill>
+                <a:schemeClr val="tx1"/>
+              </a:solidFill>
+              <a:latin typeface="Times New Roman" panose="02020603050405020304" pitchFamily="18" charset="0"/>
+              <a:cs typeface="Times New Roman" panose="02020603050405020304" pitchFamily="18" charset="0"/>
+            </a:rPr>
+            <a:t>A repository of market news, financial trends, and expert insights</a:t>
+          </a:r>
+          <a:r>
+            <a:rPr lang="en-US" sz="1100" dirty="0">
+              <a:solidFill>
+                <a:schemeClr val="tx1"/>
+              </a:solidFill>
+              <a:latin typeface="Times New Roman" panose="02020603050405020304" pitchFamily="18" charset="0"/>
+              <a:cs typeface="Times New Roman" panose="02020603050405020304" pitchFamily="18" charset="0"/>
+            </a:rPr>
+            <a:t>. </a:t>
+          </a:r>
+        </a:p>
+      </dgm:t>
+    </dgm:pt>
+    <dgm:pt modelId="{40A45A46-EF54-4F87-8F78-67DED5A610D3}" type="parTrans" cxnId="{FB8E04E0-81FB-4389-8719-C60B44FF230F}">
+      <dgm:prSet/>
+      <dgm:spPr/>
+      <dgm:t>
+        <a:bodyPr/>
+        <a:lstStyle/>
+        <a:p>
+          <a:endParaRPr lang="en-US"/>
+        </a:p>
+      </dgm:t>
+    </dgm:pt>
+    <dgm:pt modelId="{3ECA1FBF-51EC-45A8-96F7-593731955C5E}" type="sibTrans" cxnId="{FB8E04E0-81FB-4389-8719-C60B44FF230F}">
+      <dgm:prSet/>
+      <dgm:spPr/>
+      <dgm:t>
+        <a:bodyPr/>
+        <a:lstStyle/>
+        <a:p>
+          <a:endParaRPr lang="en-US"/>
+        </a:p>
+      </dgm:t>
+    </dgm:pt>
+    <dgm:pt modelId="{8421E5D0-90A0-4E70-91F3-8907E84E9F24}">
+      <dgm:prSet phldrT="[Text]" custT="1"/>
+      <dgm:spPr/>
+      <dgm:t>
+        <a:bodyPr/>
+        <a:lstStyle/>
+        <a:p>
+          <a:r>
+            <a:rPr lang="en-US" sz="1400" dirty="0">
+              <a:solidFill>
+                <a:schemeClr val="tx1"/>
+              </a:solidFill>
+              <a:latin typeface="Times New Roman" panose="02020603050405020304" pitchFamily="18" charset="0"/>
+              <a:cs typeface="Times New Roman" panose="02020603050405020304" pitchFamily="18" charset="0"/>
+            </a:rPr>
+            <a:t>Registration and tracking for webinars, workshops, and seminars. </a:t>
+          </a:r>
+        </a:p>
+      </dgm:t>
+    </dgm:pt>
+    <dgm:pt modelId="{5BC17F75-D804-47B5-9606-7D5C76739F34}" type="parTrans" cxnId="{678E7831-94B7-4CC7-9B2B-FC88423EF19B}">
+      <dgm:prSet/>
+      <dgm:spPr/>
+      <dgm:t>
+        <a:bodyPr/>
+        <a:lstStyle/>
+        <a:p>
+          <a:endParaRPr lang="en-US"/>
+        </a:p>
+      </dgm:t>
+    </dgm:pt>
+    <dgm:pt modelId="{EE9AE55A-067C-4BD1-BB61-5ABC24B350EE}" type="sibTrans" cxnId="{678E7831-94B7-4CC7-9B2B-FC88423EF19B}">
+      <dgm:prSet/>
+      <dgm:spPr/>
+      <dgm:t>
+        <a:bodyPr/>
+        <a:lstStyle/>
+        <a:p>
+          <a:endParaRPr lang="en-US"/>
+        </a:p>
+      </dgm:t>
+    </dgm:pt>
+    <dgm:pt modelId="{FB7A9612-018C-4B7C-A0EC-D6A872A56C19}" type="pres">
+      <dgm:prSet presAssocID="{45421D1F-31B0-4D99-B1CD-AAD64765F933}" presName="layout" presStyleCnt="0">
+        <dgm:presLayoutVars>
+          <dgm:chMax/>
+          <dgm:chPref/>
+          <dgm:dir/>
+          <dgm:animOne val="branch"/>
+          <dgm:animLvl val="lvl"/>
+          <dgm:resizeHandles/>
+        </dgm:presLayoutVars>
+      </dgm:prSet>
+      <dgm:spPr/>
+    </dgm:pt>
+    <dgm:pt modelId="{1A7A081E-A3E0-4007-8E86-FA4B462B5C60}" type="pres">
+      <dgm:prSet presAssocID="{36AD68FF-0BAE-4D06-8380-BC26916964E8}" presName="root" presStyleCnt="0">
+        <dgm:presLayoutVars>
+          <dgm:chMax/>
+          <dgm:chPref val="4"/>
+        </dgm:presLayoutVars>
+      </dgm:prSet>
+      <dgm:spPr/>
+    </dgm:pt>
+    <dgm:pt modelId="{0F1DAF6F-622E-4301-8360-CE1B83DC1351}" type="pres">
+      <dgm:prSet presAssocID="{36AD68FF-0BAE-4D06-8380-BC26916964E8}" presName="rootComposite" presStyleCnt="0">
+        <dgm:presLayoutVars/>
+      </dgm:prSet>
+      <dgm:spPr/>
+    </dgm:pt>
+    <dgm:pt modelId="{DB8242FD-C495-4AFB-B308-35B92FEB4D14}" type="pres">
+      <dgm:prSet presAssocID="{36AD68FF-0BAE-4D06-8380-BC26916964E8}" presName="rootText" presStyleLbl="node0" presStyleIdx="0" presStyleCnt="1">
+        <dgm:presLayoutVars>
+          <dgm:chMax/>
+          <dgm:chPref val="4"/>
+        </dgm:presLayoutVars>
+      </dgm:prSet>
+      <dgm:spPr/>
+    </dgm:pt>
+    <dgm:pt modelId="{9DEA2CAA-8679-4BA8-8308-6DE53F5C6B0E}" type="pres">
+      <dgm:prSet presAssocID="{36AD68FF-0BAE-4D06-8380-BC26916964E8}" presName="childShape" presStyleCnt="0">
+        <dgm:presLayoutVars>
+          <dgm:chMax val="0"/>
+          <dgm:chPref val="0"/>
+        </dgm:presLayoutVars>
+      </dgm:prSet>
+      <dgm:spPr/>
+    </dgm:pt>
+    <dgm:pt modelId="{AD28CEA8-D1E4-44B7-90F5-7B82EAD8D46D}" type="pres">
+      <dgm:prSet presAssocID="{33A23CB6-18D7-4C64-A121-118F9981105F}" presName="childComposite" presStyleCnt="0">
+        <dgm:presLayoutVars>
+          <dgm:chMax val="0"/>
+          <dgm:chPref val="0"/>
+        </dgm:presLayoutVars>
+      </dgm:prSet>
+      <dgm:spPr/>
+    </dgm:pt>
+    <dgm:pt modelId="{ED50FA90-2914-4736-89CB-8A5DDEBE3201}" type="pres">
+      <dgm:prSet presAssocID="{33A23CB6-18D7-4C64-A121-118F9981105F}" presName="Image" presStyleLbl="node1" presStyleIdx="0" presStyleCnt="5"/>
+      <dgm:spPr>
+        <a:blipFill rotWithShape="1">
+          <a:blip xmlns:r="http://schemas.openxmlformats.org/officeDocument/2006/relationships" r:embed="rId1"/>
+          <a:srcRect/>
+          <a:stretch>
+            <a:fillRect l="-25000" r="-25000"/>
+          </a:stretch>
+        </a:blipFill>
+      </dgm:spPr>
+    </dgm:pt>
+    <dgm:pt modelId="{A84CAE37-02CD-48FB-9A10-9FA6174CCC85}" type="pres">
+      <dgm:prSet presAssocID="{33A23CB6-18D7-4C64-A121-118F9981105F}" presName="childText" presStyleLbl="lnNode1" presStyleIdx="0" presStyleCnt="5">
+        <dgm:presLayoutVars>
+          <dgm:chMax val="0"/>
+          <dgm:chPref val="0"/>
+          <dgm:bulletEnabled val="1"/>
+        </dgm:presLayoutVars>
+      </dgm:prSet>
+      <dgm:spPr/>
+    </dgm:pt>
+    <dgm:pt modelId="{75B5FF71-9921-4B7C-9FEF-29CE3E043641}" type="pres">
+      <dgm:prSet presAssocID="{D05A49DF-9E83-4DC0-A730-1CD03695E2BB}" presName="childComposite" presStyleCnt="0">
+        <dgm:presLayoutVars>
+          <dgm:chMax val="0"/>
+          <dgm:chPref val="0"/>
+        </dgm:presLayoutVars>
+      </dgm:prSet>
+      <dgm:spPr/>
+    </dgm:pt>
+    <dgm:pt modelId="{0070A7C0-F6F7-427C-98F3-22D47D658D3A}" type="pres">
+      <dgm:prSet presAssocID="{D05A49DF-9E83-4DC0-A730-1CD03695E2BB}" presName="Image" presStyleLbl="node1" presStyleIdx="1" presStyleCnt="5"/>
+      <dgm:spPr>
+        <a:blipFill rotWithShape="1">
+          <a:blip xmlns:r="http://schemas.openxmlformats.org/officeDocument/2006/relationships" r:embed="rId2"/>
+          <a:srcRect/>
+          <a:stretch>
+            <a:fillRect/>
+          </a:stretch>
+        </a:blipFill>
+      </dgm:spPr>
+    </dgm:pt>
+    <dgm:pt modelId="{8F13F05D-A5D3-4ED1-B99B-BBAE8EB27EC7}" type="pres">
+      <dgm:prSet presAssocID="{D05A49DF-9E83-4DC0-A730-1CD03695E2BB}" presName="childText" presStyleLbl="lnNode1" presStyleIdx="1" presStyleCnt="5">
+        <dgm:presLayoutVars>
+          <dgm:chMax val="0"/>
+          <dgm:chPref val="0"/>
+          <dgm:bulletEnabled val="1"/>
+        </dgm:presLayoutVars>
+      </dgm:prSet>
+      <dgm:spPr/>
+    </dgm:pt>
+    <dgm:pt modelId="{5A33A42A-9F3C-41B2-8D32-1F0211D5063D}" type="pres">
+      <dgm:prSet presAssocID="{30F1F725-8963-41F2-ABB1-D6A36C065936}" presName="childComposite" presStyleCnt="0">
+        <dgm:presLayoutVars>
+          <dgm:chMax val="0"/>
+          <dgm:chPref val="0"/>
+        </dgm:presLayoutVars>
+      </dgm:prSet>
+      <dgm:spPr/>
+    </dgm:pt>
+    <dgm:pt modelId="{F7C868A5-CA5C-42C5-83FC-E90A7FC428A8}" type="pres">
+      <dgm:prSet presAssocID="{30F1F725-8963-41F2-ABB1-D6A36C065936}" presName="Image" presStyleLbl="node1" presStyleIdx="2" presStyleCnt="5"/>
+      <dgm:spPr>
+        <a:blipFill rotWithShape="1">
+          <a:blip xmlns:r="http://schemas.openxmlformats.org/officeDocument/2006/relationships" r:embed="rId3"/>
+          <a:srcRect/>
+          <a:stretch>
+            <a:fillRect t="-1000" b="-1000"/>
+          </a:stretch>
+        </a:blipFill>
+      </dgm:spPr>
+    </dgm:pt>
+    <dgm:pt modelId="{564F43FB-EFD7-4063-8605-A5404F0D19AA}" type="pres">
+      <dgm:prSet presAssocID="{30F1F725-8963-41F2-ABB1-D6A36C065936}" presName="childText" presStyleLbl="lnNode1" presStyleIdx="2" presStyleCnt="5">
+        <dgm:presLayoutVars>
+          <dgm:chMax val="0"/>
+          <dgm:chPref val="0"/>
+          <dgm:bulletEnabled val="1"/>
+        </dgm:presLayoutVars>
+      </dgm:prSet>
+      <dgm:spPr/>
+    </dgm:pt>
+    <dgm:pt modelId="{7572C722-B301-4C3D-81C5-9525D3CE84F1}" type="pres">
+      <dgm:prSet presAssocID="{C2406497-D5D7-4196-B6A2-605793D8F1D6}" presName="childComposite" presStyleCnt="0">
+        <dgm:presLayoutVars>
+          <dgm:chMax val="0"/>
+          <dgm:chPref val="0"/>
+        </dgm:presLayoutVars>
+      </dgm:prSet>
+      <dgm:spPr/>
+    </dgm:pt>
+    <dgm:pt modelId="{779FA82C-773E-498F-8361-29056A0F1C1F}" type="pres">
+      <dgm:prSet presAssocID="{C2406497-D5D7-4196-B6A2-605793D8F1D6}" presName="Image" presStyleLbl="node1" presStyleIdx="3" presStyleCnt="5"/>
+      <dgm:spPr>
+        <a:blipFill rotWithShape="1">
+          <a:blip xmlns:r="http://schemas.openxmlformats.org/officeDocument/2006/relationships" r:embed="rId4"/>
+          <a:srcRect/>
+          <a:stretch>
+            <a:fillRect l="-12000" r="-12000"/>
+          </a:stretch>
+        </a:blipFill>
+      </dgm:spPr>
+    </dgm:pt>
+    <dgm:pt modelId="{06DC2DF9-D23D-46EB-A755-C7B27C8F4313}" type="pres">
+      <dgm:prSet presAssocID="{C2406497-D5D7-4196-B6A2-605793D8F1D6}" presName="childText" presStyleLbl="lnNode1" presStyleIdx="3" presStyleCnt="5">
+        <dgm:presLayoutVars>
+          <dgm:chMax val="0"/>
+          <dgm:chPref val="0"/>
+          <dgm:bulletEnabled val="1"/>
+        </dgm:presLayoutVars>
+      </dgm:prSet>
+      <dgm:spPr/>
+    </dgm:pt>
+    <dgm:pt modelId="{D8744E10-3014-4CA7-8B0B-D53B3B8F862F}" type="pres">
+      <dgm:prSet presAssocID="{0DF3003D-BEB0-4017-900F-1D531B220ACE}" presName="childComposite" presStyleCnt="0">
+        <dgm:presLayoutVars>
+          <dgm:chMax val="0"/>
+          <dgm:chPref val="0"/>
+        </dgm:presLayoutVars>
+      </dgm:prSet>
+      <dgm:spPr/>
+    </dgm:pt>
+    <dgm:pt modelId="{CA3AB960-6D07-4AA5-B3A1-C33222B01B8C}" type="pres">
+      <dgm:prSet presAssocID="{0DF3003D-BEB0-4017-900F-1D531B220ACE}" presName="Image" presStyleLbl="node1" presStyleIdx="4" presStyleCnt="5"/>
+      <dgm:spPr>
+        <a:blipFill rotWithShape="1">
+          <a:blip xmlns:r="http://schemas.openxmlformats.org/officeDocument/2006/relationships" r:embed="rId5"/>
+          <a:srcRect/>
+          <a:stretch>
+            <a:fillRect l="-9000" r="-9000"/>
+          </a:stretch>
+        </a:blipFill>
+      </dgm:spPr>
+    </dgm:pt>
+    <dgm:pt modelId="{BD230F3B-311A-4334-B6AD-5A939AED5AD8}" type="pres">
+      <dgm:prSet presAssocID="{0DF3003D-BEB0-4017-900F-1D531B220ACE}" presName="childText" presStyleLbl="lnNode1" presStyleIdx="4" presStyleCnt="5">
+        <dgm:presLayoutVars>
+          <dgm:chMax val="0"/>
+          <dgm:chPref val="0"/>
+          <dgm:bulletEnabled val="1"/>
+        </dgm:presLayoutVars>
+      </dgm:prSet>
+      <dgm:spPr/>
+    </dgm:pt>
+  </dgm:ptLst>
+  <dgm:cxnLst>
+    <dgm:cxn modelId="{E7EED305-307A-49C1-892E-6FFF784340BC}" type="presOf" srcId="{46016BD0-BDDE-447E-B55C-37CF5285EA59}" destId="{8F13F05D-A5D3-4ED1-B99B-BBAE8EB27EC7}" srcOrd="0" destOrd="1" presId="urn:microsoft.com/office/officeart/2008/layout/PictureAccentList"/>
+    <dgm:cxn modelId="{9D493009-8752-4F45-A437-45A7B06DDEDB}" type="presOf" srcId="{8421E5D0-90A0-4E70-91F3-8907E84E9F24}" destId="{BD230F3B-311A-4334-B6AD-5A939AED5AD8}" srcOrd="0" destOrd="1" presId="urn:microsoft.com/office/officeart/2008/layout/PictureAccentList"/>
+    <dgm:cxn modelId="{E01CCA16-57A8-4F01-AEDB-7A98A7DA098C}" srcId="{36AD68FF-0BAE-4D06-8380-BC26916964E8}" destId="{30F1F725-8963-41F2-ABB1-D6A36C065936}" srcOrd="2" destOrd="0" parTransId="{70A9AD7B-1619-47BA-872A-F7BA62B06CEA}" sibTransId="{6B88D450-43A2-40E1-A53D-3D3363FAFAE8}"/>
+    <dgm:cxn modelId="{16CB8126-B5C9-4E30-A695-EECB602952E8}" type="presOf" srcId="{F8C6C089-4F84-40E8-8867-4FA50B3B79AD}" destId="{564F43FB-EFD7-4063-8605-A5404F0D19AA}" srcOrd="0" destOrd="1" presId="urn:microsoft.com/office/officeart/2008/layout/PictureAccentList"/>
+    <dgm:cxn modelId="{678E7831-94B7-4CC7-9B2B-FC88423EF19B}" srcId="{0DF3003D-BEB0-4017-900F-1D531B220ACE}" destId="{8421E5D0-90A0-4E70-91F3-8907E84E9F24}" srcOrd="0" destOrd="0" parTransId="{5BC17F75-D804-47B5-9606-7D5C76739F34}" sibTransId="{EE9AE55A-067C-4BD1-BB61-5ABC24B350EE}"/>
+    <dgm:cxn modelId="{4B81D832-DA7E-42AC-86CF-AEA0F82CAC5B}" srcId="{36AD68FF-0BAE-4D06-8380-BC26916964E8}" destId="{33A23CB6-18D7-4C64-A121-118F9981105F}" srcOrd="0" destOrd="0" parTransId="{40B3720B-CFF1-4B2E-B11D-B2F680A4F363}" sibTransId="{86FB82CF-BBF7-40A8-B1AE-66542989CA47}"/>
+    <dgm:cxn modelId="{5F6AC536-1840-4195-8A94-1EBA6A1CF2E4}" srcId="{30F1F725-8963-41F2-ABB1-D6A36C065936}" destId="{F8C6C089-4F84-40E8-8867-4FA50B3B79AD}" srcOrd="0" destOrd="0" parTransId="{291C264A-F9BA-44F4-9DD4-986DDDC65693}" sibTransId="{3BD2F1C3-56E6-4DED-AC1F-1EC9832D224F}"/>
+    <dgm:cxn modelId="{1FF3F849-EDF8-4C5B-89E9-65A0D8FC85D3}" type="presOf" srcId="{925D6A82-838D-42CD-BBFD-4607CDFC222A}" destId="{06DC2DF9-D23D-46EB-A755-C7B27C8F4313}" srcOrd="0" destOrd="1" presId="urn:microsoft.com/office/officeart/2008/layout/PictureAccentList"/>
+    <dgm:cxn modelId="{307F3C4E-72F1-4D31-A93E-F513E493A53A}" srcId="{36AD68FF-0BAE-4D06-8380-BC26916964E8}" destId="{D05A49DF-9E83-4DC0-A730-1CD03695E2BB}" srcOrd="1" destOrd="0" parTransId="{894577EF-1BD8-45F0-AE6B-FE02F9776E60}" sibTransId="{6196F65C-7984-4A4F-BC8A-1CABD86B1D17}"/>
+    <dgm:cxn modelId="{EE0FDD85-2CEF-4F3B-9E8B-4354C39046A7}" type="presOf" srcId="{30F1F725-8963-41F2-ABB1-D6A36C065936}" destId="{564F43FB-EFD7-4063-8605-A5404F0D19AA}" srcOrd="0" destOrd="0" presId="urn:microsoft.com/office/officeart/2008/layout/PictureAccentList"/>
+    <dgm:cxn modelId="{E14A5990-48E3-492B-9E0A-2A04F5BF4BFD}" srcId="{D05A49DF-9E83-4DC0-A730-1CD03695E2BB}" destId="{46016BD0-BDDE-447E-B55C-37CF5285EA59}" srcOrd="0" destOrd="0" parTransId="{CD7936D5-EC79-4E96-8D5F-84C5D3FE0990}" sibTransId="{C18895C0-1669-46D6-8CC5-137C9DE48590}"/>
+    <dgm:cxn modelId="{11879B9C-57A8-4C21-92A9-222D2938F2B5}" type="presOf" srcId="{D05A49DF-9E83-4DC0-A730-1CD03695E2BB}" destId="{8F13F05D-A5D3-4ED1-B99B-BBAE8EB27EC7}" srcOrd="0" destOrd="0" presId="urn:microsoft.com/office/officeart/2008/layout/PictureAccentList"/>
+    <dgm:cxn modelId="{FC474AA5-FA91-4868-9B4E-4AFD2515395F}" srcId="{36AD68FF-0BAE-4D06-8380-BC26916964E8}" destId="{0DF3003D-BEB0-4017-900F-1D531B220ACE}" srcOrd="4" destOrd="0" parTransId="{5EA34549-7DB0-4853-BCE4-5797C8756AB2}" sibTransId="{D6BB274F-3941-4842-88C8-39D700CBDE2A}"/>
+    <dgm:cxn modelId="{8BBE48C2-F053-4F30-8A12-E0783CC2F6F4}" type="presOf" srcId="{0DF3003D-BEB0-4017-900F-1D531B220ACE}" destId="{BD230F3B-311A-4334-B6AD-5A939AED5AD8}" srcOrd="0" destOrd="0" presId="urn:microsoft.com/office/officeart/2008/layout/PictureAccentList"/>
+    <dgm:cxn modelId="{E8E904C7-02D5-44F2-ADD6-CD2ED373EEEF}" srcId="{36AD68FF-0BAE-4D06-8380-BC26916964E8}" destId="{C2406497-D5D7-4196-B6A2-605793D8F1D6}" srcOrd="3" destOrd="0" parTransId="{8F878087-88BB-4F86-9A58-468F7155847C}" sibTransId="{C8ECB7CE-2B3E-40F7-92D7-E744713BDD8A}"/>
+    <dgm:cxn modelId="{CF3BCCC8-6D19-4F54-A6F3-85FD41569D6D}" type="presOf" srcId="{C2406497-D5D7-4196-B6A2-605793D8F1D6}" destId="{06DC2DF9-D23D-46EB-A755-C7B27C8F4313}" srcOrd="0" destOrd="0" presId="urn:microsoft.com/office/officeart/2008/layout/PictureAccentList"/>
+    <dgm:cxn modelId="{7AC9D8CE-0893-49EC-9A59-E3EA623C2918}" srcId="{45421D1F-31B0-4D99-B1CD-AAD64765F933}" destId="{36AD68FF-0BAE-4D06-8380-BC26916964E8}" srcOrd="0" destOrd="0" parTransId="{7D761E0F-2C70-4D64-B29C-A0CA53636DA9}" sibTransId="{2691C506-DEEF-459F-BB23-621286751A44}"/>
+    <dgm:cxn modelId="{470717D3-B47D-4C74-84AB-D2B41CBE037E}" type="presOf" srcId="{33A23CB6-18D7-4C64-A121-118F9981105F}" destId="{A84CAE37-02CD-48FB-9A10-9FA6174CCC85}" srcOrd="0" destOrd="0" presId="urn:microsoft.com/office/officeart/2008/layout/PictureAccentList"/>
+    <dgm:cxn modelId="{54F654D3-7A51-4D0C-BE07-D3352D860B69}" srcId="{33A23CB6-18D7-4C64-A121-118F9981105F}" destId="{1F5A8E46-43F0-4C99-BB13-7B7D8B735DBF}" srcOrd="0" destOrd="0" parTransId="{7F6197D9-D882-4717-86BA-C5BA90DBA5DD}" sibTransId="{B787D55D-BE41-4EAD-AC89-292DF401DF61}"/>
+    <dgm:cxn modelId="{0CFD32D6-FD72-41EF-B5B4-9219D4BE9590}" type="presOf" srcId="{36AD68FF-0BAE-4D06-8380-BC26916964E8}" destId="{DB8242FD-C495-4AFB-B308-35B92FEB4D14}" srcOrd="0" destOrd="0" presId="urn:microsoft.com/office/officeart/2008/layout/PictureAccentList"/>
+    <dgm:cxn modelId="{FB8E04E0-81FB-4389-8719-C60B44FF230F}" srcId="{C2406497-D5D7-4196-B6A2-605793D8F1D6}" destId="{925D6A82-838D-42CD-BBFD-4607CDFC222A}" srcOrd="0" destOrd="0" parTransId="{40A45A46-EF54-4F87-8F78-67DED5A610D3}" sibTransId="{3ECA1FBF-51EC-45A8-96F7-593731955C5E}"/>
+    <dgm:cxn modelId="{741D42E6-6CD1-41E7-8634-AFF8100309E0}" type="presOf" srcId="{45421D1F-31B0-4D99-B1CD-AAD64765F933}" destId="{FB7A9612-018C-4B7C-A0EC-D6A872A56C19}" srcOrd="0" destOrd="0" presId="urn:microsoft.com/office/officeart/2008/layout/PictureAccentList"/>
+    <dgm:cxn modelId="{D09468F2-764C-4BB7-9E08-538E617EAC15}" type="presOf" srcId="{1F5A8E46-43F0-4C99-BB13-7B7D8B735DBF}" destId="{A84CAE37-02CD-48FB-9A10-9FA6174CCC85}" srcOrd="0" destOrd="1" presId="urn:microsoft.com/office/officeart/2008/layout/PictureAccentList"/>
+    <dgm:cxn modelId="{2149E4B4-56A3-4B73-9CFC-DD85589F5A87}" type="presParOf" srcId="{FB7A9612-018C-4B7C-A0EC-D6A872A56C19}" destId="{1A7A081E-A3E0-4007-8E86-FA4B462B5C60}" srcOrd="0" destOrd="0" presId="urn:microsoft.com/office/officeart/2008/layout/PictureAccentList"/>
+    <dgm:cxn modelId="{BCA3F69D-63E9-47FE-978A-2354CAA5CC74}" type="presParOf" srcId="{1A7A081E-A3E0-4007-8E86-FA4B462B5C60}" destId="{0F1DAF6F-622E-4301-8360-CE1B83DC1351}" srcOrd="0" destOrd="0" presId="urn:microsoft.com/office/officeart/2008/layout/PictureAccentList"/>
+    <dgm:cxn modelId="{4C9F345F-DD63-43BC-A246-281B732225AF}" type="presParOf" srcId="{0F1DAF6F-622E-4301-8360-CE1B83DC1351}" destId="{DB8242FD-C495-4AFB-B308-35B92FEB4D14}" srcOrd="0" destOrd="0" presId="urn:microsoft.com/office/officeart/2008/layout/PictureAccentList"/>
+    <dgm:cxn modelId="{8BB923F8-AA80-4F6C-A083-B0DA7F26D921}" type="presParOf" srcId="{1A7A081E-A3E0-4007-8E86-FA4B462B5C60}" destId="{9DEA2CAA-8679-4BA8-8308-6DE53F5C6B0E}" srcOrd="1" destOrd="0" presId="urn:microsoft.com/office/officeart/2008/layout/PictureAccentList"/>
+    <dgm:cxn modelId="{C09A16B1-F807-46AD-A44E-D9D77A86C1C1}" type="presParOf" srcId="{9DEA2CAA-8679-4BA8-8308-6DE53F5C6B0E}" destId="{AD28CEA8-D1E4-44B7-90F5-7B82EAD8D46D}" srcOrd="0" destOrd="0" presId="urn:microsoft.com/office/officeart/2008/layout/PictureAccentList"/>
+    <dgm:cxn modelId="{51E6192B-138F-4BF6-9E36-3B3EC48DA38D}" type="presParOf" srcId="{AD28CEA8-D1E4-44B7-90F5-7B82EAD8D46D}" destId="{ED50FA90-2914-4736-89CB-8A5DDEBE3201}" srcOrd="0" destOrd="0" presId="urn:microsoft.com/office/officeart/2008/layout/PictureAccentList"/>
+    <dgm:cxn modelId="{6777150E-20F1-4540-B5C1-E2327F22001E}" type="presParOf" srcId="{AD28CEA8-D1E4-44B7-90F5-7B82EAD8D46D}" destId="{A84CAE37-02CD-48FB-9A10-9FA6174CCC85}" srcOrd="1" destOrd="0" presId="urn:microsoft.com/office/officeart/2008/layout/PictureAccentList"/>
+    <dgm:cxn modelId="{B7608B4D-5B17-4678-9CD7-E1F77CC141D4}" type="presParOf" srcId="{9DEA2CAA-8679-4BA8-8308-6DE53F5C6B0E}" destId="{75B5FF71-9921-4B7C-9FEF-29CE3E043641}" srcOrd="1" destOrd="0" presId="urn:microsoft.com/office/officeart/2008/layout/PictureAccentList"/>
+    <dgm:cxn modelId="{06DC99DB-8806-4F34-B382-B44392510140}" type="presParOf" srcId="{75B5FF71-9921-4B7C-9FEF-29CE3E043641}" destId="{0070A7C0-F6F7-427C-98F3-22D47D658D3A}" srcOrd="0" destOrd="0" presId="urn:microsoft.com/office/officeart/2008/layout/PictureAccentList"/>
+    <dgm:cxn modelId="{131BD859-F88A-4A3F-99EC-E2C677117C91}" type="presParOf" srcId="{75B5FF71-9921-4B7C-9FEF-29CE3E043641}" destId="{8F13F05D-A5D3-4ED1-B99B-BBAE8EB27EC7}" srcOrd="1" destOrd="0" presId="urn:microsoft.com/office/officeart/2008/layout/PictureAccentList"/>
+    <dgm:cxn modelId="{075EDECE-FCA3-4D33-91B4-C542A949B76D}" type="presParOf" srcId="{9DEA2CAA-8679-4BA8-8308-6DE53F5C6B0E}" destId="{5A33A42A-9F3C-41B2-8D32-1F0211D5063D}" srcOrd="2" destOrd="0" presId="urn:microsoft.com/office/officeart/2008/layout/PictureAccentList"/>
+    <dgm:cxn modelId="{91157671-828C-4111-9302-FCCCB81AA8F4}" type="presParOf" srcId="{5A33A42A-9F3C-41B2-8D32-1F0211D5063D}" destId="{F7C868A5-CA5C-42C5-83FC-E90A7FC428A8}" srcOrd="0" destOrd="0" presId="urn:microsoft.com/office/officeart/2008/layout/PictureAccentList"/>
+    <dgm:cxn modelId="{F288B05C-860C-449E-AE7E-C45BB5EFB88E}" type="presParOf" srcId="{5A33A42A-9F3C-41B2-8D32-1F0211D5063D}" destId="{564F43FB-EFD7-4063-8605-A5404F0D19AA}" srcOrd="1" destOrd="0" presId="urn:microsoft.com/office/officeart/2008/layout/PictureAccentList"/>
+    <dgm:cxn modelId="{CE5CB4CB-2DD1-4797-B6C9-B5C0EC62D501}" type="presParOf" srcId="{9DEA2CAA-8679-4BA8-8308-6DE53F5C6B0E}" destId="{7572C722-B301-4C3D-81C5-9525D3CE84F1}" srcOrd="3" destOrd="0" presId="urn:microsoft.com/office/officeart/2008/layout/PictureAccentList"/>
+    <dgm:cxn modelId="{EB4CAD12-0929-4129-A332-E5A3C8CD04BC}" type="presParOf" srcId="{7572C722-B301-4C3D-81C5-9525D3CE84F1}" destId="{779FA82C-773E-498F-8361-29056A0F1C1F}" srcOrd="0" destOrd="0" presId="urn:microsoft.com/office/officeart/2008/layout/PictureAccentList"/>
+    <dgm:cxn modelId="{37C71801-1C5C-4057-8B14-AFCEDE3C065A}" type="presParOf" srcId="{7572C722-B301-4C3D-81C5-9525D3CE84F1}" destId="{06DC2DF9-D23D-46EB-A755-C7B27C8F4313}" srcOrd="1" destOrd="0" presId="urn:microsoft.com/office/officeart/2008/layout/PictureAccentList"/>
+    <dgm:cxn modelId="{33790FA5-1E09-490C-B193-4925CC640D94}" type="presParOf" srcId="{9DEA2CAA-8679-4BA8-8308-6DE53F5C6B0E}" destId="{D8744E10-3014-4CA7-8B0B-D53B3B8F862F}" srcOrd="4" destOrd="0" presId="urn:microsoft.com/office/officeart/2008/layout/PictureAccentList"/>
+    <dgm:cxn modelId="{2213F5DC-E9C6-4702-934C-8BAA5692B035}" type="presParOf" srcId="{D8744E10-3014-4CA7-8B0B-D53B3B8F862F}" destId="{CA3AB960-6D07-4AA5-B3A1-C33222B01B8C}" srcOrd="0" destOrd="0" presId="urn:microsoft.com/office/officeart/2008/layout/PictureAccentList"/>
+    <dgm:cxn modelId="{18A7E4E4-7CAB-4768-BA64-9583527024EA}" type="presParOf" srcId="{D8744E10-3014-4CA7-8B0B-D53B3B8F862F}" destId="{BD230F3B-311A-4334-B6AD-5A939AED5AD8}" srcOrd="1" destOrd="0" presId="urn:microsoft.com/office/officeart/2008/layout/PictureAccentList"/>
+  </dgm:cxnLst>
+  <dgm:bg/>
+  <dgm:whole/>
+  <dgm:extLst>
+    <a:ext uri="http://schemas.microsoft.com/office/drawing/2008/diagram">
+      <dsp:dataModelExt xmlns:dsp="http://schemas.microsoft.com/office/drawing/2008/diagram" relId="rId6" minVer="http://schemas.openxmlformats.org/drawingml/2006/diagram"/>
+    </a:ext>
+  </dgm:extLst>
+</dgm:dataModel>
+</file>
+
+<file path=ppt/diagrams/data4.xml><?xml version="1.0" encoding="utf-8"?>
 <dgm:dataModel xmlns:dgm="http://schemas.openxmlformats.org/drawingml/2006/diagram" xmlns:a="http://schemas.openxmlformats.org/drawingml/2006/main">
   <dgm:ptLst>
     <dgm:pt modelId="{2AABD965-376F-4412-954A-42E03943B881}" type="doc">
@@ -6449,7 +7902,7 @@
 </dgm:dataModel>
 </file>
 
-<file path=ppt/diagrams/data4.xml><?xml version="1.0" encoding="utf-8"?>
+<file path=ppt/diagrams/data5.xml><?xml version="1.0" encoding="utf-8"?>
 <dgm:dataModel xmlns:dgm="http://schemas.openxmlformats.org/drawingml/2006/diagram" xmlns:a="http://schemas.openxmlformats.org/drawingml/2006/main">
   <dgm:ptLst>
     <dgm:pt modelId="{4B5C2940-E55D-4D9B-90CA-D5CA34980BB8}" type="doc">
@@ -6840,7 +8293,7 @@
       </dsp:nvSpPr>
       <dsp:spPr>
         <a:xfrm>
-          <a:off x="783" y="0"/>
+          <a:off x="0" y="0"/>
           <a:ext cx="3174567" cy="2925762"/>
         </a:xfrm>
         <a:prstGeom prst="rect">
@@ -6887,7 +8340,7 @@
         </a:bodyPr>
         <a:lstStyle/>
         <a:p>
-          <a:pPr marL="0" lvl="0" indent="0" algn="l" defTabSz="666750" rtl="0">
+          <a:pPr marL="0" lvl="0" indent="0" algn="l" defTabSz="711200" rtl="0">
             <a:lnSpc>
               <a:spcPct val="90000"/>
             </a:lnSpc>
@@ -6900,41 +8353,43 @@
             <a:buNone/>
           </a:pPr>
           <a:r>
-            <a:rPr lang="en-US" sz="1500" kern="1200"/>
-            <a:t>Inefficient Financial Management</a:t>
+            <a:rPr lang="en-US" sz="1600" u="sng" kern="1200" dirty="0">
+              <a:solidFill>
+                <a:schemeClr val="bg1"/>
+              </a:solidFill>
+              <a:latin typeface="Times New Roman" panose="02020603050405020304" pitchFamily="18" charset="0"/>
+              <a:cs typeface="Times New Roman" panose="02020603050405020304" pitchFamily="18" charset="0"/>
+            </a:rPr>
+            <a:t>Inefficient Financial Management: </a:t>
           </a:r>
+        </a:p>
+        <a:p>
+          <a:pPr marL="0" lvl="0" indent="0" algn="l" defTabSz="711200" rtl="0">
+            <a:lnSpc>
+              <a:spcPct val="90000"/>
+            </a:lnSpc>
+            <a:spcBef>
+              <a:spcPct val="0"/>
+            </a:spcBef>
+            <a:spcAft>
+              <a:spcPct val="35000"/>
+            </a:spcAft>
+            <a:buNone/>
+          </a:pPr>
           <a:r>
-            <a:rPr lang="en-US" sz="1500" kern="1200">
+            <a:rPr lang="en-US" sz="1600" kern="1200" dirty="0">
               <a:solidFill>
-                <a:srgbClr val="000000"/>
+                <a:schemeClr val="bg1"/>
               </a:solidFill>
-              <a:latin typeface="Times New Roman"/>
-              <a:cs typeface="Times New Roman"/>
+              <a:latin typeface="Times New Roman" panose="02020603050405020304" pitchFamily="18" charset="0"/>
+              <a:cs typeface="Times New Roman" panose="02020603050405020304" pitchFamily="18" charset="0"/>
             </a:rPr>
-            <a:t>: Many individuals lack access to </a:t>
-          </a:r>
-          <a:r>
-            <a:rPr lang="en-US" sz="1500" kern="1200">
-              <a:latin typeface="Calibri"/>
-              <a:ea typeface="Calibri"/>
-              <a:cs typeface="Calibri"/>
-            </a:rPr>
-            <a:t>          </a:t>
-          </a:r>
-          <a:r>
-            <a:rPr lang="en-US" sz="1500" kern="1200">
-              <a:solidFill>
-                <a:srgbClr val="000000"/>
-              </a:solidFill>
-              <a:latin typeface="Times New Roman"/>
-              <a:cs typeface="Times New Roman"/>
-            </a:rPr>
-            <a:t>personalized financial tools and professional advice, leading to poor decision-making.  </a:t>
+            <a:t>Many individuals lack access to personalized financial tools and professional advice, leading to poor decision-making.  </a:t>
           </a:r>
         </a:p>
       </dsp:txBody>
       <dsp:txXfrm>
-        <a:off x="783" y="1170304"/>
+        <a:off x="0" y="1170304"/>
         <a:ext cx="3174567" cy="1755457"/>
       </dsp:txXfrm>
     </dsp:sp>
@@ -7056,7 +8511,7 @@
         </a:bodyPr>
         <a:lstStyle/>
         <a:p>
-          <a:pPr marL="0" lvl="0" indent="0" algn="l" defTabSz="666750">
+          <a:pPr marL="0" lvl="0" indent="0" algn="l" defTabSz="711200">
             <a:lnSpc>
               <a:spcPct val="90000"/>
             </a:lnSpc>
@@ -7069,8 +8524,25 @@
             <a:buNone/>
           </a:pPr>
           <a:r>
-            <a:rPr lang="en-US" sz="1500" kern="1200"/>
-            <a:t>Making a comprehensive and effective means to navigate the website</a:t>
+            <a:rPr lang="en-US" sz="1600" i="1" u="sng" kern="1200" dirty="0">
+              <a:latin typeface="Times New Roman" panose="02020603050405020304" pitchFamily="18" charset="0"/>
+              <a:cs typeface="Times New Roman" panose="02020603050405020304" pitchFamily="18" charset="0"/>
+            </a:rPr>
+            <a:t>Fragmented Resources</a:t>
+          </a:r>
+          <a:r>
+            <a:rPr lang="en-US" sz="1600" u="sng" kern="1200" dirty="0">
+              <a:latin typeface="Times New Roman" panose="02020603050405020304" pitchFamily="18" charset="0"/>
+              <a:cs typeface="Times New Roman" panose="02020603050405020304" pitchFamily="18" charset="0"/>
+            </a:rPr>
+            <a:t>: </a:t>
+          </a:r>
+          <a:r>
+            <a:rPr lang="en-US" sz="1600" kern="1200" dirty="0">
+              <a:latin typeface="Times New Roman" panose="02020603050405020304" pitchFamily="18" charset="0"/>
+              <a:cs typeface="Times New Roman" panose="02020603050405020304" pitchFamily="18" charset="0"/>
+            </a:rPr>
+            <a:t>Users currently rely on multiple platforms for financial education, investment insights, and calculation tools, resulting in inefficiencies and inconsistencies. </a:t>
           </a:r>
         </a:p>
       </dsp:txBody>
@@ -7197,7 +8669,7 @@
         </a:bodyPr>
         <a:lstStyle/>
         <a:p>
-          <a:pPr marL="0" lvl="0" indent="0" algn="l" defTabSz="666750">
+          <a:pPr marL="0" lvl="0" indent="0" algn="l" defTabSz="755650">
             <a:lnSpc>
               <a:spcPct val="90000"/>
             </a:lnSpc>
@@ -7210,8 +8682,25 @@
             <a:buNone/>
           </a:pPr>
           <a:r>
-            <a:rPr lang="en-US" sz="1500" kern="1200"/>
-            <a:t>Ensuring easy user accessibility to different resources found on the website as well as any outsourced resources</a:t>
+            <a:rPr lang="en-US" sz="1700" i="1" u="sng" kern="1200" dirty="0">
+              <a:latin typeface="Times New Roman" panose="02020603050405020304" pitchFamily="18" charset="0"/>
+              <a:cs typeface="Times New Roman" panose="02020603050405020304" pitchFamily="18" charset="0"/>
+            </a:rPr>
+            <a:t>Limited Accessibility</a:t>
+          </a:r>
+          <a:r>
+            <a:rPr lang="en-US" sz="1700" u="sng" kern="1200" dirty="0">
+              <a:latin typeface="Times New Roman" panose="02020603050405020304" pitchFamily="18" charset="0"/>
+              <a:cs typeface="Times New Roman" panose="02020603050405020304" pitchFamily="18" charset="0"/>
+            </a:rPr>
+            <a:t>: </a:t>
+          </a:r>
+          <a:r>
+            <a:rPr lang="en-US" sz="1700" kern="1200" dirty="0">
+              <a:latin typeface="Times New Roman" panose="02020603050405020304" pitchFamily="18" charset="0"/>
+              <a:cs typeface="Times New Roman" panose="02020603050405020304" pitchFamily="18" charset="0"/>
+            </a:rPr>
+            <a:t>Traditional financial advisory services can be inaccessible due to cost, geographic barriers, and scheduling challenges. </a:t>
           </a:r>
         </a:p>
       </dsp:txBody>
@@ -7303,8 +8792,8 @@
       </dsp:nvSpPr>
       <dsp:spPr>
         <a:xfrm>
-          <a:off x="999241" y="2513"/>
-          <a:ext cx="3996965" cy="1102765"/>
+          <a:off x="999241" y="2668"/>
+          <a:ext cx="3996965" cy="1382339"/>
         </a:xfrm>
         <a:prstGeom prst="rect">
           <a:avLst/>
@@ -7345,12 +8834,12 @@
         </a:fontRef>
       </dsp:style>
       <dsp:txBody>
-        <a:bodyPr spcFirstLastPara="0" vert="horz" wrap="square" lIns="77552" tIns="280102" rIns="77552" bIns="280102" numCol="1" spcCol="1270" anchor="ctr" anchorCtr="0">
+        <a:bodyPr spcFirstLastPara="0" vert="horz" wrap="square" lIns="77552" tIns="351114" rIns="77552" bIns="351114" numCol="1" spcCol="1270" anchor="ctr" anchorCtr="0">
           <a:noAutofit/>
         </a:bodyPr>
         <a:lstStyle/>
         <a:p>
-          <a:pPr marL="0" lvl="0" indent="0" algn="l" defTabSz="800100">
+          <a:pPr marL="0" lvl="0" indent="0" algn="l" defTabSz="622300">
             <a:lnSpc>
               <a:spcPct val="90000"/>
             </a:lnSpc>
@@ -7363,20 +8852,14 @@
             <a:buNone/>
           </a:pPr>
           <a:r>
-            <a:rPr lang="en-US" sz="1800" kern="1200">
-              <a:latin typeface="Goudy Old Style"/>
-            </a:rPr>
-            <a:t>users</a:t>
-          </a:r>
-          <a:r>
-            <a:rPr lang="en-US" sz="1800" kern="1200"/>
-            <a:t> with tailored financial advice.</a:t>
+            <a:rPr lang="en-US" sz="1400" kern="1200" dirty="0"/>
+            <a:t>Develop a centralized platform that provides personalized financial advisory services through an integrated booking system. </a:t>
           </a:r>
         </a:p>
       </dsp:txBody>
       <dsp:txXfrm>
-        <a:off x="999241" y="2513"/>
-        <a:ext cx="3996965" cy="1102765"/>
+        <a:off x="999241" y="2668"/>
+        <a:ext cx="3996965" cy="1382339"/>
       </dsp:txXfrm>
     </dsp:sp>
     <dsp:sp modelId="{9CB9132C-58DD-4316-9329-A95B0864C454}">
@@ -7386,8 +8869,8 @@
       </dsp:nvSpPr>
       <dsp:spPr>
         <a:xfrm>
-          <a:off x="0" y="2513"/>
-          <a:ext cx="999241" cy="1102765"/>
+          <a:off x="0" y="2668"/>
+          <a:ext cx="999241" cy="1382339"/>
         </a:xfrm>
         <a:prstGeom prst="rect">
           <a:avLst/>
@@ -7426,12 +8909,12 @@
         <a:fontRef idx="minor"/>
       </dsp:style>
       <dsp:txBody>
-        <a:bodyPr spcFirstLastPara="0" vert="horz" wrap="square" lIns="52877" tIns="108929" rIns="52877" bIns="108929" numCol="1" spcCol="1270" anchor="ctr" anchorCtr="0">
+        <a:bodyPr spcFirstLastPara="0" vert="horz" wrap="square" lIns="52877" tIns="136544" rIns="52877" bIns="136544" numCol="1" spcCol="1270" anchor="ctr" anchorCtr="0">
           <a:noAutofit/>
         </a:bodyPr>
         <a:lstStyle/>
         <a:p>
-          <a:pPr marL="0" lvl="0" indent="0" algn="ctr" defTabSz="977900">
+          <a:pPr marL="0" lvl="0" indent="0" algn="ctr" defTabSz="800100">
             <a:lnSpc>
               <a:spcPct val="90000"/>
             </a:lnSpc>
@@ -7444,14 +8927,14 @@
             <a:buNone/>
           </a:pPr>
           <a:r>
-            <a:rPr lang="en-US" sz="2200" kern="1200"/>
-            <a:t>Provide</a:t>
+            <a:rPr lang="en-US" sz="1800" kern="1200" dirty="0"/>
+            <a:t>Goal 1</a:t>
           </a:r>
         </a:p>
       </dsp:txBody>
       <dsp:txXfrm>
-        <a:off x="0" y="2513"/>
-        <a:ext cx="999241" cy="1102765"/>
+        <a:off x="0" y="2668"/>
+        <a:ext cx="999241" cy="1382339"/>
       </dsp:txXfrm>
     </dsp:sp>
     <dsp:sp modelId="{B5515FF9-93A5-4189-9AEB-5B64D914E736}">
@@ -7461,8 +8944,8 @@
       </dsp:nvSpPr>
       <dsp:spPr>
         <a:xfrm>
-          <a:off x="999241" y="1171444"/>
-          <a:ext cx="3996965" cy="1102765"/>
+          <a:off x="999241" y="1467948"/>
+          <a:ext cx="3996965" cy="1382339"/>
         </a:xfrm>
         <a:prstGeom prst="rect">
           <a:avLst/>
@@ -7503,12 +8986,12 @@
         </a:fontRef>
       </dsp:style>
       <dsp:txBody>
-        <a:bodyPr spcFirstLastPara="0" vert="horz" wrap="square" lIns="77552" tIns="280102" rIns="77552" bIns="280102" numCol="1" spcCol="1270" anchor="ctr" anchorCtr="0">
+        <a:bodyPr spcFirstLastPara="0" vert="horz" wrap="square" lIns="77552" tIns="351114" rIns="77552" bIns="351114" numCol="1" spcCol="1270" anchor="ctr" anchorCtr="0">
           <a:noAutofit/>
         </a:bodyPr>
         <a:lstStyle/>
         <a:p>
-          <a:pPr marL="0" lvl="0" indent="0" algn="l" defTabSz="800100">
+          <a:pPr marL="0" lvl="0" indent="0" algn="l" defTabSz="622300">
             <a:lnSpc>
               <a:spcPct val="90000"/>
             </a:lnSpc>
@@ -7521,14 +9004,14 @@
             <a:buNone/>
           </a:pPr>
           <a:r>
-            <a:rPr lang="en-US" sz="1800" kern="1200"/>
-            <a:t>tools for better financial management.</a:t>
+            <a:rPr lang="en-US" sz="1400" kern="1200" dirty="0"/>
+            <a:t>Offer comprehensive tools, such as financial calculators, market analysis, and educational resources, in a user-friendly interface. </a:t>
           </a:r>
         </a:p>
       </dsp:txBody>
       <dsp:txXfrm>
-        <a:off x="999241" y="1171444"/>
-        <a:ext cx="3996965" cy="1102765"/>
+        <a:off x="999241" y="1467948"/>
+        <a:ext cx="3996965" cy="1382339"/>
       </dsp:txXfrm>
     </dsp:sp>
     <dsp:sp modelId="{84067DD7-F7A8-4037-A1DD-66DE83B86043}">
@@ -7538,8 +9021,8 @@
       </dsp:nvSpPr>
       <dsp:spPr>
         <a:xfrm>
-          <a:off x="0" y="1171444"/>
-          <a:ext cx="999241" cy="1102765"/>
+          <a:off x="0" y="1467948"/>
+          <a:ext cx="999241" cy="1382339"/>
         </a:xfrm>
         <a:prstGeom prst="rect">
           <a:avLst/>
@@ -7578,12 +9061,12 @@
         <a:fontRef idx="minor"/>
       </dsp:style>
       <dsp:txBody>
-        <a:bodyPr spcFirstLastPara="0" vert="horz" wrap="square" lIns="52877" tIns="108929" rIns="52877" bIns="108929" numCol="1" spcCol="1270" anchor="ctr" anchorCtr="0">
+        <a:bodyPr spcFirstLastPara="0" vert="horz" wrap="square" lIns="52877" tIns="136544" rIns="52877" bIns="136544" numCol="1" spcCol="1270" anchor="ctr" anchorCtr="0">
           <a:noAutofit/>
         </a:bodyPr>
         <a:lstStyle/>
         <a:p>
-          <a:pPr marL="0" lvl="0" indent="0" algn="ctr" defTabSz="977900">
+          <a:pPr marL="0" lvl="0" indent="0" algn="ctr" defTabSz="800100">
             <a:lnSpc>
               <a:spcPct val="90000"/>
             </a:lnSpc>
@@ -7596,14 +9079,14 @@
             <a:buNone/>
           </a:pPr>
           <a:r>
-            <a:rPr lang="en-US" sz="2200" kern="1200"/>
-            <a:t>Offer</a:t>
+            <a:rPr lang="en-US" sz="1800" kern="1200" dirty="0"/>
+            <a:t>Goal 2</a:t>
           </a:r>
         </a:p>
       </dsp:txBody>
       <dsp:txXfrm>
-        <a:off x="0" y="1171444"/>
-        <a:ext cx="999241" cy="1102765"/>
+        <a:off x="0" y="1467948"/>
+        <a:ext cx="999241" cy="1382339"/>
       </dsp:txXfrm>
     </dsp:sp>
     <dsp:sp modelId="{196CF6EA-16F3-413F-B9DC-867037512545}">
@@ -7613,8 +9096,8 @@
       </dsp:nvSpPr>
       <dsp:spPr>
         <a:xfrm>
-          <a:off x="999241" y="2340375"/>
-          <a:ext cx="3996965" cy="1102765"/>
+          <a:off x="999241" y="2933228"/>
+          <a:ext cx="3996965" cy="1382339"/>
         </a:xfrm>
         <a:prstGeom prst="rect">
           <a:avLst/>
@@ -7655,12 +9138,12 @@
         </a:fontRef>
       </dsp:style>
       <dsp:txBody>
-        <a:bodyPr spcFirstLastPara="0" vert="horz" wrap="square" lIns="77552" tIns="280102" rIns="77552" bIns="280102" numCol="1" spcCol="1270" anchor="ctr" anchorCtr="0">
+        <a:bodyPr spcFirstLastPara="0" vert="horz" wrap="square" lIns="77552" tIns="351114" rIns="77552" bIns="351114" numCol="1" spcCol="1270" anchor="ctr" anchorCtr="0">
           <a:noAutofit/>
         </a:bodyPr>
         <a:lstStyle/>
         <a:p>
-          <a:pPr marL="0" lvl="0" indent="0" algn="l" defTabSz="800100">
+          <a:pPr marL="0" lvl="0" indent="0" algn="l" defTabSz="622300">
             <a:lnSpc>
               <a:spcPct val="90000"/>
             </a:lnSpc>
@@ -7673,14 +9156,14 @@
             <a:buNone/>
           </a:pPr>
           <a:r>
-            <a:rPr lang="en-US" sz="1800" kern="1200"/>
-            <a:t> users with education and insights for informed decisions.</a:t>
+            <a:rPr lang="en-US" sz="1400" kern="1200" dirty="0"/>
+            <a:t> Ensure the platform is scalable, secure, and accessible, catering to users with diverse financial needs. </a:t>
           </a:r>
         </a:p>
       </dsp:txBody>
       <dsp:txXfrm>
-        <a:off x="999241" y="2340375"/>
-        <a:ext cx="3996965" cy="1102765"/>
+        <a:off x="999241" y="2933228"/>
+        <a:ext cx="3996965" cy="1382339"/>
       </dsp:txXfrm>
     </dsp:sp>
     <dsp:sp modelId="{1F63251F-9021-4C60-AFD2-C42FA8EB335F}">
@@ -7690,8 +9173,8 @@
       </dsp:nvSpPr>
       <dsp:spPr>
         <a:xfrm>
-          <a:off x="0" y="2340375"/>
-          <a:ext cx="999241" cy="1102765"/>
+          <a:off x="0" y="2933228"/>
+          <a:ext cx="999241" cy="1382339"/>
         </a:xfrm>
         <a:prstGeom prst="rect">
           <a:avLst/>
@@ -7730,12 +9213,12 @@
         <a:fontRef idx="minor"/>
       </dsp:style>
       <dsp:txBody>
-        <a:bodyPr spcFirstLastPara="0" vert="horz" wrap="square" lIns="52877" tIns="108929" rIns="52877" bIns="108929" numCol="1" spcCol="1270" anchor="ctr" anchorCtr="0">
+        <a:bodyPr spcFirstLastPara="0" vert="horz" wrap="square" lIns="52877" tIns="136544" rIns="52877" bIns="136544" numCol="1" spcCol="1270" anchor="ctr" anchorCtr="0">
           <a:noAutofit/>
         </a:bodyPr>
         <a:lstStyle/>
         <a:p>
-          <a:pPr marL="0" lvl="0" indent="0" algn="ctr" defTabSz="977900">
+          <a:pPr marL="0" lvl="0" indent="0" algn="ctr" defTabSz="800100">
             <a:lnSpc>
               <a:spcPct val="90000"/>
             </a:lnSpc>
@@ -7748,14 +9231,14 @@
             <a:buNone/>
           </a:pPr>
           <a:r>
-            <a:rPr lang="en-US" sz="2200" kern="1200"/>
-            <a:t>Equip</a:t>
+            <a:rPr lang="en-US" sz="1800" kern="1200" dirty="0"/>
+            <a:t>Goal 3</a:t>
           </a:r>
         </a:p>
       </dsp:txBody>
       <dsp:txXfrm>
-        <a:off x="0" y="2340375"/>
-        <a:ext cx="999241" cy="1102765"/>
+        <a:off x="0" y="2933228"/>
+        <a:ext cx="999241" cy="1382339"/>
       </dsp:txXfrm>
     </dsp:sp>
     <dsp:sp modelId="{95F28856-7513-4E22-BE0A-9494E333C900}">
@@ -7765,8 +9248,8 @@
       </dsp:nvSpPr>
       <dsp:spPr>
         <a:xfrm>
-          <a:off x="999241" y="3509306"/>
-          <a:ext cx="3996965" cy="1102765"/>
+          <a:off x="999241" y="4398507"/>
+          <a:ext cx="3996965" cy="1382339"/>
         </a:xfrm>
         <a:prstGeom prst="rect">
           <a:avLst/>
@@ -7807,12 +9290,12 @@
         </a:fontRef>
       </dsp:style>
       <dsp:txBody>
-        <a:bodyPr spcFirstLastPara="0" vert="horz" wrap="square" lIns="77552" tIns="280102" rIns="77552" bIns="280102" numCol="1" spcCol="1270" anchor="ctr" anchorCtr="0">
+        <a:bodyPr spcFirstLastPara="0" vert="horz" wrap="square" lIns="77552" tIns="351114" rIns="77552" bIns="351114" numCol="1" spcCol="1270" anchor="ctr" anchorCtr="0">
           <a:noAutofit/>
         </a:bodyPr>
         <a:lstStyle/>
         <a:p>
-          <a:pPr marL="0" lvl="0" indent="0" algn="l" defTabSz="800100">
+          <a:pPr marL="0" lvl="0" indent="0" algn="l" defTabSz="622300">
             <a:lnSpc>
               <a:spcPct val="90000"/>
             </a:lnSpc>
@@ -7825,14 +9308,14 @@
             <a:buNone/>
           </a:pPr>
           <a:r>
-            <a:rPr lang="en-US" sz="1800" kern="1200"/>
-            <a:t> data is secure at all times</a:t>
+            <a:rPr lang="en-US" sz="1400" kern="1200" dirty="0"/>
+            <a:t> Create features such as exclusive financial events and subscription models to enhance user engagement and satisfaction. </a:t>
           </a:r>
         </a:p>
       </dsp:txBody>
       <dsp:txXfrm>
-        <a:off x="999241" y="3509306"/>
-        <a:ext cx="3996965" cy="1102765"/>
+        <a:off x="999241" y="4398507"/>
+        <a:ext cx="3996965" cy="1382339"/>
       </dsp:txXfrm>
     </dsp:sp>
     <dsp:sp modelId="{1844505C-2F0D-4352-9B05-3E7D4A0A4146}">
@@ -7842,8 +9325,8 @@
       </dsp:nvSpPr>
       <dsp:spPr>
         <a:xfrm>
-          <a:off x="0" y="3509306"/>
-          <a:ext cx="999241" cy="1102765"/>
+          <a:off x="0" y="4398507"/>
+          <a:ext cx="999241" cy="1382339"/>
         </a:xfrm>
         <a:prstGeom prst="rect">
           <a:avLst/>
@@ -7882,12 +9365,12 @@
         <a:fontRef idx="minor"/>
       </dsp:style>
       <dsp:txBody>
-        <a:bodyPr spcFirstLastPara="0" vert="horz" wrap="square" lIns="52877" tIns="108929" rIns="52877" bIns="108929" numCol="1" spcCol="1270" anchor="ctr" anchorCtr="0">
+        <a:bodyPr spcFirstLastPara="0" vert="horz" wrap="square" lIns="52877" tIns="136544" rIns="52877" bIns="136544" numCol="1" spcCol="1270" anchor="ctr" anchorCtr="0">
           <a:noAutofit/>
         </a:bodyPr>
         <a:lstStyle/>
         <a:p>
-          <a:pPr marL="0" lvl="0" indent="0" algn="ctr" defTabSz="977900">
+          <a:pPr marL="0" lvl="0" indent="0" algn="ctr" defTabSz="800100">
             <a:lnSpc>
               <a:spcPct val="90000"/>
             </a:lnSpc>
@@ -7900,31 +9383,163 @@
             <a:buNone/>
           </a:pPr>
           <a:r>
-            <a:rPr lang="en-US" sz="2200" kern="1200"/>
-            <a:t>Ensure</a:t>
+            <a:rPr lang="en-US" sz="1800" kern="1200" dirty="0"/>
+            <a:t>Goal 4</a:t>
           </a:r>
         </a:p>
       </dsp:txBody>
       <dsp:txXfrm>
-        <a:off x="0" y="3509306"/>
-        <a:ext cx="999241" cy="1102765"/>
+        <a:off x="0" y="4398507"/>
+        <a:ext cx="999241" cy="1382339"/>
       </dsp:txXfrm>
     </dsp:sp>
-    <dsp:sp modelId="{0D2C99D6-DBED-47E2-BC3B-33BC2A23455E}">
+  </dsp:spTree>
+</dsp:drawing>
+</file>
+
+<file path=ppt/diagrams/drawing3.xml><?xml version="1.0" encoding="utf-8"?>
+<dsp:drawing xmlns:dgm="http://schemas.openxmlformats.org/drawingml/2006/diagram" xmlns:dsp="http://schemas.microsoft.com/office/drawing/2008/diagram" xmlns:a="http://schemas.openxmlformats.org/drawingml/2006/main">
+  <dsp:spTree>
+    <dsp:nvGrpSpPr>
+      <dsp:cNvPr id="0" name=""/>
+      <dsp:cNvGrpSpPr/>
+    </dsp:nvGrpSpPr>
+    <dsp:grpSpPr/>
+    <dsp:sp modelId="{DB8242FD-C495-4AFB-B308-35B92FEB4D14}">
       <dsp:nvSpPr>
         <dsp:cNvPr id="0" name=""/>
         <dsp:cNvSpPr/>
       </dsp:nvSpPr>
       <dsp:spPr>
         <a:xfrm>
-          <a:off x="999241" y="4678237"/>
-          <a:ext cx="3996965" cy="1102765"/>
+          <a:off x="2364544" y="65"/>
+          <a:ext cx="7110977" cy="809124"/>
         </a:xfrm>
-        <a:prstGeom prst="rect">
-          <a:avLst/>
+        <a:prstGeom prst="roundRect">
+          <a:avLst>
+            <a:gd name="adj" fmla="val 10000"/>
+          </a:avLst>
         </a:prstGeom>
         <a:solidFill>
-          <a:schemeClr val="accent6">
+          <a:schemeClr val="accent3">
+            <a:hueOff val="0"/>
+            <a:satOff val="0"/>
+            <a:lumOff val="0"/>
+            <a:alphaOff val="0"/>
+          </a:schemeClr>
+        </a:solidFill>
+        <a:ln>
+          <a:noFill/>
+        </a:ln>
+        <a:effectLst/>
+      </dsp:spPr>
+      <dsp:style>
+        <a:lnRef idx="0">
+          <a:scrgbClr r="0" g="0" b="0"/>
+        </a:lnRef>
+        <a:fillRef idx="3">
+          <a:scrgbClr r="0" g="0" b="0"/>
+        </a:fillRef>
+        <a:effectRef idx="2">
+          <a:scrgbClr r="0" g="0" b="0"/>
+        </a:effectRef>
+        <a:fontRef idx="minor">
+          <a:schemeClr val="lt1"/>
+        </a:fontRef>
+      </dsp:style>
+      <dsp:txBody>
+        <a:bodyPr spcFirstLastPara="0" vert="horz" wrap="square" lIns="87630" tIns="58420" rIns="87630" bIns="58420" numCol="1" spcCol="1270" anchor="ctr" anchorCtr="0">
+          <a:noAutofit/>
+        </a:bodyPr>
+        <a:lstStyle/>
+        <a:p>
+          <a:pPr marL="0" lvl="0" indent="0" algn="ctr" defTabSz="2044700">
+            <a:lnSpc>
+              <a:spcPct val="90000"/>
+            </a:lnSpc>
+            <a:spcBef>
+              <a:spcPct val="0"/>
+            </a:spcBef>
+            <a:spcAft>
+              <a:spcPct val="35000"/>
+            </a:spcAft>
+            <a:buNone/>
+          </a:pPr>
+          <a:r>
+            <a:rPr lang="en-US" sz="4600" kern="1200" dirty="0">
+              <a:solidFill>
+                <a:schemeClr val="tx1"/>
+              </a:solidFill>
+              <a:latin typeface="+mj-lt"/>
+            </a:rPr>
+            <a:t>System Overview</a:t>
+          </a:r>
+        </a:p>
+      </dsp:txBody>
+      <dsp:txXfrm>
+        <a:off x="2388242" y="23763"/>
+        <a:ext cx="7063581" cy="761728"/>
+      </dsp:txXfrm>
+    </dsp:sp>
+    <dsp:sp modelId="{ED50FA90-2914-4736-89CB-8A5DDEBE3201}">
+      <dsp:nvSpPr>
+        <dsp:cNvPr id="0" name=""/>
+        <dsp:cNvSpPr/>
+      </dsp:nvSpPr>
+      <dsp:spPr>
+        <a:xfrm>
+          <a:off x="2364544" y="954833"/>
+          <a:ext cx="809124" cy="809124"/>
+        </a:xfrm>
+        <a:prstGeom prst="roundRect">
+          <a:avLst>
+            <a:gd name="adj" fmla="val 16670"/>
+          </a:avLst>
+        </a:prstGeom>
+        <a:blipFill rotWithShape="1">
+          <a:blip xmlns:r="http://schemas.openxmlformats.org/officeDocument/2006/relationships" r:embed="rId1"/>
+          <a:srcRect/>
+          <a:stretch>
+            <a:fillRect l="-25000" r="-25000"/>
+          </a:stretch>
+        </a:blipFill>
+        <a:ln>
+          <a:noFill/>
+        </a:ln>
+        <a:effectLst/>
+      </dsp:spPr>
+      <dsp:style>
+        <a:lnRef idx="0">
+          <a:scrgbClr r="0" g="0" b="0"/>
+        </a:lnRef>
+        <a:fillRef idx="3">
+          <a:scrgbClr r="0" g="0" b="0"/>
+        </a:fillRef>
+        <a:effectRef idx="2">
+          <a:scrgbClr r="0" g="0" b="0"/>
+        </a:effectRef>
+        <a:fontRef idx="minor">
+          <a:schemeClr val="lt1"/>
+        </a:fontRef>
+      </dsp:style>
+    </dsp:sp>
+    <dsp:sp modelId="{A84CAE37-02CD-48FB-9A10-9FA6174CCC85}">
+      <dsp:nvSpPr>
+        <dsp:cNvPr id="0" name=""/>
+        <dsp:cNvSpPr/>
+      </dsp:nvSpPr>
+      <dsp:spPr>
+        <a:xfrm>
+          <a:off x="3222216" y="954833"/>
+          <a:ext cx="6253304" cy="809124"/>
+        </a:xfrm>
+        <a:prstGeom prst="roundRect">
+          <a:avLst>
+            <a:gd name="adj" fmla="val 16670"/>
+          </a:avLst>
+        </a:prstGeom>
+        <a:solidFill>
+          <a:schemeClr val="accent4">
             <a:hueOff val="0"/>
             <a:satOff val="0"/>
             <a:lumOff val="0"/>
@@ -7933,7 +9548,7 @@
         </a:solidFill>
         <a:ln w="9525" cap="flat" cmpd="sng" algn="ctr">
           <a:solidFill>
-            <a:schemeClr val="accent6">
+            <a:schemeClr val="lt1">
               <a:hueOff val="0"/>
               <a:satOff val="0"/>
               <a:lumOff val="0"/>
@@ -7959,12 +9574,12 @@
         </a:fontRef>
       </dsp:style>
       <dsp:txBody>
-        <a:bodyPr spcFirstLastPara="0" vert="horz" wrap="square" lIns="77552" tIns="280102" rIns="77552" bIns="280102" numCol="1" spcCol="1270" anchor="ctr" anchorCtr="0">
+        <a:bodyPr spcFirstLastPara="0" vert="horz" wrap="square" lIns="113792" tIns="113792" rIns="113792" bIns="113792" numCol="1" spcCol="1270" anchor="t" anchorCtr="0">
           <a:noAutofit/>
         </a:bodyPr>
         <a:lstStyle/>
         <a:p>
-          <a:pPr marL="0" lvl="0" indent="0" algn="l" defTabSz="800100" rtl="0">
+          <a:pPr marL="0" lvl="0" indent="0" algn="l" defTabSz="711200">
             <a:lnSpc>
               <a:spcPct val="90000"/>
             </a:lnSpc>
@@ -7977,47 +9592,124 @@
             <a:buNone/>
           </a:pPr>
           <a:r>
-            <a:rPr lang="en-US" sz="1800" kern="1200"/>
-            <a:t> a well-rounded and easy to use </a:t>
+            <a:rPr lang="en-US" sz="1600" kern="1200" dirty="0">
+              <a:solidFill>
+                <a:schemeClr val="tx1"/>
+              </a:solidFill>
+              <a:latin typeface="Times New Roman" panose="02020603050405020304" pitchFamily="18" charset="0"/>
+              <a:cs typeface="Times New Roman" panose="02020603050405020304" pitchFamily="18" charset="0"/>
+            </a:rPr>
+            <a:t>User Management</a:t>
+          </a:r>
+        </a:p>
+        <a:p>
+          <a:pPr marL="114300" lvl="1" indent="-114300" algn="l" defTabSz="622300">
+            <a:lnSpc>
+              <a:spcPct val="90000"/>
+            </a:lnSpc>
+            <a:spcBef>
+              <a:spcPct val="0"/>
+            </a:spcBef>
+            <a:spcAft>
+              <a:spcPct val="15000"/>
+            </a:spcAft>
+            <a:buChar char="•"/>
+          </a:pPr>
+          <a:r>
+            <a:rPr lang="en-US" sz="1400" kern="1200" dirty="0">
+              <a:solidFill>
+                <a:schemeClr val="tx1"/>
+              </a:solidFill>
+              <a:latin typeface="Times New Roman" panose="02020603050405020304" pitchFamily="18" charset="0"/>
+              <a:cs typeface="Times New Roman" panose="02020603050405020304" pitchFamily="18" charset="0"/>
+            </a:rPr>
+            <a:t>Secure registration, authentication, and subscription handling</a:t>
           </a:r>
           <a:r>
-            <a:rPr lang="en-US" sz="1800" kern="1200">
-              <a:latin typeface="Goudy Old Style"/>
+            <a:rPr lang="en-US" sz="1100" kern="1200" dirty="0">
+              <a:solidFill>
+                <a:schemeClr val="tx1"/>
+              </a:solidFill>
+              <a:latin typeface="Times New Roman" panose="02020603050405020304" pitchFamily="18" charset="0"/>
+              <a:cs typeface="Times New Roman" panose="02020603050405020304" pitchFamily="18" charset="0"/>
             </a:rPr>
-            <a:t>web app</a:t>
+            <a:t>.</a:t>
           </a:r>
-          <a:endParaRPr lang="en-US" sz="1800" kern="1200"/>
         </a:p>
       </dsp:txBody>
       <dsp:txXfrm>
-        <a:off x="999241" y="4678237"/>
-        <a:ext cx="3996965" cy="1102765"/>
+        <a:off x="3261721" y="994338"/>
+        <a:ext cx="6174294" cy="730114"/>
       </dsp:txXfrm>
     </dsp:sp>
-    <dsp:sp modelId="{B07F4F77-8AA7-42B7-89BB-288A9A9EAC85}">
+    <dsp:sp modelId="{0070A7C0-F6F7-427C-98F3-22D47D658D3A}">
       <dsp:nvSpPr>
         <dsp:cNvPr id="0" name=""/>
         <dsp:cNvSpPr/>
       </dsp:nvSpPr>
       <dsp:spPr>
         <a:xfrm>
-          <a:off x="0" y="4678237"/>
-          <a:ext cx="999241" cy="1102765"/>
+          <a:off x="2364544" y="1861052"/>
+          <a:ext cx="809124" cy="809124"/>
         </a:xfrm>
-        <a:prstGeom prst="rect">
-          <a:avLst/>
+        <a:prstGeom prst="roundRect">
+          <a:avLst>
+            <a:gd name="adj" fmla="val 16670"/>
+          </a:avLst>
+        </a:prstGeom>
+        <a:blipFill rotWithShape="1">
+          <a:blip xmlns:r="http://schemas.openxmlformats.org/officeDocument/2006/relationships" r:embed="rId2"/>
+          <a:srcRect/>
+          <a:stretch>
+            <a:fillRect/>
+          </a:stretch>
+        </a:blipFill>
+        <a:ln>
+          <a:noFill/>
+        </a:ln>
+        <a:effectLst/>
+      </dsp:spPr>
+      <dsp:style>
+        <a:lnRef idx="0">
+          <a:scrgbClr r="0" g="0" b="0"/>
+        </a:lnRef>
+        <a:fillRef idx="3">
+          <a:scrgbClr r="0" g="0" b="0"/>
+        </a:fillRef>
+        <a:effectRef idx="2">
+          <a:scrgbClr r="0" g="0" b="0"/>
+        </a:effectRef>
+        <a:fontRef idx="minor">
+          <a:schemeClr val="lt1"/>
+        </a:fontRef>
+      </dsp:style>
+    </dsp:sp>
+    <dsp:sp modelId="{8F13F05D-A5D3-4ED1-B99B-BBAE8EB27EC7}">
+      <dsp:nvSpPr>
+        <dsp:cNvPr id="0" name=""/>
+        <dsp:cNvSpPr/>
+      </dsp:nvSpPr>
+      <dsp:spPr>
+        <a:xfrm>
+          <a:off x="3222216" y="1861052"/>
+          <a:ext cx="6253304" cy="809124"/>
+        </a:xfrm>
+        <a:prstGeom prst="roundRect">
+          <a:avLst>
+            <a:gd name="adj" fmla="val 16670"/>
+          </a:avLst>
         </a:prstGeom>
         <a:solidFill>
-          <a:schemeClr val="lt1">
-            <a:hueOff val="0"/>
-            <a:satOff val="0"/>
-            <a:lumOff val="0"/>
+          <a:schemeClr val="accent4">
+            <a:hueOff val="374396"/>
+            <a:satOff val="-1279"/>
+            <a:lumOff val="441"/>
             <a:alphaOff val="0"/>
           </a:schemeClr>
         </a:solidFill>
         <a:ln w="9525" cap="flat" cmpd="sng" algn="ctr">
           <a:solidFill>
-            <a:schemeClr val="accent6">
+            <a:schemeClr val="lt1">
               <a:hueOff val="0"/>
               <a:satOff val="0"/>
               <a:lumOff val="0"/>
@@ -8032,21 +9724,23 @@
         <a:lnRef idx="1">
           <a:scrgbClr r="0" g="0" b="0"/>
         </a:lnRef>
-        <a:fillRef idx="1">
+        <a:fillRef idx="3">
           <a:scrgbClr r="0" g="0" b="0"/>
         </a:fillRef>
-        <a:effectRef idx="0">
+        <a:effectRef idx="2">
           <a:scrgbClr r="0" g="0" b="0"/>
         </a:effectRef>
-        <a:fontRef idx="minor"/>
+        <a:fontRef idx="minor">
+          <a:schemeClr val="lt1"/>
+        </a:fontRef>
       </dsp:style>
       <dsp:txBody>
-        <a:bodyPr spcFirstLastPara="0" vert="horz" wrap="square" lIns="52877" tIns="108929" rIns="52877" bIns="108929" numCol="1" spcCol="1270" anchor="ctr" anchorCtr="0">
+        <a:bodyPr spcFirstLastPara="0" vert="horz" wrap="square" lIns="113792" tIns="113792" rIns="113792" bIns="113792" numCol="1" spcCol="1270" anchor="t" anchorCtr="0">
           <a:noAutofit/>
         </a:bodyPr>
         <a:lstStyle/>
         <a:p>
-          <a:pPr marL="0" lvl="0" indent="0" algn="ctr" defTabSz="977900">
+          <a:pPr marL="0" lvl="0" indent="0" algn="l" defTabSz="711200">
             <a:lnSpc>
               <a:spcPct val="90000"/>
             </a:lnSpc>
@@ -8059,21 +9753,524 @@
             <a:buNone/>
           </a:pPr>
           <a:r>
-            <a:rPr lang="en-US" sz="2200" kern="1200"/>
-            <a:t>Offer</a:t>
+            <a:rPr lang="en-US" sz="1600" kern="1200" dirty="0">
+              <a:solidFill>
+                <a:schemeClr val="tx1"/>
+              </a:solidFill>
+              <a:latin typeface="Times New Roman" panose="02020603050405020304" pitchFamily="18" charset="0"/>
+              <a:cs typeface="Times New Roman" panose="02020603050405020304" pitchFamily="18" charset="0"/>
+            </a:rPr>
+            <a:t>Booking System</a:t>
+          </a:r>
+        </a:p>
+        <a:p>
+          <a:pPr marL="114300" lvl="1" indent="-114300" algn="l" defTabSz="622300">
+            <a:lnSpc>
+              <a:spcPct val="90000"/>
+            </a:lnSpc>
+            <a:spcBef>
+              <a:spcPct val="0"/>
+            </a:spcBef>
+            <a:spcAft>
+              <a:spcPct val="15000"/>
+            </a:spcAft>
+            <a:buChar char="•"/>
+          </a:pPr>
+          <a:r>
+            <a:rPr lang="en-US" sz="1400" kern="1200" dirty="0">
+              <a:solidFill>
+                <a:schemeClr val="tx1"/>
+              </a:solidFill>
+              <a:latin typeface="Times New Roman" panose="02020603050405020304" pitchFamily="18" charset="0"/>
+              <a:cs typeface="Times New Roman" panose="02020603050405020304" pitchFamily="18" charset="0"/>
+            </a:rPr>
+            <a:t>Scheduling one-on-one consultations with financial advisors</a:t>
+          </a:r>
+          <a:r>
+            <a:rPr lang="en-US" sz="1100" kern="1200" dirty="0">
+              <a:solidFill>
+                <a:schemeClr val="tx1"/>
+              </a:solidFill>
+              <a:latin typeface="Times New Roman" panose="02020603050405020304" pitchFamily="18" charset="0"/>
+              <a:cs typeface="Times New Roman" panose="02020603050405020304" pitchFamily="18" charset="0"/>
+            </a:rPr>
+            <a:t>. </a:t>
           </a:r>
         </a:p>
       </dsp:txBody>
       <dsp:txXfrm>
-        <a:off x="0" y="4678237"/>
-        <a:ext cx="999241" cy="1102765"/>
+        <a:off x="3261721" y="1900557"/>
+        <a:ext cx="6174294" cy="730114"/>
+      </dsp:txXfrm>
+    </dsp:sp>
+    <dsp:sp modelId="{F7C868A5-CA5C-42C5-83FC-E90A7FC428A8}">
+      <dsp:nvSpPr>
+        <dsp:cNvPr id="0" name=""/>
+        <dsp:cNvSpPr/>
+      </dsp:nvSpPr>
+      <dsp:spPr>
+        <a:xfrm>
+          <a:off x="2364544" y="2767272"/>
+          <a:ext cx="809124" cy="809124"/>
+        </a:xfrm>
+        <a:prstGeom prst="roundRect">
+          <a:avLst>
+            <a:gd name="adj" fmla="val 16670"/>
+          </a:avLst>
+        </a:prstGeom>
+        <a:blipFill rotWithShape="1">
+          <a:blip xmlns:r="http://schemas.openxmlformats.org/officeDocument/2006/relationships" r:embed="rId3"/>
+          <a:srcRect/>
+          <a:stretch>
+            <a:fillRect t="-1000" b="-1000"/>
+          </a:stretch>
+        </a:blipFill>
+        <a:ln>
+          <a:noFill/>
+        </a:ln>
+        <a:effectLst/>
+      </dsp:spPr>
+      <dsp:style>
+        <a:lnRef idx="0">
+          <a:scrgbClr r="0" g="0" b="0"/>
+        </a:lnRef>
+        <a:fillRef idx="3">
+          <a:scrgbClr r="0" g="0" b="0"/>
+        </a:fillRef>
+        <a:effectRef idx="2">
+          <a:scrgbClr r="0" g="0" b="0"/>
+        </a:effectRef>
+        <a:fontRef idx="minor">
+          <a:schemeClr val="lt1"/>
+        </a:fontRef>
+      </dsp:style>
+    </dsp:sp>
+    <dsp:sp modelId="{564F43FB-EFD7-4063-8605-A5404F0D19AA}">
+      <dsp:nvSpPr>
+        <dsp:cNvPr id="0" name=""/>
+        <dsp:cNvSpPr/>
+      </dsp:nvSpPr>
+      <dsp:spPr>
+        <a:xfrm>
+          <a:off x="3222216" y="2767272"/>
+          <a:ext cx="6253304" cy="809124"/>
+        </a:xfrm>
+        <a:prstGeom prst="roundRect">
+          <a:avLst>
+            <a:gd name="adj" fmla="val 16670"/>
+          </a:avLst>
+        </a:prstGeom>
+        <a:solidFill>
+          <a:schemeClr val="accent4">
+            <a:hueOff val="748793"/>
+            <a:satOff val="-2558"/>
+            <a:lumOff val="883"/>
+            <a:alphaOff val="0"/>
+          </a:schemeClr>
+        </a:solidFill>
+        <a:ln w="9525" cap="flat" cmpd="sng" algn="ctr">
+          <a:solidFill>
+            <a:schemeClr val="lt1">
+              <a:hueOff val="0"/>
+              <a:satOff val="0"/>
+              <a:lumOff val="0"/>
+              <a:alphaOff val="0"/>
+            </a:schemeClr>
+          </a:solidFill>
+          <a:prstDash val="solid"/>
+        </a:ln>
+        <a:effectLst/>
+      </dsp:spPr>
+      <dsp:style>
+        <a:lnRef idx="1">
+          <a:scrgbClr r="0" g="0" b="0"/>
+        </a:lnRef>
+        <a:fillRef idx="3">
+          <a:scrgbClr r="0" g="0" b="0"/>
+        </a:fillRef>
+        <a:effectRef idx="2">
+          <a:scrgbClr r="0" g="0" b="0"/>
+        </a:effectRef>
+        <a:fontRef idx="minor">
+          <a:schemeClr val="lt1"/>
+        </a:fontRef>
+      </dsp:style>
+      <dsp:txBody>
+        <a:bodyPr spcFirstLastPara="0" vert="horz" wrap="square" lIns="113792" tIns="113792" rIns="113792" bIns="113792" numCol="1" spcCol="1270" anchor="t" anchorCtr="0">
+          <a:noAutofit/>
+        </a:bodyPr>
+        <a:lstStyle/>
+        <a:p>
+          <a:pPr marL="0" lvl="0" indent="0" algn="l" defTabSz="711200">
+            <a:lnSpc>
+              <a:spcPct val="90000"/>
+            </a:lnSpc>
+            <a:spcBef>
+              <a:spcPct val="0"/>
+            </a:spcBef>
+            <a:spcAft>
+              <a:spcPct val="35000"/>
+            </a:spcAft>
+            <a:buNone/>
+          </a:pPr>
+          <a:r>
+            <a:rPr lang="en-US" sz="1600" kern="1200" dirty="0">
+              <a:solidFill>
+                <a:schemeClr val="tx1"/>
+              </a:solidFill>
+              <a:latin typeface="Times New Roman" panose="02020603050405020304" pitchFamily="18" charset="0"/>
+              <a:cs typeface="Times New Roman" panose="02020603050405020304" pitchFamily="18" charset="0"/>
+            </a:rPr>
+            <a:t>Financial Tools</a:t>
+          </a:r>
+        </a:p>
+        <a:p>
+          <a:pPr marL="114300" lvl="1" indent="-114300" algn="l" defTabSz="622300">
+            <a:lnSpc>
+              <a:spcPct val="90000"/>
+            </a:lnSpc>
+            <a:spcBef>
+              <a:spcPct val="0"/>
+            </a:spcBef>
+            <a:spcAft>
+              <a:spcPct val="15000"/>
+            </a:spcAft>
+            <a:buChar char="•"/>
+          </a:pPr>
+          <a:r>
+            <a:rPr lang="en-US" sz="1400" kern="1200" dirty="0">
+              <a:solidFill>
+                <a:schemeClr val="tx1"/>
+              </a:solidFill>
+              <a:latin typeface="Times New Roman" panose="02020603050405020304" pitchFamily="18" charset="0"/>
+              <a:cs typeface="Times New Roman" panose="02020603050405020304" pitchFamily="18" charset="0"/>
+            </a:rPr>
+            <a:t>A suite of calculators and analysis tools for budgeting, retirement planning, and investment tracking</a:t>
+          </a:r>
+        </a:p>
+      </dsp:txBody>
+      <dsp:txXfrm>
+        <a:off x="3261721" y="2806777"/>
+        <a:ext cx="6174294" cy="730114"/>
+      </dsp:txXfrm>
+    </dsp:sp>
+    <dsp:sp modelId="{779FA82C-773E-498F-8361-29056A0F1C1F}">
+      <dsp:nvSpPr>
+        <dsp:cNvPr id="0" name=""/>
+        <dsp:cNvSpPr/>
+      </dsp:nvSpPr>
+      <dsp:spPr>
+        <a:xfrm>
+          <a:off x="2364544" y="3673492"/>
+          <a:ext cx="809124" cy="809124"/>
+        </a:xfrm>
+        <a:prstGeom prst="roundRect">
+          <a:avLst>
+            <a:gd name="adj" fmla="val 16670"/>
+          </a:avLst>
+        </a:prstGeom>
+        <a:blipFill rotWithShape="1">
+          <a:blip xmlns:r="http://schemas.openxmlformats.org/officeDocument/2006/relationships" r:embed="rId4"/>
+          <a:srcRect/>
+          <a:stretch>
+            <a:fillRect l="-12000" r="-12000"/>
+          </a:stretch>
+        </a:blipFill>
+        <a:ln>
+          <a:noFill/>
+        </a:ln>
+        <a:effectLst/>
+      </dsp:spPr>
+      <dsp:style>
+        <a:lnRef idx="0">
+          <a:scrgbClr r="0" g="0" b="0"/>
+        </a:lnRef>
+        <a:fillRef idx="3">
+          <a:scrgbClr r="0" g="0" b="0"/>
+        </a:fillRef>
+        <a:effectRef idx="2">
+          <a:scrgbClr r="0" g="0" b="0"/>
+        </a:effectRef>
+        <a:fontRef idx="minor">
+          <a:schemeClr val="lt1"/>
+        </a:fontRef>
+      </dsp:style>
+    </dsp:sp>
+    <dsp:sp modelId="{06DC2DF9-D23D-46EB-A755-C7B27C8F4313}">
+      <dsp:nvSpPr>
+        <dsp:cNvPr id="0" name=""/>
+        <dsp:cNvSpPr/>
+      </dsp:nvSpPr>
+      <dsp:spPr>
+        <a:xfrm>
+          <a:off x="3222216" y="3673492"/>
+          <a:ext cx="6253304" cy="809124"/>
+        </a:xfrm>
+        <a:prstGeom prst="roundRect">
+          <a:avLst>
+            <a:gd name="adj" fmla="val 16670"/>
+          </a:avLst>
+        </a:prstGeom>
+        <a:solidFill>
+          <a:schemeClr val="accent4">
+            <a:hueOff val="1123189"/>
+            <a:satOff val="-3836"/>
+            <a:lumOff val="1324"/>
+            <a:alphaOff val="0"/>
+          </a:schemeClr>
+        </a:solidFill>
+        <a:ln w="9525" cap="flat" cmpd="sng" algn="ctr">
+          <a:solidFill>
+            <a:schemeClr val="lt1">
+              <a:hueOff val="0"/>
+              <a:satOff val="0"/>
+              <a:lumOff val="0"/>
+              <a:alphaOff val="0"/>
+            </a:schemeClr>
+          </a:solidFill>
+          <a:prstDash val="solid"/>
+        </a:ln>
+        <a:effectLst/>
+      </dsp:spPr>
+      <dsp:style>
+        <a:lnRef idx="1">
+          <a:scrgbClr r="0" g="0" b="0"/>
+        </a:lnRef>
+        <a:fillRef idx="3">
+          <a:scrgbClr r="0" g="0" b="0"/>
+        </a:fillRef>
+        <a:effectRef idx="2">
+          <a:scrgbClr r="0" g="0" b="0"/>
+        </a:effectRef>
+        <a:fontRef idx="minor">
+          <a:schemeClr val="lt1"/>
+        </a:fontRef>
+      </dsp:style>
+      <dsp:txBody>
+        <a:bodyPr spcFirstLastPara="0" vert="horz" wrap="square" lIns="113792" tIns="113792" rIns="113792" bIns="113792" numCol="1" spcCol="1270" anchor="t" anchorCtr="0">
+          <a:noAutofit/>
+        </a:bodyPr>
+        <a:lstStyle/>
+        <a:p>
+          <a:pPr marL="0" lvl="0" indent="0" algn="l" defTabSz="711200">
+            <a:lnSpc>
+              <a:spcPct val="90000"/>
+            </a:lnSpc>
+            <a:spcBef>
+              <a:spcPct val="0"/>
+            </a:spcBef>
+            <a:spcAft>
+              <a:spcPct val="35000"/>
+            </a:spcAft>
+            <a:buNone/>
+          </a:pPr>
+          <a:r>
+            <a:rPr lang="en-US" sz="1600" kern="1200" dirty="0">
+              <a:solidFill>
+                <a:schemeClr val="tx1"/>
+              </a:solidFill>
+              <a:latin typeface="Times New Roman" panose="02020603050405020304" pitchFamily="18" charset="0"/>
+              <a:cs typeface="Times New Roman" panose="02020603050405020304" pitchFamily="18" charset="0"/>
+            </a:rPr>
+            <a:t>Educational Resources</a:t>
+          </a:r>
+        </a:p>
+        <a:p>
+          <a:pPr marL="114300" lvl="1" indent="-114300" algn="l" defTabSz="622300">
+            <a:lnSpc>
+              <a:spcPct val="90000"/>
+            </a:lnSpc>
+            <a:spcBef>
+              <a:spcPct val="0"/>
+            </a:spcBef>
+            <a:spcAft>
+              <a:spcPct val="15000"/>
+            </a:spcAft>
+            <a:buChar char="•"/>
+          </a:pPr>
+          <a:r>
+            <a:rPr lang="en-US" sz="1400" kern="1200" dirty="0">
+              <a:solidFill>
+                <a:schemeClr val="tx1"/>
+              </a:solidFill>
+              <a:latin typeface="Times New Roman" panose="02020603050405020304" pitchFamily="18" charset="0"/>
+              <a:cs typeface="Times New Roman" panose="02020603050405020304" pitchFamily="18" charset="0"/>
+            </a:rPr>
+            <a:t>A repository of market news, financial trends, and expert insights</a:t>
+          </a:r>
+          <a:r>
+            <a:rPr lang="en-US" sz="1100" kern="1200" dirty="0">
+              <a:solidFill>
+                <a:schemeClr val="tx1"/>
+              </a:solidFill>
+              <a:latin typeface="Times New Roman" panose="02020603050405020304" pitchFamily="18" charset="0"/>
+              <a:cs typeface="Times New Roman" panose="02020603050405020304" pitchFamily="18" charset="0"/>
+            </a:rPr>
+            <a:t>. </a:t>
+          </a:r>
+        </a:p>
+      </dsp:txBody>
+      <dsp:txXfrm>
+        <a:off x="3261721" y="3712997"/>
+        <a:ext cx="6174294" cy="730114"/>
+      </dsp:txXfrm>
+    </dsp:sp>
+    <dsp:sp modelId="{CA3AB960-6D07-4AA5-B3A1-C33222B01B8C}">
+      <dsp:nvSpPr>
+        <dsp:cNvPr id="0" name=""/>
+        <dsp:cNvSpPr/>
+      </dsp:nvSpPr>
+      <dsp:spPr>
+        <a:xfrm>
+          <a:off x="2364544" y="4579712"/>
+          <a:ext cx="809124" cy="809124"/>
+        </a:xfrm>
+        <a:prstGeom prst="roundRect">
+          <a:avLst>
+            <a:gd name="adj" fmla="val 16670"/>
+          </a:avLst>
+        </a:prstGeom>
+        <a:blipFill rotWithShape="1">
+          <a:blip xmlns:r="http://schemas.openxmlformats.org/officeDocument/2006/relationships" r:embed="rId5"/>
+          <a:srcRect/>
+          <a:stretch>
+            <a:fillRect l="-9000" r="-9000"/>
+          </a:stretch>
+        </a:blipFill>
+        <a:ln>
+          <a:noFill/>
+        </a:ln>
+        <a:effectLst/>
+      </dsp:spPr>
+      <dsp:style>
+        <a:lnRef idx="0">
+          <a:scrgbClr r="0" g="0" b="0"/>
+        </a:lnRef>
+        <a:fillRef idx="3">
+          <a:scrgbClr r="0" g="0" b="0"/>
+        </a:fillRef>
+        <a:effectRef idx="2">
+          <a:scrgbClr r="0" g="0" b="0"/>
+        </a:effectRef>
+        <a:fontRef idx="minor">
+          <a:schemeClr val="lt1"/>
+        </a:fontRef>
+      </dsp:style>
+    </dsp:sp>
+    <dsp:sp modelId="{BD230F3B-311A-4334-B6AD-5A939AED5AD8}">
+      <dsp:nvSpPr>
+        <dsp:cNvPr id="0" name=""/>
+        <dsp:cNvSpPr/>
+      </dsp:nvSpPr>
+      <dsp:spPr>
+        <a:xfrm>
+          <a:off x="3222216" y="4579712"/>
+          <a:ext cx="6253304" cy="809124"/>
+        </a:xfrm>
+        <a:prstGeom prst="roundRect">
+          <a:avLst>
+            <a:gd name="adj" fmla="val 16670"/>
+          </a:avLst>
+        </a:prstGeom>
+        <a:solidFill>
+          <a:schemeClr val="accent4">
+            <a:hueOff val="1497585"/>
+            <a:satOff val="-5115"/>
+            <a:lumOff val="1765"/>
+            <a:alphaOff val="0"/>
+          </a:schemeClr>
+        </a:solidFill>
+        <a:ln w="9525" cap="flat" cmpd="sng" algn="ctr">
+          <a:solidFill>
+            <a:schemeClr val="lt1">
+              <a:hueOff val="0"/>
+              <a:satOff val="0"/>
+              <a:lumOff val="0"/>
+              <a:alphaOff val="0"/>
+            </a:schemeClr>
+          </a:solidFill>
+          <a:prstDash val="solid"/>
+        </a:ln>
+        <a:effectLst/>
+      </dsp:spPr>
+      <dsp:style>
+        <a:lnRef idx="1">
+          <a:scrgbClr r="0" g="0" b="0"/>
+        </a:lnRef>
+        <a:fillRef idx="3">
+          <a:scrgbClr r="0" g="0" b="0"/>
+        </a:fillRef>
+        <a:effectRef idx="2">
+          <a:scrgbClr r="0" g="0" b="0"/>
+        </a:effectRef>
+        <a:fontRef idx="minor">
+          <a:schemeClr val="lt1"/>
+        </a:fontRef>
+      </dsp:style>
+      <dsp:txBody>
+        <a:bodyPr spcFirstLastPara="0" vert="horz" wrap="square" lIns="113792" tIns="113792" rIns="113792" bIns="113792" numCol="1" spcCol="1270" anchor="t" anchorCtr="0">
+          <a:noAutofit/>
+        </a:bodyPr>
+        <a:lstStyle/>
+        <a:p>
+          <a:pPr marL="0" lvl="0" indent="0" algn="l" defTabSz="711200">
+            <a:lnSpc>
+              <a:spcPct val="90000"/>
+            </a:lnSpc>
+            <a:spcBef>
+              <a:spcPct val="0"/>
+            </a:spcBef>
+            <a:spcAft>
+              <a:spcPct val="35000"/>
+            </a:spcAft>
+            <a:buNone/>
+          </a:pPr>
+          <a:r>
+            <a:rPr lang="en-US" sz="1600" kern="1200" dirty="0">
+              <a:solidFill>
+                <a:schemeClr val="tx1"/>
+              </a:solidFill>
+              <a:latin typeface="Times New Roman" panose="02020603050405020304" pitchFamily="18" charset="0"/>
+              <a:cs typeface="Times New Roman" panose="02020603050405020304" pitchFamily="18" charset="0"/>
+            </a:rPr>
+            <a:t>Event Management</a:t>
+          </a:r>
+        </a:p>
+        <a:p>
+          <a:pPr marL="114300" lvl="1" indent="-114300" algn="l" defTabSz="622300">
+            <a:lnSpc>
+              <a:spcPct val="90000"/>
+            </a:lnSpc>
+            <a:spcBef>
+              <a:spcPct val="0"/>
+            </a:spcBef>
+            <a:spcAft>
+              <a:spcPct val="15000"/>
+            </a:spcAft>
+            <a:buChar char="•"/>
+          </a:pPr>
+          <a:r>
+            <a:rPr lang="en-US" sz="1400" kern="1200" dirty="0">
+              <a:solidFill>
+                <a:schemeClr val="tx1"/>
+              </a:solidFill>
+              <a:latin typeface="Times New Roman" panose="02020603050405020304" pitchFamily="18" charset="0"/>
+              <a:cs typeface="Times New Roman" panose="02020603050405020304" pitchFamily="18" charset="0"/>
+            </a:rPr>
+            <a:t>Registration and tracking for webinars, workshops, and seminars. </a:t>
+          </a:r>
+        </a:p>
+      </dsp:txBody>
+      <dsp:txXfrm>
+        <a:off x="3261721" y="4619217"/>
+        <a:ext cx="6174294" cy="730114"/>
       </dsp:txXfrm>
     </dsp:sp>
   </dsp:spTree>
 </dsp:drawing>
 </file>
 
-<file path=ppt/diagrams/drawing3.xml><?xml version="1.0" encoding="utf-8"?>
+<file path=ppt/diagrams/drawing4.xml><?xml version="1.0" encoding="utf-8"?>
 <dsp:drawing xmlns:dgm="http://schemas.openxmlformats.org/drawingml/2006/diagram" xmlns:dsp="http://schemas.microsoft.com/office/drawing/2008/diagram" xmlns:a="http://schemas.openxmlformats.org/drawingml/2006/main">
   <dsp:spTree>
     <dsp:nvGrpSpPr>
@@ -9276,7 +11473,7 @@
 </dsp:drawing>
 </file>
 
-<file path=ppt/diagrams/drawing4.xml><?xml version="1.0" encoding="utf-8"?>
+<file path=ppt/diagrams/drawing5.xml><?xml version="1.0" encoding="utf-8"?>
 <dsp:drawing xmlns:dgm="http://schemas.openxmlformats.org/drawingml/2006/diagram" xmlns:dsp="http://schemas.microsoft.com/office/drawing/2008/diagram" xmlns:a="http://schemas.openxmlformats.org/drawingml/2006/main">
   <dsp:spTree>
     <dsp:nvGrpSpPr>
@@ -10446,6 +12643,255 @@
 </file>
 
 <file path=ppt/diagrams/layout3.xml><?xml version="1.0" encoding="utf-8"?>
+<dgm:layoutDef xmlns:dgm="http://schemas.openxmlformats.org/drawingml/2006/diagram" xmlns:a="http://schemas.openxmlformats.org/drawingml/2006/main" uniqueId="urn:microsoft.com/office/officeart/2008/layout/PictureAccentList">
+  <dgm:title val=""/>
+  <dgm:desc val=""/>
+  <dgm:catLst>
+    <dgm:cat type="picture" pri="14000"/>
+    <dgm:cat type="list" pri="14500"/>
+  </dgm:catLst>
+  <dgm:sampData>
+    <dgm:dataModel>
+      <dgm:ptLst>
+        <dgm:pt modelId="0" type="doc"/>
+        <dgm:pt modelId="1">
+          <dgm:prSet phldr="1"/>
+        </dgm:pt>
+        <dgm:pt modelId="11">
+          <dgm:prSet phldr="1"/>
+        </dgm:pt>
+        <dgm:pt modelId="12">
+          <dgm:prSet phldr="1"/>
+        </dgm:pt>
+      </dgm:ptLst>
+      <dgm:cxnLst>
+        <dgm:cxn modelId="4" srcId="0" destId="1" srcOrd="0" destOrd="0"/>
+        <dgm:cxn modelId="5" srcId="1" destId="11" srcOrd="0" destOrd="0"/>
+        <dgm:cxn modelId="6" srcId="1" destId="12" srcOrd="1" destOrd="0"/>
+      </dgm:cxnLst>
+      <dgm:bg/>
+      <dgm:whole/>
+    </dgm:dataModel>
+  </dgm:sampData>
+  <dgm:styleData>
+    <dgm:dataModel>
+      <dgm:ptLst>
+        <dgm:pt modelId="0" type="doc"/>
+        <dgm:pt modelId="1"/>
+        <dgm:pt modelId="11"/>
+        <dgm:pt modelId="12"/>
+        <dgm:pt modelId="13"/>
+      </dgm:ptLst>
+      <dgm:cxnLst>
+        <dgm:cxn modelId="4" srcId="0" destId="1" srcOrd="0" destOrd="0"/>
+        <dgm:cxn modelId="5" srcId="1" destId="11" srcOrd="0" destOrd="0"/>
+        <dgm:cxn modelId="6" srcId="1" destId="12" srcOrd="0" destOrd="0"/>
+        <dgm:cxn modelId="14" srcId="1" destId="13" srcOrd="0" destOrd="0"/>
+      </dgm:cxnLst>
+      <dgm:bg/>
+      <dgm:whole/>
+    </dgm:dataModel>
+  </dgm:styleData>
+  <dgm:clrData>
+    <dgm:dataModel>
+      <dgm:ptLst>
+        <dgm:pt modelId="0" type="doc"/>
+        <dgm:pt modelId="1"/>
+        <dgm:pt modelId="11"/>
+        <dgm:pt modelId="12"/>
+        <dgm:pt modelId="13"/>
+      </dgm:ptLst>
+      <dgm:cxnLst>
+        <dgm:cxn modelId="4" srcId="0" destId="1" srcOrd="0" destOrd="0"/>
+        <dgm:cxn modelId="5" srcId="1" destId="11" srcOrd="0" destOrd="0"/>
+        <dgm:cxn modelId="6" srcId="1" destId="12" srcOrd="0" destOrd="0"/>
+        <dgm:cxn modelId="14" srcId="1" destId="13" srcOrd="0" destOrd="0"/>
+      </dgm:cxnLst>
+      <dgm:bg/>
+      <dgm:whole/>
+    </dgm:dataModel>
+  </dgm:clrData>
+  <dgm:layoutNode name="layout">
+    <dgm:varLst>
+      <dgm:chMax/>
+      <dgm:chPref/>
+      <dgm:dir/>
+      <dgm:animOne val="branch"/>
+      <dgm:animLvl val="lvl"/>
+      <dgm:resizeHandles/>
+    </dgm:varLst>
+    <dgm:choose name="Name0">
+      <dgm:if name="Name1" func="var" arg="dir" op="equ" val="norm">
+        <dgm:alg type="hierChild">
+          <dgm:param type="linDir" val="fromL"/>
+        </dgm:alg>
+      </dgm:if>
+      <dgm:else name="Name2">
+        <dgm:alg type="hierChild">
+          <dgm:param type="linDir" val="fromL"/>
+        </dgm:alg>
+      </dgm:else>
+    </dgm:choose>
+    <dgm:shape xmlns:r="http://schemas.openxmlformats.org/officeDocument/2006/relationships" r:blip="">
+      <dgm:adjLst/>
+    </dgm:shape>
+    <dgm:presOf/>
+    <dgm:constrLst>
+      <dgm:constr type="primFontSz" for="des" forName="rootText" op="equ" val="65"/>
+      <dgm:constr type="primFontSz" for="des" forName="childText" op="equ" val="65"/>
+      <dgm:constr type="primFontSz" for="des" forName="childText" refType="primFontSz" refFor="des" refForName="rootText" op="lte"/>
+      <dgm:constr type="w" for="des" forName="rootComposite" refType="w" fact="4"/>
+      <dgm:constr type="h" for="des" forName="rootComposite" refType="h"/>
+      <dgm:constr type="w" for="des" forName="childComposite" refType="w" refFor="des" refForName="rootComposite"/>
+      <dgm:constr type="h" for="des" forName="childComposite" refType="h" refFor="des" refForName="rootComposite"/>
+      <dgm:constr type="sibSp" refType="w" refFor="des" refForName="rootComposite" fact="0.1"/>
+      <dgm:constr type="sibSp" for="des" forName="childShape" refType="h" refFor="des" refForName="rootComposite" fact="0.12"/>
+      <dgm:constr type="sp" for="des" forName="root" refType="h" refFor="des" refForName="rootComposite" fact="0.18"/>
+    </dgm:constrLst>
+    <dgm:ruleLst/>
+    <dgm:forEach name="Name3" axis="ch">
+      <dgm:forEach name="Name4" axis="self" ptType="node" cnt="1">
+        <dgm:layoutNode name="root">
+          <dgm:varLst>
+            <dgm:chMax/>
+            <dgm:chPref val="4"/>
+          </dgm:varLst>
+          <dgm:alg type="hierRoot"/>
+          <dgm:shape xmlns:r="http://schemas.openxmlformats.org/officeDocument/2006/relationships" r:blip="">
+            <dgm:adjLst/>
+          </dgm:shape>
+          <dgm:presOf/>
+          <dgm:constrLst/>
+          <dgm:ruleLst/>
+          <dgm:layoutNode name="rootComposite">
+            <dgm:varLst/>
+            <dgm:alg type="composite"/>
+            <dgm:shape xmlns:r="http://schemas.openxmlformats.org/officeDocument/2006/relationships" r:blip="">
+              <dgm:adjLst/>
+            </dgm:shape>
+            <dgm:presOf axis="self" ptType="node" cnt="1"/>
+            <dgm:constrLst>
+              <dgm:constr type="l" for="ch" forName="rootText"/>
+              <dgm:constr type="t" for="ch" forName="rootText"/>
+              <dgm:constr type="w" for="ch" forName="rootText" refType="w"/>
+              <dgm:constr type="h" for="ch" forName="rootText" refType="h"/>
+            </dgm:constrLst>
+            <dgm:ruleLst/>
+            <dgm:layoutNode name="rootText" styleLbl="node0">
+              <dgm:varLst>
+                <dgm:chMax/>
+                <dgm:chPref val="4"/>
+              </dgm:varLst>
+              <dgm:alg type="tx"/>
+              <dgm:shape xmlns:r="http://schemas.openxmlformats.org/officeDocument/2006/relationships" type="roundRect" r:blip="">
+                <dgm:adjLst>
+                  <dgm:adj idx="1" val="0.1"/>
+                </dgm:adjLst>
+              </dgm:shape>
+              <dgm:presOf axis="self" ptType="node" cnt="1"/>
+              <dgm:constrLst>
+                <dgm:constr type="tMarg" refType="primFontSz" fact="0.1"/>
+                <dgm:constr type="bMarg" refType="primFontSz" fact="0.1"/>
+                <dgm:constr type="lMarg" refType="primFontSz" fact="0.15"/>
+                <dgm:constr type="rMarg" refType="primFontSz" fact="0.15"/>
+              </dgm:constrLst>
+              <dgm:ruleLst>
+                <dgm:rule type="primFontSz" val="5" fact="NaN" max="NaN"/>
+                <dgm:rule type="primFontSz" val="65" fact="NaN" max="NaN"/>
+              </dgm:ruleLst>
+            </dgm:layoutNode>
+          </dgm:layoutNode>
+          <dgm:layoutNode name="childShape">
+            <dgm:varLst>
+              <dgm:chMax val="0"/>
+              <dgm:chPref val="0"/>
+            </dgm:varLst>
+            <dgm:alg type="hierChild">
+              <dgm:param type="chAlign" val="r"/>
+              <dgm:param type="linDir" val="fromT"/>
+              <dgm:param type="fallback" val="2D"/>
+            </dgm:alg>
+            <dgm:shape xmlns:r="http://schemas.openxmlformats.org/officeDocument/2006/relationships" r:blip="">
+              <dgm:adjLst/>
+            </dgm:shape>
+            <dgm:presOf/>
+            <dgm:constrLst/>
+            <dgm:ruleLst/>
+            <dgm:forEach name="Name5" axis="ch">
+              <dgm:forEach name="Name6" axis="self" ptType="node">
+                <dgm:layoutNode name="childComposite">
+                  <dgm:varLst>
+                    <dgm:chMax val="0"/>
+                    <dgm:chPref val="0"/>
+                  </dgm:varLst>
+                  <dgm:alg type="composite"/>
+                  <dgm:shape xmlns:r="http://schemas.openxmlformats.org/officeDocument/2006/relationships" r:blip="">
+                    <dgm:adjLst/>
+                  </dgm:shape>
+                  <dgm:presOf/>
+                  <dgm:choose name="Name7">
+                    <dgm:if name="Name8" func="var" arg="dir" op="equ" val="norm">
+                      <dgm:constrLst>
+                        <dgm:constr type="w" for="ch" forName="Image" refType="h"/>
+                        <dgm:constr type="h" for="ch" forName="Image" refType="h"/>
+                        <dgm:constr type="l" for="ch" forName="Image"/>
+                        <dgm:constr type="t" for="ch" forName="Image"/>
+                        <dgm:constr type="h" for="ch" forName="childText" refType="h"/>
+                        <dgm:constr type="l" for="ch" forName="childText" refType="w" refFor="ch" refForName="Image" fact="1.06"/>
+                        <dgm:constr type="t" for="ch" forName="childText"/>
+                      </dgm:constrLst>
+                    </dgm:if>
+                    <dgm:else name="Name9">
+                      <dgm:constrLst>
+                        <dgm:constr type="w" for="ch" forName="Image" refType="h"/>
+                        <dgm:constr type="h" for="ch" forName="Image" refType="h"/>
+                        <dgm:constr type="r" for="ch" forName="Image" refType="w"/>
+                        <dgm:constr type="t" for="ch" forName="Image"/>
+                        <dgm:constr type="h" for="ch" forName="childText" refType="h"/>
+                        <dgm:constr type="t" for="ch" forName="childText"/>
+                        <dgm:constr type="wOff" for="ch" forName="childText" refType="w" refFor="ch" refForName="Image" fact="-1.06"/>
+                      </dgm:constrLst>
+                    </dgm:else>
+                  </dgm:choose>
+                  <dgm:ruleLst/>
+                  <dgm:layoutNode name="Image" styleLbl="node1">
+                    <dgm:alg type="sp"/>
+                    <dgm:shape xmlns:r="http://schemas.openxmlformats.org/officeDocument/2006/relationships" type="roundRect" r:blip="" blipPhldr="1">
+                      <dgm:adjLst>
+                        <dgm:adj idx="1" val="0.1667"/>
+                      </dgm:adjLst>
+                    </dgm:shape>
+                    <dgm:presOf/>
+                  </dgm:layoutNode>
+                  <dgm:layoutNode name="childText" styleLbl="lnNode1">
+                    <dgm:varLst>
+                      <dgm:chMax val="0"/>
+                      <dgm:chPref val="0"/>
+                      <dgm:bulletEnabled val="1"/>
+                    </dgm:varLst>
+                    <dgm:alg type="tx"/>
+                    <dgm:shape xmlns:r="http://schemas.openxmlformats.org/officeDocument/2006/relationships" type="roundRect" r:blip="">
+                      <dgm:adjLst>
+                        <dgm:adj idx="1" val="0.1667"/>
+                      </dgm:adjLst>
+                    </dgm:shape>
+                    <dgm:presOf axis="self desOrSelf" ptType="node node" st="1 1" cnt="1 0"/>
+                    <dgm:ruleLst>
+                      <dgm:rule type="primFontSz" val="5" fact="NaN" max="NaN"/>
+                    </dgm:ruleLst>
+                  </dgm:layoutNode>
+                </dgm:layoutNode>
+              </dgm:forEach>
+            </dgm:forEach>
+          </dgm:layoutNode>
+        </dgm:layoutNode>
+      </dgm:forEach>
+    </dgm:forEach>
+  </dgm:layoutNode>
+</dgm:layoutDef>
+</file>
+
+<file path=ppt/diagrams/layout4.xml><?xml version="1.0" encoding="utf-8"?>
 <dgm:layoutDef xmlns:dgm="http://schemas.openxmlformats.org/drawingml/2006/diagram" xmlns:a="http://schemas.openxmlformats.org/drawingml/2006/main" uniqueId="urn:microsoft.com/office/officeart/2018/2/layout/IconCircleList">
   <dgm:title val="Icon Circle List"/>
   <dgm:desc val="Use to show non-sequential or grouped chunks of information accompanied by related visuals. Circular shapes can hold an icon or small picture and corresponding text box shows Level 1 text. Works best for icons or small pictures with medium-length descriptions."/>
@@ -10657,7 +13103,7 @@
 </dgm:layoutDef>
 </file>
 
-<file path=ppt/diagrams/layout4.xml><?xml version="1.0" encoding="utf-8"?>
+<file path=ppt/diagrams/layout5.xml><?xml version="1.0" encoding="utf-8"?>
 <dgm:layoutDef xmlns:dgm="http://schemas.openxmlformats.org/drawingml/2006/diagram" xmlns:a="http://schemas.openxmlformats.org/drawingml/2006/main" uniqueId="urn:microsoft.com/office/officeart/2008/layout/LinedList">
   <dgm:title val=""/>
   <dgm:desc val=""/>
@@ -13192,6 +15638,1040 @@
 </file>
 
 <file path=ppt/diagrams/quickStyle3.xml><?xml version="1.0" encoding="utf-8"?>
+<dgm:styleDef xmlns:dgm="http://schemas.openxmlformats.org/drawingml/2006/diagram" xmlns:a="http://schemas.openxmlformats.org/drawingml/2006/main" uniqueId="urn:microsoft.com/office/officeart/2005/8/quickstyle/simple4">
+  <dgm:title val=""/>
+  <dgm:desc val=""/>
+  <dgm:catLst>
+    <dgm:cat type="simple" pri="10400"/>
+  </dgm:catLst>
+  <dgm:scene3d>
+    <a:camera prst="orthographicFront"/>
+    <a:lightRig rig="threePt" dir="t"/>
+  </dgm:scene3d>
+  <dgm:styleLbl name="node0">
+    <dgm:scene3d>
+      <a:camera prst="orthographicFront"/>
+      <a:lightRig rig="threePt" dir="t"/>
+    </dgm:scene3d>
+    <dgm:sp3d/>
+    <dgm:txPr/>
+    <dgm:style>
+      <a:lnRef idx="0">
+        <a:scrgbClr r="0" g="0" b="0"/>
+      </a:lnRef>
+      <a:fillRef idx="3">
+        <a:scrgbClr r="0" g="0" b="0"/>
+      </a:fillRef>
+      <a:effectRef idx="2">
+        <a:scrgbClr r="0" g="0" b="0"/>
+      </a:effectRef>
+      <a:fontRef idx="minor">
+        <a:schemeClr val="lt1"/>
+      </a:fontRef>
+    </dgm:style>
+  </dgm:styleLbl>
+  <dgm:styleLbl name="lnNode1">
+    <dgm:scene3d>
+      <a:camera prst="orthographicFront"/>
+      <a:lightRig rig="threePt" dir="t"/>
+    </dgm:scene3d>
+    <dgm:sp3d/>
+    <dgm:txPr/>
+    <dgm:style>
+      <a:lnRef idx="1">
+        <a:scrgbClr r="0" g="0" b="0"/>
+      </a:lnRef>
+      <a:fillRef idx="3">
+        <a:scrgbClr r="0" g="0" b="0"/>
+      </a:fillRef>
+      <a:effectRef idx="2">
+        <a:scrgbClr r="0" g="0" b="0"/>
+      </a:effectRef>
+      <a:fontRef idx="minor">
+        <a:schemeClr val="lt1"/>
+      </a:fontRef>
+    </dgm:style>
+  </dgm:styleLbl>
+  <dgm:styleLbl name="vennNode1">
+    <dgm:scene3d>
+      <a:camera prst="orthographicFront"/>
+      <a:lightRig rig="threePt" dir="t"/>
+    </dgm:scene3d>
+    <dgm:sp3d/>
+    <dgm:txPr/>
+    <dgm:style>
+      <a:lnRef idx="0">
+        <a:scrgbClr r="0" g="0" b="0"/>
+      </a:lnRef>
+      <a:fillRef idx="3">
+        <a:scrgbClr r="0" g="0" b="0"/>
+      </a:fillRef>
+      <a:effectRef idx="0">
+        <a:scrgbClr r="0" g="0" b="0"/>
+      </a:effectRef>
+      <a:fontRef idx="minor">
+        <a:schemeClr val="tx1"/>
+      </a:fontRef>
+    </dgm:style>
+  </dgm:styleLbl>
+  <dgm:styleLbl name="alignNode1">
+    <dgm:scene3d>
+      <a:camera prst="orthographicFront"/>
+      <a:lightRig rig="threePt" dir="t"/>
+    </dgm:scene3d>
+    <dgm:sp3d/>
+    <dgm:txPr/>
+    <dgm:style>
+      <a:lnRef idx="1">
+        <a:scrgbClr r="0" g="0" b="0"/>
+      </a:lnRef>
+      <a:fillRef idx="3">
+        <a:scrgbClr r="0" g="0" b="0"/>
+      </a:fillRef>
+      <a:effectRef idx="2">
+        <a:scrgbClr r="0" g="0" b="0"/>
+      </a:effectRef>
+      <a:fontRef idx="minor">
+        <a:schemeClr val="lt1"/>
+      </a:fontRef>
+    </dgm:style>
+  </dgm:styleLbl>
+  <dgm:styleLbl name="node1">
+    <dgm:scene3d>
+      <a:camera prst="orthographicFront"/>
+      <a:lightRig rig="threePt" dir="t"/>
+    </dgm:scene3d>
+    <dgm:sp3d/>
+    <dgm:txPr/>
+    <dgm:style>
+      <a:lnRef idx="0">
+        <a:scrgbClr r="0" g="0" b="0"/>
+      </a:lnRef>
+      <a:fillRef idx="3">
+        <a:scrgbClr r="0" g="0" b="0"/>
+      </a:fillRef>
+      <a:effectRef idx="2">
+        <a:scrgbClr r="0" g="0" b="0"/>
+      </a:effectRef>
+      <a:fontRef idx="minor">
+        <a:schemeClr val="lt1"/>
+      </a:fontRef>
+    </dgm:style>
+  </dgm:styleLbl>
+  <dgm:styleLbl name="node2">
+    <dgm:scene3d>
+      <a:camera prst="orthographicFront"/>
+      <a:lightRig rig="threePt" dir="t"/>
+    </dgm:scene3d>
+    <dgm:sp3d/>
+    <dgm:txPr/>
+    <dgm:style>
+      <a:lnRef idx="0">
+        <a:scrgbClr r="0" g="0" b="0"/>
+      </a:lnRef>
+      <a:fillRef idx="3">
+        <a:scrgbClr r="0" g="0" b="0"/>
+      </a:fillRef>
+      <a:effectRef idx="2">
+        <a:scrgbClr r="0" g="0" b="0"/>
+      </a:effectRef>
+      <a:fontRef idx="minor">
+        <a:schemeClr val="lt1"/>
+      </a:fontRef>
+    </dgm:style>
+  </dgm:styleLbl>
+  <dgm:styleLbl name="node3">
+    <dgm:scene3d>
+      <a:camera prst="orthographicFront"/>
+      <a:lightRig rig="threePt" dir="t"/>
+    </dgm:scene3d>
+    <dgm:sp3d/>
+    <dgm:txPr/>
+    <dgm:style>
+      <a:lnRef idx="0">
+        <a:scrgbClr r="0" g="0" b="0"/>
+      </a:lnRef>
+      <a:fillRef idx="3">
+        <a:scrgbClr r="0" g="0" b="0"/>
+      </a:fillRef>
+      <a:effectRef idx="2">
+        <a:scrgbClr r="0" g="0" b="0"/>
+      </a:effectRef>
+      <a:fontRef idx="minor">
+        <a:schemeClr val="lt1"/>
+      </a:fontRef>
+    </dgm:style>
+  </dgm:styleLbl>
+  <dgm:styleLbl name="node4">
+    <dgm:scene3d>
+      <a:camera prst="orthographicFront"/>
+      <a:lightRig rig="threePt" dir="t"/>
+    </dgm:scene3d>
+    <dgm:sp3d/>
+    <dgm:txPr/>
+    <dgm:style>
+      <a:lnRef idx="0">
+        <a:scrgbClr r="0" g="0" b="0"/>
+      </a:lnRef>
+      <a:fillRef idx="3">
+        <a:scrgbClr r="0" g="0" b="0"/>
+      </a:fillRef>
+      <a:effectRef idx="2">
+        <a:scrgbClr r="0" g="0" b="0"/>
+      </a:effectRef>
+      <a:fontRef idx="minor">
+        <a:schemeClr val="lt1"/>
+      </a:fontRef>
+    </dgm:style>
+  </dgm:styleLbl>
+  <dgm:styleLbl name="fgImgPlace1">
+    <dgm:scene3d>
+      <a:camera prst="orthographicFront"/>
+      <a:lightRig rig="threePt" dir="t"/>
+    </dgm:scene3d>
+    <dgm:sp3d/>
+    <dgm:txPr/>
+    <dgm:style>
+      <a:lnRef idx="0">
+        <a:scrgbClr r="0" g="0" b="0"/>
+      </a:lnRef>
+      <a:fillRef idx="1">
+        <a:scrgbClr r="0" g="0" b="0"/>
+      </a:fillRef>
+      <a:effectRef idx="2">
+        <a:scrgbClr r="0" g="0" b="0"/>
+      </a:effectRef>
+      <a:fontRef idx="minor"/>
+    </dgm:style>
+  </dgm:styleLbl>
+  <dgm:styleLbl name="alignImgPlace1">
+    <dgm:scene3d>
+      <a:camera prst="orthographicFront"/>
+      <a:lightRig rig="threePt" dir="t"/>
+    </dgm:scene3d>
+    <dgm:sp3d/>
+    <dgm:txPr/>
+    <dgm:style>
+      <a:lnRef idx="0">
+        <a:scrgbClr r="0" g="0" b="0"/>
+      </a:lnRef>
+      <a:fillRef idx="1">
+        <a:scrgbClr r="0" g="0" b="0"/>
+      </a:fillRef>
+      <a:effectRef idx="2">
+        <a:scrgbClr r="0" g="0" b="0"/>
+      </a:effectRef>
+      <a:fontRef idx="minor"/>
+    </dgm:style>
+  </dgm:styleLbl>
+  <dgm:styleLbl name="bgImgPlace1">
+    <dgm:scene3d>
+      <a:camera prst="orthographicFront"/>
+      <a:lightRig rig="threePt" dir="t"/>
+    </dgm:scene3d>
+    <dgm:sp3d/>
+    <dgm:txPr/>
+    <dgm:style>
+      <a:lnRef idx="0">
+        <a:scrgbClr r="0" g="0" b="0"/>
+      </a:lnRef>
+      <a:fillRef idx="1">
+        <a:scrgbClr r="0" g="0" b="0"/>
+      </a:fillRef>
+      <a:effectRef idx="2">
+        <a:scrgbClr r="0" g="0" b="0"/>
+      </a:effectRef>
+      <a:fontRef idx="minor"/>
+    </dgm:style>
+  </dgm:styleLbl>
+  <dgm:styleLbl name="sibTrans2D1">
+    <dgm:scene3d>
+      <a:camera prst="orthographicFront"/>
+      <a:lightRig rig="threePt" dir="t"/>
+    </dgm:scene3d>
+    <dgm:sp3d/>
+    <dgm:txPr/>
+    <dgm:style>
+      <a:lnRef idx="0">
+        <a:scrgbClr r="0" g="0" b="0"/>
+      </a:lnRef>
+      <a:fillRef idx="3">
+        <a:scrgbClr r="0" g="0" b="0"/>
+      </a:fillRef>
+      <a:effectRef idx="2">
+        <a:scrgbClr r="0" g="0" b="0"/>
+      </a:effectRef>
+      <a:fontRef idx="minor">
+        <a:schemeClr val="lt1"/>
+      </a:fontRef>
+    </dgm:style>
+  </dgm:styleLbl>
+  <dgm:styleLbl name="fgSibTrans2D1">
+    <dgm:scene3d>
+      <a:camera prst="orthographicFront"/>
+      <a:lightRig rig="threePt" dir="t"/>
+    </dgm:scene3d>
+    <dgm:sp3d/>
+    <dgm:txPr/>
+    <dgm:style>
+      <a:lnRef idx="0">
+        <a:scrgbClr r="0" g="0" b="0"/>
+      </a:lnRef>
+      <a:fillRef idx="3">
+        <a:scrgbClr r="0" g="0" b="0"/>
+      </a:fillRef>
+      <a:effectRef idx="2">
+        <a:scrgbClr r="0" g="0" b="0"/>
+      </a:effectRef>
+      <a:fontRef idx="minor">
+        <a:schemeClr val="lt1"/>
+      </a:fontRef>
+    </dgm:style>
+  </dgm:styleLbl>
+  <dgm:styleLbl name="bgSibTrans2D1">
+    <dgm:scene3d>
+      <a:camera prst="orthographicFront"/>
+      <a:lightRig rig="threePt" dir="t"/>
+    </dgm:scene3d>
+    <dgm:sp3d/>
+    <dgm:txPr/>
+    <dgm:style>
+      <a:lnRef idx="0">
+        <a:scrgbClr r="0" g="0" b="0"/>
+      </a:lnRef>
+      <a:fillRef idx="3">
+        <a:scrgbClr r="0" g="0" b="0"/>
+      </a:fillRef>
+      <a:effectRef idx="2">
+        <a:scrgbClr r="0" g="0" b="0"/>
+      </a:effectRef>
+      <a:fontRef idx="minor">
+        <a:schemeClr val="lt1"/>
+      </a:fontRef>
+    </dgm:style>
+  </dgm:styleLbl>
+  <dgm:styleLbl name="sibTrans1D1">
+    <dgm:scene3d>
+      <a:camera prst="orthographicFront"/>
+      <a:lightRig rig="threePt" dir="t"/>
+    </dgm:scene3d>
+    <dgm:sp3d/>
+    <dgm:txPr/>
+    <dgm:style>
+      <a:lnRef idx="1">
+        <a:scrgbClr r="0" g="0" b="0"/>
+      </a:lnRef>
+      <a:fillRef idx="0">
+        <a:scrgbClr r="0" g="0" b="0"/>
+      </a:fillRef>
+      <a:effectRef idx="0">
+        <a:scrgbClr r="0" g="0" b="0"/>
+      </a:effectRef>
+      <a:fontRef idx="minor"/>
+    </dgm:style>
+  </dgm:styleLbl>
+  <dgm:styleLbl name="callout">
+    <dgm:scene3d>
+      <a:camera prst="orthographicFront"/>
+      <a:lightRig rig="threePt" dir="t"/>
+    </dgm:scene3d>
+    <dgm:sp3d/>
+    <dgm:txPr/>
+    <dgm:style>
+      <a:lnRef idx="2">
+        <a:scrgbClr r="0" g="0" b="0"/>
+      </a:lnRef>
+      <a:fillRef idx="1">
+        <a:scrgbClr r="0" g="0" b="0"/>
+      </a:fillRef>
+      <a:effectRef idx="1">
+        <a:scrgbClr r="0" g="0" b="0"/>
+      </a:effectRef>
+      <a:fontRef idx="minor"/>
+    </dgm:style>
+  </dgm:styleLbl>
+  <dgm:styleLbl name="asst0">
+    <dgm:scene3d>
+      <a:camera prst="orthographicFront"/>
+      <a:lightRig rig="threePt" dir="t"/>
+    </dgm:scene3d>
+    <dgm:sp3d/>
+    <dgm:txPr/>
+    <dgm:style>
+      <a:lnRef idx="0">
+        <a:scrgbClr r="0" g="0" b="0"/>
+      </a:lnRef>
+      <a:fillRef idx="3">
+        <a:scrgbClr r="0" g="0" b="0"/>
+      </a:fillRef>
+      <a:effectRef idx="2">
+        <a:scrgbClr r="0" g="0" b="0"/>
+      </a:effectRef>
+      <a:fontRef idx="minor">
+        <a:schemeClr val="lt1"/>
+      </a:fontRef>
+    </dgm:style>
+  </dgm:styleLbl>
+  <dgm:styleLbl name="asst1">
+    <dgm:scene3d>
+      <a:camera prst="orthographicFront"/>
+      <a:lightRig rig="threePt" dir="t"/>
+    </dgm:scene3d>
+    <dgm:sp3d/>
+    <dgm:txPr/>
+    <dgm:style>
+      <a:lnRef idx="0">
+        <a:scrgbClr r="0" g="0" b="0"/>
+      </a:lnRef>
+      <a:fillRef idx="3">
+        <a:scrgbClr r="0" g="0" b="0"/>
+      </a:fillRef>
+      <a:effectRef idx="2">
+        <a:scrgbClr r="0" g="0" b="0"/>
+      </a:effectRef>
+      <a:fontRef idx="minor">
+        <a:schemeClr val="lt1"/>
+      </a:fontRef>
+    </dgm:style>
+  </dgm:styleLbl>
+  <dgm:styleLbl name="asst2">
+    <dgm:scene3d>
+      <a:camera prst="orthographicFront"/>
+      <a:lightRig rig="threePt" dir="t"/>
+    </dgm:scene3d>
+    <dgm:sp3d/>
+    <dgm:txPr/>
+    <dgm:style>
+      <a:lnRef idx="0">
+        <a:scrgbClr r="0" g="0" b="0"/>
+      </a:lnRef>
+      <a:fillRef idx="3">
+        <a:scrgbClr r="0" g="0" b="0"/>
+      </a:fillRef>
+      <a:effectRef idx="2">
+        <a:scrgbClr r="0" g="0" b="0"/>
+      </a:effectRef>
+      <a:fontRef idx="minor">
+        <a:schemeClr val="lt1"/>
+      </a:fontRef>
+    </dgm:style>
+  </dgm:styleLbl>
+  <dgm:styleLbl name="asst3">
+    <dgm:scene3d>
+      <a:camera prst="orthographicFront"/>
+      <a:lightRig rig="threePt" dir="t"/>
+    </dgm:scene3d>
+    <dgm:sp3d/>
+    <dgm:txPr/>
+    <dgm:style>
+      <a:lnRef idx="0">
+        <a:scrgbClr r="0" g="0" b="0"/>
+      </a:lnRef>
+      <a:fillRef idx="3">
+        <a:scrgbClr r="0" g="0" b="0"/>
+      </a:fillRef>
+      <a:effectRef idx="2">
+        <a:scrgbClr r="0" g="0" b="0"/>
+      </a:effectRef>
+      <a:fontRef idx="minor">
+        <a:schemeClr val="lt1"/>
+      </a:fontRef>
+    </dgm:style>
+  </dgm:styleLbl>
+  <dgm:styleLbl name="asst4">
+    <dgm:scene3d>
+      <a:camera prst="orthographicFront"/>
+      <a:lightRig rig="threePt" dir="t"/>
+    </dgm:scene3d>
+    <dgm:sp3d/>
+    <dgm:txPr/>
+    <dgm:style>
+      <a:lnRef idx="0">
+        <a:scrgbClr r="0" g="0" b="0"/>
+      </a:lnRef>
+      <a:fillRef idx="3">
+        <a:scrgbClr r="0" g="0" b="0"/>
+      </a:fillRef>
+      <a:effectRef idx="2">
+        <a:scrgbClr r="0" g="0" b="0"/>
+      </a:effectRef>
+      <a:fontRef idx="minor">
+        <a:schemeClr val="lt1"/>
+      </a:fontRef>
+    </dgm:style>
+  </dgm:styleLbl>
+  <dgm:styleLbl name="parChTrans2D1">
+    <dgm:scene3d>
+      <a:camera prst="orthographicFront"/>
+      <a:lightRig rig="threePt" dir="t"/>
+    </dgm:scene3d>
+    <dgm:sp3d/>
+    <dgm:txPr/>
+    <dgm:style>
+      <a:lnRef idx="0">
+        <a:scrgbClr r="0" g="0" b="0"/>
+      </a:lnRef>
+      <a:fillRef idx="3">
+        <a:scrgbClr r="0" g="0" b="0"/>
+      </a:fillRef>
+      <a:effectRef idx="2">
+        <a:scrgbClr r="0" g="0" b="0"/>
+      </a:effectRef>
+      <a:fontRef idx="minor">
+        <a:schemeClr val="lt1"/>
+      </a:fontRef>
+    </dgm:style>
+  </dgm:styleLbl>
+  <dgm:styleLbl name="parChTrans2D2">
+    <dgm:scene3d>
+      <a:camera prst="orthographicFront"/>
+      <a:lightRig rig="threePt" dir="t"/>
+    </dgm:scene3d>
+    <dgm:sp3d/>
+    <dgm:txPr/>
+    <dgm:style>
+      <a:lnRef idx="0">
+        <a:scrgbClr r="0" g="0" b="0"/>
+      </a:lnRef>
+      <a:fillRef idx="3">
+        <a:scrgbClr r="0" g="0" b="0"/>
+      </a:fillRef>
+      <a:effectRef idx="2">
+        <a:scrgbClr r="0" g="0" b="0"/>
+      </a:effectRef>
+      <a:fontRef idx="minor">
+        <a:schemeClr val="lt1"/>
+      </a:fontRef>
+    </dgm:style>
+  </dgm:styleLbl>
+  <dgm:styleLbl name="parChTrans2D3">
+    <dgm:scene3d>
+      <a:camera prst="orthographicFront"/>
+      <a:lightRig rig="threePt" dir="t"/>
+    </dgm:scene3d>
+    <dgm:sp3d/>
+    <dgm:txPr/>
+    <dgm:style>
+      <a:lnRef idx="1">
+        <a:scrgbClr r="0" g="0" b="0"/>
+      </a:lnRef>
+      <a:fillRef idx="3">
+        <a:scrgbClr r="0" g="0" b="0"/>
+      </a:fillRef>
+      <a:effectRef idx="2">
+        <a:scrgbClr r="0" g="0" b="0"/>
+      </a:effectRef>
+      <a:fontRef idx="minor">
+        <a:schemeClr val="lt1"/>
+      </a:fontRef>
+    </dgm:style>
+  </dgm:styleLbl>
+  <dgm:styleLbl name="parChTrans2D4">
+    <dgm:scene3d>
+      <a:camera prst="orthographicFront"/>
+      <a:lightRig rig="threePt" dir="t"/>
+    </dgm:scene3d>
+    <dgm:sp3d/>
+    <dgm:txPr/>
+    <dgm:style>
+      <a:lnRef idx="1">
+        <a:scrgbClr r="0" g="0" b="0"/>
+      </a:lnRef>
+      <a:fillRef idx="3">
+        <a:scrgbClr r="0" g="0" b="0"/>
+      </a:fillRef>
+      <a:effectRef idx="2">
+        <a:scrgbClr r="0" g="0" b="0"/>
+      </a:effectRef>
+      <a:fontRef idx="minor">
+        <a:schemeClr val="lt1"/>
+      </a:fontRef>
+    </dgm:style>
+  </dgm:styleLbl>
+  <dgm:styleLbl name="parChTrans1D1">
+    <dgm:scene3d>
+      <a:camera prst="orthographicFront"/>
+      <a:lightRig rig="threePt" dir="t"/>
+    </dgm:scene3d>
+    <dgm:sp3d/>
+    <dgm:txPr/>
+    <dgm:style>
+      <a:lnRef idx="1">
+        <a:scrgbClr r="0" g="0" b="0"/>
+      </a:lnRef>
+      <a:fillRef idx="0">
+        <a:scrgbClr r="0" g="0" b="0"/>
+      </a:fillRef>
+      <a:effectRef idx="0">
+        <a:scrgbClr r="0" g="0" b="0"/>
+      </a:effectRef>
+      <a:fontRef idx="minor"/>
+    </dgm:style>
+  </dgm:styleLbl>
+  <dgm:styleLbl name="parChTrans1D2">
+    <dgm:scene3d>
+      <a:camera prst="orthographicFront"/>
+      <a:lightRig rig="threePt" dir="t"/>
+    </dgm:scene3d>
+    <dgm:sp3d/>
+    <dgm:txPr/>
+    <dgm:style>
+      <a:lnRef idx="1">
+        <a:scrgbClr r="0" g="0" b="0"/>
+      </a:lnRef>
+      <a:fillRef idx="0">
+        <a:scrgbClr r="0" g="0" b="0"/>
+      </a:fillRef>
+      <a:effectRef idx="0">
+        <a:scrgbClr r="0" g="0" b="0"/>
+      </a:effectRef>
+      <a:fontRef idx="minor"/>
+    </dgm:style>
+  </dgm:styleLbl>
+  <dgm:styleLbl name="parChTrans1D3">
+    <dgm:scene3d>
+      <a:camera prst="orthographicFront"/>
+      <a:lightRig rig="threePt" dir="t"/>
+    </dgm:scene3d>
+    <dgm:sp3d/>
+    <dgm:txPr/>
+    <dgm:style>
+      <a:lnRef idx="1">
+        <a:scrgbClr r="0" g="0" b="0"/>
+      </a:lnRef>
+      <a:fillRef idx="0">
+        <a:scrgbClr r="0" g="0" b="0"/>
+      </a:fillRef>
+      <a:effectRef idx="0">
+        <a:scrgbClr r="0" g="0" b="0"/>
+      </a:effectRef>
+      <a:fontRef idx="minor"/>
+    </dgm:style>
+  </dgm:styleLbl>
+  <dgm:styleLbl name="parChTrans1D4">
+    <dgm:scene3d>
+      <a:camera prst="orthographicFront"/>
+      <a:lightRig rig="threePt" dir="t"/>
+    </dgm:scene3d>
+    <dgm:sp3d/>
+    <dgm:txPr/>
+    <dgm:style>
+      <a:lnRef idx="1">
+        <a:scrgbClr r="0" g="0" b="0"/>
+      </a:lnRef>
+      <a:fillRef idx="0">
+        <a:scrgbClr r="0" g="0" b="0"/>
+      </a:fillRef>
+      <a:effectRef idx="0">
+        <a:scrgbClr r="0" g="0" b="0"/>
+      </a:effectRef>
+      <a:fontRef idx="minor"/>
+    </dgm:style>
+  </dgm:styleLbl>
+  <dgm:styleLbl name="fgAcc1">
+    <dgm:scene3d>
+      <a:camera prst="orthographicFront"/>
+      <a:lightRig rig="threePt" dir="t"/>
+    </dgm:scene3d>
+    <dgm:sp3d/>
+    <dgm:txPr/>
+    <dgm:style>
+      <a:lnRef idx="1">
+        <a:scrgbClr r="0" g="0" b="0"/>
+      </a:lnRef>
+      <a:fillRef idx="1">
+        <a:scrgbClr r="0" g="0" b="0"/>
+      </a:fillRef>
+      <a:effectRef idx="0">
+        <a:scrgbClr r="0" g="0" b="0"/>
+      </a:effectRef>
+      <a:fontRef idx="minor"/>
+    </dgm:style>
+  </dgm:styleLbl>
+  <dgm:styleLbl name="conFgAcc1">
+    <dgm:scene3d>
+      <a:camera prst="orthographicFront"/>
+      <a:lightRig rig="threePt" dir="t"/>
+    </dgm:scene3d>
+    <dgm:sp3d/>
+    <dgm:txPr/>
+    <dgm:style>
+      <a:lnRef idx="1">
+        <a:scrgbClr r="0" g="0" b="0"/>
+      </a:lnRef>
+      <a:fillRef idx="1">
+        <a:scrgbClr r="0" g="0" b="0"/>
+      </a:fillRef>
+      <a:effectRef idx="0">
+        <a:scrgbClr r="0" g="0" b="0"/>
+      </a:effectRef>
+      <a:fontRef idx="minor"/>
+    </dgm:style>
+  </dgm:styleLbl>
+  <dgm:styleLbl name="alignAcc1">
+    <dgm:scene3d>
+      <a:camera prst="orthographicFront"/>
+      <a:lightRig rig="threePt" dir="t"/>
+    </dgm:scene3d>
+    <dgm:sp3d/>
+    <dgm:txPr/>
+    <dgm:style>
+      <a:lnRef idx="1">
+        <a:scrgbClr r="0" g="0" b="0"/>
+      </a:lnRef>
+      <a:fillRef idx="1">
+        <a:scrgbClr r="0" g="0" b="0"/>
+      </a:fillRef>
+      <a:effectRef idx="0">
+        <a:scrgbClr r="0" g="0" b="0"/>
+      </a:effectRef>
+      <a:fontRef idx="minor"/>
+    </dgm:style>
+  </dgm:styleLbl>
+  <dgm:styleLbl name="trAlignAcc1">
+    <dgm:scene3d>
+      <a:camera prst="orthographicFront"/>
+      <a:lightRig rig="threePt" dir="t"/>
+    </dgm:scene3d>
+    <dgm:sp3d/>
+    <dgm:txPr/>
+    <dgm:style>
+      <a:lnRef idx="1">
+        <a:scrgbClr r="0" g="0" b="0"/>
+      </a:lnRef>
+      <a:fillRef idx="1">
+        <a:scrgbClr r="0" g="0" b="0"/>
+      </a:fillRef>
+      <a:effectRef idx="0">
+        <a:scrgbClr r="0" g="0" b="0"/>
+      </a:effectRef>
+      <a:fontRef idx="minor"/>
+    </dgm:style>
+  </dgm:styleLbl>
+  <dgm:styleLbl name="bgAcc1">
+    <dgm:scene3d>
+      <a:camera prst="orthographicFront"/>
+      <a:lightRig rig="threePt" dir="t"/>
+    </dgm:scene3d>
+    <dgm:sp3d/>
+    <dgm:txPr/>
+    <dgm:style>
+      <a:lnRef idx="1">
+        <a:scrgbClr r="0" g="0" b="0"/>
+      </a:lnRef>
+      <a:fillRef idx="1">
+        <a:scrgbClr r="0" g="0" b="0"/>
+      </a:fillRef>
+      <a:effectRef idx="0">
+        <a:scrgbClr r="0" g="0" b="0"/>
+      </a:effectRef>
+      <a:fontRef idx="minor"/>
+    </dgm:style>
+  </dgm:styleLbl>
+  <dgm:styleLbl name="solidFgAcc1">
+    <dgm:scene3d>
+      <a:camera prst="orthographicFront"/>
+      <a:lightRig rig="threePt" dir="t"/>
+    </dgm:scene3d>
+    <dgm:sp3d/>
+    <dgm:txPr/>
+    <dgm:style>
+      <a:lnRef idx="1">
+        <a:scrgbClr r="0" g="0" b="0"/>
+      </a:lnRef>
+      <a:fillRef idx="1">
+        <a:scrgbClr r="0" g="0" b="0"/>
+      </a:fillRef>
+      <a:effectRef idx="0">
+        <a:scrgbClr r="0" g="0" b="0"/>
+      </a:effectRef>
+      <a:fontRef idx="minor"/>
+    </dgm:style>
+  </dgm:styleLbl>
+  <dgm:styleLbl name="solidAlignAcc1">
+    <dgm:scene3d>
+      <a:camera prst="orthographicFront"/>
+      <a:lightRig rig="threePt" dir="t"/>
+    </dgm:scene3d>
+    <dgm:sp3d/>
+    <dgm:txPr/>
+    <dgm:style>
+      <a:lnRef idx="1">
+        <a:scrgbClr r="0" g="0" b="0"/>
+      </a:lnRef>
+      <a:fillRef idx="1">
+        <a:scrgbClr r="0" g="0" b="0"/>
+      </a:fillRef>
+      <a:effectRef idx="0">
+        <a:scrgbClr r="0" g="0" b="0"/>
+      </a:effectRef>
+      <a:fontRef idx="minor"/>
+    </dgm:style>
+  </dgm:styleLbl>
+  <dgm:styleLbl name="solidBgAcc1">
+    <dgm:scene3d>
+      <a:camera prst="orthographicFront"/>
+      <a:lightRig rig="threePt" dir="t"/>
+    </dgm:scene3d>
+    <dgm:sp3d/>
+    <dgm:txPr/>
+    <dgm:style>
+      <a:lnRef idx="1">
+        <a:scrgbClr r="0" g="0" b="0"/>
+      </a:lnRef>
+      <a:fillRef idx="1">
+        <a:scrgbClr r="0" g="0" b="0"/>
+      </a:fillRef>
+      <a:effectRef idx="0">
+        <a:scrgbClr r="0" g="0" b="0"/>
+      </a:effectRef>
+      <a:fontRef idx="minor"/>
+    </dgm:style>
+  </dgm:styleLbl>
+  <dgm:styleLbl name="fgAccFollowNode1">
+    <dgm:scene3d>
+      <a:camera prst="orthographicFront"/>
+      <a:lightRig rig="threePt" dir="t"/>
+    </dgm:scene3d>
+    <dgm:sp3d/>
+    <dgm:txPr/>
+    <dgm:style>
+      <a:lnRef idx="1">
+        <a:scrgbClr r="0" g="0" b="0"/>
+      </a:lnRef>
+      <a:fillRef idx="1">
+        <a:scrgbClr r="0" g="0" b="0"/>
+      </a:fillRef>
+      <a:effectRef idx="0">
+        <a:scrgbClr r="0" g="0" b="0"/>
+      </a:effectRef>
+      <a:fontRef idx="minor"/>
+    </dgm:style>
+  </dgm:styleLbl>
+  <dgm:styleLbl name="alignAccFollowNode1">
+    <dgm:scene3d>
+      <a:camera prst="orthographicFront"/>
+      <a:lightRig rig="threePt" dir="t"/>
+    </dgm:scene3d>
+    <dgm:sp3d/>
+    <dgm:txPr/>
+    <dgm:style>
+      <a:lnRef idx="1">
+        <a:scrgbClr r="0" g="0" b="0"/>
+      </a:lnRef>
+      <a:fillRef idx="1">
+        <a:scrgbClr r="0" g="0" b="0"/>
+      </a:fillRef>
+      <a:effectRef idx="0">
+        <a:scrgbClr r="0" g="0" b="0"/>
+      </a:effectRef>
+      <a:fontRef idx="minor"/>
+    </dgm:style>
+  </dgm:styleLbl>
+  <dgm:styleLbl name="bgAccFollowNode1">
+    <dgm:scene3d>
+      <a:camera prst="orthographicFront"/>
+      <a:lightRig rig="threePt" dir="t"/>
+    </dgm:scene3d>
+    <dgm:sp3d/>
+    <dgm:txPr/>
+    <dgm:style>
+      <a:lnRef idx="1">
+        <a:scrgbClr r="0" g="0" b="0"/>
+      </a:lnRef>
+      <a:fillRef idx="1">
+        <a:scrgbClr r="0" g="0" b="0"/>
+      </a:fillRef>
+      <a:effectRef idx="0">
+        <a:scrgbClr r="0" g="0" b="0"/>
+      </a:effectRef>
+      <a:fontRef idx="minor"/>
+    </dgm:style>
+  </dgm:styleLbl>
+  <dgm:styleLbl name="fgAcc0">
+    <dgm:scene3d>
+      <a:camera prst="orthographicFront"/>
+      <a:lightRig rig="threePt" dir="t"/>
+    </dgm:scene3d>
+    <dgm:sp3d/>
+    <dgm:txPr/>
+    <dgm:style>
+      <a:lnRef idx="1">
+        <a:scrgbClr r="0" g="0" b="0"/>
+      </a:lnRef>
+      <a:fillRef idx="1">
+        <a:scrgbClr r="0" g="0" b="0"/>
+      </a:fillRef>
+      <a:effectRef idx="0">
+        <a:scrgbClr r="0" g="0" b="0"/>
+      </a:effectRef>
+      <a:fontRef idx="minor"/>
+    </dgm:style>
+  </dgm:styleLbl>
+  <dgm:styleLbl name="fgAcc2">
+    <dgm:scene3d>
+      <a:camera prst="orthographicFront"/>
+      <a:lightRig rig="threePt" dir="t"/>
+    </dgm:scene3d>
+    <dgm:sp3d/>
+    <dgm:txPr/>
+    <dgm:style>
+      <a:lnRef idx="1">
+        <a:scrgbClr r="0" g="0" b="0"/>
+      </a:lnRef>
+      <a:fillRef idx="1">
+        <a:scrgbClr r="0" g="0" b="0"/>
+      </a:fillRef>
+      <a:effectRef idx="0">
+        <a:scrgbClr r="0" g="0" b="0"/>
+      </a:effectRef>
+      <a:fontRef idx="minor"/>
+    </dgm:style>
+  </dgm:styleLbl>
+  <dgm:styleLbl name="fgAcc3">
+    <dgm:scene3d>
+      <a:camera prst="orthographicFront"/>
+      <a:lightRig rig="threePt" dir="t"/>
+    </dgm:scene3d>
+    <dgm:sp3d/>
+    <dgm:txPr/>
+    <dgm:style>
+      <a:lnRef idx="1">
+        <a:scrgbClr r="0" g="0" b="0"/>
+      </a:lnRef>
+      <a:fillRef idx="1">
+        <a:scrgbClr r="0" g="0" b="0"/>
+      </a:fillRef>
+      <a:effectRef idx="0">
+        <a:scrgbClr r="0" g="0" b="0"/>
+      </a:effectRef>
+      <a:fontRef idx="minor"/>
+    </dgm:style>
+  </dgm:styleLbl>
+  <dgm:styleLbl name="fgAcc4">
+    <dgm:scene3d>
+      <a:camera prst="orthographicFront"/>
+      <a:lightRig rig="threePt" dir="t"/>
+    </dgm:scene3d>
+    <dgm:sp3d/>
+    <dgm:txPr/>
+    <dgm:style>
+      <a:lnRef idx="1">
+        <a:scrgbClr r="0" g="0" b="0"/>
+      </a:lnRef>
+      <a:fillRef idx="1">
+        <a:scrgbClr r="0" g="0" b="0"/>
+      </a:fillRef>
+      <a:effectRef idx="0">
+        <a:scrgbClr r="0" g="0" b="0"/>
+      </a:effectRef>
+      <a:fontRef idx="minor"/>
+    </dgm:style>
+  </dgm:styleLbl>
+  <dgm:styleLbl name="bgShp">
+    <dgm:scene3d>
+      <a:camera prst="orthographicFront"/>
+      <a:lightRig rig="threePt" dir="t"/>
+    </dgm:scene3d>
+    <dgm:sp3d/>
+    <dgm:txPr/>
+    <dgm:style>
+      <a:lnRef idx="0">
+        <a:scrgbClr r="0" g="0" b="0"/>
+      </a:lnRef>
+      <a:fillRef idx="1">
+        <a:scrgbClr r="0" g="0" b="0"/>
+      </a:fillRef>
+      <a:effectRef idx="2">
+        <a:scrgbClr r="0" g="0" b="0"/>
+      </a:effectRef>
+      <a:fontRef idx="minor"/>
+    </dgm:style>
+  </dgm:styleLbl>
+  <dgm:styleLbl name="dkBgShp">
+    <dgm:scene3d>
+      <a:camera prst="orthographicFront"/>
+      <a:lightRig rig="threePt" dir="t"/>
+    </dgm:scene3d>
+    <dgm:sp3d/>
+    <dgm:txPr/>
+    <dgm:style>
+      <a:lnRef idx="0">
+        <a:scrgbClr r="0" g="0" b="0"/>
+      </a:lnRef>
+      <a:fillRef idx="1">
+        <a:scrgbClr r="0" g="0" b="0"/>
+      </a:fillRef>
+      <a:effectRef idx="2">
+        <a:scrgbClr r="0" g="0" b="0"/>
+      </a:effectRef>
+      <a:fontRef idx="minor"/>
+    </dgm:style>
+  </dgm:styleLbl>
+  <dgm:styleLbl name="trBgShp">
+    <dgm:scene3d>
+      <a:camera prst="orthographicFront"/>
+      <a:lightRig rig="threePt" dir="t"/>
+    </dgm:scene3d>
+    <dgm:sp3d/>
+    <dgm:txPr/>
+    <dgm:style>
+      <a:lnRef idx="0">
+        <a:scrgbClr r="0" g="0" b="0"/>
+      </a:lnRef>
+      <a:fillRef idx="1">
+        <a:scrgbClr r="0" g="0" b="0"/>
+      </a:fillRef>
+      <a:effectRef idx="0">
+        <a:scrgbClr r="0" g="0" b="0"/>
+      </a:effectRef>
+      <a:fontRef idx="minor"/>
+    </dgm:style>
+  </dgm:styleLbl>
+  <dgm:styleLbl name="fgShp">
+    <dgm:scene3d>
+      <a:camera prst="orthographicFront"/>
+      <a:lightRig rig="threePt" dir="t"/>
+    </dgm:scene3d>
+    <dgm:sp3d/>
+    <dgm:txPr/>
+    <dgm:style>
+      <a:lnRef idx="0">
+        <a:scrgbClr r="0" g="0" b="0"/>
+      </a:lnRef>
+      <a:fillRef idx="3">
+        <a:scrgbClr r="0" g="0" b="0"/>
+      </a:fillRef>
+      <a:effectRef idx="2">
+        <a:scrgbClr r="0" g="0" b="0"/>
+      </a:effectRef>
+      <a:fontRef idx="minor"/>
+    </dgm:style>
+  </dgm:styleLbl>
+  <dgm:styleLbl name="revTx">
+    <dgm:scene3d>
+      <a:camera prst="orthographicFront"/>
+      <a:lightRig rig="threePt" dir="t"/>
+    </dgm:scene3d>
+    <dgm:sp3d/>
+    <dgm:txPr/>
+    <dgm:style>
+      <a:lnRef idx="0">
+        <a:scrgbClr r="0" g="0" b="0"/>
+      </a:lnRef>
+      <a:fillRef idx="0">
+        <a:scrgbClr r="0" g="0" b="0"/>
+      </a:fillRef>
+      <a:effectRef idx="0">
+        <a:scrgbClr r="0" g="0" b="0"/>
+      </a:effectRef>
+      <a:fontRef idx="minor"/>
+    </dgm:style>
+  </dgm:styleLbl>
+</dgm:styleDef>
+</file>
+
+<file path=ppt/diagrams/quickStyle4.xml><?xml version="1.0" encoding="utf-8"?>
 <dgm:styleDef xmlns:dgm="http://schemas.openxmlformats.org/drawingml/2006/diagram" xmlns:a="http://schemas.openxmlformats.org/drawingml/2006/main" uniqueId="urn:microsoft.com/office/officeart/2005/8/quickstyle/simple1">
   <dgm:title val=""/>
   <dgm:desc val=""/>
@@ -14225,7 +17705,7 @@
 </dgm:styleDef>
 </file>
 
-<file path=ppt/diagrams/quickStyle4.xml><?xml version="1.0" encoding="utf-8"?>
+<file path=ppt/diagrams/quickStyle5.xml><?xml version="1.0" encoding="utf-8"?>
 <dgm:styleDef xmlns:dgm="http://schemas.openxmlformats.org/drawingml/2006/diagram" xmlns:a="http://schemas.openxmlformats.org/drawingml/2006/main" uniqueId="urn:microsoft.com/office/officeart/2005/8/quickstyle/simple4">
   <dgm:title val=""/>
   <dgm:desc val=""/>
@@ -20749,6 +24229,2665 @@
 </p:sld>
 </file>
 
+<file path=ppt/slides/slide10.xml><?xml version="1.0" encoding="utf-8"?>
+<p:sld xmlns:a="http://schemas.openxmlformats.org/drawingml/2006/main" xmlns:r="http://schemas.openxmlformats.org/officeDocument/2006/relationships" xmlns:p="http://schemas.openxmlformats.org/presentationml/2006/main">
+  <p:cSld>
+    <p:bg>
+      <p:bgPr>
+        <a:solidFill>
+          <a:schemeClr val="bg2"/>
+        </a:solidFill>
+        <a:effectLst/>
+      </p:bgPr>
+    </p:bg>
+    <p:spTree>
+      <p:nvGrpSpPr>
+        <p:cNvPr id="1" name="">
+          <a:extLst>
+            <a:ext uri="{FF2B5EF4-FFF2-40B4-BE49-F238E27FC236}">
+              <a16:creationId xmlns:a16="http://schemas.microsoft.com/office/drawing/2014/main" id="{0347461A-13F1-25A4-D3FD-96FCDED20299}"/>
+            </a:ext>
+          </a:extLst>
+        </p:cNvPr>
+        <p:cNvGrpSpPr/>
+        <p:nvPr/>
+      </p:nvGrpSpPr>
+      <p:grpSpPr>
+        <a:xfrm>
+          <a:off x="0" y="0"/>
+          <a:ext cx="0" cy="0"/>
+          <a:chOff x="0" y="0"/>
+          <a:chExt cx="0" cy="0"/>
+        </a:xfrm>
+      </p:grpSpPr>
+      <p:cxnSp>
+        <p:nvCxnSpPr>
+          <p:cNvPr id="23" name="Straight Connector 22">
+            <a:extLst>
+              <a:ext uri="{FF2B5EF4-FFF2-40B4-BE49-F238E27FC236}">
+                <a16:creationId xmlns:a16="http://schemas.microsoft.com/office/drawing/2014/main" id="{AE0C0B2A-3FD1-4235-A16E-0ED1E028A93E}"/>
+              </a:ext>
+              <a:ext uri="{C183D7F6-B498-43B3-948B-1728B52AA6E4}">
+                <adec:decorative xmlns:adec="http://schemas.microsoft.com/office/drawing/2017/decorative" val="1"/>
+              </a:ext>
+            </a:extLst>
+          </p:cNvPr>
+          <p:cNvCxnSpPr>
+            <a:cxnSpLocks noGrp="1" noRot="1" noChangeAspect="1" noMove="1" noResize="1" noEditPoints="1" noAdjustHandles="1" noChangeArrowheads="1" noChangeShapeType="1"/>
+          </p:cNvCxnSpPr>
+          <p:nvPr>
+            <p:extLst>
+              <p:ext uri="{386F3935-93C4-4BCD-93E2-E3B085C9AB24}">
+                <p16:designElem xmlns:p16="http://schemas.microsoft.com/office/powerpoint/2015/main" val="1"/>
+              </p:ext>
+            </p:extLst>
+          </p:nvPr>
+        </p:nvCxnSpPr>
+        <p:spPr>
+          <a:xfrm>
+            <a:off x="5826000" y="3525773"/>
+            <a:ext cx="540000" cy="0"/>
+          </a:xfrm>
+          <a:prstGeom prst="line">
+            <a:avLst/>
+          </a:prstGeom>
+          <a:ln w="12700">
+            <a:solidFill>
+              <a:srgbClr val="FFFFFF"/>
+            </a:solidFill>
+          </a:ln>
+        </p:spPr>
+        <p:style>
+          <a:lnRef idx="1">
+            <a:schemeClr val="accent1"/>
+          </a:lnRef>
+          <a:fillRef idx="0">
+            <a:schemeClr val="accent1"/>
+          </a:fillRef>
+          <a:effectRef idx="0">
+            <a:schemeClr val="accent1"/>
+          </a:effectRef>
+          <a:fontRef idx="minor">
+            <a:schemeClr val="tx1"/>
+          </a:fontRef>
+        </p:style>
+      </p:cxnSp>
+      <p:grpSp>
+        <p:nvGrpSpPr>
+          <p:cNvPr id="25" name="Group 24">
+            <a:extLst>
+              <a:ext uri="{FF2B5EF4-FFF2-40B4-BE49-F238E27FC236}">
+                <a16:creationId xmlns:a16="http://schemas.microsoft.com/office/drawing/2014/main" id="{9494E066-0146-46E9-BAF1-C33240ABA294}"/>
+              </a:ext>
+              <a:ext uri="{C183D7F6-B498-43B3-948B-1728B52AA6E4}">
+                <adec:decorative xmlns:adec="http://schemas.microsoft.com/office/drawing/2017/decorative" val="1"/>
+              </a:ext>
+            </a:extLst>
+          </p:cNvPr>
+          <p:cNvGrpSpPr>
+            <a:grpSpLocks noGrp="1" noUngrp="1" noRot="1" noChangeAspect="1" noMove="1" noResize="1"/>
+          </p:cNvGrpSpPr>
+          <p:nvPr>
+            <p:extLst>
+              <p:ext uri="{386F3935-93C4-4BCD-93E2-E3B085C9AB24}">
+                <p16:designElem xmlns:p16="http://schemas.microsoft.com/office/powerpoint/2015/main" val="1"/>
+              </p:ext>
+            </p:extLst>
+          </p:nvPr>
+        </p:nvGrpSpPr>
+        <p:grpSpPr>
+          <a:xfrm rot="2700000">
+            <a:off x="10127693" y="4178240"/>
+            <a:ext cx="633413" cy="1862138"/>
+            <a:chOff x="5959192" y="333389"/>
+            <a:chExt cx="633413" cy="1862138"/>
+          </a:xfrm>
+        </p:grpSpPr>
+        <p:grpSp>
+          <p:nvGrpSpPr>
+            <p:cNvPr id="26" name="Group 25">
+              <a:extLst>
+                <a:ext uri="{FF2B5EF4-FFF2-40B4-BE49-F238E27FC236}">
+                  <a16:creationId xmlns:a16="http://schemas.microsoft.com/office/drawing/2014/main" id="{B02BD80B-C499-4DAC-9580-575B04F8658F}"/>
+                </a:ext>
+                <a:ext uri="{C183D7F6-B498-43B3-948B-1728B52AA6E4}">
+                  <adec:decorative xmlns:adec="http://schemas.microsoft.com/office/drawing/2017/decorative" val="1"/>
+                </a:ext>
+              </a:extLst>
+            </p:cNvPr>
+            <p:cNvGrpSpPr/>
+            <p:nvPr>
+              <p:extLst>
+                <p:ext uri="{386F3935-93C4-4BCD-93E2-E3B085C9AB24}">
+                  <p16:designElem xmlns:p16="http://schemas.microsoft.com/office/powerpoint/2015/main" val="1"/>
+                </p:ext>
+              </p:extLst>
+            </p:nvPr>
+          </p:nvGrpSpPr>
+          <p:grpSpPr>
+            <a:xfrm>
+              <a:off x="5959192" y="333389"/>
+              <a:ext cx="633413" cy="1419225"/>
+              <a:chOff x="5959192" y="333389"/>
+              <a:chExt cx="633413" cy="1419225"/>
+            </a:xfrm>
+          </p:grpSpPr>
+          <p:sp>
+            <p:nvSpPr>
+              <p:cNvPr id="28" name="Freeform 68">
+                <a:extLst>
+                  <a:ext uri="{FF2B5EF4-FFF2-40B4-BE49-F238E27FC236}">
+                    <a16:creationId xmlns:a16="http://schemas.microsoft.com/office/drawing/2014/main" id="{CCF069F3-858C-4C67-90C2-46017C3D4CEB}"/>
+                  </a:ext>
+                  <a:ext uri="{C183D7F6-B498-43B3-948B-1728B52AA6E4}">
+                    <adec:decorative xmlns:adec="http://schemas.microsoft.com/office/drawing/2017/decorative" val="1"/>
+                  </a:ext>
+                </a:extLst>
+              </p:cNvPr>
+              <p:cNvSpPr>
+                <a:spLocks/>
+              </p:cNvSpPr>
+              <p:nvPr>
+                <p:extLst>
+                  <p:ext uri="{386F3935-93C4-4BCD-93E2-E3B085C9AB24}">
+                    <p16:designElem xmlns:p16="http://schemas.microsoft.com/office/powerpoint/2015/main" val="1"/>
+                  </p:ext>
+                </p:extLst>
+              </p:nvPr>
+            </p:nvSpPr>
+            <p:spPr bwMode="auto">
+              <a:xfrm>
+                <a:off x="5959192" y="333389"/>
+                <a:ext cx="319088" cy="1419225"/>
+              </a:xfrm>
+              <a:custGeom>
+                <a:avLst/>
+                <a:gdLst>
+                  <a:gd name="T0" fmla="*/ 0 w 67"/>
+                  <a:gd name="T1" fmla="*/ 149 h 298"/>
+                  <a:gd name="T2" fmla="*/ 67 w 67"/>
+                  <a:gd name="T3" fmla="*/ 298 h 298"/>
+                  <a:gd name="T4" fmla="*/ 67 w 67"/>
+                  <a:gd name="T5" fmla="*/ 0 h 298"/>
+                  <a:gd name="T6" fmla="*/ 0 w 67"/>
+                  <a:gd name="T7" fmla="*/ 149 h 298"/>
+                </a:gdLst>
+                <a:ahLst/>
+                <a:cxnLst>
+                  <a:cxn ang="0">
+                    <a:pos x="T0" y="T1"/>
+                  </a:cxn>
+                  <a:cxn ang="0">
+                    <a:pos x="T2" y="T3"/>
+                  </a:cxn>
+                  <a:cxn ang="0">
+                    <a:pos x="T4" y="T5"/>
+                  </a:cxn>
+                  <a:cxn ang="0">
+                    <a:pos x="T6" y="T7"/>
+                  </a:cxn>
+                </a:cxnLst>
+                <a:rect l="0" t="0" r="r" b="b"/>
+                <a:pathLst>
+                  <a:path w="67" h="298">
+                    <a:moveTo>
+                      <a:pt x="0" y="149"/>
+                    </a:moveTo>
+                    <a:cubicBezTo>
+                      <a:pt x="0" y="208"/>
+                      <a:pt x="26" y="261"/>
+                      <a:pt x="67" y="298"/>
+                    </a:cubicBezTo>
+                    <a:cubicBezTo>
+                      <a:pt x="67" y="0"/>
+                      <a:pt x="67" y="0"/>
+                      <a:pt x="67" y="0"/>
+                    </a:cubicBezTo>
+                    <a:cubicBezTo>
+                      <a:pt x="26" y="36"/>
+                      <a:pt x="0" y="89"/>
+                      <a:pt x="0" y="149"/>
+                    </a:cubicBezTo>
+                    <a:close/>
+                  </a:path>
+                </a:pathLst>
+              </a:custGeom>
+              <a:gradFill flip="none" rotWithShape="1">
+                <a:gsLst>
+                  <a:gs pos="0">
+                    <a:srgbClr val="FFFFFF">
+                      <a:alpha val="80000"/>
+                    </a:srgbClr>
+                  </a:gs>
+                  <a:gs pos="100000">
+                    <a:srgbClr val="FFFFFF">
+                      <a:alpha val="20000"/>
+                    </a:srgbClr>
+                  </a:gs>
+                </a:gsLst>
+                <a:lin ang="18900000" scaled="0"/>
+                <a:tileRect/>
+              </a:gradFill>
+              <a:ln>
+                <a:noFill/>
+              </a:ln>
+            </p:spPr>
+            <p:txBody>
+              <a:bodyPr vert="horz" wrap="square" lIns="91440" tIns="45720" rIns="91440" bIns="45720" numCol="1" anchor="t" anchorCtr="0" compatLnSpc="1">
+                <a:prstTxWarp prst="textNoShape">
+                  <a:avLst/>
+                </a:prstTxWarp>
+              </a:bodyPr>
+              <a:lstStyle/>
+              <a:p>
+                <a:endParaRPr lang="en-US"/>
+              </a:p>
+            </p:txBody>
+          </p:sp>
+          <p:sp>
+            <p:nvSpPr>
+              <p:cNvPr id="29" name="Freeform 69">
+                <a:extLst>
+                  <a:ext uri="{FF2B5EF4-FFF2-40B4-BE49-F238E27FC236}">
+                    <a16:creationId xmlns:a16="http://schemas.microsoft.com/office/drawing/2014/main" id="{8A1FFA52-DFA8-4A81-8A85-50BE13257F51}"/>
+                  </a:ext>
+                  <a:ext uri="{C183D7F6-B498-43B3-948B-1728B52AA6E4}">
+                    <adec:decorative xmlns:adec="http://schemas.microsoft.com/office/drawing/2017/decorative" val="1"/>
+                  </a:ext>
+                </a:extLst>
+              </p:cNvPr>
+              <p:cNvSpPr>
+                <a:spLocks/>
+              </p:cNvSpPr>
+              <p:nvPr>
+                <p:extLst>
+                  <p:ext uri="{386F3935-93C4-4BCD-93E2-E3B085C9AB24}">
+                    <p16:designElem xmlns:p16="http://schemas.microsoft.com/office/powerpoint/2015/main" val="1"/>
+                  </p:ext>
+                </p:extLst>
+              </p:nvPr>
+            </p:nvSpPr>
+            <p:spPr bwMode="auto">
+              <a:xfrm>
+                <a:off x="6278280" y="333389"/>
+                <a:ext cx="314325" cy="1419225"/>
+              </a:xfrm>
+              <a:custGeom>
+                <a:avLst/>
+                <a:gdLst>
+                  <a:gd name="T0" fmla="*/ 0 w 66"/>
+                  <a:gd name="T1" fmla="*/ 0 h 298"/>
+                  <a:gd name="T2" fmla="*/ 0 w 66"/>
+                  <a:gd name="T3" fmla="*/ 298 h 298"/>
+                  <a:gd name="T4" fmla="*/ 66 w 66"/>
+                  <a:gd name="T5" fmla="*/ 149 h 298"/>
+                  <a:gd name="T6" fmla="*/ 0 w 66"/>
+                  <a:gd name="T7" fmla="*/ 0 h 298"/>
+                </a:gdLst>
+                <a:ahLst/>
+                <a:cxnLst>
+                  <a:cxn ang="0">
+                    <a:pos x="T0" y="T1"/>
+                  </a:cxn>
+                  <a:cxn ang="0">
+                    <a:pos x="T2" y="T3"/>
+                  </a:cxn>
+                  <a:cxn ang="0">
+                    <a:pos x="T4" y="T5"/>
+                  </a:cxn>
+                  <a:cxn ang="0">
+                    <a:pos x="T6" y="T7"/>
+                  </a:cxn>
+                </a:cxnLst>
+                <a:rect l="0" t="0" r="r" b="b"/>
+                <a:pathLst>
+                  <a:path w="66" h="298">
+                    <a:moveTo>
+                      <a:pt x="0" y="0"/>
+                    </a:moveTo>
+                    <a:cubicBezTo>
+                      <a:pt x="0" y="298"/>
+                      <a:pt x="0" y="298"/>
+                      <a:pt x="0" y="298"/>
+                    </a:cubicBezTo>
+                    <a:cubicBezTo>
+                      <a:pt x="41" y="261"/>
+                      <a:pt x="66" y="208"/>
+                      <a:pt x="66" y="149"/>
+                    </a:cubicBezTo>
+                    <a:cubicBezTo>
+                      <a:pt x="66" y="89"/>
+                      <a:pt x="41" y="36"/>
+                      <a:pt x="0" y="0"/>
+                    </a:cubicBezTo>
+                    <a:close/>
+                  </a:path>
+                </a:pathLst>
+              </a:custGeom>
+              <a:gradFill flip="none" rotWithShape="1">
+                <a:gsLst>
+                  <a:gs pos="0">
+                    <a:srgbClr val="FFFFFF">
+                      <a:alpha val="80000"/>
+                    </a:srgbClr>
+                  </a:gs>
+                  <a:gs pos="100000">
+                    <a:srgbClr val="FFFFFF">
+                      <a:alpha val="10000"/>
+                    </a:srgbClr>
+                  </a:gs>
+                </a:gsLst>
+                <a:lin ang="2700000" scaled="0"/>
+                <a:tileRect/>
+              </a:gradFill>
+              <a:ln>
+                <a:noFill/>
+              </a:ln>
+            </p:spPr>
+            <p:txBody>
+              <a:bodyPr vert="horz" wrap="square" lIns="91440" tIns="45720" rIns="91440" bIns="45720" numCol="1" anchor="t" anchorCtr="0" compatLnSpc="1">
+                <a:prstTxWarp prst="textNoShape">
+                  <a:avLst/>
+                </a:prstTxWarp>
+              </a:bodyPr>
+              <a:lstStyle/>
+              <a:p>
+                <a:endParaRPr lang="en-US"/>
+              </a:p>
+            </p:txBody>
+          </p:sp>
+        </p:grpSp>
+        <p:sp>
+          <p:nvSpPr>
+            <p:cNvPr id="27" name="Line 70">
+              <a:extLst>
+                <a:ext uri="{FF2B5EF4-FFF2-40B4-BE49-F238E27FC236}">
+                  <a16:creationId xmlns:a16="http://schemas.microsoft.com/office/drawing/2014/main" id="{BAEDA471-60CB-4A0C-B9AD-B2B3C51EA2FD}"/>
+                </a:ext>
+                <a:ext uri="{C183D7F6-B498-43B3-948B-1728B52AA6E4}">
+                  <adec:decorative xmlns:adec="http://schemas.microsoft.com/office/drawing/2017/decorative" val="1"/>
+                </a:ext>
+              </a:extLst>
+            </p:cNvPr>
+            <p:cNvSpPr>
+              <a:spLocks noChangeShapeType="1"/>
+            </p:cNvSpPr>
+            <p:nvPr>
+              <p:extLst>
+                <p:ext uri="{386F3935-93C4-4BCD-93E2-E3B085C9AB24}">
+                  <p16:designElem xmlns:p16="http://schemas.microsoft.com/office/powerpoint/2015/main" val="1"/>
+                </p:ext>
+              </p:extLst>
+            </p:nvPr>
+          </p:nvSpPr>
+          <p:spPr bwMode="auto">
+            <a:xfrm flipV="1">
+              <a:off x="6278280" y="333389"/>
+              <a:ext cx="0" cy="1862138"/>
+            </a:xfrm>
+            <a:prstGeom prst="line">
+              <a:avLst/>
+            </a:prstGeom>
+            <a:noFill/>
+            <a:ln w="12700" cap="flat">
+              <a:solidFill>
+                <a:srgbClr val="FFFFFF"/>
+              </a:solidFill>
+              <a:prstDash val="solid"/>
+              <a:miter lim="800000"/>
+              <a:headEnd/>
+              <a:tailEnd/>
+            </a:ln>
+            <a:extLst>
+              <a:ext uri="{909E8E84-426E-40DD-AFC4-6F175D3DCCD1}">
+                <a14:hiddenFill xmlns:a14="http://schemas.microsoft.com/office/drawing/2010/main">
+                  <a:solidFill>
+                    <a:srgbClr val="FFFFFF"/>
+                  </a:solidFill>
+                </a14:hiddenFill>
+              </a:ext>
+            </a:extLst>
+          </p:spPr>
+          <p:txBody>
+            <a:bodyPr vert="horz" wrap="square" lIns="91440" tIns="45720" rIns="91440" bIns="45720" numCol="1" anchor="t" anchorCtr="0" compatLnSpc="1">
+              <a:prstTxWarp prst="textNoShape">
+                <a:avLst/>
+              </a:prstTxWarp>
+            </a:bodyPr>
+            <a:lstStyle/>
+            <a:p>
+              <a:endParaRPr lang="en-US"/>
+            </a:p>
+          </p:txBody>
+        </p:sp>
+      </p:grpSp>
+      <p:sp useBgFill="1">
+        <p:nvSpPr>
+          <p:cNvPr id="31" name="Rectangle 30">
+            <a:extLst>
+              <a:ext uri="{FF2B5EF4-FFF2-40B4-BE49-F238E27FC236}">
+                <a16:creationId xmlns:a16="http://schemas.microsoft.com/office/drawing/2014/main" id="{3011B0B3-5679-4759-90B8-3B908C4CBD21}"/>
+              </a:ext>
+              <a:ext uri="{C183D7F6-B498-43B3-948B-1728B52AA6E4}">
+                <adec:decorative xmlns:adec="http://schemas.microsoft.com/office/drawing/2017/decorative" val="1"/>
+              </a:ext>
+            </a:extLst>
+          </p:cNvPr>
+          <p:cNvSpPr>
+            <a:spLocks noGrp="1" noRot="1" noChangeAspect="1" noMove="1" noResize="1" noEditPoints="1" noAdjustHandles="1" noChangeArrowheads="1" noChangeShapeType="1" noTextEdit="1"/>
+          </p:cNvSpPr>
+          <p:nvPr>
+            <p:extLst>
+              <p:ext uri="{386F3935-93C4-4BCD-93E2-E3B085C9AB24}">
+                <p16:designElem xmlns:p16="http://schemas.microsoft.com/office/powerpoint/2015/main" val="1"/>
+              </p:ext>
+            </p:extLst>
+          </p:nvPr>
+        </p:nvSpPr>
+        <p:spPr>
+          <a:xfrm>
+            <a:off x="0" y="0"/>
+            <a:ext cx="12192000" cy="6858000"/>
+          </a:xfrm>
+          <a:prstGeom prst="rect">
+            <a:avLst/>
+          </a:prstGeom>
+          <a:ln w="12700" cap="flat" cmpd="sng" algn="ctr">
+            <a:noFill/>
+            <a:prstDash val="solid"/>
+            <a:miter lim="800000"/>
+          </a:ln>
+          <a:effectLst/>
+          <a:extLst>
+            <a:ext uri="{91240B29-F687-4F45-9708-019B960494DF}">
+              <a14:hiddenLine xmlns:a14="http://schemas.microsoft.com/office/drawing/2010/main" w="12700" cap="flat" cmpd="sng" algn="ctr">
+                <a:solidFill>
+                  <a:schemeClr val="accent1">
+                    <a:shade val="50000"/>
+                  </a:schemeClr>
+                </a:solidFill>
+                <a:prstDash val="solid"/>
+                <a:miter lim="800000"/>
+              </a14:hiddenLine>
+            </a:ext>
+          </a:extLst>
+        </p:spPr>
+        <p:style>
+          <a:lnRef idx="2">
+            <a:schemeClr val="accent1">
+              <a:shade val="50000"/>
+            </a:schemeClr>
+          </a:lnRef>
+          <a:fillRef idx="1">
+            <a:schemeClr val="accent1"/>
+          </a:fillRef>
+          <a:effectRef idx="0">
+            <a:schemeClr val="accent1"/>
+          </a:effectRef>
+          <a:fontRef idx="minor">
+            <a:schemeClr val="lt1"/>
+          </a:fontRef>
+        </p:style>
+        <p:txBody>
+          <a:bodyPr rtlCol="0" anchor="ctr"/>
+          <a:lstStyle/>
+          <a:p>
+            <a:pPr algn="ctr"/>
+            <a:endParaRPr lang="en-US"/>
+          </a:p>
+        </p:txBody>
+      </p:sp>
+      <p:sp>
+        <p:nvSpPr>
+          <p:cNvPr id="2" name="Title 1">
+            <a:extLst>
+              <a:ext uri="{FF2B5EF4-FFF2-40B4-BE49-F238E27FC236}">
+                <a16:creationId xmlns:a16="http://schemas.microsoft.com/office/drawing/2014/main" id="{5B851BEE-6411-E82D-6770-2C65537149A5}"/>
+              </a:ext>
+            </a:extLst>
+          </p:cNvPr>
+          <p:cNvSpPr>
+            <a:spLocks noGrp="1"/>
+          </p:cNvSpPr>
+          <p:nvPr>
+            <p:ph type="title"/>
+          </p:nvPr>
+        </p:nvSpPr>
+        <p:spPr>
+          <a:xfrm>
+            <a:off x="990000" y="1089025"/>
+            <a:ext cx="4075200" cy="1532951"/>
+          </a:xfrm>
+        </p:spPr>
+        <p:txBody>
+          <a:bodyPr vert="horz" lIns="91440" tIns="45720" rIns="91440" bIns="45720" rtlCol="0" anchor="b" anchorCtr="0">
+            <a:normAutofit/>
+          </a:bodyPr>
+          <a:lstStyle/>
+          <a:p>
+            <a:pPr algn="ctr">
+              <a:lnSpc>
+                <a:spcPct val="90000"/>
+              </a:lnSpc>
+            </a:pPr>
+            <a:r>
+              <a:rPr lang="en-US" sz="4800"/>
+              <a:t>User Top Level Design</a:t>
+            </a:r>
+          </a:p>
+        </p:txBody>
+      </p:sp>
+      <p:grpSp>
+        <p:nvGrpSpPr>
+          <p:cNvPr id="33" name="Group 32">
+            <a:extLst>
+              <a:ext uri="{FF2B5EF4-FFF2-40B4-BE49-F238E27FC236}">
+                <a16:creationId xmlns:a16="http://schemas.microsoft.com/office/drawing/2014/main" id="{50F37AA1-A09B-4E28-987B-38E5060E1BAE}"/>
+              </a:ext>
+              <a:ext uri="{C183D7F6-B498-43B3-948B-1728B52AA6E4}">
+                <adec:decorative xmlns:adec="http://schemas.microsoft.com/office/drawing/2017/decorative" val="1"/>
+              </a:ext>
+            </a:extLst>
+          </p:cNvPr>
+          <p:cNvGrpSpPr>
+            <a:grpSpLocks noGrp="1" noUngrp="1" noRot="1" noChangeAspect="1" noMove="1" noResize="1"/>
+          </p:cNvGrpSpPr>
+          <p:nvPr>
+            <p:extLst>
+              <p:ext uri="{386F3935-93C4-4BCD-93E2-E3B085C9AB24}">
+                <p16:designElem xmlns:p16="http://schemas.microsoft.com/office/powerpoint/2015/main" val="1"/>
+              </p:ext>
+            </p:extLst>
+          </p:nvPr>
+        </p:nvGrpSpPr>
+        <p:grpSpPr>
+          <a:xfrm>
+            <a:off x="1919525" y="2840038"/>
+            <a:ext cx="2216150" cy="1177924"/>
+            <a:chOff x="4987925" y="2840038"/>
+            <a:chExt cx="2216150" cy="1177924"/>
+          </a:xfrm>
+        </p:grpSpPr>
+        <p:sp>
+          <p:nvSpPr>
+            <p:cNvPr id="34" name="Rectangle 33">
+              <a:extLst>
+                <a:ext uri="{FF2B5EF4-FFF2-40B4-BE49-F238E27FC236}">
+                  <a16:creationId xmlns:a16="http://schemas.microsoft.com/office/drawing/2014/main" id="{9874D018-FDBA-4AD4-8C74-17D41F4FB69C}"/>
+                </a:ext>
+                <a:ext uri="{C183D7F6-B498-43B3-948B-1728B52AA6E4}">
+                  <adec:decorative xmlns:adec="http://schemas.microsoft.com/office/drawing/2017/decorative" val="1"/>
+                </a:ext>
+              </a:extLst>
+            </p:cNvPr>
+            <p:cNvSpPr/>
+            <p:nvPr>
+              <p:extLst>
+                <p:ext uri="{386F3935-93C4-4BCD-93E2-E3B085C9AB24}">
+                  <p16:designElem xmlns:p16="http://schemas.microsoft.com/office/powerpoint/2015/main" val="1"/>
+                </p:ext>
+              </p:extLst>
+            </p:nvPr>
+          </p:nvSpPr>
+          <p:spPr>
+            <a:xfrm>
+              <a:off x="4987925" y="2840038"/>
+              <a:ext cx="2216150" cy="1177924"/>
+            </a:xfrm>
+            <a:prstGeom prst="rect">
+              <a:avLst/>
+            </a:prstGeom>
+            <a:solidFill>
+              <a:schemeClr val="bg2">
+                <a:alpha val="0"/>
+              </a:schemeClr>
+            </a:solidFill>
+            <a:ln w="12700" cap="flat" cmpd="sng" algn="ctr">
+              <a:noFill/>
+              <a:prstDash val="solid"/>
+              <a:miter lim="800000"/>
+            </a:ln>
+            <a:effectLst/>
+          </p:spPr>
+          <p:style>
+            <a:lnRef idx="2">
+              <a:schemeClr val="accent1">
+                <a:shade val="50000"/>
+              </a:schemeClr>
+            </a:lnRef>
+            <a:fillRef idx="1">
+              <a:schemeClr val="accent1"/>
+            </a:fillRef>
+            <a:effectRef idx="0">
+              <a:schemeClr val="accent1"/>
+            </a:effectRef>
+            <a:fontRef idx="minor">
+              <a:schemeClr val="lt1"/>
+            </a:fontRef>
+          </p:style>
+          <p:txBody>
+            <a:bodyPr rtlCol="0" anchor="ctr"/>
+            <a:lstStyle/>
+            <a:p>
+              <a:pPr algn="ctr"/>
+              <a:endParaRPr lang="en-US" dirty="0"/>
+            </a:p>
+          </p:txBody>
+        </p:sp>
+        <p:grpSp>
+          <p:nvGrpSpPr>
+            <p:cNvPr id="35" name="Group 34">
+              <a:extLst>
+                <a:ext uri="{FF2B5EF4-FFF2-40B4-BE49-F238E27FC236}">
+                  <a16:creationId xmlns:a16="http://schemas.microsoft.com/office/drawing/2014/main" id="{DB43F5C4-EF74-49F4-97CB-97938DDC2FFA}"/>
+                </a:ext>
+                <a:ext uri="{C183D7F6-B498-43B3-948B-1728B52AA6E4}">
+                  <adec:decorative xmlns:adec="http://schemas.microsoft.com/office/drawing/2017/decorative" val="1"/>
+                </a:ext>
+              </a:extLst>
+            </p:cNvPr>
+            <p:cNvGrpSpPr/>
+            <p:nvPr>
+              <p:extLst>
+                <p:ext uri="{386F3935-93C4-4BCD-93E2-E3B085C9AB24}">
+                  <p16:designElem xmlns:p16="http://schemas.microsoft.com/office/powerpoint/2015/main" val="1"/>
+                </p:ext>
+              </p:extLst>
+            </p:nvPr>
+          </p:nvGrpSpPr>
+          <p:grpSpPr>
+            <a:xfrm>
+              <a:off x="5720702" y="2912637"/>
+              <a:ext cx="1080000" cy="1080000"/>
+              <a:chOff x="6879023" y="2912637"/>
+              <a:chExt cx="1080000" cy="1080000"/>
+            </a:xfrm>
+          </p:grpSpPr>
+          <p:grpSp>
+            <p:nvGrpSpPr>
+              <p:cNvPr id="36" name="Group 35">
+                <a:extLst>
+                  <a:ext uri="{FF2B5EF4-FFF2-40B4-BE49-F238E27FC236}">
+                    <a16:creationId xmlns:a16="http://schemas.microsoft.com/office/drawing/2014/main" id="{B74E0761-A6EC-4896-A2D4-97A0AF0AA00F}"/>
+                  </a:ext>
+                  <a:ext uri="{C183D7F6-B498-43B3-948B-1728B52AA6E4}">
+                    <adec:decorative xmlns:adec="http://schemas.microsoft.com/office/drawing/2017/decorative" val="1"/>
+                  </a:ext>
+                </a:extLst>
+              </p:cNvPr>
+              <p:cNvGrpSpPr/>
+              <p:nvPr>
+                <p:extLst>
+                  <p:ext uri="{386F3935-93C4-4BCD-93E2-E3B085C9AB24}">
+                    <p16:designElem xmlns:p16="http://schemas.microsoft.com/office/powerpoint/2015/main" val="1"/>
+                  </p:ext>
+                </p:extLst>
+              </p:nvPr>
+            </p:nvGrpSpPr>
+            <p:grpSpPr>
+              <a:xfrm rot="2700000">
+                <a:off x="7260443" y="2912637"/>
+                <a:ext cx="317159" cy="1080000"/>
+                <a:chOff x="4799744" y="2905614"/>
+                <a:chExt cx="317159" cy="1080000"/>
+              </a:xfrm>
+            </p:grpSpPr>
+            <p:sp>
+              <p:nvSpPr>
+                <p:cNvPr id="41" name="Freeform 68">
+                  <a:extLst>
+                    <a:ext uri="{FF2B5EF4-FFF2-40B4-BE49-F238E27FC236}">
+                      <a16:creationId xmlns:a16="http://schemas.microsoft.com/office/drawing/2014/main" id="{E02DDA0C-BC2F-4EA7-B34E-E0A38B82BA22}"/>
+                    </a:ext>
+                    <a:ext uri="{C183D7F6-B498-43B3-948B-1728B52AA6E4}">
+                      <adec:decorative xmlns:adec="http://schemas.microsoft.com/office/drawing/2017/decorative" val="1"/>
+                    </a:ext>
+                  </a:extLst>
+                </p:cNvPr>
+                <p:cNvSpPr>
+                  <a:spLocks/>
+                </p:cNvSpPr>
+                <p:nvPr>
+                  <p:extLst>
+                    <p:ext uri="{386F3935-93C4-4BCD-93E2-E3B085C9AB24}">
+                      <p16:designElem xmlns:p16="http://schemas.microsoft.com/office/powerpoint/2015/main" val="1"/>
+                    </p:ext>
+                  </p:extLst>
+                </p:nvPr>
+              </p:nvSpPr>
+              <p:spPr bwMode="auto">
+                <a:xfrm>
+                  <a:off x="4799744" y="2905614"/>
+                  <a:ext cx="159772" cy="710627"/>
+                </a:xfrm>
+                <a:custGeom>
+                  <a:avLst/>
+                  <a:gdLst>
+                    <a:gd name="T0" fmla="*/ 0 w 67"/>
+                    <a:gd name="T1" fmla="*/ 149 h 298"/>
+                    <a:gd name="T2" fmla="*/ 67 w 67"/>
+                    <a:gd name="T3" fmla="*/ 298 h 298"/>
+                    <a:gd name="T4" fmla="*/ 67 w 67"/>
+                    <a:gd name="T5" fmla="*/ 0 h 298"/>
+                    <a:gd name="T6" fmla="*/ 0 w 67"/>
+                    <a:gd name="T7" fmla="*/ 149 h 298"/>
+                  </a:gdLst>
+                  <a:ahLst/>
+                  <a:cxnLst>
+                    <a:cxn ang="0">
+                      <a:pos x="T0" y="T1"/>
+                    </a:cxn>
+                    <a:cxn ang="0">
+                      <a:pos x="T2" y="T3"/>
+                    </a:cxn>
+                    <a:cxn ang="0">
+                      <a:pos x="T4" y="T5"/>
+                    </a:cxn>
+                    <a:cxn ang="0">
+                      <a:pos x="T6" y="T7"/>
+                    </a:cxn>
+                  </a:cxnLst>
+                  <a:rect l="0" t="0" r="r" b="b"/>
+                  <a:pathLst>
+                    <a:path w="67" h="298">
+                      <a:moveTo>
+                        <a:pt x="0" y="149"/>
+                      </a:moveTo>
+                      <a:cubicBezTo>
+                        <a:pt x="0" y="208"/>
+                        <a:pt x="26" y="261"/>
+                        <a:pt x="67" y="298"/>
+                      </a:cubicBezTo>
+                      <a:cubicBezTo>
+                        <a:pt x="67" y="0"/>
+                        <a:pt x="67" y="0"/>
+                        <a:pt x="67" y="0"/>
+                      </a:cubicBezTo>
+                      <a:cubicBezTo>
+                        <a:pt x="26" y="36"/>
+                        <a:pt x="0" y="89"/>
+                        <a:pt x="0" y="149"/>
+                      </a:cubicBezTo>
+                      <a:close/>
+                    </a:path>
+                  </a:pathLst>
+                </a:custGeom>
+                <a:gradFill flip="none" rotWithShape="1">
+                  <a:gsLst>
+                    <a:gs pos="0">
+                      <a:srgbClr val="FFFFFF">
+                        <a:alpha val="80000"/>
+                      </a:srgbClr>
+                    </a:gs>
+                    <a:gs pos="100000">
+                      <a:srgbClr val="FFFFFF">
+                        <a:alpha val="20000"/>
+                      </a:srgbClr>
+                    </a:gs>
+                  </a:gsLst>
+                  <a:lin ang="18900000" scaled="0"/>
+                  <a:tileRect/>
+                </a:gradFill>
+                <a:ln>
+                  <a:noFill/>
+                </a:ln>
+              </p:spPr>
+              <p:txBody>
+                <a:bodyPr vert="horz" wrap="square" lIns="91440" tIns="45720" rIns="91440" bIns="45720" numCol="1" anchor="t" anchorCtr="0" compatLnSpc="1">
+                  <a:prstTxWarp prst="textNoShape">
+                    <a:avLst/>
+                  </a:prstTxWarp>
+                </a:bodyPr>
+                <a:lstStyle/>
+                <a:p>
+                  <a:endParaRPr lang="en-US"/>
+                </a:p>
+              </p:txBody>
+            </p:sp>
+            <p:sp>
+              <p:nvSpPr>
+                <p:cNvPr id="42" name="Freeform 69">
+                  <a:extLst>
+                    <a:ext uri="{FF2B5EF4-FFF2-40B4-BE49-F238E27FC236}">
+                      <a16:creationId xmlns:a16="http://schemas.microsoft.com/office/drawing/2014/main" id="{CF13B05D-4163-4B4E-A2D2-FA7ED9468237}"/>
+                    </a:ext>
+                    <a:ext uri="{C183D7F6-B498-43B3-948B-1728B52AA6E4}">
+                      <adec:decorative xmlns:adec="http://schemas.microsoft.com/office/drawing/2017/decorative" val="1"/>
+                    </a:ext>
+                  </a:extLst>
+                </p:cNvPr>
+                <p:cNvSpPr>
+                  <a:spLocks/>
+                </p:cNvSpPr>
+                <p:nvPr>
+                  <p:extLst>
+                    <p:ext uri="{386F3935-93C4-4BCD-93E2-E3B085C9AB24}">
+                      <p16:designElem xmlns:p16="http://schemas.microsoft.com/office/powerpoint/2015/main" val="1"/>
+                    </p:ext>
+                  </p:extLst>
+                </p:nvPr>
+              </p:nvSpPr>
+              <p:spPr bwMode="auto">
+                <a:xfrm>
+                  <a:off x="4959516" y="2905614"/>
+                  <a:ext cx="157387" cy="710627"/>
+                </a:xfrm>
+                <a:custGeom>
+                  <a:avLst/>
+                  <a:gdLst>
+                    <a:gd name="T0" fmla="*/ 0 w 66"/>
+                    <a:gd name="T1" fmla="*/ 0 h 298"/>
+                    <a:gd name="T2" fmla="*/ 0 w 66"/>
+                    <a:gd name="T3" fmla="*/ 298 h 298"/>
+                    <a:gd name="T4" fmla="*/ 66 w 66"/>
+                    <a:gd name="T5" fmla="*/ 149 h 298"/>
+                    <a:gd name="T6" fmla="*/ 0 w 66"/>
+                    <a:gd name="T7" fmla="*/ 0 h 298"/>
+                  </a:gdLst>
+                  <a:ahLst/>
+                  <a:cxnLst>
+                    <a:cxn ang="0">
+                      <a:pos x="T0" y="T1"/>
+                    </a:cxn>
+                    <a:cxn ang="0">
+                      <a:pos x="T2" y="T3"/>
+                    </a:cxn>
+                    <a:cxn ang="0">
+                      <a:pos x="T4" y="T5"/>
+                    </a:cxn>
+                    <a:cxn ang="0">
+                      <a:pos x="T6" y="T7"/>
+                    </a:cxn>
+                  </a:cxnLst>
+                  <a:rect l="0" t="0" r="r" b="b"/>
+                  <a:pathLst>
+                    <a:path w="66" h="298">
+                      <a:moveTo>
+                        <a:pt x="0" y="0"/>
+                      </a:moveTo>
+                      <a:cubicBezTo>
+                        <a:pt x="0" y="298"/>
+                        <a:pt x="0" y="298"/>
+                        <a:pt x="0" y="298"/>
+                      </a:cubicBezTo>
+                      <a:cubicBezTo>
+                        <a:pt x="41" y="261"/>
+                        <a:pt x="66" y="208"/>
+                        <a:pt x="66" y="149"/>
+                      </a:cubicBezTo>
+                      <a:cubicBezTo>
+                        <a:pt x="66" y="89"/>
+                        <a:pt x="41" y="36"/>
+                        <a:pt x="0" y="0"/>
+                      </a:cubicBezTo>
+                      <a:close/>
+                    </a:path>
+                  </a:pathLst>
+                </a:custGeom>
+                <a:gradFill flip="none" rotWithShape="1">
+                  <a:gsLst>
+                    <a:gs pos="0">
+                      <a:srgbClr val="FFFFFF">
+                        <a:alpha val="80000"/>
+                      </a:srgbClr>
+                    </a:gs>
+                    <a:gs pos="100000">
+                      <a:srgbClr val="FFFFFF">
+                        <a:alpha val="10000"/>
+                      </a:srgbClr>
+                    </a:gs>
+                  </a:gsLst>
+                  <a:lin ang="2700000" scaled="0"/>
+                  <a:tileRect/>
+                </a:gradFill>
+                <a:ln>
+                  <a:noFill/>
+                </a:ln>
+              </p:spPr>
+              <p:txBody>
+                <a:bodyPr vert="horz" wrap="square" lIns="91440" tIns="45720" rIns="91440" bIns="45720" numCol="1" anchor="t" anchorCtr="0" compatLnSpc="1">
+                  <a:prstTxWarp prst="textNoShape">
+                    <a:avLst/>
+                  </a:prstTxWarp>
+                </a:bodyPr>
+                <a:lstStyle/>
+                <a:p>
+                  <a:endParaRPr lang="en-US"/>
+                </a:p>
+              </p:txBody>
+            </p:sp>
+            <p:sp>
+              <p:nvSpPr>
+                <p:cNvPr id="43" name="Line 70">
+                  <a:extLst>
+                    <a:ext uri="{FF2B5EF4-FFF2-40B4-BE49-F238E27FC236}">
+                      <a16:creationId xmlns:a16="http://schemas.microsoft.com/office/drawing/2014/main" id="{6D222543-B140-45C1-A731-C56E6B3A17C5}"/>
+                    </a:ext>
+                    <a:ext uri="{C183D7F6-B498-43B3-948B-1728B52AA6E4}">
+                      <adec:decorative xmlns:adec="http://schemas.microsoft.com/office/drawing/2017/decorative" val="1"/>
+                    </a:ext>
+                  </a:extLst>
+                </p:cNvPr>
+                <p:cNvSpPr>
+                  <a:spLocks noChangeShapeType="1"/>
+                </p:cNvSpPr>
+                <p:nvPr>
+                  <p:extLst>
+                    <p:ext uri="{386F3935-93C4-4BCD-93E2-E3B085C9AB24}">
+                      <p16:designElem xmlns:p16="http://schemas.microsoft.com/office/powerpoint/2015/main" val="1"/>
+                    </p:ext>
+                  </p:extLst>
+                </p:nvPr>
+              </p:nvSpPr>
+              <p:spPr bwMode="auto">
+                <a:xfrm flipV="1">
+                  <a:off x="4959516" y="2905614"/>
+                  <a:ext cx="0" cy="1080000"/>
+                </a:xfrm>
+                <a:prstGeom prst="line">
+                  <a:avLst/>
+                </a:prstGeom>
+                <a:noFill/>
+                <a:ln w="12700" cap="flat">
+                  <a:solidFill>
+                    <a:srgbClr val="FFFFFF"/>
+                  </a:solidFill>
+                  <a:prstDash val="solid"/>
+                  <a:miter lim="800000"/>
+                  <a:headEnd/>
+                  <a:tailEnd/>
+                </a:ln>
+                <a:extLst>
+                  <a:ext uri="{909E8E84-426E-40DD-AFC4-6F175D3DCCD1}">
+                    <a14:hiddenFill xmlns:a14="http://schemas.microsoft.com/office/drawing/2010/main">
+                      <a:solidFill>
+                        <a:srgbClr val="FFFFFF"/>
+                      </a:solidFill>
+                    </a14:hiddenFill>
+                  </a:ext>
+                </a:extLst>
+              </p:spPr>
+              <p:txBody>
+                <a:bodyPr vert="horz" wrap="square" lIns="91440" tIns="45720" rIns="91440" bIns="45720" numCol="1" anchor="t" anchorCtr="0" compatLnSpc="1">
+                  <a:prstTxWarp prst="textNoShape">
+                    <a:avLst/>
+                  </a:prstTxWarp>
+                </a:bodyPr>
+                <a:lstStyle/>
+                <a:p>
+                  <a:endParaRPr lang="en-US"/>
+                </a:p>
+              </p:txBody>
+            </p:sp>
+          </p:grpSp>
+          <p:grpSp>
+            <p:nvGrpSpPr>
+              <p:cNvPr id="37" name="Group 36">
+                <a:extLst>
+                  <a:ext uri="{FF2B5EF4-FFF2-40B4-BE49-F238E27FC236}">
+                    <a16:creationId xmlns:a16="http://schemas.microsoft.com/office/drawing/2014/main" id="{21D25868-4B38-41A5-8DA7-BB01E8534246}"/>
+                  </a:ext>
+                  <a:ext uri="{C183D7F6-B498-43B3-948B-1728B52AA6E4}">
+                    <adec:decorative xmlns:adec="http://schemas.microsoft.com/office/drawing/2017/decorative" val="1"/>
+                  </a:ext>
+                </a:extLst>
+              </p:cNvPr>
+              <p:cNvGrpSpPr/>
+              <p:nvPr>
+                <p:extLst>
+                  <p:ext uri="{386F3935-93C4-4BCD-93E2-E3B085C9AB24}">
+                    <p16:designElem xmlns:p16="http://schemas.microsoft.com/office/powerpoint/2015/main" val="1"/>
+                  </p:ext>
+                </p:extLst>
+              </p:nvPr>
+            </p:nvGrpSpPr>
+            <p:grpSpPr>
+              <a:xfrm rot="18900000" flipH="1">
+                <a:off x="6916369" y="2912637"/>
+                <a:ext cx="317159" cy="1080000"/>
+                <a:chOff x="4799744" y="2905614"/>
+                <a:chExt cx="317159" cy="1080000"/>
+              </a:xfrm>
+            </p:grpSpPr>
+            <p:sp>
+              <p:nvSpPr>
+                <p:cNvPr id="38" name="Freeform 68">
+                  <a:extLst>
+                    <a:ext uri="{FF2B5EF4-FFF2-40B4-BE49-F238E27FC236}">
+                      <a16:creationId xmlns:a16="http://schemas.microsoft.com/office/drawing/2014/main" id="{9BA6FA89-CCD8-4CC0-954F-FBBFA59737E7}"/>
+                    </a:ext>
+                    <a:ext uri="{C183D7F6-B498-43B3-948B-1728B52AA6E4}">
+                      <adec:decorative xmlns:adec="http://schemas.microsoft.com/office/drawing/2017/decorative" val="1"/>
+                    </a:ext>
+                  </a:extLst>
+                </p:cNvPr>
+                <p:cNvSpPr>
+                  <a:spLocks/>
+                </p:cNvSpPr>
+                <p:nvPr>
+                  <p:extLst>
+                    <p:ext uri="{386F3935-93C4-4BCD-93E2-E3B085C9AB24}">
+                      <p16:designElem xmlns:p16="http://schemas.microsoft.com/office/powerpoint/2015/main" val="1"/>
+                    </p:ext>
+                  </p:extLst>
+                </p:nvPr>
+              </p:nvSpPr>
+              <p:spPr bwMode="auto">
+                <a:xfrm>
+                  <a:off x="4799744" y="2905614"/>
+                  <a:ext cx="159772" cy="710627"/>
+                </a:xfrm>
+                <a:custGeom>
+                  <a:avLst/>
+                  <a:gdLst>
+                    <a:gd name="T0" fmla="*/ 0 w 67"/>
+                    <a:gd name="T1" fmla="*/ 149 h 298"/>
+                    <a:gd name="T2" fmla="*/ 67 w 67"/>
+                    <a:gd name="T3" fmla="*/ 298 h 298"/>
+                    <a:gd name="T4" fmla="*/ 67 w 67"/>
+                    <a:gd name="T5" fmla="*/ 0 h 298"/>
+                    <a:gd name="T6" fmla="*/ 0 w 67"/>
+                    <a:gd name="T7" fmla="*/ 149 h 298"/>
+                  </a:gdLst>
+                  <a:ahLst/>
+                  <a:cxnLst>
+                    <a:cxn ang="0">
+                      <a:pos x="T0" y="T1"/>
+                    </a:cxn>
+                    <a:cxn ang="0">
+                      <a:pos x="T2" y="T3"/>
+                    </a:cxn>
+                    <a:cxn ang="0">
+                      <a:pos x="T4" y="T5"/>
+                    </a:cxn>
+                    <a:cxn ang="0">
+                      <a:pos x="T6" y="T7"/>
+                    </a:cxn>
+                  </a:cxnLst>
+                  <a:rect l="0" t="0" r="r" b="b"/>
+                  <a:pathLst>
+                    <a:path w="67" h="298">
+                      <a:moveTo>
+                        <a:pt x="0" y="149"/>
+                      </a:moveTo>
+                      <a:cubicBezTo>
+                        <a:pt x="0" y="208"/>
+                        <a:pt x="26" y="261"/>
+                        <a:pt x="67" y="298"/>
+                      </a:cubicBezTo>
+                      <a:cubicBezTo>
+                        <a:pt x="67" y="0"/>
+                        <a:pt x="67" y="0"/>
+                        <a:pt x="67" y="0"/>
+                      </a:cubicBezTo>
+                      <a:cubicBezTo>
+                        <a:pt x="26" y="36"/>
+                        <a:pt x="0" y="89"/>
+                        <a:pt x="0" y="149"/>
+                      </a:cubicBezTo>
+                      <a:close/>
+                    </a:path>
+                  </a:pathLst>
+                </a:custGeom>
+                <a:gradFill flip="none" rotWithShape="1">
+                  <a:gsLst>
+                    <a:gs pos="0">
+                      <a:srgbClr val="FFFFFF">
+                        <a:alpha val="80000"/>
+                      </a:srgbClr>
+                    </a:gs>
+                    <a:gs pos="100000">
+                      <a:srgbClr val="FFFFFF">
+                        <a:alpha val="20000"/>
+                      </a:srgbClr>
+                    </a:gs>
+                  </a:gsLst>
+                  <a:lin ang="18900000" scaled="0"/>
+                  <a:tileRect/>
+                </a:gradFill>
+                <a:ln>
+                  <a:noFill/>
+                </a:ln>
+              </p:spPr>
+              <p:txBody>
+                <a:bodyPr vert="horz" wrap="square" lIns="91440" tIns="45720" rIns="91440" bIns="45720" numCol="1" anchor="t" anchorCtr="0" compatLnSpc="1">
+                  <a:prstTxWarp prst="textNoShape">
+                    <a:avLst/>
+                  </a:prstTxWarp>
+                </a:bodyPr>
+                <a:lstStyle/>
+                <a:p>
+                  <a:endParaRPr lang="en-US"/>
+                </a:p>
+              </p:txBody>
+            </p:sp>
+            <p:sp>
+              <p:nvSpPr>
+                <p:cNvPr id="39" name="Freeform 69">
+                  <a:extLst>
+                    <a:ext uri="{FF2B5EF4-FFF2-40B4-BE49-F238E27FC236}">
+                      <a16:creationId xmlns:a16="http://schemas.microsoft.com/office/drawing/2014/main" id="{73005E59-2B44-4A62-A8F1-504FB170608D}"/>
+                    </a:ext>
+                    <a:ext uri="{C183D7F6-B498-43B3-948B-1728B52AA6E4}">
+                      <adec:decorative xmlns:adec="http://schemas.microsoft.com/office/drawing/2017/decorative" val="1"/>
+                    </a:ext>
+                  </a:extLst>
+                </p:cNvPr>
+                <p:cNvSpPr>
+                  <a:spLocks/>
+                </p:cNvSpPr>
+                <p:nvPr>
+                  <p:extLst>
+                    <p:ext uri="{386F3935-93C4-4BCD-93E2-E3B085C9AB24}">
+                      <p16:designElem xmlns:p16="http://schemas.microsoft.com/office/powerpoint/2015/main" val="1"/>
+                    </p:ext>
+                  </p:extLst>
+                </p:nvPr>
+              </p:nvSpPr>
+              <p:spPr bwMode="auto">
+                <a:xfrm>
+                  <a:off x="4959516" y="2905614"/>
+                  <a:ext cx="157387" cy="710627"/>
+                </a:xfrm>
+                <a:custGeom>
+                  <a:avLst/>
+                  <a:gdLst>
+                    <a:gd name="T0" fmla="*/ 0 w 66"/>
+                    <a:gd name="T1" fmla="*/ 0 h 298"/>
+                    <a:gd name="T2" fmla="*/ 0 w 66"/>
+                    <a:gd name="T3" fmla="*/ 298 h 298"/>
+                    <a:gd name="T4" fmla="*/ 66 w 66"/>
+                    <a:gd name="T5" fmla="*/ 149 h 298"/>
+                    <a:gd name="T6" fmla="*/ 0 w 66"/>
+                    <a:gd name="T7" fmla="*/ 0 h 298"/>
+                  </a:gdLst>
+                  <a:ahLst/>
+                  <a:cxnLst>
+                    <a:cxn ang="0">
+                      <a:pos x="T0" y="T1"/>
+                    </a:cxn>
+                    <a:cxn ang="0">
+                      <a:pos x="T2" y="T3"/>
+                    </a:cxn>
+                    <a:cxn ang="0">
+                      <a:pos x="T4" y="T5"/>
+                    </a:cxn>
+                    <a:cxn ang="0">
+                      <a:pos x="T6" y="T7"/>
+                    </a:cxn>
+                  </a:cxnLst>
+                  <a:rect l="0" t="0" r="r" b="b"/>
+                  <a:pathLst>
+                    <a:path w="66" h="298">
+                      <a:moveTo>
+                        <a:pt x="0" y="0"/>
+                      </a:moveTo>
+                      <a:cubicBezTo>
+                        <a:pt x="0" y="298"/>
+                        <a:pt x="0" y="298"/>
+                        <a:pt x="0" y="298"/>
+                      </a:cubicBezTo>
+                      <a:cubicBezTo>
+                        <a:pt x="41" y="261"/>
+                        <a:pt x="66" y="208"/>
+                        <a:pt x="66" y="149"/>
+                      </a:cubicBezTo>
+                      <a:cubicBezTo>
+                        <a:pt x="66" y="89"/>
+                        <a:pt x="41" y="36"/>
+                        <a:pt x="0" y="0"/>
+                      </a:cubicBezTo>
+                      <a:close/>
+                    </a:path>
+                  </a:pathLst>
+                </a:custGeom>
+                <a:gradFill flip="none" rotWithShape="1">
+                  <a:gsLst>
+                    <a:gs pos="0">
+                      <a:srgbClr val="FFFFFF">
+                        <a:alpha val="80000"/>
+                      </a:srgbClr>
+                    </a:gs>
+                    <a:gs pos="100000">
+                      <a:srgbClr val="FFFFFF">
+                        <a:alpha val="10000"/>
+                      </a:srgbClr>
+                    </a:gs>
+                  </a:gsLst>
+                  <a:lin ang="2700000" scaled="0"/>
+                  <a:tileRect/>
+                </a:gradFill>
+                <a:ln>
+                  <a:noFill/>
+                </a:ln>
+              </p:spPr>
+              <p:txBody>
+                <a:bodyPr vert="horz" wrap="square" lIns="91440" tIns="45720" rIns="91440" bIns="45720" numCol="1" anchor="t" anchorCtr="0" compatLnSpc="1">
+                  <a:prstTxWarp prst="textNoShape">
+                    <a:avLst/>
+                  </a:prstTxWarp>
+                </a:bodyPr>
+                <a:lstStyle/>
+                <a:p>
+                  <a:endParaRPr lang="en-US"/>
+                </a:p>
+              </p:txBody>
+            </p:sp>
+            <p:sp>
+              <p:nvSpPr>
+                <p:cNvPr id="40" name="Line 70">
+                  <a:extLst>
+                    <a:ext uri="{FF2B5EF4-FFF2-40B4-BE49-F238E27FC236}">
+                      <a16:creationId xmlns:a16="http://schemas.microsoft.com/office/drawing/2014/main" id="{C9AB3E16-8B92-47B2-BA2E-02935767A808}"/>
+                    </a:ext>
+                    <a:ext uri="{C183D7F6-B498-43B3-948B-1728B52AA6E4}">
+                      <adec:decorative xmlns:adec="http://schemas.microsoft.com/office/drawing/2017/decorative" val="1"/>
+                    </a:ext>
+                  </a:extLst>
+                </p:cNvPr>
+                <p:cNvSpPr>
+                  <a:spLocks noChangeShapeType="1"/>
+                </p:cNvSpPr>
+                <p:nvPr>
+                  <p:extLst>
+                    <p:ext uri="{386F3935-93C4-4BCD-93E2-E3B085C9AB24}">
+                      <p16:designElem xmlns:p16="http://schemas.microsoft.com/office/powerpoint/2015/main" val="1"/>
+                    </p:ext>
+                  </p:extLst>
+                </p:nvPr>
+              </p:nvSpPr>
+              <p:spPr bwMode="auto">
+                <a:xfrm flipV="1">
+                  <a:off x="4959516" y="2905614"/>
+                  <a:ext cx="0" cy="1080000"/>
+                </a:xfrm>
+                <a:prstGeom prst="line">
+                  <a:avLst/>
+                </a:prstGeom>
+                <a:noFill/>
+                <a:ln w="12700" cap="flat">
+                  <a:solidFill>
+                    <a:srgbClr val="FFFFFF"/>
+                  </a:solidFill>
+                  <a:prstDash val="solid"/>
+                  <a:miter lim="800000"/>
+                  <a:headEnd/>
+                  <a:tailEnd/>
+                </a:ln>
+                <a:extLst>
+                  <a:ext uri="{909E8E84-426E-40DD-AFC4-6F175D3DCCD1}">
+                    <a14:hiddenFill xmlns:a14="http://schemas.microsoft.com/office/drawing/2010/main">
+                      <a:solidFill>
+                        <a:srgbClr val="FFFFFF"/>
+                      </a:solidFill>
+                    </a14:hiddenFill>
+                  </a:ext>
+                </a:extLst>
+              </p:spPr>
+              <p:txBody>
+                <a:bodyPr vert="horz" wrap="square" lIns="91440" tIns="45720" rIns="91440" bIns="45720" numCol="1" anchor="t" anchorCtr="0" compatLnSpc="1">
+                  <a:prstTxWarp prst="textNoShape">
+                    <a:avLst/>
+                  </a:prstTxWarp>
+                </a:bodyPr>
+                <a:lstStyle/>
+                <a:p>
+                  <a:endParaRPr lang="en-US"/>
+                </a:p>
+              </p:txBody>
+            </p:sp>
+          </p:grpSp>
+        </p:grpSp>
+      </p:grpSp>
+      <p:sp>
+        <p:nvSpPr>
+          <p:cNvPr id="45" name="Rectangle 44">
+            <a:extLst>
+              <a:ext uri="{FF2B5EF4-FFF2-40B4-BE49-F238E27FC236}">
+                <a16:creationId xmlns:a16="http://schemas.microsoft.com/office/drawing/2014/main" id="{1B5DF063-A889-4037-8C0F-D6D424107150}"/>
+              </a:ext>
+              <a:ext uri="{C183D7F6-B498-43B3-948B-1728B52AA6E4}">
+                <adec:decorative xmlns:adec="http://schemas.microsoft.com/office/drawing/2017/decorative" val="1"/>
+              </a:ext>
+            </a:extLst>
+          </p:cNvPr>
+          <p:cNvSpPr>
+            <a:spLocks noGrp="1" noRot="1" noChangeAspect="1" noMove="1" noResize="1" noEditPoints="1" noAdjustHandles="1" noChangeArrowheads="1" noChangeShapeType="1" noTextEdit="1"/>
+          </p:cNvSpPr>
+          <p:nvPr>
+            <p:extLst>
+              <p:ext uri="{386F3935-93C4-4BCD-93E2-E3B085C9AB24}">
+                <p16:designElem xmlns:p16="http://schemas.microsoft.com/office/powerpoint/2015/main" val="1"/>
+              </p:ext>
+            </p:extLst>
+          </p:nvPr>
+        </p:nvSpPr>
+        <p:spPr>
+          <a:xfrm>
+            <a:off x="6096000" y="0"/>
+            <a:ext cx="6096000" cy="6858000"/>
+          </a:xfrm>
+          <a:prstGeom prst="rect">
+            <a:avLst/>
+          </a:prstGeom>
+          <a:solidFill>
+            <a:srgbClr val="FFFFFF"/>
+          </a:solidFill>
+          <a:ln w="12700" cap="flat" cmpd="sng" algn="ctr">
+            <a:noFill/>
+            <a:prstDash val="solid"/>
+            <a:miter lim="800000"/>
+          </a:ln>
+          <a:effectLst/>
+        </p:spPr>
+        <p:style>
+          <a:lnRef idx="2">
+            <a:schemeClr val="accent1">
+              <a:shade val="50000"/>
+            </a:schemeClr>
+          </a:lnRef>
+          <a:fillRef idx="1">
+            <a:schemeClr val="accent1"/>
+          </a:fillRef>
+          <a:effectRef idx="0">
+            <a:schemeClr val="accent1"/>
+          </a:effectRef>
+          <a:fontRef idx="minor">
+            <a:schemeClr val="lt1"/>
+          </a:fontRef>
+        </p:style>
+        <p:txBody>
+          <a:bodyPr rtlCol="0" anchor="ctr"/>
+          <a:lstStyle/>
+          <a:p>
+            <a:pPr algn="ctr"/>
+            <a:endParaRPr lang="en-US">
+              <a:solidFill>
+                <a:schemeClr val="bg1">
+                  <a:alpha val="20000"/>
+                </a:schemeClr>
+              </a:solidFill>
+            </a:endParaRPr>
+          </a:p>
+        </p:txBody>
+      </p:sp>
+      <p:pic>
+        <p:nvPicPr>
+          <p:cNvPr id="4" name="Picture 3">
+            <a:extLst>
+              <a:ext uri="{FF2B5EF4-FFF2-40B4-BE49-F238E27FC236}">
+                <a16:creationId xmlns:a16="http://schemas.microsoft.com/office/drawing/2014/main" id="{30F1092E-5E62-86AE-E0A5-5B526BE0A18B}"/>
+              </a:ext>
+            </a:extLst>
+          </p:cNvPr>
+          <p:cNvPicPr>
+            <a:picLocks noChangeAspect="1"/>
+          </p:cNvPicPr>
+          <p:nvPr/>
+        </p:nvPicPr>
+        <p:blipFill>
+          <a:blip r:embed="rId2"/>
+          <a:stretch>
+            <a:fillRect/>
+          </a:stretch>
+        </p:blipFill>
+        <p:spPr>
+          <a:xfrm>
+            <a:off x="6651127" y="1349318"/>
+            <a:ext cx="4999885" cy="4156709"/>
+          </a:xfrm>
+          <a:prstGeom prst="rect">
+            <a:avLst/>
+          </a:prstGeom>
+        </p:spPr>
+      </p:pic>
+    </p:spTree>
+    <p:extLst>
+      <p:ext uri="{BB962C8B-B14F-4D97-AF65-F5344CB8AC3E}">
+        <p14:creationId xmlns:p14="http://schemas.microsoft.com/office/powerpoint/2010/main" val="2686088978"/>
+      </p:ext>
+    </p:extLst>
+  </p:cSld>
+  <p:clrMapOvr>
+    <a:masterClrMapping/>
+  </p:clrMapOvr>
+</p:sld>
+</file>
+
+<file path=ppt/slides/slide11.xml><?xml version="1.0" encoding="utf-8"?>
+<p:sld xmlns:a="http://schemas.openxmlformats.org/drawingml/2006/main" xmlns:r="http://schemas.openxmlformats.org/officeDocument/2006/relationships" xmlns:p="http://schemas.openxmlformats.org/presentationml/2006/main">
+  <p:cSld>
+    <p:bg>
+      <p:bgPr>
+        <a:solidFill>
+          <a:schemeClr val="bg2"/>
+        </a:solidFill>
+        <a:effectLst/>
+      </p:bgPr>
+    </p:bg>
+    <p:spTree>
+      <p:nvGrpSpPr>
+        <p:cNvPr id="1" name=""/>
+        <p:cNvGrpSpPr/>
+        <p:nvPr/>
+      </p:nvGrpSpPr>
+      <p:grpSpPr>
+        <a:xfrm>
+          <a:off x="0" y="0"/>
+          <a:ext cx="0" cy="0"/>
+          <a:chOff x="0" y="0"/>
+          <a:chExt cx="0" cy="0"/>
+        </a:xfrm>
+      </p:grpSpPr>
+      <p:sp useBgFill="1">
+        <p:nvSpPr>
+          <p:cNvPr id="28" name="Rectangle 27">
+            <a:extLst>
+              <a:ext uri="{FF2B5EF4-FFF2-40B4-BE49-F238E27FC236}">
+                <a16:creationId xmlns:a16="http://schemas.microsoft.com/office/drawing/2014/main" id="{EEE96A74-B62B-4642-AB22-7776A5F48CE7}"/>
+              </a:ext>
+              <a:ext uri="{C183D7F6-B498-43B3-948B-1728B52AA6E4}">
+                <adec:decorative xmlns:adec="http://schemas.microsoft.com/office/drawing/2017/decorative" val="1"/>
+              </a:ext>
+            </a:extLst>
+          </p:cNvPr>
+          <p:cNvSpPr>
+            <a:spLocks noGrp="1" noRot="1" noChangeAspect="1" noMove="1" noResize="1" noEditPoints="1" noAdjustHandles="1" noChangeArrowheads="1" noChangeShapeType="1" noTextEdit="1"/>
+          </p:cNvSpPr>
+          <p:nvPr>
+            <p:extLst>
+              <p:ext uri="{386F3935-93C4-4BCD-93E2-E3B085C9AB24}">
+                <p16:designElem xmlns:p16="http://schemas.microsoft.com/office/powerpoint/2015/main" val="1"/>
+              </p:ext>
+            </p:extLst>
+          </p:nvPr>
+        </p:nvSpPr>
+        <p:spPr>
+          <a:xfrm>
+            <a:off x="0" y="0"/>
+            <a:ext cx="12192000" cy="6858000"/>
+          </a:xfrm>
+          <a:prstGeom prst="rect">
+            <a:avLst/>
+          </a:prstGeom>
+          <a:ln w="12700" cap="flat" cmpd="sng" algn="ctr">
+            <a:noFill/>
+            <a:prstDash val="solid"/>
+            <a:miter lim="800000"/>
+          </a:ln>
+          <a:effectLst/>
+          <a:extLst>
+            <a:ext uri="{91240B29-F687-4F45-9708-019B960494DF}">
+              <a14:hiddenLine xmlns:a14="http://schemas.microsoft.com/office/drawing/2010/main" w="12700" cap="flat" cmpd="sng" algn="ctr">
+                <a:solidFill>
+                  <a:schemeClr val="accent1">
+                    <a:shade val="50000"/>
+                  </a:schemeClr>
+                </a:solidFill>
+                <a:prstDash val="solid"/>
+                <a:miter lim="800000"/>
+              </a14:hiddenLine>
+            </a:ext>
+          </a:extLst>
+        </p:spPr>
+        <p:style>
+          <a:lnRef idx="2">
+            <a:schemeClr val="accent1">
+              <a:shade val="50000"/>
+            </a:schemeClr>
+          </a:lnRef>
+          <a:fillRef idx="1">
+            <a:schemeClr val="accent1"/>
+          </a:fillRef>
+          <a:effectRef idx="0">
+            <a:schemeClr val="accent1"/>
+          </a:effectRef>
+          <a:fontRef idx="minor">
+            <a:schemeClr val="lt1"/>
+          </a:fontRef>
+        </p:style>
+        <p:txBody>
+          <a:bodyPr rtlCol="0" anchor="ctr"/>
+          <a:lstStyle/>
+          <a:p>
+            <a:pPr algn="ctr"/>
+            <a:endParaRPr lang="en-US"/>
+          </a:p>
+        </p:txBody>
+      </p:sp>
+      <p:sp>
+        <p:nvSpPr>
+          <p:cNvPr id="2" name="Title 1">
+            <a:extLst>
+              <a:ext uri="{FF2B5EF4-FFF2-40B4-BE49-F238E27FC236}">
+                <a16:creationId xmlns:a16="http://schemas.microsoft.com/office/drawing/2014/main" id="{501CFCCE-658B-FEA0-2A27-FA7E9508A068}"/>
+              </a:ext>
+            </a:extLst>
+          </p:cNvPr>
+          <p:cNvSpPr>
+            <a:spLocks noGrp="1"/>
+          </p:cNvSpPr>
+          <p:nvPr>
+            <p:ph type="title"/>
+          </p:nvPr>
+        </p:nvSpPr>
+        <p:spPr>
+          <a:xfrm>
+            <a:off x="497279" y="3141129"/>
+            <a:ext cx="3461258" cy="621658"/>
+          </a:xfrm>
+        </p:spPr>
+        <p:txBody>
+          <a:bodyPr anchor="t">
+            <a:normAutofit fontScale="90000"/>
+          </a:bodyPr>
+          <a:lstStyle/>
+          <a:p>
+            <a:r>
+              <a:rPr lang="en-US"/>
+              <a:t>Technologies and Tools</a:t>
+            </a:r>
+          </a:p>
+        </p:txBody>
+      </p:sp>
+      <p:cxnSp>
+        <p:nvCxnSpPr>
+          <p:cNvPr id="30" name="Straight Connector 29">
+            <a:extLst>
+              <a:ext uri="{FF2B5EF4-FFF2-40B4-BE49-F238E27FC236}">
+                <a16:creationId xmlns:a16="http://schemas.microsoft.com/office/drawing/2014/main" id="{9B4757C4-228A-47E5-94C8-058312AB27F8}"/>
+              </a:ext>
+              <a:ext uri="{C183D7F6-B498-43B3-948B-1728B52AA6E4}">
+                <adec:decorative xmlns:adec="http://schemas.microsoft.com/office/drawing/2017/decorative" val="1"/>
+              </a:ext>
+            </a:extLst>
+          </p:cNvPr>
+          <p:cNvCxnSpPr>
+            <a:cxnSpLocks noGrp="1" noRot="1" noChangeAspect="1" noMove="1" noResize="1" noEditPoints="1" noAdjustHandles="1" noChangeArrowheads="1" noChangeShapeType="1"/>
+          </p:cNvCxnSpPr>
+          <p:nvPr>
+            <p:extLst>
+              <p:ext uri="{386F3935-93C4-4BCD-93E2-E3B085C9AB24}">
+                <p16:designElem xmlns:p16="http://schemas.microsoft.com/office/powerpoint/2015/main" val="1"/>
+              </p:ext>
+            </p:extLst>
+          </p:nvPr>
+        </p:nvCxnSpPr>
+        <p:spPr>
+          <a:xfrm>
+            <a:off x="4432300" y="540000"/>
+            <a:ext cx="0" cy="5778000"/>
+          </a:xfrm>
+          <a:prstGeom prst="line">
+            <a:avLst/>
+          </a:prstGeom>
+          <a:ln w="12700">
+            <a:solidFill>
+              <a:srgbClr val="FFFFFF"/>
+            </a:solidFill>
+          </a:ln>
+        </p:spPr>
+        <p:style>
+          <a:lnRef idx="1">
+            <a:schemeClr val="accent1"/>
+          </a:lnRef>
+          <a:fillRef idx="0">
+            <a:schemeClr val="accent1"/>
+          </a:fillRef>
+          <a:effectRef idx="0">
+            <a:schemeClr val="accent1"/>
+          </a:effectRef>
+          <a:fontRef idx="minor">
+            <a:schemeClr val="tx1"/>
+          </a:fontRef>
+        </p:style>
+      </p:cxnSp>
+      <p:graphicFrame>
+        <p:nvGraphicFramePr>
+          <p:cNvPr id="24" name="Content Placeholder 2">
+            <a:extLst>
+              <a:ext uri="{FF2B5EF4-FFF2-40B4-BE49-F238E27FC236}">
+                <a16:creationId xmlns:a16="http://schemas.microsoft.com/office/drawing/2014/main" id="{5D30EF6A-C4C9-B891-6525-581AAD02A363}"/>
+              </a:ext>
+            </a:extLst>
+          </p:cNvPr>
+          <p:cNvGraphicFramePr>
+            <a:graphicFrameLocks noGrp="1"/>
+          </p:cNvGraphicFramePr>
+          <p:nvPr>
+            <p:ph idx="1"/>
+            <p:extLst>
+              <p:ext uri="{D42A27DB-BD31-4B8C-83A1-F6EECF244321}">
+                <p14:modId xmlns:p14="http://schemas.microsoft.com/office/powerpoint/2010/main" val="3639658562"/>
+              </p:ext>
+            </p:extLst>
+          </p:nvPr>
+        </p:nvGraphicFramePr>
+        <p:xfrm>
+          <a:off x="5028050" y="565977"/>
+          <a:ext cx="6668792" cy="5778000"/>
+        </p:xfrm>
+        <a:graphic>
+          <a:graphicData uri="http://schemas.openxmlformats.org/drawingml/2006/diagram">
+            <dgm:relIds xmlns:dgm="http://schemas.openxmlformats.org/drawingml/2006/diagram" xmlns:r="http://schemas.openxmlformats.org/officeDocument/2006/relationships" r:dm="rId2" r:lo="rId3" r:qs="rId4" r:cs="rId5"/>
+          </a:graphicData>
+        </a:graphic>
+      </p:graphicFrame>
+      <p:pic>
+        <p:nvPicPr>
+          <p:cNvPr id="276" name="Picture 275" descr="Github Logo Png Transparent Github Logopng Images Pluspng">
+            <a:extLst>
+              <a:ext uri="{FF2B5EF4-FFF2-40B4-BE49-F238E27FC236}">
+                <a16:creationId xmlns:a16="http://schemas.microsoft.com/office/drawing/2014/main" id="{BAC3A068-7B51-5F36-35B5-F16B2A727B23}"/>
+              </a:ext>
+            </a:extLst>
+          </p:cNvPr>
+          <p:cNvPicPr>
+            <a:picLocks noChangeAspect="1"/>
+          </p:cNvPicPr>
+          <p:nvPr/>
+        </p:nvPicPr>
+        <p:blipFill>
+          <a:blip r:embed="rId7"/>
+          <a:stretch>
+            <a:fillRect/>
+          </a:stretch>
+        </p:blipFill>
+        <p:spPr>
+          <a:xfrm flipH="1">
+            <a:off x="10750504" y="1557803"/>
+            <a:ext cx="886900" cy="889193"/>
+          </a:xfrm>
+          <a:prstGeom prst="rect">
+            <a:avLst/>
+          </a:prstGeom>
+        </p:spPr>
+      </p:pic>
+      <p:pic>
+        <p:nvPicPr>
+          <p:cNvPr id="277" name="Picture 276" descr="A blue and yellow snake logo&#10;&#10;Description automatically generated">
+            <a:extLst>
+              <a:ext uri="{FF2B5EF4-FFF2-40B4-BE49-F238E27FC236}">
+                <a16:creationId xmlns:a16="http://schemas.microsoft.com/office/drawing/2014/main" id="{83E9E911-95C2-20D9-649F-57431A74FEC1}"/>
+              </a:ext>
+            </a:extLst>
+          </p:cNvPr>
+          <p:cNvPicPr>
+            <a:picLocks noChangeAspect="1"/>
+          </p:cNvPicPr>
+          <p:nvPr/>
+        </p:nvPicPr>
+        <p:blipFill>
+          <a:blip r:embed="rId8">
+            <a:extLst>
+              <a:ext uri="{837473B0-CC2E-450A-ABE3-18F120FF3D39}">
+                <a1611:picAttrSrcUrl xmlns:a1611="http://schemas.microsoft.com/office/drawing/2016/11/main" r:id="rId9"/>
+              </a:ext>
+            </a:extLst>
+          </a:blip>
+          <a:stretch>
+            <a:fillRect/>
+          </a:stretch>
+        </p:blipFill>
+        <p:spPr>
+          <a:xfrm>
+            <a:off x="10692922" y="2445560"/>
+            <a:ext cx="998623" cy="1010081"/>
+          </a:xfrm>
+          <a:prstGeom prst="rect">
+            <a:avLst/>
+          </a:prstGeom>
+        </p:spPr>
+      </p:pic>
+      <p:pic>
+        <p:nvPicPr>
+          <p:cNvPr id="293" name="Picture 292" descr="Streamlit Logo PNG Vectors Free Download">
+            <a:extLst>
+              <a:ext uri="{FF2B5EF4-FFF2-40B4-BE49-F238E27FC236}">
+                <a16:creationId xmlns:a16="http://schemas.microsoft.com/office/drawing/2014/main" id="{DCA93070-6B9E-3233-9BA7-EA3E3879A340}"/>
+              </a:ext>
+            </a:extLst>
+          </p:cNvPr>
+          <p:cNvPicPr>
+            <a:picLocks noChangeAspect="1"/>
+          </p:cNvPicPr>
+          <p:nvPr/>
+        </p:nvPicPr>
+        <p:blipFill>
+          <a:blip r:embed="rId10"/>
+          <a:stretch>
+            <a:fillRect/>
+          </a:stretch>
+        </p:blipFill>
+        <p:spPr>
+          <a:xfrm>
+            <a:off x="10757520" y="3683991"/>
+            <a:ext cx="926720" cy="521297"/>
+          </a:xfrm>
+          <a:prstGeom prst="rect">
+            <a:avLst/>
+          </a:prstGeom>
+        </p:spPr>
+      </p:pic>
+      <p:pic>
+        <p:nvPicPr>
+          <p:cNvPr id="294" name="Picture 293" descr="A grey cylinder with a green play button&#10;&#10;Description automatically generated">
+            <a:extLst>
+              <a:ext uri="{FF2B5EF4-FFF2-40B4-BE49-F238E27FC236}">
+                <a16:creationId xmlns:a16="http://schemas.microsoft.com/office/drawing/2014/main" id="{D3CDFBA4-B257-5511-2990-0952DDCC367E}"/>
+              </a:ext>
+            </a:extLst>
+          </p:cNvPr>
+          <p:cNvPicPr>
+            <a:picLocks noChangeAspect="1"/>
+          </p:cNvPicPr>
+          <p:nvPr/>
+        </p:nvPicPr>
+        <p:blipFill>
+          <a:blip r:embed="rId11">
+            <a:extLst>
+              <a:ext uri="{837473B0-CC2E-450A-ABE3-18F120FF3D39}">
+                <a1611:picAttrSrcUrl xmlns:a1611="http://schemas.microsoft.com/office/drawing/2016/11/main" r:id="rId12"/>
+              </a:ext>
+            </a:extLst>
+          </a:blip>
+          <a:stretch>
+            <a:fillRect/>
+          </a:stretch>
+        </p:blipFill>
+        <p:spPr>
+          <a:xfrm>
+            <a:off x="10933088" y="4473168"/>
+            <a:ext cx="758921" cy="867994"/>
+          </a:xfrm>
+          <a:prstGeom prst="rect">
+            <a:avLst/>
+          </a:prstGeom>
+        </p:spPr>
+      </p:pic>
+      <p:pic>
+        <p:nvPicPr>
+          <p:cNvPr id="297" name="Picture 296" descr="A blue logo on a black background&#10;&#10;Description automatically generated">
+            <a:extLst>
+              <a:ext uri="{FF2B5EF4-FFF2-40B4-BE49-F238E27FC236}">
+                <a16:creationId xmlns:a16="http://schemas.microsoft.com/office/drawing/2014/main" id="{3DFCF5AE-F98D-C984-FF40-E0512A151F11}"/>
+              </a:ext>
+            </a:extLst>
+          </p:cNvPr>
+          <p:cNvPicPr>
+            <a:picLocks noChangeAspect="1"/>
+          </p:cNvPicPr>
+          <p:nvPr/>
+        </p:nvPicPr>
+        <p:blipFill>
+          <a:blip r:embed="rId13">
+            <a:extLst>
+              <a:ext uri="{837473B0-CC2E-450A-ABE3-18F120FF3D39}">
+                <a1611:picAttrSrcUrl xmlns:a1611="http://schemas.microsoft.com/office/drawing/2016/11/main" r:id="rId14"/>
+              </a:ext>
+            </a:extLst>
+          </a:blip>
+          <a:stretch>
+            <a:fillRect/>
+          </a:stretch>
+        </p:blipFill>
+        <p:spPr>
+          <a:xfrm>
+            <a:off x="9911731" y="5374107"/>
+            <a:ext cx="1787549" cy="956796"/>
+          </a:xfrm>
+          <a:prstGeom prst="rect">
+            <a:avLst/>
+          </a:prstGeom>
+        </p:spPr>
+      </p:pic>
+      <p:pic>
+        <p:nvPicPr>
+          <p:cNvPr id="300" name="Picture 299" descr="A colorful square with dots&#10;&#10;Description automatically generated">
+            <a:extLst>
+              <a:ext uri="{FF2B5EF4-FFF2-40B4-BE49-F238E27FC236}">
+                <a16:creationId xmlns:a16="http://schemas.microsoft.com/office/drawing/2014/main" id="{105F9E78-064F-CA10-48DB-046FD22FBE6E}"/>
+              </a:ext>
+            </a:extLst>
+          </p:cNvPr>
+          <p:cNvPicPr>
+            <a:picLocks noChangeAspect="1"/>
+          </p:cNvPicPr>
+          <p:nvPr/>
+        </p:nvPicPr>
+        <p:blipFill>
+          <a:blip r:embed="rId15">
+            <a:extLst>
+              <a:ext uri="{837473B0-CC2E-450A-ABE3-18F120FF3D39}">
+                <a1611:picAttrSrcUrl xmlns:a1611="http://schemas.microsoft.com/office/drawing/2016/11/main" r:id="rId16"/>
+              </a:ext>
+            </a:extLst>
+          </a:blip>
+          <a:stretch>
+            <a:fillRect/>
+          </a:stretch>
+        </p:blipFill>
+        <p:spPr>
+          <a:xfrm>
+            <a:off x="10833253" y="706676"/>
+            <a:ext cx="723686" cy="717957"/>
+          </a:xfrm>
+          <a:prstGeom prst="rect">
+            <a:avLst/>
+          </a:prstGeom>
+        </p:spPr>
+      </p:pic>
+    </p:spTree>
+    <p:extLst>
+      <p:ext uri="{BB962C8B-B14F-4D97-AF65-F5344CB8AC3E}">
+        <p14:creationId xmlns:p14="http://schemas.microsoft.com/office/powerpoint/2010/main" val="1248402518"/>
+      </p:ext>
+    </p:extLst>
+  </p:cSld>
+  <p:clrMapOvr>
+    <a:masterClrMapping/>
+  </p:clrMapOvr>
+</p:sld>
+</file>
+
+<file path=ppt/slides/slide12.xml><?xml version="1.0" encoding="utf-8"?>
+<p:sld xmlns:a="http://schemas.openxmlformats.org/drawingml/2006/main" xmlns:r="http://schemas.openxmlformats.org/officeDocument/2006/relationships" xmlns:p="http://schemas.openxmlformats.org/presentationml/2006/main">
+  <p:cSld>
+    <p:bg>
+      <p:bgPr>
+        <a:solidFill>
+          <a:schemeClr val="bg2"/>
+        </a:solidFill>
+        <a:effectLst/>
+      </p:bgPr>
+    </p:bg>
+    <p:spTree>
+      <p:nvGrpSpPr>
+        <p:cNvPr id="1" name=""/>
+        <p:cNvGrpSpPr/>
+        <p:nvPr/>
+      </p:nvGrpSpPr>
+      <p:grpSpPr>
+        <a:xfrm>
+          <a:off x="0" y="0"/>
+          <a:ext cx="0" cy="0"/>
+          <a:chOff x="0" y="0"/>
+          <a:chExt cx="0" cy="0"/>
+        </a:xfrm>
+      </p:grpSpPr>
+      <p:sp useBgFill="1">
+        <p:nvSpPr>
+          <p:cNvPr id="9" name="Rectangle 8">
+            <a:extLst>
+              <a:ext uri="{FF2B5EF4-FFF2-40B4-BE49-F238E27FC236}">
+                <a16:creationId xmlns:a16="http://schemas.microsoft.com/office/drawing/2014/main" id="{C279C8A1-C4E4-4DE9-934E-91221AC99393}"/>
+              </a:ext>
+              <a:ext uri="{C183D7F6-B498-43B3-948B-1728B52AA6E4}">
+                <adec:decorative xmlns:adec="http://schemas.microsoft.com/office/drawing/2017/decorative" val="1"/>
+              </a:ext>
+            </a:extLst>
+          </p:cNvPr>
+          <p:cNvSpPr>
+            <a:spLocks noGrp="1" noRot="1" noChangeAspect="1" noMove="1" noResize="1" noEditPoints="1" noAdjustHandles="1" noChangeArrowheads="1" noChangeShapeType="1" noTextEdit="1"/>
+          </p:cNvSpPr>
+          <p:nvPr>
+            <p:extLst>
+              <p:ext uri="{386F3935-93C4-4BCD-93E2-E3B085C9AB24}">
+                <p16:designElem xmlns:p16="http://schemas.microsoft.com/office/powerpoint/2015/main" val="1"/>
+              </p:ext>
+            </p:extLst>
+          </p:nvPr>
+        </p:nvSpPr>
+        <p:spPr>
+          <a:xfrm>
+            <a:off x="0" y="0"/>
+            <a:ext cx="12192000" cy="6858000"/>
+          </a:xfrm>
+          <a:prstGeom prst="rect">
+            <a:avLst/>
+          </a:prstGeom>
+          <a:ln w="12700" cap="flat" cmpd="sng" algn="ctr">
+            <a:noFill/>
+            <a:prstDash val="solid"/>
+            <a:miter lim="800000"/>
+          </a:ln>
+          <a:effectLst/>
+          <a:extLst>
+            <a:ext uri="{91240B29-F687-4F45-9708-019B960494DF}">
+              <a14:hiddenLine xmlns:a14="http://schemas.microsoft.com/office/drawing/2010/main" w="12700" cap="flat" cmpd="sng" algn="ctr">
+                <a:solidFill>
+                  <a:schemeClr val="accent1">
+                    <a:shade val="50000"/>
+                  </a:schemeClr>
+                </a:solidFill>
+                <a:prstDash val="solid"/>
+                <a:miter lim="800000"/>
+              </a14:hiddenLine>
+            </a:ext>
+          </a:extLst>
+        </p:spPr>
+        <p:style>
+          <a:lnRef idx="2">
+            <a:schemeClr val="accent1">
+              <a:shade val="50000"/>
+            </a:schemeClr>
+          </a:lnRef>
+          <a:fillRef idx="1">
+            <a:schemeClr val="accent1"/>
+          </a:fillRef>
+          <a:effectRef idx="0">
+            <a:schemeClr val="accent1"/>
+          </a:effectRef>
+          <a:fontRef idx="minor">
+            <a:schemeClr val="lt1"/>
+          </a:fontRef>
+        </p:style>
+        <p:txBody>
+          <a:bodyPr rtlCol="0" anchor="ctr"/>
+          <a:lstStyle/>
+          <a:p>
+            <a:pPr algn="ctr"/>
+            <a:endParaRPr lang="en-US"/>
+          </a:p>
+        </p:txBody>
+      </p:sp>
+      <p:sp>
+        <p:nvSpPr>
+          <p:cNvPr id="2" name="Title 1">
+            <a:extLst>
+              <a:ext uri="{FF2B5EF4-FFF2-40B4-BE49-F238E27FC236}">
+                <a16:creationId xmlns:a16="http://schemas.microsoft.com/office/drawing/2014/main" id="{688AA689-758E-23EC-2246-F3AF762719C5}"/>
+              </a:ext>
+            </a:extLst>
+          </p:cNvPr>
+          <p:cNvSpPr>
+            <a:spLocks noGrp="1"/>
+          </p:cNvSpPr>
+          <p:nvPr>
+            <p:ph type="title"/>
+          </p:nvPr>
+        </p:nvSpPr>
+        <p:spPr>
+          <a:xfrm>
+            <a:off x="4868987" y="395288"/>
+            <a:ext cx="6317998" cy="1120439"/>
+          </a:xfrm>
+        </p:spPr>
+        <p:txBody>
+          <a:bodyPr wrap="square" anchor="b">
+            <a:normAutofit/>
+          </a:bodyPr>
+          <a:lstStyle/>
+          <a:p>
+            <a:pPr algn="ctr"/>
+            <a:r>
+              <a:rPr lang="en-US"/>
+              <a:t>Challenges and Solutions</a:t>
+            </a:r>
+          </a:p>
+        </p:txBody>
+      </p:sp>
+      <p:pic>
+        <p:nvPicPr>
+          <p:cNvPr id="5" name="Picture 4" descr="A person reaching for a paper on a table full of paper and sticky notes">
+            <a:extLst>
+              <a:ext uri="{FF2B5EF4-FFF2-40B4-BE49-F238E27FC236}">
+                <a16:creationId xmlns:a16="http://schemas.microsoft.com/office/drawing/2014/main" id="{1A6E612F-1562-C1E7-FD48-D82B5DAB49B5}"/>
+              </a:ext>
+            </a:extLst>
+          </p:cNvPr>
+          <p:cNvPicPr>
+            <a:picLocks noChangeAspect="1"/>
+          </p:cNvPicPr>
+          <p:nvPr/>
+        </p:nvPicPr>
+        <p:blipFill>
+          <a:blip r:embed="rId2"/>
+          <a:srcRect l="29810" r="32584" b="4"/>
+          <a:stretch/>
+        </p:blipFill>
+        <p:spPr>
+          <a:xfrm>
+            <a:off x="20" y="10"/>
+            <a:ext cx="3863955" cy="6857989"/>
+          </a:xfrm>
+          <a:prstGeom prst="rect">
+            <a:avLst/>
+          </a:prstGeom>
+        </p:spPr>
+      </p:pic>
+      <p:cxnSp>
+        <p:nvCxnSpPr>
+          <p:cNvPr id="11" name="Straight Connector 10">
+            <a:extLst>
+              <a:ext uri="{FF2B5EF4-FFF2-40B4-BE49-F238E27FC236}">
+                <a16:creationId xmlns:a16="http://schemas.microsoft.com/office/drawing/2014/main" id="{26C7ED5D-77C4-4564-8B1A-E55609CF44C4}"/>
+              </a:ext>
+              <a:ext uri="{C183D7F6-B498-43B3-948B-1728B52AA6E4}">
+                <adec:decorative xmlns:adec="http://schemas.microsoft.com/office/drawing/2017/decorative" val="1"/>
+              </a:ext>
+            </a:extLst>
+          </p:cNvPr>
+          <p:cNvCxnSpPr>
+            <a:cxnSpLocks noGrp="1" noRot="1" noChangeAspect="1" noMove="1" noResize="1" noEditPoints="1" noAdjustHandles="1" noChangeArrowheads="1" noChangeShapeType="1"/>
+          </p:cNvCxnSpPr>
+          <p:nvPr>
+            <p:extLst>
+              <p:ext uri="{386F3935-93C4-4BCD-93E2-E3B085C9AB24}">
+                <p16:designElem xmlns:p16="http://schemas.microsoft.com/office/powerpoint/2015/main" val="1"/>
+              </p:ext>
+            </p:extLst>
+          </p:nvPr>
+        </p:nvCxnSpPr>
+        <p:spPr>
+          <a:xfrm>
+            <a:off x="7757986" y="1964598"/>
+            <a:ext cx="540000" cy="0"/>
+          </a:xfrm>
+          <a:prstGeom prst="line">
+            <a:avLst/>
+          </a:prstGeom>
+          <a:ln w="12700">
+            <a:solidFill>
+              <a:srgbClr val="FFFFFF"/>
+            </a:solidFill>
+          </a:ln>
+        </p:spPr>
+        <p:style>
+          <a:lnRef idx="1">
+            <a:schemeClr val="accent1"/>
+          </a:lnRef>
+          <a:fillRef idx="0">
+            <a:schemeClr val="accent1"/>
+          </a:fillRef>
+          <a:effectRef idx="0">
+            <a:schemeClr val="accent1"/>
+          </a:effectRef>
+          <a:fontRef idx="minor">
+            <a:schemeClr val="tx1"/>
+          </a:fontRef>
+        </p:style>
+      </p:cxnSp>
+      <p:sp>
+        <p:nvSpPr>
+          <p:cNvPr id="3" name="Content Placeholder 2">
+            <a:extLst>
+              <a:ext uri="{FF2B5EF4-FFF2-40B4-BE49-F238E27FC236}">
+                <a16:creationId xmlns:a16="http://schemas.microsoft.com/office/drawing/2014/main" id="{0E3B00A6-51A0-5E2D-13D6-CBCD29FFDB21}"/>
+              </a:ext>
+            </a:extLst>
+          </p:cNvPr>
+          <p:cNvSpPr>
+            <a:spLocks noGrp="1"/>
+          </p:cNvSpPr>
+          <p:nvPr>
+            <p:ph idx="1"/>
+          </p:nvPr>
+        </p:nvSpPr>
+        <p:spPr>
+          <a:xfrm>
+            <a:off x="4265965" y="1539224"/>
+            <a:ext cx="7510851" cy="4710215"/>
+          </a:xfrm>
+        </p:spPr>
+        <p:txBody>
+          <a:bodyPr vert="horz" lIns="91440" tIns="45720" rIns="91440" bIns="45720" rtlCol="0" anchor="t">
+            <a:noAutofit/>
+          </a:bodyPr>
+          <a:lstStyle/>
+          <a:p>
+            <a:pPr marL="359410" indent="-359410">
+              <a:lnSpc>
+                <a:spcPct val="140000"/>
+              </a:lnSpc>
+              <a:buFont typeface="Arial" panose="05000000000000000000" pitchFamily="2" charset="2"/>
+              <a:buChar char="•"/>
+            </a:pPr>
+            <a:r>
+              <a:rPr lang="en-US" sz="1800">
+                <a:latin typeface="Avenir Next LT Pro"/>
+                <a:ea typeface="Calibri"/>
+                <a:cs typeface="Calibri"/>
+              </a:rPr>
+              <a:t>Challenges Related to the Project</a:t>
+            </a:r>
+            <a:endParaRPr lang="en-US" sz="1800">
+              <a:solidFill>
+                <a:srgbClr val="000000">
+                  <a:alpha val="60000"/>
+                </a:srgbClr>
+              </a:solidFill>
+              <a:latin typeface="Avenir Next LT Pro"/>
+              <a:ea typeface="Calibri"/>
+              <a:cs typeface="Calibri"/>
+            </a:endParaRPr>
+          </a:p>
+          <a:p>
+            <a:pPr marL="1079500" lvl="2" indent="-359410">
+              <a:lnSpc>
+                <a:spcPct val="140000"/>
+              </a:lnSpc>
+              <a:buClr>
+                <a:srgbClr val="8FA880"/>
+              </a:buClr>
+              <a:buFont typeface="Wingdings" panose="05000000000000000000" pitchFamily="2" charset="2"/>
+              <a:buChar char="§"/>
+            </a:pPr>
+            <a:r>
+              <a:rPr lang="en-US" sz="1800">
+                <a:latin typeface="Avenir Next LT Pro"/>
+                <a:ea typeface="Calibri"/>
+                <a:cs typeface="Calibri"/>
+              </a:rPr>
+              <a:t>Knowing what direction to take the platform (UI, Backend planning etc.)</a:t>
+            </a:r>
+            <a:endParaRPr lang="en-US" sz="1800" i="0">
+              <a:solidFill>
+                <a:srgbClr val="000000">
+                  <a:alpha val="60000"/>
+                </a:srgbClr>
+              </a:solidFill>
+              <a:latin typeface="Avenir Next LT Pro"/>
+              <a:ea typeface="Calibri"/>
+              <a:cs typeface="Calibri"/>
+            </a:endParaRPr>
+          </a:p>
+          <a:p>
+            <a:pPr marL="1079500" lvl="2" indent="-359410">
+              <a:lnSpc>
+                <a:spcPct val="140000"/>
+              </a:lnSpc>
+              <a:buFont typeface="Wingdings" panose="05000000000000000000" pitchFamily="2" charset="2"/>
+              <a:buChar char="§"/>
+            </a:pPr>
+            <a:r>
+              <a:rPr lang="en-US" sz="1800">
+                <a:latin typeface="Avenir Next LT Pro"/>
+                <a:ea typeface="Calibri"/>
+                <a:cs typeface="Calibri"/>
+              </a:rPr>
+              <a:t>Ensuring Security and Usability for users.</a:t>
+            </a:r>
+            <a:endParaRPr lang="en-US" sz="1800">
+              <a:solidFill>
+                <a:srgbClr val="000000">
+                  <a:alpha val="60000"/>
+                </a:srgbClr>
+              </a:solidFill>
+              <a:latin typeface="Avenir Next LT Pro"/>
+              <a:ea typeface="Calibri"/>
+              <a:cs typeface="Calibri"/>
+            </a:endParaRPr>
+          </a:p>
+          <a:p>
+            <a:pPr marL="1079500" lvl="2" indent="-359410">
+              <a:lnSpc>
+                <a:spcPct val="140000"/>
+              </a:lnSpc>
+              <a:buFont typeface="Wingdings" panose="05000000000000000000" pitchFamily="2" charset="2"/>
+              <a:buChar char="§"/>
+            </a:pPr>
+            <a:r>
+              <a:rPr lang="en-US" sz="1800">
+                <a:latin typeface="Avenir Next LT Pro"/>
+                <a:ea typeface="Calibri"/>
+                <a:cs typeface="Calibri"/>
+              </a:rPr>
+              <a:t>Knowing what tools to make this project tangible.</a:t>
+            </a:r>
+            <a:endParaRPr lang="en-US" sz="1800">
+              <a:solidFill>
+                <a:srgbClr val="000000">
+                  <a:alpha val="60000"/>
+                </a:srgbClr>
+              </a:solidFill>
+              <a:latin typeface="Avenir Next LT Pro"/>
+              <a:ea typeface="Calibri"/>
+              <a:cs typeface="Calibri"/>
+            </a:endParaRPr>
+          </a:p>
+          <a:p>
+            <a:pPr marL="359410" indent="-359410">
+              <a:lnSpc>
+                <a:spcPct val="140000"/>
+              </a:lnSpc>
+              <a:buFont typeface="Arial" panose="05000000000000000000" pitchFamily="2" charset="2"/>
+              <a:buChar char="•"/>
+            </a:pPr>
+            <a:r>
+              <a:rPr lang="en-US" sz="1800">
+                <a:latin typeface="Avenir Next LT Pro"/>
+                <a:ea typeface="Calibri"/>
+                <a:cs typeface="Calibri"/>
+              </a:rPr>
+              <a:t>Our Challenges</a:t>
+            </a:r>
+            <a:endParaRPr lang="en-US" sz="1800">
+              <a:solidFill>
+                <a:srgbClr val="000000">
+                  <a:alpha val="60000"/>
+                </a:srgbClr>
+              </a:solidFill>
+              <a:latin typeface="Avenir Next LT Pro"/>
+              <a:ea typeface="Calibri"/>
+              <a:cs typeface="Calibri"/>
+            </a:endParaRPr>
+          </a:p>
+          <a:p>
+            <a:pPr marL="1079500" lvl="2" indent="-359410">
+              <a:lnSpc>
+                <a:spcPct val="140000"/>
+              </a:lnSpc>
+              <a:buClr>
+                <a:srgbClr val="8FA880"/>
+              </a:buClr>
+              <a:buFont typeface="Wingdings" panose="05000000000000000000" pitchFamily="2" charset="2"/>
+              <a:buChar char="§"/>
+            </a:pPr>
+            <a:r>
+              <a:rPr lang="en-US" sz="1800">
+                <a:latin typeface="Avenir Next LT Pro"/>
+                <a:ea typeface="Calibri"/>
+                <a:cs typeface="Calibri"/>
+              </a:rPr>
+              <a:t>Conflicting Schedules</a:t>
+            </a:r>
+            <a:endParaRPr lang="en-US" sz="1800">
+              <a:solidFill>
+                <a:srgbClr val="000000">
+                  <a:alpha val="60000"/>
+                </a:srgbClr>
+              </a:solidFill>
+              <a:latin typeface="Avenir Next LT Pro"/>
+              <a:ea typeface="Calibri"/>
+              <a:cs typeface="Calibri"/>
+            </a:endParaRPr>
+          </a:p>
+          <a:p>
+            <a:pPr marL="1079500" lvl="2" indent="-359410">
+              <a:lnSpc>
+                <a:spcPct val="140000"/>
+              </a:lnSpc>
+              <a:buClr>
+                <a:srgbClr val="8FA880"/>
+              </a:buClr>
+              <a:buFont typeface="Wingdings" panose="05000000000000000000" pitchFamily="2" charset="2"/>
+              <a:buChar char="§"/>
+            </a:pPr>
+            <a:r>
+              <a:rPr lang="en-US" sz="1800">
+                <a:latin typeface="Avenir Next LT Pro"/>
+                <a:ea typeface="Calibri"/>
+                <a:cs typeface="Calibri"/>
+              </a:rPr>
+              <a:t>Procrastination</a:t>
+            </a:r>
+            <a:endParaRPr lang="en-US" sz="1800">
+              <a:solidFill>
+                <a:srgbClr val="000000">
+                  <a:alpha val="60000"/>
+                </a:srgbClr>
+              </a:solidFill>
+              <a:latin typeface="Avenir Next LT Pro"/>
+              <a:ea typeface="Calibri"/>
+              <a:cs typeface="Calibri"/>
+            </a:endParaRPr>
+          </a:p>
+          <a:p>
+            <a:pPr marL="1079500" lvl="2" indent="-359410">
+              <a:lnSpc>
+                <a:spcPct val="140000"/>
+              </a:lnSpc>
+              <a:buClr>
+                <a:srgbClr val="8FA880"/>
+              </a:buClr>
+              <a:buFont typeface="Wingdings" panose="05000000000000000000" pitchFamily="2" charset="2"/>
+              <a:buChar char="§"/>
+            </a:pPr>
+            <a:r>
+              <a:rPr lang="en-US" sz="1800">
+                <a:latin typeface="Avenir Next LT Pro"/>
+                <a:ea typeface="Calibri"/>
+                <a:cs typeface="Calibri"/>
+              </a:rPr>
+              <a:t>Set Deadlines</a:t>
+            </a:r>
+            <a:endParaRPr lang="en-US" sz="1800">
+              <a:solidFill>
+                <a:srgbClr val="000000">
+                  <a:alpha val="60000"/>
+                </a:srgbClr>
+              </a:solidFill>
+              <a:latin typeface="Avenir Next LT Pro"/>
+              <a:ea typeface="Calibri"/>
+              <a:cs typeface="Calibri"/>
+            </a:endParaRPr>
+          </a:p>
+        </p:txBody>
+      </p:sp>
+    </p:spTree>
+    <p:extLst>
+      <p:ext uri="{BB962C8B-B14F-4D97-AF65-F5344CB8AC3E}">
+        <p14:creationId xmlns:p14="http://schemas.microsoft.com/office/powerpoint/2010/main" val="526540932"/>
+      </p:ext>
+    </p:extLst>
+  </p:cSld>
+  <p:clrMapOvr>
+    <a:masterClrMapping/>
+  </p:clrMapOvr>
+</p:sld>
+</file>
+
+<file path=ppt/slides/slide13.xml><?xml version="1.0" encoding="utf-8"?>
+<p:sld xmlns:a="http://schemas.openxmlformats.org/drawingml/2006/main" xmlns:r="http://schemas.openxmlformats.org/officeDocument/2006/relationships" xmlns:p="http://schemas.openxmlformats.org/presentationml/2006/main">
+  <p:cSld>
+    <p:bg>
+      <p:bgPr>
+        <a:solidFill>
+          <a:schemeClr val="bg2"/>
+        </a:solidFill>
+        <a:effectLst/>
+      </p:bgPr>
+    </p:bg>
+    <p:spTree>
+      <p:nvGrpSpPr>
+        <p:cNvPr id="1" name=""/>
+        <p:cNvGrpSpPr/>
+        <p:nvPr/>
+      </p:nvGrpSpPr>
+      <p:grpSpPr>
+        <a:xfrm>
+          <a:off x="0" y="0"/>
+          <a:ext cx="0" cy="0"/>
+          <a:chOff x="0" y="0"/>
+          <a:chExt cx="0" cy="0"/>
+        </a:xfrm>
+      </p:grpSpPr>
+      <p:sp useBgFill="1">
+        <p:nvSpPr>
+          <p:cNvPr id="16" name="Rectangle 15">
+            <a:extLst>
+              <a:ext uri="{FF2B5EF4-FFF2-40B4-BE49-F238E27FC236}">
+                <a16:creationId xmlns:a16="http://schemas.microsoft.com/office/drawing/2014/main" id="{DB66C9CD-6BF4-44CA-8078-0BB819080761}"/>
+              </a:ext>
+              <a:ext uri="{C183D7F6-B498-43B3-948B-1728B52AA6E4}">
+                <adec:decorative xmlns:adec="http://schemas.microsoft.com/office/drawing/2017/decorative" val="1"/>
+              </a:ext>
+            </a:extLst>
+          </p:cNvPr>
+          <p:cNvSpPr>
+            <a:spLocks noGrp="1" noRot="1" noChangeAspect="1" noMove="1" noResize="1" noEditPoints="1" noAdjustHandles="1" noChangeArrowheads="1" noChangeShapeType="1" noTextEdit="1"/>
+          </p:cNvSpPr>
+          <p:nvPr>
+            <p:extLst>
+              <p:ext uri="{386F3935-93C4-4BCD-93E2-E3B085C9AB24}">
+                <p16:designElem xmlns:p16="http://schemas.microsoft.com/office/powerpoint/2015/main" val="1"/>
+              </p:ext>
+            </p:extLst>
+          </p:nvPr>
+        </p:nvSpPr>
+        <p:spPr>
+          <a:xfrm>
+            <a:off x="0" y="0"/>
+            <a:ext cx="12192000" cy="6858000"/>
+          </a:xfrm>
+          <a:prstGeom prst="rect">
+            <a:avLst/>
+          </a:prstGeom>
+          <a:ln w="12700" cap="flat" cmpd="sng" algn="ctr">
+            <a:noFill/>
+            <a:prstDash val="solid"/>
+            <a:miter lim="800000"/>
+          </a:ln>
+          <a:effectLst/>
+          <a:extLst>
+            <a:ext uri="{91240B29-F687-4F45-9708-019B960494DF}">
+              <a14:hiddenLine xmlns:a14="http://schemas.microsoft.com/office/drawing/2010/main" w="12700" cap="flat" cmpd="sng" algn="ctr">
+                <a:solidFill>
+                  <a:schemeClr val="accent1">
+                    <a:shade val="50000"/>
+                  </a:schemeClr>
+                </a:solidFill>
+                <a:prstDash val="solid"/>
+                <a:miter lim="800000"/>
+              </a14:hiddenLine>
+            </a:ext>
+          </a:extLst>
+        </p:spPr>
+        <p:style>
+          <a:lnRef idx="2">
+            <a:schemeClr val="accent1">
+              <a:shade val="50000"/>
+            </a:schemeClr>
+          </a:lnRef>
+          <a:fillRef idx="1">
+            <a:schemeClr val="accent1"/>
+          </a:fillRef>
+          <a:effectRef idx="0">
+            <a:schemeClr val="accent1"/>
+          </a:effectRef>
+          <a:fontRef idx="minor">
+            <a:schemeClr val="lt1"/>
+          </a:fontRef>
+        </p:style>
+        <p:txBody>
+          <a:bodyPr rtlCol="0" anchor="ctr"/>
+          <a:lstStyle/>
+          <a:p>
+            <a:pPr algn="ctr"/>
+            <a:endParaRPr lang="en-US"/>
+          </a:p>
+        </p:txBody>
+      </p:sp>
+      <p:sp>
+        <p:nvSpPr>
+          <p:cNvPr id="2" name="Title 1">
+            <a:extLst>
+              <a:ext uri="{FF2B5EF4-FFF2-40B4-BE49-F238E27FC236}">
+                <a16:creationId xmlns:a16="http://schemas.microsoft.com/office/drawing/2014/main" id="{61489214-3ED7-3853-2841-73BFB2A32C08}"/>
+              </a:ext>
+            </a:extLst>
+          </p:cNvPr>
+          <p:cNvSpPr>
+            <a:spLocks noGrp="1"/>
+          </p:cNvSpPr>
+          <p:nvPr>
+            <p:ph type="title"/>
+          </p:nvPr>
+        </p:nvSpPr>
+        <p:spPr>
+          <a:xfrm>
+            <a:off x="989999" y="395288"/>
+            <a:ext cx="6317998" cy="1120439"/>
+          </a:xfrm>
+        </p:spPr>
+        <p:txBody>
+          <a:bodyPr wrap="square" anchor="b">
+            <a:normAutofit/>
+          </a:bodyPr>
+          <a:lstStyle/>
+          <a:p>
+            <a:pPr algn="ctr"/>
+            <a:r>
+              <a:rPr lang="en-US"/>
+              <a:t>Conclusion</a:t>
+            </a:r>
+          </a:p>
+        </p:txBody>
+      </p:sp>
+      <p:cxnSp>
+        <p:nvCxnSpPr>
+          <p:cNvPr id="18" name="Straight Connector 17">
+            <a:extLst>
+              <a:ext uri="{FF2B5EF4-FFF2-40B4-BE49-F238E27FC236}">
+                <a16:creationId xmlns:a16="http://schemas.microsoft.com/office/drawing/2014/main" id="{16C132CB-661F-4A80-B2A5-D78FF18C0CDF}"/>
+              </a:ext>
+              <a:ext uri="{C183D7F6-B498-43B3-948B-1728B52AA6E4}">
+                <adec:decorative xmlns:adec="http://schemas.microsoft.com/office/drawing/2017/decorative" val="1"/>
+              </a:ext>
+            </a:extLst>
+          </p:cNvPr>
+          <p:cNvCxnSpPr>
+            <a:cxnSpLocks noGrp="1" noRot="1" noChangeAspect="1" noMove="1" noResize="1" noEditPoints="1" noAdjustHandles="1" noChangeArrowheads="1" noChangeShapeType="1"/>
+          </p:cNvCxnSpPr>
+          <p:nvPr>
+            <p:extLst>
+              <p:ext uri="{386F3935-93C4-4BCD-93E2-E3B085C9AB24}">
+                <p16:designElem xmlns:p16="http://schemas.microsoft.com/office/powerpoint/2015/main" val="1"/>
+              </p:ext>
+            </p:extLst>
+          </p:nvPr>
+        </p:nvCxnSpPr>
+        <p:spPr>
+          <a:xfrm>
+            <a:off x="3878998" y="1964598"/>
+            <a:ext cx="540000" cy="0"/>
+          </a:xfrm>
+          <a:prstGeom prst="line">
+            <a:avLst/>
+          </a:prstGeom>
+          <a:ln w="12700">
+            <a:solidFill>
+              <a:srgbClr val="FFFFFF"/>
+            </a:solidFill>
+          </a:ln>
+        </p:spPr>
+        <p:style>
+          <a:lnRef idx="1">
+            <a:schemeClr val="accent1"/>
+          </a:lnRef>
+          <a:fillRef idx="0">
+            <a:schemeClr val="accent1"/>
+          </a:fillRef>
+          <a:effectRef idx="0">
+            <a:schemeClr val="accent1"/>
+          </a:effectRef>
+          <a:fontRef idx="minor">
+            <a:schemeClr val="tx1"/>
+          </a:fontRef>
+        </p:style>
+      </p:cxnSp>
+      <p:sp>
+        <p:nvSpPr>
+          <p:cNvPr id="3" name="Content Placeholder 2">
+            <a:extLst>
+              <a:ext uri="{FF2B5EF4-FFF2-40B4-BE49-F238E27FC236}">
+                <a16:creationId xmlns:a16="http://schemas.microsoft.com/office/drawing/2014/main" id="{B228E446-2449-A711-7F9C-12ED5BEE83FD}"/>
+              </a:ext>
+            </a:extLst>
+          </p:cNvPr>
+          <p:cNvSpPr>
+            <a:spLocks noGrp="1"/>
+          </p:cNvSpPr>
+          <p:nvPr>
+            <p:ph idx="1"/>
+          </p:nvPr>
+        </p:nvSpPr>
+        <p:spPr>
+          <a:xfrm>
+            <a:off x="989998" y="2413468"/>
+            <a:ext cx="6318000" cy="3365032"/>
+          </a:xfrm>
+        </p:spPr>
+        <p:txBody>
+          <a:bodyPr vert="horz" lIns="91440" tIns="45720" rIns="91440" bIns="45720" rtlCol="0">
+            <a:normAutofit/>
+          </a:bodyPr>
+          <a:lstStyle/>
+          <a:p>
+            <a:pPr>
+              <a:lnSpc>
+                <a:spcPct val="140000"/>
+              </a:lnSpc>
+            </a:pPr>
+            <a:r>
+              <a:rPr lang="en-US" sz="1100"/>
+              <a:t>The </a:t>
+            </a:r>
+            <a:r>
+              <a:rPr lang="en-US" sz="1100" err="1"/>
+              <a:t>WealthWise</a:t>
+            </a:r>
+            <a:r>
+              <a:rPr lang="en-US" sz="1100"/>
+              <a:t> Financial Advising System is a robust, user-centric platform designed to tackle the challenges of financial management, accessibility, and personalization. By integrating secure systems, intuitive interfaces, and comprehensive tools, our solution aims to simplify financial decision-making for users of all levels.</a:t>
+            </a:r>
+          </a:p>
+          <a:p>
+            <a:pPr>
+              <a:lnSpc>
+                <a:spcPct val="140000"/>
+              </a:lnSpc>
+            </a:pPr>
+            <a:r>
+              <a:rPr lang="en-US" sz="1100"/>
+              <a:t>The design emphasizes scalability, data security, and seamless user experience, ensuring the platform is adaptable to evolving needs. With a focus on innovation and inclusivity, </a:t>
+            </a:r>
+            <a:r>
+              <a:rPr lang="en-US" sz="1100" err="1"/>
+              <a:t>WealthWise</a:t>
+            </a:r>
+            <a:r>
+              <a:rPr lang="en-US" sz="1100"/>
+              <a:t> sets a strong foundation for transforming financial advising into a more accessible, efficient, and engaging process.</a:t>
+            </a:r>
+          </a:p>
+          <a:p>
+            <a:pPr>
+              <a:lnSpc>
+                <a:spcPct val="140000"/>
+              </a:lnSpc>
+            </a:pPr>
+            <a:r>
+              <a:rPr lang="en-US" sz="1100" b="1"/>
+              <a:t>Thank you for your time and attention!</a:t>
+            </a:r>
+            <a:endParaRPr lang="en-US" sz="1100"/>
+          </a:p>
+        </p:txBody>
+      </p:sp>
+      <p:pic>
+        <p:nvPicPr>
+          <p:cNvPr id="5" name="Picture 4">
+            <a:extLst>
+              <a:ext uri="{FF2B5EF4-FFF2-40B4-BE49-F238E27FC236}">
+                <a16:creationId xmlns:a16="http://schemas.microsoft.com/office/drawing/2014/main" id="{8FDF075F-F56A-2484-ED08-CECC68484CAE}"/>
+              </a:ext>
+            </a:extLst>
+          </p:cNvPr>
+          <p:cNvPicPr>
+            <a:picLocks noChangeAspect="1"/>
+          </p:cNvPicPr>
+          <p:nvPr/>
+        </p:nvPicPr>
+        <p:blipFill>
+          <a:blip r:embed="rId2"/>
+          <a:srcRect l="17858" r="4018"/>
+          <a:stretch/>
+        </p:blipFill>
+        <p:spPr>
+          <a:xfrm>
+            <a:off x="8321011" y="10"/>
+            <a:ext cx="3870989" cy="6857990"/>
+          </a:xfrm>
+          <a:prstGeom prst="rect">
+            <a:avLst/>
+          </a:prstGeom>
+        </p:spPr>
+      </p:pic>
+    </p:spTree>
+    <p:extLst>
+      <p:ext uri="{BB962C8B-B14F-4D97-AF65-F5344CB8AC3E}">
+        <p14:creationId xmlns:p14="http://schemas.microsoft.com/office/powerpoint/2010/main" val="1709447306"/>
+      </p:ext>
+    </p:extLst>
+  </p:cSld>
+  <p:clrMapOvr>
+    <a:masterClrMapping/>
+  </p:clrMapOvr>
+</p:sld>
+</file>
+
 <file path=ppt/slides/slide2.xml><?xml version="1.0" encoding="utf-8"?>
 <p:sld xmlns:a="http://schemas.openxmlformats.org/drawingml/2006/main" xmlns:r="http://schemas.openxmlformats.org/officeDocument/2006/relationships" xmlns:p="http://schemas.openxmlformats.org/presentationml/2006/main">
   <p:cSld>
@@ -20991,7 +27130,7 @@
         </p:spPr>
         <p:txBody>
           <a:bodyPr vert="horz" lIns="91440" tIns="45720" rIns="91440" bIns="45720" rtlCol="0" anchor="t">
-            <a:normAutofit/>
+            <a:normAutofit fontScale="85000" lnSpcReduction="10000"/>
           </a:bodyPr>
           <a:lstStyle/>
           <a:p>
@@ -21002,7 +27141,7 @@
               <a:buNone/>
             </a:pPr>
             <a:r>
-              <a:rPr lang="en-US" sz="1900" err="1">
+              <a:rPr lang="en-US" sz="1900" dirty="0" err="1">
                 <a:latin typeface="Calibri"/>
                 <a:ea typeface="Calibri"/>
                 <a:cs typeface="Calibri"/>
@@ -21010,114 +27149,92 @@
               <a:t>WealthWise</a:t>
             </a:r>
             <a:r>
-              <a:rPr lang="en-US" sz="1900">
+              <a:rPr lang="en-US" sz="1900" dirty="0">
                 <a:latin typeface="Calibri"/>
                 <a:ea typeface="Calibri"/>
                 <a:cs typeface="Calibri"/>
               </a:rPr>
-              <a:t> Financial Advising is a digital platform designed to help individuals make informed financial decisions through:</a:t>
+              <a:t> Financial Advising is a digital platform designed to be the all-in-one financial advising platform with all resources able to be accessed from one central site. The platform will:</a:t>
             </a:r>
-            <a:endParaRPr lang="en-US" sz="1900">
-              <a:solidFill>
-                <a:srgbClr val="000000">
-                  <a:alpha val="60000"/>
-                </a:srgbClr>
-              </a:solidFill>
-              <a:latin typeface="Calibri"/>
-              <a:ea typeface="Calibri"/>
-              <a:cs typeface="Calibri"/>
-            </a:endParaRPr>
           </a:p>
           <a:p>
-            <a:pPr marL="0" indent="0">
+            <a:pPr>
               <a:lnSpc>
                 <a:spcPct val="140000"/>
               </a:lnSpc>
-              <a:buNone/>
             </a:pPr>
             <a:r>
-              <a:rPr lang="en-US" sz="1900" i="1">
-                <a:latin typeface="Calibri"/>
-                <a:ea typeface="Calibri"/>
-                <a:cs typeface="Arial"/>
-              </a:rPr>
-              <a:t>  •</a:t>
-            </a:r>
-            <a:r>
-              <a:rPr lang="en-US" sz="1900" i="0">
+              <a:rPr lang="en-US" sz="1900" dirty="0">
+                <a:solidFill>
+                  <a:srgbClr val="000000">
+                    <a:alpha val="60000"/>
+                  </a:srgbClr>
+                </a:solidFill>
                 <a:latin typeface="Calibri"/>
                 <a:ea typeface="Calibri"/>
                 <a:cs typeface="Calibri"/>
               </a:rPr>
-              <a:t>Personalized advisory services</a:t>
+              <a:t>Provide access to certified financial advisors</a:t>
             </a:r>
-            <a:endParaRPr lang="en-US" sz="1900" i="0">
-              <a:solidFill>
-                <a:srgbClr val="000000">
-                  <a:alpha val="60000"/>
-                </a:srgbClr>
-              </a:solidFill>
-              <a:latin typeface="Calibri"/>
-              <a:ea typeface="Calibri"/>
-              <a:cs typeface="Calibri"/>
-            </a:endParaRPr>
           </a:p>
           <a:p>
-            <a:pPr marL="0" indent="0">
+            <a:pPr>
               <a:lnSpc>
                 <a:spcPct val="140000"/>
               </a:lnSpc>
-              <a:buNone/>
             </a:pPr>
             <a:r>
-              <a:rPr lang="en-US" sz="1900">
-                <a:latin typeface="Calibri"/>
-                <a:ea typeface="Calibri"/>
-                <a:cs typeface="Arial"/>
-              </a:rPr>
-              <a:t>  •</a:t>
-            </a:r>
-            <a:r>
-              <a:rPr lang="en-US" sz="1900">
+              <a:rPr lang="en-US" sz="1900" dirty="0">
+                <a:solidFill>
+                  <a:srgbClr val="000000">
+                    <a:alpha val="60000"/>
+                  </a:srgbClr>
+                </a:solidFill>
                 <a:latin typeface="Calibri"/>
                 <a:ea typeface="Calibri"/>
                 <a:cs typeface="Calibri"/>
               </a:rPr>
-              <a:t>Financial management tools</a:t>
+              <a:t>Offer a range of financial tools</a:t>
             </a:r>
-            <a:endParaRPr lang="en-US" sz="1900">
-              <a:solidFill>
-                <a:srgbClr val="000000">
-                  <a:alpha val="60000"/>
-                </a:srgbClr>
-              </a:solidFill>
-              <a:latin typeface="Calibri"/>
-              <a:ea typeface="Calibri"/>
-              <a:cs typeface="Calibri"/>
-            </a:endParaRPr>
           </a:p>
           <a:p>
-            <a:pPr marL="0" indent="0">
+            <a:pPr>
               <a:lnSpc>
                 <a:spcPct val="140000"/>
               </a:lnSpc>
-              <a:buNone/>
             </a:pPr>
             <a:r>
-              <a:rPr lang="en-US" sz="1900">
-                <a:latin typeface="Calibri"/>
-                <a:ea typeface="Calibri"/>
-                <a:cs typeface="Arial"/>
-              </a:rPr>
-              <a:t>  •</a:t>
-            </a:r>
-            <a:r>
-              <a:rPr lang="en-US" sz="1900">
+              <a:rPr lang="en-US" sz="1900" dirty="0">
+                <a:solidFill>
+                  <a:srgbClr val="000000">
+                    <a:alpha val="60000"/>
+                  </a:srgbClr>
+                </a:solidFill>
                 <a:latin typeface="Calibri"/>
                 <a:ea typeface="Calibri"/>
                 <a:cs typeface="Calibri"/>
               </a:rPr>
-              <a:t>Access to financial education resources and market    insights.</a:t>
+              <a:t>Offer users access to the latest market news</a:t>
+            </a:r>
+          </a:p>
+          <a:p>
+            <a:pPr>
+              <a:lnSpc>
+                <a:spcPct val="140000"/>
+              </a:lnSpc>
+            </a:pPr>
+            <a:r>
+              <a:rPr lang="en-US" sz="1900" dirty="0">
+                <a:solidFill>
+                  <a:srgbClr val="000000">
+                    <a:alpha val="60000"/>
+                  </a:srgbClr>
+                </a:solidFill>
+                <a:latin typeface="Calibri"/>
+                <a:ea typeface="Calibri"/>
+                <a:cs typeface="Calibri"/>
+              </a:rPr>
+              <a:t>Allow the user to manage personal wealth and investments efficiently</a:t>
             </a:r>
           </a:p>
         </p:txBody>
@@ -21266,8 +27383,8 @@
           <a:p>
             <a:pPr algn="ctr"/>
             <a:r>
-              <a:rPr lang="en-US" sz="4800"/>
-              <a:t>Major Problems</a:t>
+              <a:rPr lang="en-US" sz="4800" dirty="0"/>
+              <a:t>Problems With Current Systems</a:t>
             </a:r>
           </a:p>
         </p:txBody>
@@ -21340,7 +27457,7 @@
             <p:ph idx="1"/>
             <p:extLst>
               <p:ext uri="{D42A27DB-BD31-4B8C-83A1-F6EECF244321}">
-                <p14:modId xmlns:p14="http://schemas.microsoft.com/office/powerpoint/2010/main" val="189830536"/>
+                <p14:modId xmlns:p14="http://schemas.microsoft.com/office/powerpoint/2010/main" val="3557568247"/>
               </p:ext>
             </p:extLst>
           </p:nvPr>
@@ -21573,7 +27690,7 @@
             <p:ph idx="1"/>
             <p:extLst>
               <p:ext uri="{D42A27DB-BD31-4B8C-83A1-F6EECF244321}">
-                <p14:modId xmlns:p14="http://schemas.microsoft.com/office/powerpoint/2010/main" val="1332661793"/>
+                <p14:modId xmlns:p14="http://schemas.microsoft.com/office/powerpoint/2010/main" val="844526403"/>
               </p:ext>
             </p:extLst>
           </p:nvPr>
@@ -21602,6 +27719,410 @@
 </file>
 
 <file path=ppt/slides/slide5.xml><?xml version="1.0" encoding="utf-8"?>
+<p:sld xmlns:a="http://schemas.openxmlformats.org/drawingml/2006/main" xmlns:r="http://schemas.openxmlformats.org/officeDocument/2006/relationships" xmlns:p="http://schemas.openxmlformats.org/presentationml/2006/main">
+  <p:cSld>
+    <p:spTree>
+      <p:nvGrpSpPr>
+        <p:cNvPr id="1" name=""/>
+        <p:cNvGrpSpPr/>
+        <p:nvPr/>
+      </p:nvGrpSpPr>
+      <p:grpSpPr>
+        <a:xfrm>
+          <a:off x="0" y="0"/>
+          <a:ext cx="0" cy="0"/>
+          <a:chOff x="0" y="0"/>
+          <a:chExt cx="0" cy="0"/>
+        </a:xfrm>
+      </p:grpSpPr>
+      <p:graphicFrame>
+        <p:nvGraphicFramePr>
+          <p:cNvPr id="8" name="Diagram 7">
+            <a:extLst>
+              <a:ext uri="{FF2B5EF4-FFF2-40B4-BE49-F238E27FC236}">
+                <a16:creationId xmlns:a16="http://schemas.microsoft.com/office/drawing/2014/main" id="{8B7E518B-A1DA-3545-F3F0-6AA3F21FA321}"/>
+              </a:ext>
+            </a:extLst>
+          </p:cNvPr>
+          <p:cNvGraphicFramePr/>
+          <p:nvPr>
+            <p:extLst>
+              <p:ext uri="{D42A27DB-BD31-4B8C-83A1-F6EECF244321}">
+                <p14:modId xmlns:p14="http://schemas.microsoft.com/office/powerpoint/2010/main" val="184959494"/>
+              </p:ext>
+            </p:extLst>
+          </p:nvPr>
+        </p:nvGraphicFramePr>
+        <p:xfrm>
+          <a:off x="216816" y="719666"/>
+          <a:ext cx="11840066" cy="5388903"/>
+        </p:xfrm>
+        <a:graphic>
+          <a:graphicData uri="http://schemas.openxmlformats.org/drawingml/2006/diagram">
+            <dgm:relIds xmlns:dgm="http://schemas.openxmlformats.org/drawingml/2006/diagram" xmlns:r="http://schemas.openxmlformats.org/officeDocument/2006/relationships" r:dm="rId2" r:lo="rId3" r:qs="rId4" r:cs="rId5"/>
+          </a:graphicData>
+        </a:graphic>
+      </p:graphicFrame>
+    </p:spTree>
+    <p:extLst>
+      <p:ext uri="{BB962C8B-B14F-4D97-AF65-F5344CB8AC3E}">
+        <p14:creationId xmlns:p14="http://schemas.microsoft.com/office/powerpoint/2010/main" val="122081424"/>
+      </p:ext>
+    </p:extLst>
+  </p:cSld>
+  <p:clrMapOvr>
+    <a:masterClrMapping/>
+  </p:clrMapOvr>
+</p:sld>
+</file>
+
+<file path=ppt/slides/slide6.xml><?xml version="1.0" encoding="utf-8"?>
+<p:sld xmlns:a="http://schemas.openxmlformats.org/drawingml/2006/main" xmlns:r="http://schemas.openxmlformats.org/officeDocument/2006/relationships" xmlns:p="http://schemas.openxmlformats.org/presentationml/2006/main">
+  <p:cSld>
+    <p:bg>
+      <p:bgPr>
+        <a:solidFill>
+          <a:schemeClr val="bg2"/>
+        </a:solidFill>
+        <a:effectLst/>
+      </p:bgPr>
+    </p:bg>
+    <p:spTree>
+      <p:nvGrpSpPr>
+        <p:cNvPr id="1" name=""/>
+        <p:cNvGrpSpPr/>
+        <p:nvPr/>
+      </p:nvGrpSpPr>
+      <p:grpSpPr>
+        <a:xfrm>
+          <a:off x="0" y="0"/>
+          <a:ext cx="0" cy="0"/>
+          <a:chOff x="0" y="0"/>
+          <a:chExt cx="0" cy="0"/>
+        </a:xfrm>
+      </p:grpSpPr>
+      <p:sp useBgFill="1">
+        <p:nvSpPr>
+          <p:cNvPr id="12" name="Rectangle 11">
+            <a:extLst>
+              <a:ext uri="{FF2B5EF4-FFF2-40B4-BE49-F238E27FC236}">
+                <a16:creationId xmlns:a16="http://schemas.microsoft.com/office/drawing/2014/main" id="{DB66C9CD-6BF4-44CA-8078-0BB819080761}"/>
+              </a:ext>
+              <a:ext uri="{C183D7F6-B498-43B3-948B-1728B52AA6E4}">
+                <adec:decorative xmlns:adec="http://schemas.microsoft.com/office/drawing/2017/decorative" val="1"/>
+              </a:ext>
+            </a:extLst>
+          </p:cNvPr>
+          <p:cNvSpPr>
+            <a:spLocks noGrp="1" noRot="1" noChangeAspect="1" noMove="1" noResize="1" noEditPoints="1" noAdjustHandles="1" noChangeArrowheads="1" noChangeShapeType="1" noTextEdit="1"/>
+          </p:cNvSpPr>
+          <p:nvPr>
+            <p:extLst>
+              <p:ext uri="{386F3935-93C4-4BCD-93E2-E3B085C9AB24}">
+                <p16:designElem xmlns:p16="http://schemas.microsoft.com/office/powerpoint/2015/main" val="1"/>
+              </p:ext>
+            </p:extLst>
+          </p:nvPr>
+        </p:nvSpPr>
+        <p:spPr>
+          <a:xfrm>
+            <a:off x="0" y="0"/>
+            <a:ext cx="12192000" cy="6858000"/>
+          </a:xfrm>
+          <a:prstGeom prst="rect">
+            <a:avLst/>
+          </a:prstGeom>
+          <a:ln w="12700" cap="flat" cmpd="sng" algn="ctr">
+            <a:noFill/>
+            <a:prstDash val="solid"/>
+            <a:miter lim="800000"/>
+          </a:ln>
+          <a:effectLst/>
+          <a:extLst>
+            <a:ext uri="{91240B29-F687-4F45-9708-019B960494DF}">
+              <a14:hiddenLine xmlns:a14="http://schemas.microsoft.com/office/drawing/2010/main" w="12700" cap="flat" cmpd="sng" algn="ctr">
+                <a:solidFill>
+                  <a:schemeClr val="accent1">
+                    <a:shade val="50000"/>
+                  </a:schemeClr>
+                </a:solidFill>
+                <a:prstDash val="solid"/>
+                <a:miter lim="800000"/>
+              </a14:hiddenLine>
+            </a:ext>
+          </a:extLst>
+        </p:spPr>
+        <p:style>
+          <a:lnRef idx="2">
+            <a:schemeClr val="accent1">
+              <a:shade val="50000"/>
+            </a:schemeClr>
+          </a:lnRef>
+          <a:fillRef idx="1">
+            <a:schemeClr val="accent1"/>
+          </a:fillRef>
+          <a:effectRef idx="0">
+            <a:schemeClr val="accent1"/>
+          </a:effectRef>
+          <a:fontRef idx="minor">
+            <a:schemeClr val="lt1"/>
+          </a:fontRef>
+        </p:style>
+        <p:txBody>
+          <a:bodyPr rtlCol="0" anchor="ctr"/>
+          <a:lstStyle/>
+          <a:p>
+            <a:pPr algn="ctr"/>
+            <a:endParaRPr lang="en-US"/>
+          </a:p>
+        </p:txBody>
+      </p:sp>
+      <p:sp>
+        <p:nvSpPr>
+          <p:cNvPr id="2" name="Title 1">
+            <a:extLst>
+              <a:ext uri="{FF2B5EF4-FFF2-40B4-BE49-F238E27FC236}">
+                <a16:creationId xmlns:a16="http://schemas.microsoft.com/office/drawing/2014/main" id="{9E7A384D-094B-5713-FB40-A86426914576}"/>
+              </a:ext>
+            </a:extLst>
+          </p:cNvPr>
+          <p:cNvSpPr>
+            <a:spLocks noGrp="1"/>
+          </p:cNvSpPr>
+          <p:nvPr>
+            <p:ph type="title"/>
+          </p:nvPr>
+        </p:nvSpPr>
+        <p:spPr>
+          <a:xfrm>
+            <a:off x="990000" y="536575"/>
+            <a:ext cx="4078800" cy="1453003"/>
+          </a:xfrm>
+        </p:spPr>
+        <p:txBody>
+          <a:bodyPr wrap="square" anchor="b">
+            <a:normAutofit/>
+          </a:bodyPr>
+          <a:lstStyle/>
+          <a:p>
+            <a:pPr algn="ctr"/>
+            <a:r>
+              <a:rPr lang="en-US" dirty="0"/>
+              <a:t>User Hierarchy of Roles</a:t>
+            </a:r>
+            <a:endParaRPr lang="en-US"/>
+          </a:p>
+        </p:txBody>
+      </p:sp>
+      <p:cxnSp>
+        <p:nvCxnSpPr>
+          <p:cNvPr id="14" name="Straight Connector 13">
+            <a:extLst>
+              <a:ext uri="{FF2B5EF4-FFF2-40B4-BE49-F238E27FC236}">
+                <a16:creationId xmlns:a16="http://schemas.microsoft.com/office/drawing/2014/main" id="{76D745DA-D03E-47A2-9936-01C39D51A469}"/>
+              </a:ext>
+              <a:ext uri="{C183D7F6-B498-43B3-948B-1728B52AA6E4}">
+                <adec:decorative xmlns:adec="http://schemas.microsoft.com/office/drawing/2017/decorative" val="1"/>
+              </a:ext>
+            </a:extLst>
+          </p:cNvPr>
+          <p:cNvCxnSpPr>
+            <a:cxnSpLocks noGrp="1" noRot="1" noChangeAspect="1" noMove="1" noResize="1" noEditPoints="1" noAdjustHandles="1" noChangeArrowheads="1" noChangeShapeType="1"/>
+          </p:cNvCxnSpPr>
+          <p:nvPr>
+            <p:extLst>
+              <p:ext uri="{386F3935-93C4-4BCD-93E2-E3B085C9AB24}">
+                <p16:designElem xmlns:p16="http://schemas.microsoft.com/office/powerpoint/2015/main" val="1"/>
+              </p:ext>
+            </p:extLst>
+          </p:nvPr>
+        </p:nvCxnSpPr>
+        <p:spPr>
+          <a:xfrm>
+            <a:off x="2759400" y="2428148"/>
+            <a:ext cx="540000" cy="0"/>
+          </a:xfrm>
+          <a:prstGeom prst="line">
+            <a:avLst/>
+          </a:prstGeom>
+          <a:ln w="12700">
+            <a:solidFill>
+              <a:srgbClr val="FFFFFF"/>
+            </a:solidFill>
+          </a:ln>
+        </p:spPr>
+        <p:style>
+          <a:lnRef idx="1">
+            <a:schemeClr val="accent1"/>
+          </a:lnRef>
+          <a:fillRef idx="0">
+            <a:schemeClr val="accent1"/>
+          </a:fillRef>
+          <a:effectRef idx="0">
+            <a:schemeClr val="accent1"/>
+          </a:effectRef>
+          <a:fontRef idx="minor">
+            <a:schemeClr val="tx1"/>
+          </a:fontRef>
+        </p:style>
+      </p:cxnSp>
+      <p:sp>
+        <p:nvSpPr>
+          <p:cNvPr id="9" name="Content Placeholder 8">
+            <a:extLst>
+              <a:ext uri="{FF2B5EF4-FFF2-40B4-BE49-F238E27FC236}">
+                <a16:creationId xmlns:a16="http://schemas.microsoft.com/office/drawing/2014/main" id="{AD465411-8722-0C74-76B4-1A51D7965878}"/>
+              </a:ext>
+            </a:extLst>
+          </p:cNvPr>
+          <p:cNvSpPr>
+            <a:spLocks noGrp="1"/>
+          </p:cNvSpPr>
+          <p:nvPr>
+            <p:ph idx="1"/>
+          </p:nvPr>
+        </p:nvSpPr>
+        <p:spPr>
+          <a:xfrm>
+            <a:off x="990000" y="2877018"/>
+            <a:ext cx="4078800" cy="2901482"/>
+          </a:xfrm>
+        </p:spPr>
+        <p:txBody>
+          <a:bodyPr>
+            <a:normAutofit/>
+          </a:bodyPr>
+          <a:lstStyle/>
+          <a:p>
+            <a:r>
+              <a:rPr lang="en-US" dirty="0"/>
+              <a:t>Users are assigned roles to give them access to parts of the site based on their duties.</a:t>
+            </a:r>
+          </a:p>
+        </p:txBody>
+      </p:sp>
+      <p:sp>
+        <p:nvSpPr>
+          <p:cNvPr id="16" name="Rectangle 15">
+            <a:extLst>
+              <a:ext uri="{FF2B5EF4-FFF2-40B4-BE49-F238E27FC236}">
+                <a16:creationId xmlns:a16="http://schemas.microsoft.com/office/drawing/2014/main" id="{E95A6F56-5B66-4656-B01E-938834D6A329}"/>
+              </a:ext>
+              <a:ext uri="{C183D7F6-B498-43B3-948B-1728B52AA6E4}">
+                <adec:decorative xmlns:adec="http://schemas.microsoft.com/office/drawing/2017/decorative" val="1"/>
+              </a:ext>
+            </a:extLst>
+          </p:cNvPr>
+          <p:cNvSpPr>
+            <a:spLocks noGrp="1" noRot="1" noChangeAspect="1" noMove="1" noResize="1" noEditPoints="1" noAdjustHandles="1" noChangeArrowheads="1" noChangeShapeType="1" noTextEdit="1"/>
+          </p:cNvSpPr>
+          <p:nvPr>
+            <p:extLst>
+              <p:ext uri="{386F3935-93C4-4BCD-93E2-E3B085C9AB24}">
+                <p16:designElem xmlns:p16="http://schemas.microsoft.com/office/powerpoint/2015/main" val="1"/>
+              </p:ext>
+            </p:extLst>
+          </p:nvPr>
+        </p:nvSpPr>
+        <p:spPr>
+          <a:xfrm>
+            <a:off x="6096000" y="0"/>
+            <a:ext cx="6096000" cy="6858000"/>
+          </a:xfrm>
+          <a:prstGeom prst="rect">
+            <a:avLst/>
+          </a:prstGeom>
+          <a:solidFill>
+            <a:srgbClr val="FFFFFF"/>
+          </a:solidFill>
+          <a:ln w="12700" cap="flat" cmpd="sng" algn="ctr">
+            <a:noFill/>
+            <a:prstDash val="solid"/>
+            <a:miter lim="800000"/>
+          </a:ln>
+          <a:effectLst/>
+        </p:spPr>
+        <p:style>
+          <a:lnRef idx="2">
+            <a:schemeClr val="accent1">
+              <a:shade val="50000"/>
+            </a:schemeClr>
+          </a:lnRef>
+          <a:fillRef idx="1">
+            <a:schemeClr val="accent1"/>
+          </a:fillRef>
+          <a:effectRef idx="0">
+            <a:schemeClr val="accent1"/>
+          </a:effectRef>
+          <a:fontRef idx="minor">
+            <a:schemeClr val="lt1"/>
+          </a:fontRef>
+        </p:style>
+        <p:txBody>
+          <a:bodyPr rtlCol="0" anchor="ctr"/>
+          <a:lstStyle/>
+          <a:p>
+            <a:pPr algn="ctr"/>
+            <a:endParaRPr lang="en-US">
+              <a:solidFill>
+                <a:schemeClr val="bg1">
+                  <a:alpha val="20000"/>
+                </a:schemeClr>
+              </a:solidFill>
+            </a:endParaRPr>
+          </a:p>
+        </p:txBody>
+      </p:sp>
+      <p:pic>
+        <p:nvPicPr>
+          <p:cNvPr id="5" name="Content Placeholder 4" descr="A diagram of a user&#10;&#10;Description automatically generated">
+            <a:extLst>
+              <a:ext uri="{FF2B5EF4-FFF2-40B4-BE49-F238E27FC236}">
+                <a16:creationId xmlns:a16="http://schemas.microsoft.com/office/drawing/2014/main" id="{EAEE46E9-16FE-7317-2CA8-EF1E8CF5359A}"/>
+              </a:ext>
+            </a:extLst>
+          </p:cNvPr>
+          <p:cNvPicPr>
+            <a:picLocks noChangeAspect="1"/>
+          </p:cNvPicPr>
+          <p:nvPr/>
+        </p:nvPicPr>
+        <p:blipFill>
+          <a:blip r:embed="rId2">
+            <a:extLst>
+              <a:ext uri="{28A0092B-C50C-407E-A947-70E740481C1C}">
+                <a14:useLocalDpi xmlns:a14="http://schemas.microsoft.com/office/drawing/2010/main" val="0"/>
+              </a:ext>
+            </a:extLst>
+          </a:blip>
+          <a:stretch>
+            <a:fillRect/>
+          </a:stretch>
+        </p:blipFill>
+        <p:spPr>
+          <a:xfrm>
+            <a:off x="6651127" y="2315198"/>
+            <a:ext cx="4999885" cy="2224949"/>
+          </a:xfrm>
+          <a:prstGeom prst="rect">
+            <a:avLst/>
+          </a:prstGeom>
+        </p:spPr>
+      </p:pic>
+    </p:spTree>
+    <p:extLst>
+      <p:ext uri="{BB962C8B-B14F-4D97-AF65-F5344CB8AC3E}">
+        <p14:creationId xmlns:p14="http://schemas.microsoft.com/office/powerpoint/2010/main" val="1801745946"/>
+      </p:ext>
+    </p:extLst>
+  </p:cSld>
+  <p:clrMapOvr>
+    <a:masterClrMapping/>
+  </p:clrMapOvr>
+</p:sld>
+</file>
+
+<file path=ppt/slides/slide7.xml><?xml version="1.0" encoding="utf-8"?>
 <p:sld xmlns:a="http://schemas.openxmlformats.org/drawingml/2006/main" xmlns:r="http://schemas.openxmlformats.org/officeDocument/2006/relationships" xmlns:p="http://schemas.openxmlformats.org/presentationml/2006/main">
   <p:cSld>
     <p:bg>
@@ -21834,7 +28355,7 @@
 </p:sld>
 </file>
 
-<file path=ppt/slides/slide6.xml><?xml version="1.0" encoding="utf-8"?>
+<file path=ppt/slides/slide8.xml><?xml version="1.0" encoding="utf-8"?>
 <p:sld xmlns:a="http://schemas.openxmlformats.org/drawingml/2006/main" xmlns:r="http://schemas.openxmlformats.org/officeDocument/2006/relationships" xmlns:p="http://schemas.openxmlformats.org/presentationml/2006/main">
   <p:cSld>
     <p:bg>
@@ -23255,7 +29776,7 @@
 </p:sld>
 </file>
 
-<file path=ppt/slides/slide7.xml><?xml version="1.0" encoding="utf-8"?>
+<file path=ppt/slides/slide9.xml><?xml version="1.0" encoding="utf-8"?>
 <p:sld xmlns:a="http://schemas.openxmlformats.org/drawingml/2006/main" xmlns:r="http://schemas.openxmlformats.org/officeDocument/2006/relationships" xmlns:p="http://schemas.openxmlformats.org/presentationml/2006/main">
   <p:cSld>
     <p:bg>
@@ -23282,10 +29803,10 @@
       </p:grpSpPr>
       <p:sp useBgFill="1">
         <p:nvSpPr>
-          <p:cNvPr id="28" name="Rectangle 27">
+          <p:cNvPr id="16" name="Rectangle 15">
             <a:extLst>
               <a:ext uri="{FF2B5EF4-FFF2-40B4-BE49-F238E27FC236}">
-                <a16:creationId xmlns:a16="http://schemas.microsoft.com/office/drawing/2014/main" id="{EEE96A74-B62B-4642-AB22-7776A5F48CE7}"/>
+                <a16:creationId xmlns:a16="http://schemas.microsoft.com/office/drawing/2014/main" id="{3268346D-5E77-4906-AC8D-57FB88F111CD}"/>
               </a:ext>
               <a:ext uri="{C183D7F6-B498-43B3-948B-1728B52AA6E4}">
                 <adec:decorative xmlns:adec="http://schemas.microsoft.com/office/drawing/2017/decorative" val="1"/>
@@ -23361,7 +29882,7 @@
           <p:cNvPr id="2" name="Title 1">
             <a:extLst>
               <a:ext uri="{FF2B5EF4-FFF2-40B4-BE49-F238E27FC236}">
-                <a16:creationId xmlns:a16="http://schemas.microsoft.com/office/drawing/2014/main" id="{501CFCCE-658B-FEA0-2A27-FA7E9508A068}"/>
+                <a16:creationId xmlns:a16="http://schemas.microsoft.com/office/drawing/2014/main" id="{BB054148-11D1-9DF5-C344-FE569DA3FB12}"/>
               </a:ext>
             </a:extLst>
           </p:cNvPr>
@@ -23374,354 +29895,30 @@
         </p:nvSpPr>
         <p:spPr>
           <a:xfrm>
-            <a:off x="497279" y="3141129"/>
-            <a:ext cx="3461258" cy="621658"/>
+            <a:off x="7112369" y="536575"/>
+            <a:ext cx="4078800" cy="1453003"/>
           </a:xfrm>
         </p:spPr>
         <p:txBody>
-          <a:bodyPr anchor="t">
-            <a:normAutofit fontScale="90000"/>
+          <a:bodyPr wrap="square" anchor="b">
+            <a:normAutofit/>
           </a:bodyPr>
           <a:lstStyle/>
           <a:p>
+            <a:pPr algn="ctr"/>
             <a:r>
-              <a:rPr lang="en-US"/>
-              <a:t>Technologies and Tools</a:t>
+              <a:rPr lang="en-US" dirty="0"/>
+              <a:t>Level 1 Data Flow Diagram</a:t>
             </a:r>
           </a:p>
         </p:txBody>
       </p:sp>
-      <p:cxnSp>
-        <p:nvCxnSpPr>
-          <p:cNvPr id="30" name="Straight Connector 29">
+      <p:sp>
+        <p:nvSpPr>
+          <p:cNvPr id="18" name="Rectangle 17">
             <a:extLst>
               <a:ext uri="{FF2B5EF4-FFF2-40B4-BE49-F238E27FC236}">
-                <a16:creationId xmlns:a16="http://schemas.microsoft.com/office/drawing/2014/main" id="{9B4757C4-228A-47E5-94C8-058312AB27F8}"/>
-              </a:ext>
-              <a:ext uri="{C183D7F6-B498-43B3-948B-1728B52AA6E4}">
-                <adec:decorative xmlns:adec="http://schemas.microsoft.com/office/drawing/2017/decorative" val="1"/>
-              </a:ext>
-            </a:extLst>
-          </p:cNvPr>
-          <p:cNvCxnSpPr>
-            <a:cxnSpLocks noGrp="1" noRot="1" noChangeAspect="1" noMove="1" noResize="1" noEditPoints="1" noAdjustHandles="1" noChangeArrowheads="1" noChangeShapeType="1"/>
-          </p:cNvCxnSpPr>
-          <p:nvPr>
-            <p:extLst>
-              <p:ext uri="{386F3935-93C4-4BCD-93E2-E3B085C9AB24}">
-                <p16:designElem xmlns:p16="http://schemas.microsoft.com/office/powerpoint/2015/main" val="1"/>
-              </p:ext>
-            </p:extLst>
-          </p:nvPr>
-        </p:nvCxnSpPr>
-        <p:spPr>
-          <a:xfrm>
-            <a:off x="4432300" y="540000"/>
-            <a:ext cx="0" cy="5778000"/>
-          </a:xfrm>
-          <a:prstGeom prst="line">
-            <a:avLst/>
-          </a:prstGeom>
-          <a:ln w="12700">
-            <a:solidFill>
-              <a:srgbClr val="FFFFFF"/>
-            </a:solidFill>
-          </a:ln>
-        </p:spPr>
-        <p:style>
-          <a:lnRef idx="1">
-            <a:schemeClr val="accent1"/>
-          </a:lnRef>
-          <a:fillRef idx="0">
-            <a:schemeClr val="accent1"/>
-          </a:fillRef>
-          <a:effectRef idx="0">
-            <a:schemeClr val="accent1"/>
-          </a:effectRef>
-          <a:fontRef idx="minor">
-            <a:schemeClr val="tx1"/>
-          </a:fontRef>
-        </p:style>
-      </p:cxnSp>
-      <p:graphicFrame>
-        <p:nvGraphicFramePr>
-          <p:cNvPr id="24" name="Content Placeholder 2">
-            <a:extLst>
-              <a:ext uri="{FF2B5EF4-FFF2-40B4-BE49-F238E27FC236}">
-                <a16:creationId xmlns:a16="http://schemas.microsoft.com/office/drawing/2014/main" id="{5D30EF6A-C4C9-B891-6525-581AAD02A363}"/>
-              </a:ext>
-            </a:extLst>
-          </p:cNvPr>
-          <p:cNvGraphicFramePr>
-            <a:graphicFrameLocks noGrp="1"/>
-          </p:cNvGraphicFramePr>
-          <p:nvPr>
-            <p:ph idx="1"/>
-            <p:extLst>
-              <p:ext uri="{D42A27DB-BD31-4B8C-83A1-F6EECF244321}">
-                <p14:modId xmlns:p14="http://schemas.microsoft.com/office/powerpoint/2010/main" val="3639658562"/>
-              </p:ext>
-            </p:extLst>
-          </p:nvPr>
-        </p:nvGraphicFramePr>
-        <p:xfrm>
-          <a:off x="5028050" y="565977"/>
-          <a:ext cx="6668792" cy="5778000"/>
-        </p:xfrm>
-        <a:graphic>
-          <a:graphicData uri="http://schemas.openxmlformats.org/drawingml/2006/diagram">
-            <dgm:relIds xmlns:dgm="http://schemas.openxmlformats.org/drawingml/2006/diagram" xmlns:r="http://schemas.openxmlformats.org/officeDocument/2006/relationships" r:dm="rId2" r:lo="rId3" r:qs="rId4" r:cs="rId5"/>
-          </a:graphicData>
-        </a:graphic>
-      </p:graphicFrame>
-      <p:pic>
-        <p:nvPicPr>
-          <p:cNvPr id="276" name="Picture 275" descr="Github Logo Png Transparent Github Logopng Images Pluspng">
-            <a:extLst>
-              <a:ext uri="{FF2B5EF4-FFF2-40B4-BE49-F238E27FC236}">
-                <a16:creationId xmlns:a16="http://schemas.microsoft.com/office/drawing/2014/main" id="{BAC3A068-7B51-5F36-35B5-F16B2A727B23}"/>
-              </a:ext>
-            </a:extLst>
-          </p:cNvPr>
-          <p:cNvPicPr>
-            <a:picLocks noChangeAspect="1"/>
-          </p:cNvPicPr>
-          <p:nvPr/>
-        </p:nvPicPr>
-        <p:blipFill>
-          <a:blip r:embed="rId7"/>
-          <a:stretch>
-            <a:fillRect/>
-          </a:stretch>
-        </p:blipFill>
-        <p:spPr>
-          <a:xfrm flipH="1">
-            <a:off x="10750504" y="1557803"/>
-            <a:ext cx="886900" cy="889193"/>
-          </a:xfrm>
-          <a:prstGeom prst="rect">
-            <a:avLst/>
-          </a:prstGeom>
-        </p:spPr>
-      </p:pic>
-      <p:pic>
-        <p:nvPicPr>
-          <p:cNvPr id="277" name="Picture 276" descr="A blue and yellow snake logo&#10;&#10;Description automatically generated">
-            <a:extLst>
-              <a:ext uri="{FF2B5EF4-FFF2-40B4-BE49-F238E27FC236}">
-                <a16:creationId xmlns:a16="http://schemas.microsoft.com/office/drawing/2014/main" id="{83E9E911-95C2-20D9-649F-57431A74FEC1}"/>
-              </a:ext>
-            </a:extLst>
-          </p:cNvPr>
-          <p:cNvPicPr>
-            <a:picLocks noChangeAspect="1"/>
-          </p:cNvPicPr>
-          <p:nvPr/>
-        </p:nvPicPr>
-        <p:blipFill>
-          <a:blip r:embed="rId8">
-            <a:extLst>
-              <a:ext uri="{837473B0-CC2E-450A-ABE3-18F120FF3D39}">
-                <a1611:picAttrSrcUrl xmlns:a1611="http://schemas.microsoft.com/office/drawing/2016/11/main" r:id="rId9"/>
-              </a:ext>
-            </a:extLst>
-          </a:blip>
-          <a:stretch>
-            <a:fillRect/>
-          </a:stretch>
-        </p:blipFill>
-        <p:spPr>
-          <a:xfrm>
-            <a:off x="10692922" y="2445560"/>
-            <a:ext cx="998623" cy="1010081"/>
-          </a:xfrm>
-          <a:prstGeom prst="rect">
-            <a:avLst/>
-          </a:prstGeom>
-        </p:spPr>
-      </p:pic>
-      <p:pic>
-        <p:nvPicPr>
-          <p:cNvPr id="293" name="Picture 292" descr="Streamlit Logo PNG Vectors Free Download">
-            <a:extLst>
-              <a:ext uri="{FF2B5EF4-FFF2-40B4-BE49-F238E27FC236}">
-                <a16:creationId xmlns:a16="http://schemas.microsoft.com/office/drawing/2014/main" id="{DCA93070-6B9E-3233-9BA7-EA3E3879A340}"/>
-              </a:ext>
-            </a:extLst>
-          </p:cNvPr>
-          <p:cNvPicPr>
-            <a:picLocks noChangeAspect="1"/>
-          </p:cNvPicPr>
-          <p:nvPr/>
-        </p:nvPicPr>
-        <p:blipFill>
-          <a:blip r:embed="rId10"/>
-          <a:stretch>
-            <a:fillRect/>
-          </a:stretch>
-        </p:blipFill>
-        <p:spPr>
-          <a:xfrm>
-            <a:off x="10757520" y="3683991"/>
-            <a:ext cx="926720" cy="521297"/>
-          </a:xfrm>
-          <a:prstGeom prst="rect">
-            <a:avLst/>
-          </a:prstGeom>
-        </p:spPr>
-      </p:pic>
-      <p:pic>
-        <p:nvPicPr>
-          <p:cNvPr id="294" name="Picture 293" descr="A grey cylinder with a green play button&#10;&#10;Description automatically generated">
-            <a:extLst>
-              <a:ext uri="{FF2B5EF4-FFF2-40B4-BE49-F238E27FC236}">
-                <a16:creationId xmlns:a16="http://schemas.microsoft.com/office/drawing/2014/main" id="{D3CDFBA4-B257-5511-2990-0952DDCC367E}"/>
-              </a:ext>
-            </a:extLst>
-          </p:cNvPr>
-          <p:cNvPicPr>
-            <a:picLocks noChangeAspect="1"/>
-          </p:cNvPicPr>
-          <p:nvPr/>
-        </p:nvPicPr>
-        <p:blipFill>
-          <a:blip r:embed="rId11">
-            <a:extLst>
-              <a:ext uri="{837473B0-CC2E-450A-ABE3-18F120FF3D39}">
-                <a1611:picAttrSrcUrl xmlns:a1611="http://schemas.microsoft.com/office/drawing/2016/11/main" r:id="rId12"/>
-              </a:ext>
-            </a:extLst>
-          </a:blip>
-          <a:stretch>
-            <a:fillRect/>
-          </a:stretch>
-        </p:blipFill>
-        <p:spPr>
-          <a:xfrm>
-            <a:off x="10933088" y="4473168"/>
-            <a:ext cx="758921" cy="867994"/>
-          </a:xfrm>
-          <a:prstGeom prst="rect">
-            <a:avLst/>
-          </a:prstGeom>
-        </p:spPr>
-      </p:pic>
-      <p:pic>
-        <p:nvPicPr>
-          <p:cNvPr id="297" name="Picture 296" descr="A blue logo on a black background&#10;&#10;Description automatically generated">
-            <a:extLst>
-              <a:ext uri="{FF2B5EF4-FFF2-40B4-BE49-F238E27FC236}">
-                <a16:creationId xmlns:a16="http://schemas.microsoft.com/office/drawing/2014/main" id="{3DFCF5AE-F98D-C984-FF40-E0512A151F11}"/>
-              </a:ext>
-            </a:extLst>
-          </p:cNvPr>
-          <p:cNvPicPr>
-            <a:picLocks noChangeAspect="1"/>
-          </p:cNvPicPr>
-          <p:nvPr/>
-        </p:nvPicPr>
-        <p:blipFill>
-          <a:blip r:embed="rId13">
-            <a:extLst>
-              <a:ext uri="{837473B0-CC2E-450A-ABE3-18F120FF3D39}">
-                <a1611:picAttrSrcUrl xmlns:a1611="http://schemas.microsoft.com/office/drawing/2016/11/main" r:id="rId14"/>
-              </a:ext>
-            </a:extLst>
-          </a:blip>
-          <a:stretch>
-            <a:fillRect/>
-          </a:stretch>
-        </p:blipFill>
-        <p:spPr>
-          <a:xfrm>
-            <a:off x="9911731" y="5374107"/>
-            <a:ext cx="1787549" cy="956796"/>
-          </a:xfrm>
-          <a:prstGeom prst="rect">
-            <a:avLst/>
-          </a:prstGeom>
-        </p:spPr>
-      </p:pic>
-      <p:pic>
-        <p:nvPicPr>
-          <p:cNvPr id="300" name="Picture 299" descr="A colorful square with dots&#10;&#10;Description automatically generated">
-            <a:extLst>
-              <a:ext uri="{FF2B5EF4-FFF2-40B4-BE49-F238E27FC236}">
-                <a16:creationId xmlns:a16="http://schemas.microsoft.com/office/drawing/2014/main" id="{105F9E78-064F-CA10-48DB-046FD22FBE6E}"/>
-              </a:ext>
-            </a:extLst>
-          </p:cNvPr>
-          <p:cNvPicPr>
-            <a:picLocks noChangeAspect="1"/>
-          </p:cNvPicPr>
-          <p:nvPr/>
-        </p:nvPicPr>
-        <p:blipFill>
-          <a:blip r:embed="rId15">
-            <a:extLst>
-              <a:ext uri="{837473B0-CC2E-450A-ABE3-18F120FF3D39}">
-                <a1611:picAttrSrcUrl xmlns:a1611="http://schemas.microsoft.com/office/drawing/2016/11/main" r:id="rId16"/>
-              </a:ext>
-            </a:extLst>
-          </a:blip>
-          <a:stretch>
-            <a:fillRect/>
-          </a:stretch>
-        </p:blipFill>
-        <p:spPr>
-          <a:xfrm>
-            <a:off x="10833253" y="706676"/>
-            <a:ext cx="723686" cy="717957"/>
-          </a:xfrm>
-          <a:prstGeom prst="rect">
-            <a:avLst/>
-          </a:prstGeom>
-        </p:spPr>
-      </p:pic>
-    </p:spTree>
-    <p:extLst>
-      <p:ext uri="{BB962C8B-B14F-4D97-AF65-F5344CB8AC3E}">
-        <p14:creationId xmlns:p14="http://schemas.microsoft.com/office/powerpoint/2010/main" val="1248402518"/>
-      </p:ext>
-    </p:extLst>
-  </p:cSld>
-  <p:clrMapOvr>
-    <a:masterClrMapping/>
-  </p:clrMapOvr>
-</p:sld>
-</file>
-
-<file path=ppt/slides/slide8.xml><?xml version="1.0" encoding="utf-8"?>
-<p:sld xmlns:a="http://schemas.openxmlformats.org/drawingml/2006/main" xmlns:r="http://schemas.openxmlformats.org/officeDocument/2006/relationships" xmlns:p="http://schemas.openxmlformats.org/presentationml/2006/main">
-  <p:cSld>
-    <p:bg>
-      <p:bgPr>
-        <a:solidFill>
-          <a:schemeClr val="bg2"/>
-        </a:solidFill>
-        <a:effectLst/>
-      </p:bgPr>
-    </p:bg>
-    <p:spTree>
-      <p:nvGrpSpPr>
-        <p:cNvPr id="1" name=""/>
-        <p:cNvGrpSpPr/>
-        <p:nvPr/>
-      </p:nvGrpSpPr>
-      <p:grpSpPr>
-        <a:xfrm>
-          <a:off x="0" y="0"/>
-          <a:ext cx="0" cy="0"/>
-          <a:chOff x="0" y="0"/>
-          <a:chExt cx="0" cy="0"/>
-        </a:xfrm>
-      </p:grpSpPr>
-      <p:sp useBgFill="1">
-        <p:nvSpPr>
-          <p:cNvPr id="9" name="Rectangle 8">
-            <a:extLst>
-              <a:ext uri="{FF2B5EF4-FFF2-40B4-BE49-F238E27FC236}">
-                <a16:creationId xmlns:a16="http://schemas.microsoft.com/office/drawing/2014/main" id="{C279C8A1-C4E4-4DE9-934E-91221AC99393}"/>
+                <a16:creationId xmlns:a16="http://schemas.microsoft.com/office/drawing/2014/main" id="{4168C6BE-41CC-4C4D-850F-F82321AE7B18}"/>
               </a:ext>
               <a:ext uri="{C183D7F6-B498-43B3-948B-1728B52AA6E4}">
                 <adec:decorative xmlns:adec="http://schemas.microsoft.com/office/drawing/2017/decorative" val="1"/>
@@ -23742,30 +29939,20 @@
         <p:spPr>
           <a:xfrm>
             <a:off x="0" y="0"/>
-            <a:ext cx="12192000" cy="6858000"/>
+            <a:ext cx="6096000" cy="6858000"/>
           </a:xfrm>
           <a:prstGeom prst="rect">
             <a:avLst/>
           </a:prstGeom>
+          <a:solidFill>
+            <a:srgbClr val="FFFFFF"/>
+          </a:solidFill>
           <a:ln w="12700" cap="flat" cmpd="sng" algn="ctr">
             <a:noFill/>
             <a:prstDash val="solid"/>
             <a:miter lim="800000"/>
           </a:ln>
           <a:effectLst/>
-          <a:extLst>
-            <a:ext uri="{91240B29-F687-4F45-9708-019B960494DF}">
-              <a14:hiddenLine xmlns:a14="http://schemas.microsoft.com/office/drawing/2010/main" w="12700" cap="flat" cmpd="sng" algn="ctr">
-                <a:solidFill>
-                  <a:schemeClr val="accent1">
-                    <a:shade val="50000"/>
-                  </a:schemeClr>
-                </a:solidFill>
-                <a:prstDash val="solid"/>
-                <a:miter lim="800000"/>
-              </a14:hiddenLine>
-            </a:ext>
-          </a:extLst>
         </p:spPr>
         <p:style>
           <a:lnRef idx="2">
@@ -23788,52 +29975,22 @@
           <a:lstStyle/>
           <a:p>
             <a:pPr algn="ctr"/>
-            <a:endParaRPr lang="en-US"/>
-          </a:p>
-        </p:txBody>
-      </p:sp>
-      <p:sp>
-        <p:nvSpPr>
-          <p:cNvPr id="2" name="Title 1">
-            <a:extLst>
-              <a:ext uri="{FF2B5EF4-FFF2-40B4-BE49-F238E27FC236}">
-                <a16:creationId xmlns:a16="http://schemas.microsoft.com/office/drawing/2014/main" id="{688AA689-758E-23EC-2246-F3AF762719C5}"/>
-              </a:ext>
-            </a:extLst>
-          </p:cNvPr>
-          <p:cNvSpPr>
-            <a:spLocks noGrp="1"/>
-          </p:cNvSpPr>
-          <p:nvPr>
-            <p:ph type="title"/>
-          </p:nvPr>
-        </p:nvSpPr>
-        <p:spPr>
-          <a:xfrm>
-            <a:off x="4868987" y="395288"/>
-            <a:ext cx="6317998" cy="1120439"/>
-          </a:xfrm>
-        </p:spPr>
-        <p:txBody>
-          <a:bodyPr wrap="square" anchor="b">
-            <a:normAutofit/>
-          </a:bodyPr>
-          <a:lstStyle/>
-          <a:p>
-            <a:pPr algn="ctr"/>
-            <a:r>
-              <a:rPr lang="en-US"/>
-              <a:t>Challenges and Solutions</a:t>
-            </a:r>
+            <a:endParaRPr lang="en-US">
+              <a:solidFill>
+                <a:schemeClr val="bg1">
+                  <a:alpha val="20000"/>
+                </a:schemeClr>
+              </a:solidFill>
+            </a:endParaRPr>
           </a:p>
         </p:txBody>
       </p:sp>
       <p:pic>
         <p:nvPicPr>
-          <p:cNvPr id="5" name="Picture 4" descr="A person reaching for a paper on a table full of paper and sticky notes">
+          <p:cNvPr id="5" name="Picture 4">
             <a:extLst>
               <a:ext uri="{FF2B5EF4-FFF2-40B4-BE49-F238E27FC236}">
-                <a16:creationId xmlns:a16="http://schemas.microsoft.com/office/drawing/2014/main" id="{1A6E612F-1562-C1E7-FD48-D82B5DAB49B5}"/>
+                <a16:creationId xmlns:a16="http://schemas.microsoft.com/office/drawing/2014/main" id="{AF351FEF-8309-E8FB-DEAE-893E6BD985E2}"/>
               </a:ext>
             </a:extLst>
           </p:cNvPr>
@@ -23844,13 +30001,14 @@
         </p:nvPicPr>
         <p:blipFill>
           <a:blip r:embed="rId2"/>
-          <a:srcRect l="29810" r="32584" b="4"/>
-          <a:stretch/>
+          <a:stretch>
+            <a:fillRect/>
+          </a:stretch>
         </p:blipFill>
         <p:spPr>
           <a:xfrm>
-            <a:off x="20" y="10"/>
-            <a:ext cx="3863955" cy="6857989"/>
+            <a:off x="628764" y="540033"/>
+            <a:ext cx="4822357" cy="5775279"/>
           </a:xfrm>
           <a:prstGeom prst="rect">
             <a:avLst/>
@@ -23859,10 +30017,10 @@
       </p:pic>
       <p:cxnSp>
         <p:nvCxnSpPr>
-          <p:cNvPr id="11" name="Straight Connector 10">
+          <p:cNvPr id="20" name="Straight Connector 19">
             <a:extLst>
               <a:ext uri="{FF2B5EF4-FFF2-40B4-BE49-F238E27FC236}">
-                <a16:creationId xmlns:a16="http://schemas.microsoft.com/office/drawing/2014/main" id="{26C7ED5D-77C4-4564-8B1A-E55609CF44C4}"/>
+                <a16:creationId xmlns:a16="http://schemas.microsoft.com/office/drawing/2014/main" id="{4CBC1FDF-AE13-4731-B38F-2761BDFDBB0E}"/>
               </a:ext>
               <a:ext uri="{C183D7F6-B498-43B3-948B-1728B52AA6E4}">
                 <adec:decorative xmlns:adec="http://schemas.microsoft.com/office/drawing/2017/decorative" val="1"/>
@@ -23882,7 +30040,7 @@
         </p:nvCxnSpPr>
         <p:spPr>
           <a:xfrm>
-            <a:off x="7757986" y="1964598"/>
+            <a:off x="8881769" y="2428148"/>
             <a:ext cx="540000" cy="0"/>
           </a:xfrm>
           <a:prstGeom prst="line">
@@ -23914,7 +30072,7 @@
           <p:cNvPr id="3" name="Content Placeholder 2">
             <a:extLst>
               <a:ext uri="{FF2B5EF4-FFF2-40B4-BE49-F238E27FC236}">
-                <a16:creationId xmlns:a16="http://schemas.microsoft.com/office/drawing/2014/main" id="{0E3B00A6-51A0-5E2D-13D6-CBCD29FFDB21}"/>
+                <a16:creationId xmlns:a16="http://schemas.microsoft.com/office/drawing/2014/main" id="{CFEB42DF-B9C5-8F49-15B1-851E3F30E5A7}"/>
               </a:ext>
             </a:extLst>
           </p:cNvPr>
@@ -23927,383 +30085,27 @@
         </p:nvSpPr>
         <p:spPr>
           <a:xfrm>
-            <a:off x="4265965" y="1539224"/>
-            <a:ext cx="7510851" cy="4710215"/>
+            <a:off x="7112369" y="2877018"/>
+            <a:ext cx="4078800" cy="2901482"/>
           </a:xfrm>
         </p:spPr>
         <p:txBody>
-          <a:bodyPr vert="horz" lIns="91440" tIns="45720" rIns="91440" bIns="45720" rtlCol="0" anchor="t">
-            <a:noAutofit/>
+          <a:bodyPr>
+            <a:normAutofit/>
           </a:bodyPr>
           <a:lstStyle/>
           <a:p>
-            <a:pPr marL="359410" indent="-359410">
-              <a:lnSpc>
-                <a:spcPct val="140000"/>
-              </a:lnSpc>
-              <a:buFont typeface="Arial" panose="05000000000000000000" pitchFamily="2" charset="2"/>
-              <a:buChar char="•"/>
-            </a:pPr>
             <a:r>
-              <a:rPr lang="en-US" sz="1800">
-                <a:latin typeface="Avenir Next LT Pro"/>
-                <a:ea typeface="Calibri"/>
-                <a:cs typeface="Calibri"/>
-              </a:rPr>
-              <a:t>Challenges Related to the Project</a:t>
+              <a:rPr lang="en-US" dirty="0"/>
+              <a:t>Data Flow diagram shows examples of tasks each user can take and which database they will access when they do.</a:t>
             </a:r>
-            <a:endParaRPr lang="en-US" sz="1800">
-              <a:solidFill>
-                <a:srgbClr val="000000">
-                  <a:alpha val="60000"/>
-                </a:srgbClr>
-              </a:solidFill>
-              <a:latin typeface="Avenir Next LT Pro"/>
-              <a:ea typeface="Calibri"/>
-              <a:cs typeface="Calibri"/>
-            </a:endParaRPr>
-          </a:p>
-          <a:p>
-            <a:pPr marL="1079500" lvl="2" indent="-359410">
-              <a:lnSpc>
-                <a:spcPct val="140000"/>
-              </a:lnSpc>
-              <a:buClr>
-                <a:srgbClr val="8FA880"/>
-              </a:buClr>
-              <a:buFont typeface="Wingdings" panose="05000000000000000000" pitchFamily="2" charset="2"/>
-              <a:buChar char="§"/>
-            </a:pPr>
-            <a:r>
-              <a:rPr lang="en-US" sz="1800">
-                <a:latin typeface="Avenir Next LT Pro"/>
-                <a:ea typeface="Calibri"/>
-                <a:cs typeface="Calibri"/>
-              </a:rPr>
-              <a:t>Knowing what direction to take the platform (UI, Backend planning etc.)</a:t>
-            </a:r>
-            <a:endParaRPr lang="en-US" sz="1800" i="0">
-              <a:solidFill>
-                <a:srgbClr val="000000">
-                  <a:alpha val="60000"/>
-                </a:srgbClr>
-              </a:solidFill>
-              <a:latin typeface="Avenir Next LT Pro"/>
-              <a:ea typeface="Calibri"/>
-              <a:cs typeface="Calibri"/>
-            </a:endParaRPr>
-          </a:p>
-          <a:p>
-            <a:pPr marL="1079500" lvl="2" indent="-359410">
-              <a:lnSpc>
-                <a:spcPct val="140000"/>
-              </a:lnSpc>
-              <a:buFont typeface="Wingdings" panose="05000000000000000000" pitchFamily="2" charset="2"/>
-              <a:buChar char="§"/>
-            </a:pPr>
-            <a:r>
-              <a:rPr lang="en-US" sz="1800">
-                <a:latin typeface="Avenir Next LT Pro"/>
-                <a:ea typeface="Calibri"/>
-                <a:cs typeface="Calibri"/>
-              </a:rPr>
-              <a:t>Ensuring Security and Usability for users.</a:t>
-            </a:r>
-            <a:endParaRPr lang="en-US" sz="1800">
-              <a:solidFill>
-                <a:srgbClr val="000000">
-                  <a:alpha val="60000"/>
-                </a:srgbClr>
-              </a:solidFill>
-              <a:latin typeface="Avenir Next LT Pro"/>
-              <a:ea typeface="Calibri"/>
-              <a:cs typeface="Calibri"/>
-            </a:endParaRPr>
-          </a:p>
-          <a:p>
-            <a:pPr marL="1079500" lvl="2" indent="-359410">
-              <a:lnSpc>
-                <a:spcPct val="140000"/>
-              </a:lnSpc>
-              <a:buFont typeface="Wingdings" panose="05000000000000000000" pitchFamily="2" charset="2"/>
-              <a:buChar char="§"/>
-            </a:pPr>
-            <a:r>
-              <a:rPr lang="en-US" sz="1800">
-                <a:latin typeface="Avenir Next LT Pro"/>
-                <a:ea typeface="Calibri"/>
-                <a:cs typeface="Calibri"/>
-              </a:rPr>
-              <a:t>Knowing what tools to make this project tangible.</a:t>
-            </a:r>
-            <a:endParaRPr lang="en-US" sz="1800">
-              <a:solidFill>
-                <a:srgbClr val="000000">
-                  <a:alpha val="60000"/>
-                </a:srgbClr>
-              </a:solidFill>
-              <a:latin typeface="Avenir Next LT Pro"/>
-              <a:ea typeface="Calibri"/>
-              <a:cs typeface="Calibri"/>
-            </a:endParaRPr>
-          </a:p>
-          <a:p>
-            <a:pPr marL="359410" indent="-359410">
-              <a:lnSpc>
-                <a:spcPct val="140000"/>
-              </a:lnSpc>
-              <a:buFont typeface="Arial" panose="05000000000000000000" pitchFamily="2" charset="2"/>
-              <a:buChar char="•"/>
-            </a:pPr>
-            <a:r>
-              <a:rPr lang="en-US" sz="1800">
-                <a:latin typeface="Avenir Next LT Pro"/>
-                <a:ea typeface="Calibri"/>
-                <a:cs typeface="Calibri"/>
-              </a:rPr>
-              <a:t>Our Challenges</a:t>
-            </a:r>
-            <a:endParaRPr lang="en-US" sz="1800">
-              <a:solidFill>
-                <a:srgbClr val="000000">
-                  <a:alpha val="60000"/>
-                </a:srgbClr>
-              </a:solidFill>
-              <a:latin typeface="Avenir Next LT Pro"/>
-              <a:ea typeface="Calibri"/>
-              <a:cs typeface="Calibri"/>
-            </a:endParaRPr>
-          </a:p>
-          <a:p>
-            <a:pPr marL="1079500" lvl="2" indent="-359410">
-              <a:lnSpc>
-                <a:spcPct val="140000"/>
-              </a:lnSpc>
-              <a:buClr>
-                <a:srgbClr val="8FA880"/>
-              </a:buClr>
-              <a:buFont typeface="Wingdings" panose="05000000000000000000" pitchFamily="2" charset="2"/>
-              <a:buChar char="§"/>
-            </a:pPr>
-            <a:r>
-              <a:rPr lang="en-US" sz="1800">
-                <a:latin typeface="Avenir Next LT Pro"/>
-                <a:ea typeface="Calibri"/>
-                <a:cs typeface="Calibri"/>
-              </a:rPr>
-              <a:t>Conflicting Schedules</a:t>
-            </a:r>
-            <a:endParaRPr lang="en-US" sz="1800">
-              <a:solidFill>
-                <a:srgbClr val="000000">
-                  <a:alpha val="60000"/>
-                </a:srgbClr>
-              </a:solidFill>
-              <a:latin typeface="Avenir Next LT Pro"/>
-              <a:ea typeface="Calibri"/>
-              <a:cs typeface="Calibri"/>
-            </a:endParaRPr>
-          </a:p>
-          <a:p>
-            <a:pPr marL="1079500" lvl="2" indent="-359410">
-              <a:lnSpc>
-                <a:spcPct val="140000"/>
-              </a:lnSpc>
-              <a:buClr>
-                <a:srgbClr val="8FA880"/>
-              </a:buClr>
-              <a:buFont typeface="Wingdings" panose="05000000000000000000" pitchFamily="2" charset="2"/>
-              <a:buChar char="§"/>
-            </a:pPr>
-            <a:r>
-              <a:rPr lang="en-US" sz="1800">
-                <a:latin typeface="Avenir Next LT Pro"/>
-                <a:ea typeface="Calibri"/>
-                <a:cs typeface="Calibri"/>
-              </a:rPr>
-              <a:t>Procrastination</a:t>
-            </a:r>
-            <a:endParaRPr lang="en-US" sz="1800">
-              <a:solidFill>
-                <a:srgbClr val="000000">
-                  <a:alpha val="60000"/>
-                </a:srgbClr>
-              </a:solidFill>
-              <a:latin typeface="Avenir Next LT Pro"/>
-              <a:ea typeface="Calibri"/>
-              <a:cs typeface="Calibri"/>
-            </a:endParaRPr>
-          </a:p>
-          <a:p>
-            <a:pPr marL="1079500" lvl="2" indent="-359410">
-              <a:lnSpc>
-                <a:spcPct val="140000"/>
-              </a:lnSpc>
-              <a:buClr>
-                <a:srgbClr val="8FA880"/>
-              </a:buClr>
-              <a:buFont typeface="Wingdings" panose="05000000000000000000" pitchFamily="2" charset="2"/>
-              <a:buChar char="§"/>
-            </a:pPr>
-            <a:r>
-              <a:rPr lang="en-US" sz="1800">
-                <a:latin typeface="Avenir Next LT Pro"/>
-                <a:ea typeface="Calibri"/>
-                <a:cs typeface="Calibri"/>
-              </a:rPr>
-              <a:t>Set Deadlines</a:t>
-            </a:r>
-            <a:endParaRPr lang="en-US" sz="1800">
-              <a:solidFill>
-                <a:srgbClr val="000000">
-                  <a:alpha val="60000"/>
-                </a:srgbClr>
-              </a:solidFill>
-              <a:latin typeface="Avenir Next LT Pro"/>
-              <a:ea typeface="Calibri"/>
-              <a:cs typeface="Calibri"/>
-            </a:endParaRPr>
           </a:p>
         </p:txBody>
       </p:sp>
     </p:spTree>
     <p:extLst>
       <p:ext uri="{BB962C8B-B14F-4D97-AF65-F5344CB8AC3E}">
-        <p14:creationId xmlns:p14="http://schemas.microsoft.com/office/powerpoint/2010/main" val="526540932"/>
-      </p:ext>
-    </p:extLst>
-  </p:cSld>
-  <p:clrMapOvr>
-    <a:masterClrMapping/>
-  </p:clrMapOvr>
-</p:sld>
-</file>
-
-<file path=ppt/slides/slide9.xml><?xml version="1.0" encoding="utf-8"?>
-<p:sld xmlns:a="http://schemas.openxmlformats.org/drawingml/2006/main" xmlns:r="http://schemas.openxmlformats.org/officeDocument/2006/relationships" xmlns:p="http://schemas.openxmlformats.org/presentationml/2006/main">
-  <p:cSld>
-    <p:spTree>
-      <p:nvGrpSpPr>
-        <p:cNvPr id="1" name=""/>
-        <p:cNvGrpSpPr/>
-        <p:nvPr/>
-      </p:nvGrpSpPr>
-      <p:grpSpPr>
-        <a:xfrm>
-          <a:off x="0" y="0"/>
-          <a:ext cx="0" cy="0"/>
-          <a:chOff x="0" y="0"/>
-          <a:chExt cx="0" cy="0"/>
-        </a:xfrm>
-      </p:grpSpPr>
-      <p:sp>
-        <p:nvSpPr>
-          <p:cNvPr id="2" name="Title 1">
-            <a:extLst>
-              <a:ext uri="{FF2B5EF4-FFF2-40B4-BE49-F238E27FC236}">
-                <a16:creationId xmlns:a16="http://schemas.microsoft.com/office/drawing/2014/main" id="{61489214-3ED7-3853-2841-73BFB2A32C08}"/>
-              </a:ext>
-            </a:extLst>
-          </p:cNvPr>
-          <p:cNvSpPr>
-            <a:spLocks noGrp="1"/>
-          </p:cNvSpPr>
-          <p:nvPr>
-            <p:ph type="title"/>
-          </p:nvPr>
-        </p:nvSpPr>
-        <p:spPr/>
-        <p:txBody>
-          <a:bodyPr/>
-          <a:lstStyle/>
-          <a:p>
-            <a:r>
-              <a:rPr lang="en-US"/>
-              <a:t>Conclusion</a:t>
-            </a:r>
-          </a:p>
-        </p:txBody>
-      </p:sp>
-      <p:sp>
-        <p:nvSpPr>
-          <p:cNvPr id="3" name="Content Placeholder 2">
-            <a:extLst>
-              <a:ext uri="{FF2B5EF4-FFF2-40B4-BE49-F238E27FC236}">
-                <a16:creationId xmlns:a16="http://schemas.microsoft.com/office/drawing/2014/main" id="{B228E446-2449-A711-7F9C-12ED5BEE83FD}"/>
-              </a:ext>
-            </a:extLst>
-          </p:cNvPr>
-          <p:cNvSpPr>
-            <a:spLocks noGrp="1"/>
-          </p:cNvSpPr>
-          <p:nvPr>
-            <p:ph idx="1"/>
-          </p:nvPr>
-        </p:nvSpPr>
-        <p:spPr/>
-        <p:txBody>
-          <a:bodyPr vert="horz" lIns="91440" tIns="45720" rIns="91440" bIns="45720" rtlCol="0" anchor="t">
-            <a:normAutofit/>
-          </a:bodyPr>
-          <a:lstStyle/>
-          <a:p>
-            <a:pPr marL="359410" indent="-359410">
-              <a:buFont typeface="Arial" panose="05000000000000000000" pitchFamily="2" charset="2"/>
-              <a:buChar char="•"/>
-            </a:pPr>
-            <a:r>
-              <a:rPr lang="en-US" sz="1900">
-                <a:solidFill>
-                  <a:srgbClr val="000000">
-                    <a:alpha val="60000"/>
-                  </a:srgbClr>
-                </a:solidFill>
-                <a:latin typeface="Calibri"/>
-                <a:ea typeface="Calibri"/>
-                <a:cs typeface="Calibri"/>
-              </a:rPr>
-              <a:t>Making </a:t>
-            </a:r>
-            <a:r>
-              <a:rPr lang="en-US" sz="1900" err="1">
-                <a:solidFill>
-                  <a:srgbClr val="000000">
-                    <a:alpha val="60000"/>
-                  </a:srgbClr>
-                </a:solidFill>
-                <a:latin typeface="Calibri"/>
-                <a:ea typeface="Calibri"/>
-                <a:cs typeface="Calibri"/>
-              </a:rPr>
-              <a:t>WealthWise</a:t>
-            </a:r>
-            <a:r>
-              <a:rPr lang="en-US" sz="1900">
-                <a:solidFill>
-                  <a:srgbClr val="000000">
-                    <a:alpha val="60000"/>
-                  </a:srgbClr>
-                </a:solidFill>
-                <a:latin typeface="Calibri"/>
-                <a:ea typeface="Calibri"/>
-                <a:cs typeface="Calibri"/>
-              </a:rPr>
-              <a:t> Financial Advising be a user friendly place that is easy to navagate </a:t>
-            </a:r>
-            <a:endParaRPr lang="en-US">
-              <a:solidFill>
-                <a:srgbClr val="000000">
-                  <a:alpha val="60000"/>
-                </a:srgbClr>
-              </a:solidFill>
-            </a:endParaRPr>
-          </a:p>
-        </p:txBody>
-      </p:sp>
-    </p:spTree>
-    <p:extLst>
-      <p:ext uri="{BB962C8B-B14F-4D97-AF65-F5344CB8AC3E}">
-        <p14:creationId xmlns:p14="http://schemas.microsoft.com/office/powerpoint/2010/main" val="1709447306"/>
+        <p14:creationId xmlns:p14="http://schemas.microsoft.com/office/powerpoint/2010/main" val="9679259"/>
       </p:ext>
     </p:extLst>
   </p:cSld>
